--- a/Presentación.pptx
+++ b/Presentación.pptx
@@ -107,6 +107,11 @@
       </a:defRPr>
     </a:lvl9pPr>
   </p:defaultTextStyle>
+  <p:extLst>
+    <p:ext uri="{EFAFB233-063F-42B5-8137-9DF3F51BA10A}">
+      <p15:sldGuideLst xmlns:p15="http://schemas.microsoft.com/office/powerpoint/2012/main"/>
+    </p:ext>
+  </p:extLst>
 </p:presentation>
 </file>
 
@@ -259,7 +264,7 @@
           <a:p>
             <a:fld id="{6D78EC0B-D654-4DCA-B28D-2D9FBD433799}" type="datetimeFigureOut">
               <a:rPr lang="es-AR" smtClean="0"/>
-              <a:t>27/11/2023</a:t>
+              <a:t>28/11/2023</a:t>
             </a:fld>
             <a:endParaRPr lang="es-AR"/>
           </a:p>
@@ -313,7 +318,7 @@
           <a:p>
             <a:fld id="{7BA853B7-2E9E-44AB-B1FF-C81D527EB835}" type="slidenum">
               <a:rPr lang="es-AR" smtClean="0"/>
-              <a:t>‹Nº›</a:t>
+              <a:t>‹#›</a:t>
             </a:fld>
             <a:endParaRPr lang="es-AR"/>
           </a:p>
@@ -459,7 +464,7 @@
           <a:p>
             <a:fld id="{6D78EC0B-D654-4DCA-B28D-2D9FBD433799}" type="datetimeFigureOut">
               <a:rPr lang="es-AR" smtClean="0"/>
-              <a:t>27/11/2023</a:t>
+              <a:t>28/11/2023</a:t>
             </a:fld>
             <a:endParaRPr lang="es-AR"/>
           </a:p>
@@ -513,7 +518,7 @@
           <a:p>
             <a:fld id="{7BA853B7-2E9E-44AB-B1FF-C81D527EB835}" type="slidenum">
               <a:rPr lang="es-AR" smtClean="0"/>
-              <a:t>‹Nº›</a:t>
+              <a:t>‹#›</a:t>
             </a:fld>
             <a:endParaRPr lang="es-AR"/>
           </a:p>
@@ -669,7 +674,7 @@
           <a:p>
             <a:fld id="{6D78EC0B-D654-4DCA-B28D-2D9FBD433799}" type="datetimeFigureOut">
               <a:rPr lang="es-AR" smtClean="0"/>
-              <a:t>27/11/2023</a:t>
+              <a:t>28/11/2023</a:t>
             </a:fld>
             <a:endParaRPr lang="es-AR"/>
           </a:p>
@@ -723,7 +728,7 @@
           <a:p>
             <a:fld id="{7BA853B7-2E9E-44AB-B1FF-C81D527EB835}" type="slidenum">
               <a:rPr lang="es-AR" smtClean="0"/>
-              <a:t>‹Nº›</a:t>
+              <a:t>‹#›</a:t>
             </a:fld>
             <a:endParaRPr lang="es-AR"/>
           </a:p>
@@ -869,7 +874,7 @@
           <a:p>
             <a:fld id="{6D78EC0B-D654-4DCA-B28D-2D9FBD433799}" type="datetimeFigureOut">
               <a:rPr lang="es-AR" smtClean="0"/>
-              <a:t>27/11/2023</a:t>
+              <a:t>28/11/2023</a:t>
             </a:fld>
             <a:endParaRPr lang="es-AR"/>
           </a:p>
@@ -923,7 +928,7 @@
           <a:p>
             <a:fld id="{7BA853B7-2E9E-44AB-B1FF-C81D527EB835}" type="slidenum">
               <a:rPr lang="es-AR" smtClean="0"/>
-              <a:t>‹Nº›</a:t>
+              <a:t>‹#›</a:t>
             </a:fld>
             <a:endParaRPr lang="es-AR"/>
           </a:p>
@@ -1145,7 +1150,7 @@
           <a:p>
             <a:fld id="{6D78EC0B-D654-4DCA-B28D-2D9FBD433799}" type="datetimeFigureOut">
               <a:rPr lang="es-AR" smtClean="0"/>
-              <a:t>27/11/2023</a:t>
+              <a:t>28/11/2023</a:t>
             </a:fld>
             <a:endParaRPr lang="es-AR"/>
           </a:p>
@@ -1199,7 +1204,7 @@
           <a:p>
             <a:fld id="{7BA853B7-2E9E-44AB-B1FF-C81D527EB835}" type="slidenum">
               <a:rPr lang="es-AR" smtClean="0"/>
-              <a:t>‹Nº›</a:t>
+              <a:t>‹#›</a:t>
             </a:fld>
             <a:endParaRPr lang="es-AR"/>
           </a:p>
@@ -1413,7 +1418,7 @@
           <a:p>
             <a:fld id="{6D78EC0B-D654-4DCA-B28D-2D9FBD433799}" type="datetimeFigureOut">
               <a:rPr lang="es-AR" smtClean="0"/>
-              <a:t>27/11/2023</a:t>
+              <a:t>28/11/2023</a:t>
             </a:fld>
             <a:endParaRPr lang="es-AR"/>
           </a:p>
@@ -1467,7 +1472,7 @@
           <a:p>
             <a:fld id="{7BA853B7-2E9E-44AB-B1FF-C81D527EB835}" type="slidenum">
               <a:rPr lang="es-AR" smtClean="0"/>
-              <a:t>‹Nº›</a:t>
+              <a:t>‹#›</a:t>
             </a:fld>
             <a:endParaRPr lang="es-AR"/>
           </a:p>
@@ -1828,7 +1833,7 @@
           <a:p>
             <a:fld id="{6D78EC0B-D654-4DCA-B28D-2D9FBD433799}" type="datetimeFigureOut">
               <a:rPr lang="es-AR" smtClean="0"/>
-              <a:t>27/11/2023</a:t>
+              <a:t>28/11/2023</a:t>
             </a:fld>
             <a:endParaRPr lang="es-AR"/>
           </a:p>
@@ -1882,7 +1887,7 @@
           <a:p>
             <a:fld id="{7BA853B7-2E9E-44AB-B1FF-C81D527EB835}" type="slidenum">
               <a:rPr lang="es-AR" smtClean="0"/>
-              <a:t>‹Nº›</a:t>
+              <a:t>‹#›</a:t>
             </a:fld>
             <a:endParaRPr lang="es-AR"/>
           </a:p>
@@ -1970,7 +1975,7 @@
           <a:p>
             <a:fld id="{6D78EC0B-D654-4DCA-B28D-2D9FBD433799}" type="datetimeFigureOut">
               <a:rPr lang="es-AR" smtClean="0"/>
-              <a:t>27/11/2023</a:t>
+              <a:t>28/11/2023</a:t>
             </a:fld>
             <a:endParaRPr lang="es-AR"/>
           </a:p>
@@ -2024,7 +2029,7 @@
           <a:p>
             <a:fld id="{7BA853B7-2E9E-44AB-B1FF-C81D527EB835}" type="slidenum">
               <a:rPr lang="es-AR" smtClean="0"/>
-              <a:t>‹Nº›</a:t>
+              <a:t>‹#›</a:t>
             </a:fld>
             <a:endParaRPr lang="es-AR"/>
           </a:p>
@@ -2083,7 +2088,7 @@
           <a:p>
             <a:fld id="{6D78EC0B-D654-4DCA-B28D-2D9FBD433799}" type="datetimeFigureOut">
               <a:rPr lang="es-AR" smtClean="0"/>
-              <a:t>27/11/2023</a:t>
+              <a:t>28/11/2023</a:t>
             </a:fld>
             <a:endParaRPr lang="es-AR"/>
           </a:p>
@@ -2137,7 +2142,7 @@
           <a:p>
             <a:fld id="{7BA853B7-2E9E-44AB-B1FF-C81D527EB835}" type="slidenum">
               <a:rPr lang="es-AR" smtClean="0"/>
-              <a:t>‹Nº›</a:t>
+              <a:t>‹#›</a:t>
             </a:fld>
             <a:endParaRPr lang="es-AR"/>
           </a:p>
@@ -2396,7 +2401,7 @@
           <a:p>
             <a:fld id="{6D78EC0B-D654-4DCA-B28D-2D9FBD433799}" type="datetimeFigureOut">
               <a:rPr lang="es-AR" smtClean="0"/>
-              <a:t>27/11/2023</a:t>
+              <a:t>28/11/2023</a:t>
             </a:fld>
             <a:endParaRPr lang="es-AR"/>
           </a:p>
@@ -2450,7 +2455,7 @@
           <a:p>
             <a:fld id="{7BA853B7-2E9E-44AB-B1FF-C81D527EB835}" type="slidenum">
               <a:rPr lang="es-AR" smtClean="0"/>
-              <a:t>‹Nº›</a:t>
+              <a:t>‹#›</a:t>
             </a:fld>
             <a:endParaRPr lang="es-AR"/>
           </a:p>
@@ -2685,7 +2690,7 @@
           <a:p>
             <a:fld id="{6D78EC0B-D654-4DCA-B28D-2D9FBD433799}" type="datetimeFigureOut">
               <a:rPr lang="es-AR" smtClean="0"/>
-              <a:t>27/11/2023</a:t>
+              <a:t>28/11/2023</a:t>
             </a:fld>
             <a:endParaRPr lang="es-AR"/>
           </a:p>
@@ -2739,7 +2744,7 @@
           <a:p>
             <a:fld id="{7BA853B7-2E9E-44AB-B1FF-C81D527EB835}" type="slidenum">
               <a:rPr lang="es-AR" smtClean="0"/>
-              <a:t>‹Nº›</a:t>
+              <a:t>‹#›</a:t>
             </a:fld>
             <a:endParaRPr lang="es-AR"/>
           </a:p>
@@ -2928,7 +2933,7 @@
           <a:p>
             <a:fld id="{6D78EC0B-D654-4DCA-B28D-2D9FBD433799}" type="datetimeFigureOut">
               <a:rPr lang="es-AR" smtClean="0"/>
-              <a:t>27/11/2023</a:t>
+              <a:t>28/11/2023</a:t>
             </a:fld>
             <a:endParaRPr lang="es-AR"/>
           </a:p>
@@ -3018,7 +3023,7 @@
           <a:p>
             <a:fld id="{7BA853B7-2E9E-44AB-B1FF-C81D527EB835}" type="slidenum">
               <a:rPr lang="es-AR" smtClean="0"/>
-              <a:t>‹Nº›</a:t>
+              <a:t>‹#›</a:t>
             </a:fld>
             <a:endParaRPr lang="es-AR"/>
           </a:p>
@@ -3452,8 +3457,14 @@
           <a:lstStyle/>
           <a:p>
             <a:r>
-              <a:rPr lang="es-ES" dirty="0"/>
-              <a:t>Excelente performance en campaña de marketing en el mes de mayo</a:t>
+              <a:rPr lang="es-ES" b="0" i="0" dirty="0">
+                <a:solidFill>
+                  <a:srgbClr val="374151"/>
+                </a:solidFill>
+                <a:effectLst/>
+                <a:latin typeface="Söhne"/>
+              </a:rPr>
+              <a:t>Éxito destacado en la campaña de marketing de Mayo</a:t>
             </a:r>
             <a:endParaRPr lang="es-AR" dirty="0"/>
           </a:p>
@@ -3968,8 +3979,52 @@
           <a:lstStyle/>
           <a:p>
             <a:r>
-              <a:rPr lang="es-ES" dirty="0"/>
-              <a:t>Tendencias de compras por géneros</a:t>
+              <a:rPr lang="es-ES" b="0" i="0" dirty="0">
+                <a:solidFill>
+                  <a:srgbClr val="374151"/>
+                </a:solidFill>
+                <a:effectLst/>
+                <a:latin typeface="Söhne"/>
+              </a:rPr>
+              <a:t>La Ropa: un </a:t>
+            </a:r>
+            <a:r>
+              <a:rPr lang="es-ES" dirty="0">
+                <a:solidFill>
+                  <a:srgbClr val="374151"/>
+                </a:solidFill>
+                <a:latin typeface="Söhne"/>
+              </a:rPr>
+              <a:t>p</a:t>
+            </a:r>
+            <a:r>
+              <a:rPr lang="es-ES" b="0" i="0" dirty="0">
+                <a:solidFill>
+                  <a:srgbClr val="374151"/>
+                </a:solidFill>
+                <a:effectLst/>
+                <a:latin typeface="Söhne"/>
+              </a:rPr>
+              <a:t>roducto </a:t>
+            </a:r>
+            <a:r>
+              <a:rPr lang="es-ES" dirty="0">
+                <a:solidFill>
+                  <a:srgbClr val="374151"/>
+                </a:solidFill>
+                <a:latin typeface="Söhne"/>
+              </a:rPr>
+              <a:t>v</a:t>
+            </a:r>
+            <a:r>
+              <a:rPr lang="es-ES" b="0" i="0" dirty="0">
+                <a:solidFill>
+                  <a:srgbClr val="374151"/>
+                </a:solidFill>
+                <a:effectLst/>
+                <a:latin typeface="Söhne"/>
+              </a:rPr>
+              <a:t>ersátil para todos los géneros</a:t>
             </a:r>
             <a:endParaRPr lang="es-AR" dirty="0"/>
           </a:p>

--- a/Presentación.pptx
+++ b/Presentación.pptx
@@ -4,11 +4,15 @@
   <p:sldMasterIdLst>
     <p:sldMasterId id="2147483648" r:id="rId1"/>
   </p:sldMasterIdLst>
+  <p:notesMasterIdLst>
+    <p:notesMasterId r:id="rId7"/>
+  </p:notesMasterIdLst>
   <p:sldIdLst>
     <p:sldId id="256" r:id="rId2"/>
     <p:sldId id="257" r:id="rId3"/>
     <p:sldId id="258" r:id="rId4"/>
     <p:sldId id="259" r:id="rId5"/>
+    <p:sldId id="260" r:id="rId6"/>
   </p:sldIdLst>
   <p:sldSz cx="12192000" cy="6858000"/>
   <p:notesSz cx="6858000" cy="9144000"/>
@@ -107,7 +111,375 @@
       </a:defRPr>
     </a:lvl9pPr>
   </p:defaultTextStyle>
+  <p:extLst>
+    <p:ext uri="{521415D9-36F7-43E2-AB2F-B90AF26B5E84}">
+      <p14:sectionLst xmlns:p14="http://schemas.microsoft.com/office/powerpoint/2010/main">
+        <p14:section name="Sección predeterminada" id="{0F810965-E68A-43A4-869F-A180CF378114}">
+          <p14:sldIdLst>
+            <p14:sldId id="256"/>
+            <p14:sldId id="257"/>
+            <p14:sldId id="258"/>
+            <p14:sldId id="259"/>
+            <p14:sldId id="260"/>
+          </p14:sldIdLst>
+        </p14:section>
+      </p14:sectionLst>
+    </p:ext>
+    <p:ext uri="{EFAFB233-063F-42B5-8137-9DF3F51BA10A}">
+      <p15:sldGuideLst xmlns:p15="http://schemas.microsoft.com/office/powerpoint/2012/main"/>
+    </p:ext>
+  </p:extLst>
 </p:presentation>
+</file>
+
+<file path=ppt/notesMasters/notesMaster1.xml><?xml version="1.0" encoding="utf-8"?>
+<p:notesMaster xmlns:a="http://schemas.openxmlformats.org/drawingml/2006/main" xmlns:r="http://schemas.openxmlformats.org/officeDocument/2006/relationships" xmlns:p="http://schemas.openxmlformats.org/presentationml/2006/main">
+  <p:cSld>
+    <p:bg>
+      <p:bgRef idx="1001">
+        <a:schemeClr val="bg1"/>
+      </p:bgRef>
+    </p:bg>
+    <p:spTree>
+      <p:nvGrpSpPr>
+        <p:cNvPr id="1" name=""/>
+        <p:cNvGrpSpPr/>
+        <p:nvPr/>
+      </p:nvGrpSpPr>
+      <p:grpSpPr>
+        <a:xfrm>
+          <a:off x="0" y="0"/>
+          <a:ext cx="0" cy="0"/>
+          <a:chOff x="0" y="0"/>
+          <a:chExt cx="0" cy="0"/>
+        </a:xfrm>
+      </p:grpSpPr>
+      <p:sp>
+        <p:nvSpPr>
+          <p:cNvPr id="2" name="Marcador de encabezado 1"/>
+          <p:cNvSpPr>
+            <a:spLocks noGrp="1"/>
+          </p:cNvSpPr>
+          <p:nvPr>
+            <p:ph type="hdr" sz="quarter"/>
+          </p:nvPr>
+        </p:nvSpPr>
+        <p:spPr>
+          <a:xfrm>
+            <a:off x="0" y="0"/>
+            <a:ext cx="2971800" cy="458788"/>
+          </a:xfrm>
+          <a:prstGeom prst="rect">
+            <a:avLst/>
+          </a:prstGeom>
+        </p:spPr>
+        <p:txBody>
+          <a:bodyPr vert="horz" lIns="91440" tIns="45720" rIns="91440" bIns="45720" rtlCol="0"/>
+          <a:lstStyle>
+            <a:lvl1pPr algn="l">
+              <a:defRPr sz="1200"/>
+            </a:lvl1pPr>
+          </a:lstStyle>
+          <a:p>
+            <a:endParaRPr lang="es-AR"/>
+          </a:p>
+        </p:txBody>
+      </p:sp>
+      <p:sp>
+        <p:nvSpPr>
+          <p:cNvPr id="3" name="Marcador de fecha 2"/>
+          <p:cNvSpPr>
+            <a:spLocks noGrp="1"/>
+          </p:cNvSpPr>
+          <p:nvPr>
+            <p:ph type="dt" idx="1"/>
+          </p:nvPr>
+        </p:nvSpPr>
+        <p:spPr>
+          <a:xfrm>
+            <a:off x="3884613" y="0"/>
+            <a:ext cx="2971800" cy="458788"/>
+          </a:xfrm>
+          <a:prstGeom prst="rect">
+            <a:avLst/>
+          </a:prstGeom>
+        </p:spPr>
+        <p:txBody>
+          <a:bodyPr vert="horz" lIns="91440" tIns="45720" rIns="91440" bIns="45720" rtlCol="0"/>
+          <a:lstStyle>
+            <a:lvl1pPr algn="r">
+              <a:defRPr sz="1200"/>
+            </a:lvl1pPr>
+          </a:lstStyle>
+          <a:p>
+            <a:fld id="{F5B5E9F8-7AC4-47AB-807A-A34C3C5BBD14}" type="datetimeFigureOut">
+              <a:rPr lang="es-AR" smtClean="0"/>
+              <a:t>28/11/2023</a:t>
+            </a:fld>
+            <a:endParaRPr lang="es-AR"/>
+          </a:p>
+        </p:txBody>
+      </p:sp>
+      <p:sp>
+        <p:nvSpPr>
+          <p:cNvPr id="4" name="Marcador de imagen de diapositiva 3"/>
+          <p:cNvSpPr>
+            <a:spLocks noGrp="1" noRot="1" noChangeAspect="1"/>
+          </p:cNvSpPr>
+          <p:nvPr>
+            <p:ph type="sldImg" idx="2"/>
+          </p:nvPr>
+        </p:nvSpPr>
+        <p:spPr>
+          <a:xfrm>
+            <a:off x="685800" y="1143000"/>
+            <a:ext cx="5486400" cy="3086100"/>
+          </a:xfrm>
+          <a:prstGeom prst="rect">
+            <a:avLst/>
+          </a:prstGeom>
+          <a:noFill/>
+          <a:ln w="12700">
+            <a:solidFill>
+              <a:prstClr val="black"/>
+            </a:solidFill>
+          </a:ln>
+        </p:spPr>
+        <p:txBody>
+          <a:bodyPr vert="horz" lIns="91440" tIns="45720" rIns="91440" bIns="45720" rtlCol="0" anchor="ctr"/>
+          <a:lstStyle/>
+          <a:p>
+            <a:endParaRPr lang="es-AR"/>
+          </a:p>
+        </p:txBody>
+      </p:sp>
+      <p:sp>
+        <p:nvSpPr>
+          <p:cNvPr id="5" name="Marcador de notas 4"/>
+          <p:cNvSpPr>
+            <a:spLocks noGrp="1"/>
+          </p:cNvSpPr>
+          <p:nvPr>
+            <p:ph type="body" sz="quarter" idx="3"/>
+          </p:nvPr>
+        </p:nvSpPr>
+        <p:spPr>
+          <a:xfrm>
+            <a:off x="685800" y="4400550"/>
+            <a:ext cx="5486400" cy="3600450"/>
+          </a:xfrm>
+          <a:prstGeom prst="rect">
+            <a:avLst/>
+          </a:prstGeom>
+        </p:spPr>
+        <p:txBody>
+          <a:bodyPr vert="horz" lIns="91440" tIns="45720" rIns="91440" bIns="45720" rtlCol="0"/>
+          <a:lstStyle/>
+          <a:p>
+            <a:pPr lvl="0"/>
+            <a:r>
+              <a:rPr lang="es-ES"/>
+              <a:t>Haga clic para modificar los estilos de texto del patrón</a:t>
+            </a:r>
+          </a:p>
+          <a:p>
+            <a:pPr lvl="1"/>
+            <a:r>
+              <a:rPr lang="es-ES"/>
+              <a:t>Segundo nivel</a:t>
+            </a:r>
+          </a:p>
+          <a:p>
+            <a:pPr lvl="2"/>
+            <a:r>
+              <a:rPr lang="es-ES"/>
+              <a:t>Tercer nivel</a:t>
+            </a:r>
+          </a:p>
+          <a:p>
+            <a:pPr lvl="3"/>
+            <a:r>
+              <a:rPr lang="es-ES"/>
+              <a:t>Cuarto nivel</a:t>
+            </a:r>
+          </a:p>
+          <a:p>
+            <a:pPr lvl="4"/>
+            <a:r>
+              <a:rPr lang="es-ES"/>
+              <a:t>Quinto nivel</a:t>
+            </a:r>
+            <a:endParaRPr lang="es-AR"/>
+          </a:p>
+        </p:txBody>
+      </p:sp>
+      <p:sp>
+        <p:nvSpPr>
+          <p:cNvPr id="6" name="Marcador de pie de página 5"/>
+          <p:cNvSpPr>
+            <a:spLocks noGrp="1"/>
+          </p:cNvSpPr>
+          <p:nvPr>
+            <p:ph type="ftr" sz="quarter" idx="4"/>
+          </p:nvPr>
+        </p:nvSpPr>
+        <p:spPr>
+          <a:xfrm>
+            <a:off x="0" y="8685213"/>
+            <a:ext cx="2971800" cy="458787"/>
+          </a:xfrm>
+          <a:prstGeom prst="rect">
+            <a:avLst/>
+          </a:prstGeom>
+        </p:spPr>
+        <p:txBody>
+          <a:bodyPr vert="horz" lIns="91440" tIns="45720" rIns="91440" bIns="45720" rtlCol="0" anchor="b"/>
+          <a:lstStyle>
+            <a:lvl1pPr algn="l">
+              <a:defRPr sz="1200"/>
+            </a:lvl1pPr>
+          </a:lstStyle>
+          <a:p>
+            <a:endParaRPr lang="es-AR"/>
+          </a:p>
+        </p:txBody>
+      </p:sp>
+      <p:sp>
+        <p:nvSpPr>
+          <p:cNvPr id="7" name="Marcador de número de diapositiva 6"/>
+          <p:cNvSpPr>
+            <a:spLocks noGrp="1"/>
+          </p:cNvSpPr>
+          <p:nvPr>
+            <p:ph type="sldNum" sz="quarter" idx="5"/>
+          </p:nvPr>
+        </p:nvSpPr>
+        <p:spPr>
+          <a:xfrm>
+            <a:off x="3884613" y="8685213"/>
+            <a:ext cx="2971800" cy="458787"/>
+          </a:xfrm>
+          <a:prstGeom prst="rect">
+            <a:avLst/>
+          </a:prstGeom>
+        </p:spPr>
+        <p:txBody>
+          <a:bodyPr vert="horz" lIns="91440" tIns="45720" rIns="91440" bIns="45720" rtlCol="0" anchor="b"/>
+          <a:lstStyle>
+            <a:lvl1pPr algn="r">
+              <a:defRPr sz="1200"/>
+            </a:lvl1pPr>
+          </a:lstStyle>
+          <a:p>
+            <a:fld id="{E87609E3-B394-4FCB-976A-70F65CE0C2AF}" type="slidenum">
+              <a:rPr lang="es-AR" smtClean="0"/>
+              <a:t>‹Nº›</a:t>
+            </a:fld>
+            <a:endParaRPr lang="es-AR"/>
+          </a:p>
+        </p:txBody>
+      </p:sp>
+    </p:spTree>
+    <p:extLst>
+      <p:ext uri="{BB962C8B-B14F-4D97-AF65-F5344CB8AC3E}">
+        <p14:creationId xmlns:p14="http://schemas.microsoft.com/office/powerpoint/2010/main" val="4031842749"/>
+      </p:ext>
+    </p:extLst>
+  </p:cSld>
+  <p:clrMap bg1="lt1" tx1="dk1" bg2="lt2" tx2="dk2" accent1="accent1" accent2="accent2" accent3="accent3" accent4="accent4" accent5="accent5" accent6="accent6" hlink="hlink" folHlink="folHlink"/>
+  <p:notesStyle>
+    <a:lvl1pPr marL="0" algn="l" defTabSz="914400" rtl="0" eaLnBrk="1" latinLnBrk="0" hangingPunct="1">
+      <a:defRPr sz="1200" kern="1200">
+        <a:solidFill>
+          <a:schemeClr val="tx1"/>
+        </a:solidFill>
+        <a:latin typeface="+mn-lt"/>
+        <a:ea typeface="+mn-ea"/>
+        <a:cs typeface="+mn-cs"/>
+      </a:defRPr>
+    </a:lvl1pPr>
+    <a:lvl2pPr marL="457200" algn="l" defTabSz="914400" rtl="0" eaLnBrk="1" latinLnBrk="0" hangingPunct="1">
+      <a:defRPr sz="1200" kern="1200">
+        <a:solidFill>
+          <a:schemeClr val="tx1"/>
+        </a:solidFill>
+        <a:latin typeface="+mn-lt"/>
+        <a:ea typeface="+mn-ea"/>
+        <a:cs typeface="+mn-cs"/>
+      </a:defRPr>
+    </a:lvl2pPr>
+    <a:lvl3pPr marL="914400" algn="l" defTabSz="914400" rtl="0" eaLnBrk="1" latinLnBrk="0" hangingPunct="1">
+      <a:defRPr sz="1200" kern="1200">
+        <a:solidFill>
+          <a:schemeClr val="tx1"/>
+        </a:solidFill>
+        <a:latin typeface="+mn-lt"/>
+        <a:ea typeface="+mn-ea"/>
+        <a:cs typeface="+mn-cs"/>
+      </a:defRPr>
+    </a:lvl3pPr>
+    <a:lvl4pPr marL="1371600" algn="l" defTabSz="914400" rtl="0" eaLnBrk="1" latinLnBrk="0" hangingPunct="1">
+      <a:defRPr sz="1200" kern="1200">
+        <a:solidFill>
+          <a:schemeClr val="tx1"/>
+        </a:solidFill>
+        <a:latin typeface="+mn-lt"/>
+        <a:ea typeface="+mn-ea"/>
+        <a:cs typeface="+mn-cs"/>
+      </a:defRPr>
+    </a:lvl4pPr>
+    <a:lvl5pPr marL="1828800" algn="l" defTabSz="914400" rtl="0" eaLnBrk="1" latinLnBrk="0" hangingPunct="1">
+      <a:defRPr sz="1200" kern="1200">
+        <a:solidFill>
+          <a:schemeClr val="tx1"/>
+        </a:solidFill>
+        <a:latin typeface="+mn-lt"/>
+        <a:ea typeface="+mn-ea"/>
+        <a:cs typeface="+mn-cs"/>
+      </a:defRPr>
+    </a:lvl5pPr>
+    <a:lvl6pPr marL="2286000" algn="l" defTabSz="914400" rtl="0" eaLnBrk="1" latinLnBrk="0" hangingPunct="1">
+      <a:defRPr sz="1200" kern="1200">
+        <a:solidFill>
+          <a:schemeClr val="tx1"/>
+        </a:solidFill>
+        <a:latin typeface="+mn-lt"/>
+        <a:ea typeface="+mn-ea"/>
+        <a:cs typeface="+mn-cs"/>
+      </a:defRPr>
+    </a:lvl6pPr>
+    <a:lvl7pPr marL="2743200" algn="l" defTabSz="914400" rtl="0" eaLnBrk="1" latinLnBrk="0" hangingPunct="1">
+      <a:defRPr sz="1200" kern="1200">
+        <a:solidFill>
+          <a:schemeClr val="tx1"/>
+        </a:solidFill>
+        <a:latin typeface="+mn-lt"/>
+        <a:ea typeface="+mn-ea"/>
+        <a:cs typeface="+mn-cs"/>
+      </a:defRPr>
+    </a:lvl7pPr>
+    <a:lvl8pPr marL="3200400" algn="l" defTabSz="914400" rtl="0" eaLnBrk="1" latinLnBrk="0" hangingPunct="1">
+      <a:defRPr sz="1200" kern="1200">
+        <a:solidFill>
+          <a:schemeClr val="tx1"/>
+        </a:solidFill>
+        <a:latin typeface="+mn-lt"/>
+        <a:ea typeface="+mn-ea"/>
+        <a:cs typeface="+mn-cs"/>
+      </a:defRPr>
+    </a:lvl8pPr>
+    <a:lvl9pPr marL="3657600" algn="l" defTabSz="914400" rtl="0" eaLnBrk="1" latinLnBrk="0" hangingPunct="1">
+      <a:defRPr sz="1200" kern="1200">
+        <a:solidFill>
+          <a:schemeClr val="tx1"/>
+        </a:solidFill>
+        <a:latin typeface="+mn-lt"/>
+        <a:ea typeface="+mn-ea"/>
+        <a:cs typeface="+mn-cs"/>
+      </a:defRPr>
+    </a:lvl9pPr>
+  </p:notesStyle>
+</p:notesMaster>
 </file>
 
 <file path=ppt/slideLayouts/slideLayout1.xml><?xml version="1.0" encoding="utf-8"?>
@@ -259,7 +631,7 @@
           <a:p>
             <a:fld id="{6D78EC0B-D654-4DCA-B28D-2D9FBD433799}" type="datetimeFigureOut">
               <a:rPr lang="es-AR" smtClean="0"/>
-              <a:t>27/11/2023</a:t>
+              <a:t>28/11/2023</a:t>
             </a:fld>
             <a:endParaRPr lang="es-AR"/>
           </a:p>
@@ -459,7 +831,7 @@
           <a:p>
             <a:fld id="{6D78EC0B-D654-4DCA-B28D-2D9FBD433799}" type="datetimeFigureOut">
               <a:rPr lang="es-AR" smtClean="0"/>
-              <a:t>27/11/2023</a:t>
+              <a:t>28/11/2023</a:t>
             </a:fld>
             <a:endParaRPr lang="es-AR"/>
           </a:p>
@@ -669,7 +1041,7 @@
           <a:p>
             <a:fld id="{6D78EC0B-D654-4DCA-B28D-2D9FBD433799}" type="datetimeFigureOut">
               <a:rPr lang="es-AR" smtClean="0"/>
-              <a:t>27/11/2023</a:t>
+              <a:t>28/11/2023</a:t>
             </a:fld>
             <a:endParaRPr lang="es-AR"/>
           </a:p>
@@ -869,7 +1241,7 @@
           <a:p>
             <a:fld id="{6D78EC0B-D654-4DCA-B28D-2D9FBD433799}" type="datetimeFigureOut">
               <a:rPr lang="es-AR" smtClean="0"/>
-              <a:t>27/11/2023</a:t>
+              <a:t>28/11/2023</a:t>
             </a:fld>
             <a:endParaRPr lang="es-AR"/>
           </a:p>
@@ -1145,7 +1517,7 @@
           <a:p>
             <a:fld id="{6D78EC0B-D654-4DCA-B28D-2D9FBD433799}" type="datetimeFigureOut">
               <a:rPr lang="es-AR" smtClean="0"/>
-              <a:t>27/11/2023</a:t>
+              <a:t>28/11/2023</a:t>
             </a:fld>
             <a:endParaRPr lang="es-AR"/>
           </a:p>
@@ -1413,7 +1785,7 @@
           <a:p>
             <a:fld id="{6D78EC0B-D654-4DCA-B28D-2D9FBD433799}" type="datetimeFigureOut">
               <a:rPr lang="es-AR" smtClean="0"/>
-              <a:t>27/11/2023</a:t>
+              <a:t>28/11/2023</a:t>
             </a:fld>
             <a:endParaRPr lang="es-AR"/>
           </a:p>
@@ -1828,7 +2200,7 @@
           <a:p>
             <a:fld id="{6D78EC0B-D654-4DCA-B28D-2D9FBD433799}" type="datetimeFigureOut">
               <a:rPr lang="es-AR" smtClean="0"/>
-              <a:t>27/11/2023</a:t>
+              <a:t>28/11/2023</a:t>
             </a:fld>
             <a:endParaRPr lang="es-AR"/>
           </a:p>
@@ -1970,7 +2342,7 @@
           <a:p>
             <a:fld id="{6D78EC0B-D654-4DCA-B28D-2D9FBD433799}" type="datetimeFigureOut">
               <a:rPr lang="es-AR" smtClean="0"/>
-              <a:t>27/11/2023</a:t>
+              <a:t>28/11/2023</a:t>
             </a:fld>
             <a:endParaRPr lang="es-AR"/>
           </a:p>
@@ -2083,7 +2455,7 @@
           <a:p>
             <a:fld id="{6D78EC0B-D654-4DCA-B28D-2D9FBD433799}" type="datetimeFigureOut">
               <a:rPr lang="es-AR" smtClean="0"/>
-              <a:t>27/11/2023</a:t>
+              <a:t>28/11/2023</a:t>
             </a:fld>
             <a:endParaRPr lang="es-AR"/>
           </a:p>
@@ -2396,7 +2768,7 @@
           <a:p>
             <a:fld id="{6D78EC0B-D654-4DCA-B28D-2D9FBD433799}" type="datetimeFigureOut">
               <a:rPr lang="es-AR" smtClean="0"/>
-              <a:t>27/11/2023</a:t>
+              <a:t>28/11/2023</a:t>
             </a:fld>
             <a:endParaRPr lang="es-AR"/>
           </a:p>
@@ -2685,7 +3057,7 @@
           <a:p>
             <a:fld id="{6D78EC0B-D654-4DCA-B28D-2D9FBD433799}" type="datetimeFigureOut">
               <a:rPr lang="es-AR" smtClean="0"/>
-              <a:t>27/11/2023</a:t>
+              <a:t>28/11/2023</a:t>
             </a:fld>
             <a:endParaRPr lang="es-AR"/>
           </a:p>
@@ -2928,7 +3300,7 @@
           <a:p>
             <a:fld id="{6D78EC0B-D654-4DCA-B28D-2D9FBD433799}" type="datetimeFigureOut">
               <a:rPr lang="es-AR" smtClean="0"/>
-              <a:t>27/11/2023</a:t>
+              <a:t>28/11/2023</a:t>
             </a:fld>
             <a:endParaRPr lang="es-AR"/>
           </a:p>
@@ -3331,6 +3703,14 @@
 <file path=ppt/slides/slide1.xml><?xml version="1.0" encoding="utf-8"?>
 <p:sld xmlns:a="http://schemas.openxmlformats.org/drawingml/2006/main" xmlns:r="http://schemas.openxmlformats.org/officeDocument/2006/relationships" xmlns:p="http://schemas.openxmlformats.org/presentationml/2006/main">
   <p:cSld>
+    <p:bg>
+      <p:bgPr>
+        <a:solidFill>
+          <a:schemeClr val="bg1"/>
+        </a:solidFill>
+        <a:effectLst/>
+      </p:bgPr>
+    </p:bg>
     <p:spTree>
       <p:nvGrpSpPr>
         <p:cNvPr id="1" name=""/>
@@ -3345,6 +3725,457 @@
           <a:chExt cx="0" cy="0"/>
         </a:xfrm>
       </p:grpSpPr>
+      <p:sp useBgFill="1">
+        <p:nvSpPr>
+          <p:cNvPr id="8" name="Rectangle 7">
+            <a:extLst>
+              <a:ext uri="{FF2B5EF4-FFF2-40B4-BE49-F238E27FC236}">
+                <a16:creationId xmlns:a16="http://schemas.microsoft.com/office/drawing/2014/main" id="{FFD48BC7-DC40-47DE-87EE-9F4B6ECB9ABB}"/>
+              </a:ext>
+              <a:ext uri="{C183D7F6-B498-43B3-948B-1728B52AA6E4}">
+                <adec:decorative xmlns:adec="http://schemas.microsoft.com/office/drawing/2017/decorative" val="1"/>
+              </a:ext>
+            </a:extLst>
+          </p:cNvPr>
+          <p:cNvSpPr>
+            <a:spLocks noGrp="1" noRot="1" noChangeAspect="1" noMove="1" noResize="1" noEditPoints="1" noAdjustHandles="1" noChangeArrowheads="1" noChangeShapeType="1" noTextEdit="1"/>
+          </p:cNvSpPr>
+          <p:nvPr>
+            <p:extLst>
+              <p:ext uri="{386F3935-93C4-4BCD-93E2-E3B085C9AB24}">
+                <p16:designElem xmlns:p16="http://schemas.microsoft.com/office/powerpoint/2015/main" val="1"/>
+              </p:ext>
+            </p:extLst>
+          </p:nvPr>
+        </p:nvSpPr>
+        <p:spPr>
+          <a:xfrm>
+            <a:off x="0" y="0"/>
+            <a:ext cx="12192000" cy="6858000"/>
+          </a:xfrm>
+          <a:prstGeom prst="rect">
+            <a:avLst/>
+          </a:prstGeom>
+          <a:ln>
+            <a:noFill/>
+          </a:ln>
+        </p:spPr>
+        <p:style>
+          <a:lnRef idx="2">
+            <a:schemeClr val="accent1">
+              <a:shade val="50000"/>
+            </a:schemeClr>
+          </a:lnRef>
+          <a:fillRef idx="1">
+            <a:schemeClr val="accent1"/>
+          </a:fillRef>
+          <a:effectRef idx="0">
+            <a:schemeClr val="accent1"/>
+          </a:effectRef>
+          <a:fontRef idx="minor">
+            <a:schemeClr val="lt1"/>
+          </a:fontRef>
+        </p:style>
+        <p:txBody>
+          <a:bodyPr rtlCol="0" anchor="ctr"/>
+          <a:lstStyle/>
+          <a:p>
+            <a:pPr algn="ctr"/>
+            <a:endParaRPr lang="en-US"/>
+          </a:p>
+        </p:txBody>
+      </p:sp>
+      <p:sp useBgFill="1">
+        <p:nvSpPr>
+          <p:cNvPr id="19" name="Freeform: Shape 9">
+            <a:extLst>
+              <a:ext uri="{FF2B5EF4-FFF2-40B4-BE49-F238E27FC236}">
+                <a16:creationId xmlns:a16="http://schemas.microsoft.com/office/drawing/2014/main" id="{E502BBC7-2C76-46F3-BC24-5985BC13DB88}"/>
+              </a:ext>
+              <a:ext uri="{C183D7F6-B498-43B3-948B-1728B52AA6E4}">
+                <adec:decorative xmlns:adec="http://schemas.microsoft.com/office/drawing/2017/decorative" val="1"/>
+              </a:ext>
+            </a:extLst>
+          </p:cNvPr>
+          <p:cNvSpPr>
+            <a:spLocks noGrp="1" noRot="1" noChangeAspect="1" noMove="1" noResize="1" noEditPoints="1" noAdjustHandles="1" noChangeArrowheads="1" noChangeShapeType="1" noTextEdit="1"/>
+          </p:cNvSpPr>
+          <p:nvPr>
+            <p:extLst>
+              <p:ext uri="{386F3935-93C4-4BCD-93E2-E3B085C9AB24}">
+                <p16:designElem xmlns:p16="http://schemas.microsoft.com/office/powerpoint/2015/main" val="1"/>
+              </p:ext>
+            </p:extLst>
+          </p:nvPr>
+        </p:nvSpPr>
+        <p:spPr>
+          <a:xfrm>
+            <a:off x="1114425" y="0"/>
+            <a:ext cx="9963150" cy="6858000"/>
+          </a:xfrm>
+          <a:custGeom>
+            <a:avLst/>
+            <a:gdLst>
+              <a:gd name="connsiteX0" fmla="*/ 1595771 w 9963150"/>
+              <a:gd name="connsiteY0" fmla="*/ 0 h 6858000"/>
+              <a:gd name="connsiteX1" fmla="*/ 8367379 w 9963150"/>
+              <a:gd name="connsiteY1" fmla="*/ 0 h 6858000"/>
+              <a:gd name="connsiteX2" fmla="*/ 8504080 w 9963150"/>
+              <a:gd name="connsiteY2" fmla="*/ 130333 h 6858000"/>
+              <a:gd name="connsiteX3" fmla="*/ 9963150 w 9963150"/>
+              <a:gd name="connsiteY3" fmla="*/ 3652838 h 6858000"/>
+              <a:gd name="connsiteX4" fmla="*/ 8825600 w 9963150"/>
+              <a:gd name="connsiteY4" fmla="*/ 6821583 h 6858000"/>
+              <a:gd name="connsiteX5" fmla="*/ 8794055 w 9963150"/>
+              <a:gd name="connsiteY5" fmla="*/ 6858000 h 6858000"/>
+              <a:gd name="connsiteX6" fmla="*/ 1169096 w 9963150"/>
+              <a:gd name="connsiteY6" fmla="*/ 6858000 h 6858000"/>
+              <a:gd name="connsiteX7" fmla="*/ 1137550 w 9963150"/>
+              <a:gd name="connsiteY7" fmla="*/ 6821583 h 6858000"/>
+              <a:gd name="connsiteX8" fmla="*/ 0 w 9963150"/>
+              <a:gd name="connsiteY8" fmla="*/ 3652838 h 6858000"/>
+              <a:gd name="connsiteX9" fmla="*/ 1459070 w 9963150"/>
+              <a:gd name="connsiteY9" fmla="*/ 130333 h 6858000"/>
+            </a:gdLst>
+            <a:ahLst/>
+            <a:cxnLst>
+              <a:cxn ang="0">
+                <a:pos x="connsiteX0" y="connsiteY0"/>
+              </a:cxn>
+              <a:cxn ang="0">
+                <a:pos x="connsiteX1" y="connsiteY1"/>
+              </a:cxn>
+              <a:cxn ang="0">
+                <a:pos x="connsiteX2" y="connsiteY2"/>
+              </a:cxn>
+              <a:cxn ang="0">
+                <a:pos x="connsiteX3" y="connsiteY3"/>
+              </a:cxn>
+              <a:cxn ang="0">
+                <a:pos x="connsiteX4" y="connsiteY4"/>
+              </a:cxn>
+              <a:cxn ang="0">
+                <a:pos x="connsiteX5" y="connsiteY5"/>
+              </a:cxn>
+              <a:cxn ang="0">
+                <a:pos x="connsiteX6" y="connsiteY6"/>
+              </a:cxn>
+              <a:cxn ang="0">
+                <a:pos x="connsiteX7" y="connsiteY7"/>
+              </a:cxn>
+              <a:cxn ang="0">
+                <a:pos x="connsiteX8" y="connsiteY8"/>
+              </a:cxn>
+              <a:cxn ang="0">
+                <a:pos x="connsiteX9" y="connsiteY9"/>
+              </a:cxn>
+            </a:cxnLst>
+            <a:rect l="l" t="t" r="r" b="b"/>
+            <a:pathLst>
+              <a:path w="9963150" h="6858000">
+                <a:moveTo>
+                  <a:pt x="1595771" y="0"/>
+                </a:moveTo>
+                <a:lnTo>
+                  <a:pt x="8367379" y="0"/>
+                </a:lnTo>
+                <a:lnTo>
+                  <a:pt x="8504080" y="130333"/>
+                </a:lnTo>
+                <a:cubicBezTo>
+                  <a:pt x="9405568" y="1031820"/>
+                  <a:pt x="9963150" y="2277214"/>
+                  <a:pt x="9963150" y="3652838"/>
+                </a:cubicBezTo>
+                <a:cubicBezTo>
+                  <a:pt x="9963150" y="4856509"/>
+                  <a:pt x="9536251" y="5960473"/>
+                  <a:pt x="8825600" y="6821583"/>
+                </a:cubicBezTo>
+                <a:lnTo>
+                  <a:pt x="8794055" y="6858000"/>
+                </a:lnTo>
+                <a:lnTo>
+                  <a:pt x="1169096" y="6858000"/>
+                </a:lnTo>
+                <a:lnTo>
+                  <a:pt x="1137550" y="6821583"/>
+                </a:lnTo>
+                <a:cubicBezTo>
+                  <a:pt x="426899" y="5960473"/>
+                  <a:pt x="0" y="4856509"/>
+                  <a:pt x="0" y="3652838"/>
+                </a:cubicBezTo>
+                <a:cubicBezTo>
+                  <a:pt x="0" y="2277214"/>
+                  <a:pt x="557582" y="1031820"/>
+                  <a:pt x="1459070" y="130333"/>
+                </a:cubicBezTo>
+                <a:close/>
+              </a:path>
+            </a:pathLst>
+          </a:custGeom>
+          <a:ln w="9525">
+            <a:solidFill>
+              <a:srgbClr val="EFEFEF"/>
+            </a:solidFill>
+          </a:ln>
+          <a:effectLst>
+            <a:outerShdw blurRad="139700" sx="102000" sy="102000" algn="ctr" rotWithShape="0">
+              <a:schemeClr val="bg1">
+                <a:lumMod val="85000"/>
+                <a:alpha val="38000"/>
+              </a:schemeClr>
+            </a:outerShdw>
+          </a:effectLst>
+        </p:spPr>
+        <p:style>
+          <a:lnRef idx="2">
+            <a:schemeClr val="accent1">
+              <a:shade val="50000"/>
+            </a:schemeClr>
+          </a:lnRef>
+          <a:fillRef idx="1">
+            <a:schemeClr val="accent1"/>
+          </a:fillRef>
+          <a:effectRef idx="0">
+            <a:schemeClr val="accent1"/>
+          </a:effectRef>
+          <a:fontRef idx="minor">
+            <a:schemeClr val="lt1"/>
+          </a:fontRef>
+        </p:style>
+        <p:txBody>
+          <a:bodyPr wrap="square" rtlCol="0" anchor="ctr">
+            <a:noAutofit/>
+          </a:bodyPr>
+          <a:lstStyle/>
+          <a:p>
+            <a:pPr marL="0" marR="0" lvl="0" indent="0" algn="ctr" defTabSz="914400" rtl="0" eaLnBrk="1" fontAlgn="auto" latinLnBrk="0" hangingPunct="1">
+              <a:lnSpc>
+                <a:spcPct val="100000"/>
+              </a:lnSpc>
+              <a:spcBef>
+                <a:spcPts val="0"/>
+              </a:spcBef>
+              <a:spcAft>
+                <a:spcPts val="0"/>
+              </a:spcAft>
+              <a:buClrTx/>
+              <a:buSzTx/>
+              <a:buFontTx/>
+              <a:buNone/>
+              <a:tabLst/>
+              <a:defRPr/>
+            </a:pPr>
+            <a:endParaRPr kumimoji="0" lang="en-US" sz="1800" b="0" i="0" u="none" strike="noStrike" kern="1200" cap="none" spc="0" normalizeH="0" baseline="0" noProof="0">
+              <a:ln>
+                <a:noFill/>
+              </a:ln>
+              <a:solidFill>
+                <a:prstClr val="white"/>
+              </a:solidFill>
+              <a:effectLst/>
+              <a:uLnTx/>
+              <a:uFillTx/>
+              <a:latin typeface="Calibri" panose="020F0502020204030204"/>
+              <a:ea typeface="+mn-ea"/>
+              <a:cs typeface="+mn-cs"/>
+            </a:endParaRPr>
+          </a:p>
+        </p:txBody>
+      </p:sp>
+      <p:sp useBgFill="1">
+        <p:nvSpPr>
+          <p:cNvPr id="20" name="Freeform: Shape 11">
+            <a:extLst>
+              <a:ext uri="{FF2B5EF4-FFF2-40B4-BE49-F238E27FC236}">
+                <a16:creationId xmlns:a16="http://schemas.microsoft.com/office/drawing/2014/main" id="{C7F28D52-2A5F-4D23-81AE-7CB8B591C7AF}"/>
+              </a:ext>
+              <a:ext uri="{C183D7F6-B498-43B3-948B-1728B52AA6E4}">
+                <adec:decorative xmlns:adec="http://schemas.microsoft.com/office/drawing/2017/decorative" val="1"/>
+              </a:ext>
+            </a:extLst>
+          </p:cNvPr>
+          <p:cNvSpPr>
+            <a:spLocks noGrp="1" noRot="1" noChangeAspect="1" noMove="1" noResize="1" noEditPoints="1" noAdjustHandles="1" noChangeArrowheads="1" noChangeShapeType="1" noTextEdit="1"/>
+          </p:cNvSpPr>
+          <p:nvPr>
+            <p:extLst>
+              <p:ext uri="{386F3935-93C4-4BCD-93E2-E3B085C9AB24}">
+                <p16:designElem xmlns:p16="http://schemas.microsoft.com/office/powerpoint/2015/main" val="1"/>
+              </p:ext>
+            </p:extLst>
+          </p:nvPr>
+        </p:nvSpPr>
+        <p:spPr>
+          <a:xfrm>
+            <a:off x="1121664" y="0"/>
+            <a:ext cx="9948672" cy="6858000"/>
+          </a:xfrm>
+          <a:custGeom>
+            <a:avLst/>
+            <a:gdLst>
+              <a:gd name="connsiteX0" fmla="*/ 1595771 w 9963150"/>
+              <a:gd name="connsiteY0" fmla="*/ 0 h 6858000"/>
+              <a:gd name="connsiteX1" fmla="*/ 8367379 w 9963150"/>
+              <a:gd name="connsiteY1" fmla="*/ 0 h 6858000"/>
+              <a:gd name="connsiteX2" fmla="*/ 8504080 w 9963150"/>
+              <a:gd name="connsiteY2" fmla="*/ 130333 h 6858000"/>
+              <a:gd name="connsiteX3" fmla="*/ 9963150 w 9963150"/>
+              <a:gd name="connsiteY3" fmla="*/ 3652838 h 6858000"/>
+              <a:gd name="connsiteX4" fmla="*/ 8825600 w 9963150"/>
+              <a:gd name="connsiteY4" fmla="*/ 6821583 h 6858000"/>
+              <a:gd name="connsiteX5" fmla="*/ 8794055 w 9963150"/>
+              <a:gd name="connsiteY5" fmla="*/ 6858000 h 6858000"/>
+              <a:gd name="connsiteX6" fmla="*/ 1169096 w 9963150"/>
+              <a:gd name="connsiteY6" fmla="*/ 6858000 h 6858000"/>
+              <a:gd name="connsiteX7" fmla="*/ 1137550 w 9963150"/>
+              <a:gd name="connsiteY7" fmla="*/ 6821583 h 6858000"/>
+              <a:gd name="connsiteX8" fmla="*/ 0 w 9963150"/>
+              <a:gd name="connsiteY8" fmla="*/ 3652838 h 6858000"/>
+              <a:gd name="connsiteX9" fmla="*/ 1459070 w 9963150"/>
+              <a:gd name="connsiteY9" fmla="*/ 130333 h 6858000"/>
+            </a:gdLst>
+            <a:ahLst/>
+            <a:cxnLst>
+              <a:cxn ang="0">
+                <a:pos x="connsiteX0" y="connsiteY0"/>
+              </a:cxn>
+              <a:cxn ang="0">
+                <a:pos x="connsiteX1" y="connsiteY1"/>
+              </a:cxn>
+              <a:cxn ang="0">
+                <a:pos x="connsiteX2" y="connsiteY2"/>
+              </a:cxn>
+              <a:cxn ang="0">
+                <a:pos x="connsiteX3" y="connsiteY3"/>
+              </a:cxn>
+              <a:cxn ang="0">
+                <a:pos x="connsiteX4" y="connsiteY4"/>
+              </a:cxn>
+              <a:cxn ang="0">
+                <a:pos x="connsiteX5" y="connsiteY5"/>
+              </a:cxn>
+              <a:cxn ang="0">
+                <a:pos x="connsiteX6" y="connsiteY6"/>
+              </a:cxn>
+              <a:cxn ang="0">
+                <a:pos x="connsiteX7" y="connsiteY7"/>
+              </a:cxn>
+              <a:cxn ang="0">
+                <a:pos x="connsiteX8" y="connsiteY8"/>
+              </a:cxn>
+              <a:cxn ang="0">
+                <a:pos x="connsiteX9" y="connsiteY9"/>
+              </a:cxn>
+            </a:cxnLst>
+            <a:rect l="l" t="t" r="r" b="b"/>
+            <a:pathLst>
+              <a:path w="9963150" h="6858000">
+                <a:moveTo>
+                  <a:pt x="1595771" y="0"/>
+                </a:moveTo>
+                <a:lnTo>
+                  <a:pt x="8367379" y="0"/>
+                </a:lnTo>
+                <a:lnTo>
+                  <a:pt x="8504080" y="130333"/>
+                </a:lnTo>
+                <a:cubicBezTo>
+                  <a:pt x="9405568" y="1031820"/>
+                  <a:pt x="9963150" y="2277214"/>
+                  <a:pt x="9963150" y="3652838"/>
+                </a:cubicBezTo>
+                <a:cubicBezTo>
+                  <a:pt x="9963150" y="4856509"/>
+                  <a:pt x="9536251" y="5960473"/>
+                  <a:pt x="8825600" y="6821583"/>
+                </a:cubicBezTo>
+                <a:lnTo>
+                  <a:pt x="8794055" y="6858000"/>
+                </a:lnTo>
+                <a:lnTo>
+                  <a:pt x="1169096" y="6858000"/>
+                </a:lnTo>
+                <a:lnTo>
+                  <a:pt x="1137550" y="6821583"/>
+                </a:lnTo>
+                <a:cubicBezTo>
+                  <a:pt x="426899" y="5960473"/>
+                  <a:pt x="0" y="4856509"/>
+                  <a:pt x="0" y="3652838"/>
+                </a:cubicBezTo>
+                <a:cubicBezTo>
+                  <a:pt x="0" y="2277214"/>
+                  <a:pt x="557582" y="1031820"/>
+                  <a:pt x="1459070" y="130333"/>
+                </a:cubicBezTo>
+                <a:close/>
+              </a:path>
+            </a:pathLst>
+          </a:custGeom>
+          <a:ln w="9525">
+            <a:noFill/>
+          </a:ln>
+          <a:effectLst/>
+        </p:spPr>
+        <p:style>
+          <a:lnRef idx="2">
+            <a:schemeClr val="accent1">
+              <a:shade val="50000"/>
+            </a:schemeClr>
+          </a:lnRef>
+          <a:fillRef idx="1">
+            <a:schemeClr val="accent1"/>
+          </a:fillRef>
+          <a:effectRef idx="0">
+            <a:schemeClr val="accent1"/>
+          </a:effectRef>
+          <a:fontRef idx="minor">
+            <a:schemeClr val="lt1"/>
+          </a:fontRef>
+        </p:style>
+        <p:txBody>
+          <a:bodyPr wrap="square" rtlCol="0" anchor="ctr">
+            <a:noAutofit/>
+          </a:bodyPr>
+          <a:lstStyle/>
+          <a:p>
+            <a:pPr marL="0" marR="0" lvl="0" indent="0" algn="ctr" defTabSz="914400" rtl="0" eaLnBrk="1" fontAlgn="auto" latinLnBrk="0" hangingPunct="1">
+              <a:lnSpc>
+                <a:spcPct val="100000"/>
+              </a:lnSpc>
+              <a:spcBef>
+                <a:spcPts val="0"/>
+              </a:spcBef>
+              <a:spcAft>
+                <a:spcPts val="0"/>
+              </a:spcAft>
+              <a:buClrTx/>
+              <a:buSzTx/>
+              <a:buFontTx/>
+              <a:buNone/>
+              <a:tabLst/>
+              <a:defRPr/>
+            </a:pPr>
+            <a:endParaRPr kumimoji="0" lang="en-US" sz="1800" b="0" i="0" u="none" strike="noStrike" kern="1200" cap="none" spc="0" normalizeH="0" baseline="0" noProof="0">
+              <a:ln>
+                <a:noFill/>
+              </a:ln>
+              <a:solidFill>
+                <a:prstClr val="white"/>
+              </a:solidFill>
+              <a:effectLst/>
+              <a:uLnTx/>
+              <a:uFillTx/>
+              <a:latin typeface="Calibri" panose="020F0502020204030204"/>
+              <a:ea typeface="+mn-ea"/>
+              <a:cs typeface="+mn-cs"/>
+            </a:endParaRPr>
+          </a:p>
+        </p:txBody>
+      </p:sp>
       <p:sp>
         <p:nvSpPr>
           <p:cNvPr id="2" name="Título 1">
@@ -3361,12 +4192,27 @@
             <p:ph type="ctrTitle"/>
           </p:nvPr>
         </p:nvSpPr>
-        <p:spPr/>
-        <p:txBody>
-          <a:bodyPr/>
+        <p:spPr>
+          <a:xfrm>
+            <a:off x="1524003" y="1999615"/>
+            <a:ext cx="9144000" cy="2764028"/>
+          </a:xfrm>
+        </p:spPr>
+        <p:txBody>
+          <a:bodyPr anchor="ctr">
+            <a:normAutofit/>
+          </a:bodyPr>
           <a:lstStyle/>
           <a:p>
-            <a:endParaRPr lang="es-AR"/>
+            <a:r>
+              <a:rPr lang="es-UY" sz="7200">
+                <a:latin typeface="wf_standard-font"/>
+              </a:rPr>
+              <a:t>Análisis de ventas</a:t>
+            </a:r>
+            <a:endParaRPr lang="es-AR" sz="7200">
+              <a:latin typeface="wf_standard-font"/>
+            </a:endParaRPr>
           </a:p>
         </p:txBody>
       </p:sp>
@@ -3386,12 +4232,115 @@
             <p:ph type="subTitle" idx="1"/>
           </p:nvPr>
         </p:nvSpPr>
-        <p:spPr/>
-        <p:txBody>
-          <a:bodyPr/>
+        <p:spPr>
+          <a:xfrm>
+            <a:off x="3828743" y="4920393"/>
+            <a:ext cx="4651936" cy="631825"/>
+          </a:xfrm>
+        </p:spPr>
+        <p:txBody>
+          <a:bodyPr anchor="ctr">
+            <a:normAutofit/>
+          </a:bodyPr>
           <a:lstStyle/>
           <a:p>
-            <a:endParaRPr lang="es-AR"/>
+            <a:r>
+              <a:rPr lang="es-UY" sz="2800" dirty="0"/>
+              <a:t>Juan Nocetti y Franco Barlocco</a:t>
+            </a:r>
+            <a:endParaRPr lang="es-AR" sz="2800" dirty="0"/>
+          </a:p>
+        </p:txBody>
+      </p:sp>
+      <p:sp>
+        <p:nvSpPr>
+          <p:cNvPr id="21" name="Rectangle 13">
+            <a:extLst>
+              <a:ext uri="{FF2B5EF4-FFF2-40B4-BE49-F238E27FC236}">
+                <a16:creationId xmlns:a16="http://schemas.microsoft.com/office/drawing/2014/main" id="{3629484E-3792-4B3D-89AD-7C8A1ED0E0D4}"/>
+              </a:ext>
+              <a:ext uri="{C183D7F6-B498-43B3-948B-1728B52AA6E4}">
+                <adec:decorative xmlns:adec="http://schemas.microsoft.com/office/drawing/2017/decorative" val="1"/>
+              </a:ext>
+            </a:extLst>
+          </p:cNvPr>
+          <p:cNvSpPr>
+            <a:spLocks noGrp="1" noRot="1" noChangeAspect="1" noMove="1" noResize="1" noEditPoints="1" noAdjustHandles="1" noChangeArrowheads="1" noChangeShapeType="1" noTextEdit="1"/>
+          </p:cNvSpPr>
+          <p:nvPr>
+            <p:extLst>
+              <p:ext uri="{386F3935-93C4-4BCD-93E2-E3B085C9AB24}">
+                <p16:designElem xmlns:p16="http://schemas.microsoft.com/office/powerpoint/2015/main" val="1"/>
+              </p:ext>
+            </p:extLst>
+          </p:nvPr>
+        </p:nvSpPr>
+        <p:spPr>
+          <a:xfrm>
+            <a:off x="3718560" y="5524786"/>
+            <a:ext cx="4754880" cy="27432"/>
+          </a:xfrm>
+          <a:prstGeom prst="rect">
+            <a:avLst/>
+          </a:prstGeom>
+          <a:solidFill>
+            <a:schemeClr val="accent2"/>
+          </a:solidFill>
+          <a:ln>
+            <a:noFill/>
+          </a:ln>
+        </p:spPr>
+        <p:style>
+          <a:lnRef idx="2">
+            <a:schemeClr val="accent1">
+              <a:shade val="50000"/>
+            </a:schemeClr>
+          </a:lnRef>
+          <a:fillRef idx="1">
+            <a:schemeClr val="accent1"/>
+          </a:fillRef>
+          <a:effectRef idx="0">
+            <a:schemeClr val="accent1"/>
+          </a:effectRef>
+          <a:fontRef idx="minor">
+            <a:schemeClr val="lt1"/>
+          </a:fontRef>
+        </p:style>
+        <p:txBody>
+          <a:bodyPr rtlCol="0" anchor="ctr"/>
+          <a:lstStyle/>
+          <a:p>
+            <a:pPr marL="0" marR="0" lvl="0" indent="0" algn="ctr" defTabSz="914400" rtl="0" eaLnBrk="1" fontAlgn="auto" latinLnBrk="0" hangingPunct="1">
+              <a:lnSpc>
+                <a:spcPct val="100000"/>
+              </a:lnSpc>
+              <a:spcBef>
+                <a:spcPts val="0"/>
+              </a:spcBef>
+              <a:spcAft>
+                <a:spcPts val="0"/>
+              </a:spcAft>
+              <a:buClrTx/>
+              <a:buSzTx/>
+              <a:buFontTx/>
+              <a:buNone/>
+              <a:tabLst/>
+              <a:defRPr/>
+            </a:pPr>
+            <a:endParaRPr kumimoji="0" lang="en-US" sz="1800" b="0" i="0" u="none" strike="noStrike" kern="1200" cap="none" spc="0" normalizeH="0" baseline="0" noProof="0">
+              <a:ln>
+                <a:noFill/>
+              </a:ln>
+              <a:solidFill>
+                <a:prstClr val="white"/>
+              </a:solidFill>
+              <a:effectLst/>
+              <a:uLnTx/>
+              <a:uFillTx/>
+              <a:latin typeface="Calibri" panose="020F0502020204030204"/>
+              <a:ea typeface="+mn-ea"/>
+              <a:cs typeface="+mn-cs"/>
+            </a:endParaRPr>
           </a:p>
         </p:txBody>
       </p:sp>
@@ -3444,16 +4393,53 @@
         <p:spPr>
           <a:xfrm>
             <a:off x="331304" y="342004"/>
-            <a:ext cx="5632174" cy="1655762"/>
+            <a:ext cx="5552662" cy="855138"/>
           </a:xfrm>
+          <a:effectLst>
+            <a:outerShdw blurRad="50800" dist="38100" dir="2700000" algn="tl" rotWithShape="0">
+              <a:prstClr val="black">
+                <a:alpha val="40000"/>
+              </a:prstClr>
+            </a:outerShdw>
+          </a:effectLst>
         </p:spPr>
-        <p:txBody>
-          <a:bodyPr/>
+        <p:style>
+          <a:lnRef idx="2">
+            <a:schemeClr val="dk1"/>
+          </a:lnRef>
+          <a:fillRef idx="1">
+            <a:schemeClr val="lt1"/>
+          </a:fillRef>
+          <a:effectRef idx="0">
+            <a:schemeClr val="dk1"/>
+          </a:effectRef>
+          <a:fontRef idx="minor">
+            <a:schemeClr val="dk1"/>
+          </a:fontRef>
+        </p:style>
+        <p:txBody>
+          <a:bodyPr anchor="ctr"/>
           <a:lstStyle/>
           <a:p>
             <a:r>
-              <a:rPr lang="es-ES" dirty="0"/>
-              <a:t>Excelente performance en campaña de marketing en el mes de mayo</a:t>
+              <a:rPr lang="es-ES" sz="1800" b="1" i="0" dirty="0">
+                <a:solidFill>
+                  <a:srgbClr val="118DFF"/>
+                </a:solidFill>
+                <a:effectLst/>
+                <a:latin typeface="wf_standard-font"/>
+              </a:rPr>
+              <a:t>MAYO FUE EL MES CON MÁS GANANCIAS EN EL AÑO $123.895</a:t>
+            </a:r>
+            <a:r>
+              <a:rPr lang="es-ES" b="0" i="0" dirty="0">
+                <a:solidFill>
+                  <a:srgbClr val="252423"/>
+                </a:solidFill>
+                <a:effectLst/>
+                <a:latin typeface="Segoe UI" panose="020B0502040204020203" pitchFamily="34" charset="0"/>
+              </a:rPr>
+              <a:t> </a:t>
             </a:r>
             <a:endParaRPr lang="es-AR" dirty="0"/>
           </a:p>
@@ -3481,7 +4467,7 @@
         </p:blipFill>
         <p:spPr>
           <a:xfrm>
-            <a:off x="2549371" y="1506677"/>
+            <a:off x="2337335" y="1374329"/>
             <a:ext cx="7093257" cy="3016194"/>
           </a:xfrm>
           <a:prstGeom prst="rect">
@@ -3505,8 +4491,8 @@
         </p:nvSpPr>
         <p:spPr>
           <a:xfrm>
-            <a:off x="1027044" y="5126038"/>
-            <a:ext cx="4856922" cy="1142240"/>
+            <a:off x="1027042" y="5126038"/>
+            <a:ext cx="4856922" cy="902352"/>
           </a:xfrm>
           <a:prstGeom prst="rect">
             <a:avLst/>
@@ -3684,21 +4670,21 @@
             <a:pPr algn="l"/>
             <a:r>
               <a:rPr lang="es-ES" sz="1200" dirty="0"/>
-              <a:t> + Mejora de ganancias en el mes de mayo respecto a los otros meses</a:t>
+              <a:t>Mejora de ganancias en el mes de mayo respecto a los otros meses</a:t>
             </a:r>
           </a:p>
           <a:p>
             <a:pPr algn="l"/>
             <a:r>
               <a:rPr lang="es-ES" sz="1200" dirty="0"/>
-              <a:t> - Gran recaída de ganancias en junio</a:t>
+              <a:t>Gran recaída de ganancias en junio</a:t>
             </a:r>
           </a:p>
           <a:p>
             <a:pPr algn="l"/>
             <a:r>
               <a:rPr lang="es-AR" sz="1200" dirty="0"/>
-              <a:t>+ Mejora de ganancias con la campaña de diciembre</a:t>
+              <a:t>Mejora de ganancias con la campaña de diciembre</a:t>
             </a:r>
           </a:p>
         </p:txBody>
@@ -3908,6 +4894,668 @@
               <a:t>Dividir el presupuesto en distintas etapas del año. </a:t>
             </a:r>
             <a:endParaRPr lang="es-AR" sz="1200" dirty="0"/>
+          </a:p>
+        </p:txBody>
+      </p:sp>
+      <p:sp>
+        <p:nvSpPr>
+          <p:cNvPr id="10" name="Subtítulo 2">
+            <a:extLst>
+              <a:ext uri="{FF2B5EF4-FFF2-40B4-BE49-F238E27FC236}">
+                <a16:creationId xmlns:a16="http://schemas.microsoft.com/office/drawing/2014/main" id="{FAD982D4-7C37-6F15-2258-9FC65F2EC974}"/>
+              </a:ext>
+            </a:extLst>
+          </p:cNvPr>
+          <p:cNvSpPr txBox="1">
+            <a:spLocks/>
+          </p:cNvSpPr>
+          <p:nvPr/>
+        </p:nvSpPr>
+        <p:spPr>
+          <a:xfrm>
+            <a:off x="2498732" y="4464787"/>
+            <a:ext cx="1217805" cy="367619"/>
+          </a:xfrm>
+          <a:prstGeom prst="rect">
+            <a:avLst/>
+          </a:prstGeom>
+          <a:effectLst>
+            <a:outerShdw blurRad="50800" dist="38100" dir="2700000" algn="tl" rotWithShape="0">
+              <a:prstClr val="black">
+                <a:alpha val="40000"/>
+              </a:prstClr>
+            </a:outerShdw>
+          </a:effectLst>
+        </p:spPr>
+        <p:style>
+          <a:lnRef idx="2">
+            <a:schemeClr val="dk1"/>
+          </a:lnRef>
+          <a:fillRef idx="1">
+            <a:schemeClr val="lt1"/>
+          </a:fillRef>
+          <a:effectRef idx="0">
+            <a:schemeClr val="dk1"/>
+          </a:effectRef>
+          <a:fontRef idx="minor">
+            <a:schemeClr val="dk1"/>
+          </a:fontRef>
+        </p:style>
+        <p:txBody>
+          <a:bodyPr vert="horz" lIns="91440" tIns="45720" rIns="91440" bIns="45720" rtlCol="0" anchor="ctr">
+            <a:normAutofit/>
+          </a:bodyPr>
+          <a:lstStyle>
+            <a:lvl1pPr marL="0" indent="0" algn="ctr" defTabSz="914400" rtl="0" eaLnBrk="1" latinLnBrk="0" hangingPunct="1">
+              <a:lnSpc>
+                <a:spcPct val="90000"/>
+              </a:lnSpc>
+              <a:spcBef>
+                <a:spcPts val="1000"/>
+              </a:spcBef>
+              <a:buFont typeface="Arial" panose="020B0604020202020204" pitchFamily="34" charset="0"/>
+              <a:buNone/>
+              <a:defRPr sz="2400" kern="1200">
+                <a:solidFill>
+                  <a:schemeClr val="dk1"/>
+                </a:solidFill>
+                <a:latin typeface="+mn-lt"/>
+                <a:ea typeface="+mn-ea"/>
+                <a:cs typeface="+mn-cs"/>
+              </a:defRPr>
+            </a:lvl1pPr>
+            <a:lvl2pPr marL="457200" indent="0" algn="ctr" defTabSz="914400" rtl="0" eaLnBrk="1" latinLnBrk="0" hangingPunct="1">
+              <a:lnSpc>
+                <a:spcPct val="90000"/>
+              </a:lnSpc>
+              <a:spcBef>
+                <a:spcPts val="500"/>
+              </a:spcBef>
+              <a:buFont typeface="Arial" panose="020B0604020202020204" pitchFamily="34" charset="0"/>
+              <a:buNone/>
+              <a:defRPr sz="2000" kern="1200">
+                <a:solidFill>
+                  <a:schemeClr val="dk1"/>
+                </a:solidFill>
+                <a:latin typeface="+mn-lt"/>
+                <a:ea typeface="+mn-ea"/>
+                <a:cs typeface="+mn-cs"/>
+              </a:defRPr>
+            </a:lvl2pPr>
+            <a:lvl3pPr marL="914400" indent="0" algn="ctr" defTabSz="914400" rtl="0" eaLnBrk="1" latinLnBrk="0" hangingPunct="1">
+              <a:lnSpc>
+                <a:spcPct val="90000"/>
+              </a:lnSpc>
+              <a:spcBef>
+                <a:spcPts val="500"/>
+              </a:spcBef>
+              <a:buFont typeface="Arial" panose="020B0604020202020204" pitchFamily="34" charset="0"/>
+              <a:buNone/>
+              <a:defRPr sz="1800" kern="1200">
+                <a:solidFill>
+                  <a:schemeClr val="dk1"/>
+                </a:solidFill>
+                <a:latin typeface="+mn-lt"/>
+                <a:ea typeface="+mn-ea"/>
+                <a:cs typeface="+mn-cs"/>
+              </a:defRPr>
+            </a:lvl3pPr>
+            <a:lvl4pPr marL="1371600" indent="0" algn="ctr" defTabSz="914400" rtl="0" eaLnBrk="1" latinLnBrk="0" hangingPunct="1">
+              <a:lnSpc>
+                <a:spcPct val="90000"/>
+              </a:lnSpc>
+              <a:spcBef>
+                <a:spcPts val="500"/>
+              </a:spcBef>
+              <a:buFont typeface="Arial" panose="020B0604020202020204" pitchFamily="34" charset="0"/>
+              <a:buNone/>
+              <a:defRPr sz="1600" kern="1200">
+                <a:solidFill>
+                  <a:schemeClr val="dk1"/>
+                </a:solidFill>
+                <a:latin typeface="+mn-lt"/>
+                <a:ea typeface="+mn-ea"/>
+                <a:cs typeface="+mn-cs"/>
+              </a:defRPr>
+            </a:lvl4pPr>
+            <a:lvl5pPr marL="1828800" indent="0" algn="ctr" defTabSz="914400" rtl="0" eaLnBrk="1" latinLnBrk="0" hangingPunct="1">
+              <a:lnSpc>
+                <a:spcPct val="90000"/>
+              </a:lnSpc>
+              <a:spcBef>
+                <a:spcPts val="500"/>
+              </a:spcBef>
+              <a:buFont typeface="Arial" panose="020B0604020202020204" pitchFamily="34" charset="0"/>
+              <a:buNone/>
+              <a:defRPr sz="1600" kern="1200">
+                <a:solidFill>
+                  <a:schemeClr val="dk1"/>
+                </a:solidFill>
+                <a:latin typeface="+mn-lt"/>
+                <a:ea typeface="+mn-ea"/>
+                <a:cs typeface="+mn-cs"/>
+              </a:defRPr>
+            </a:lvl5pPr>
+            <a:lvl6pPr marL="2286000" indent="0" algn="ctr" defTabSz="914400" rtl="0" eaLnBrk="1" latinLnBrk="0" hangingPunct="1">
+              <a:lnSpc>
+                <a:spcPct val="90000"/>
+              </a:lnSpc>
+              <a:spcBef>
+                <a:spcPts val="500"/>
+              </a:spcBef>
+              <a:buFont typeface="Arial" panose="020B0604020202020204" pitchFamily="34" charset="0"/>
+              <a:buNone/>
+              <a:defRPr sz="1600" kern="1200">
+                <a:solidFill>
+                  <a:schemeClr val="dk1"/>
+                </a:solidFill>
+                <a:latin typeface="+mn-lt"/>
+                <a:ea typeface="+mn-ea"/>
+                <a:cs typeface="+mn-cs"/>
+              </a:defRPr>
+            </a:lvl6pPr>
+            <a:lvl7pPr marL="2743200" indent="0" algn="ctr" defTabSz="914400" rtl="0" eaLnBrk="1" latinLnBrk="0" hangingPunct="1">
+              <a:lnSpc>
+                <a:spcPct val="90000"/>
+              </a:lnSpc>
+              <a:spcBef>
+                <a:spcPts val="500"/>
+              </a:spcBef>
+              <a:buFont typeface="Arial" panose="020B0604020202020204" pitchFamily="34" charset="0"/>
+              <a:buNone/>
+              <a:defRPr sz="1600" kern="1200">
+                <a:solidFill>
+                  <a:schemeClr val="dk1"/>
+                </a:solidFill>
+                <a:latin typeface="+mn-lt"/>
+                <a:ea typeface="+mn-ea"/>
+                <a:cs typeface="+mn-cs"/>
+              </a:defRPr>
+            </a:lvl7pPr>
+            <a:lvl8pPr marL="3200400" indent="0" algn="ctr" defTabSz="914400" rtl="0" eaLnBrk="1" latinLnBrk="0" hangingPunct="1">
+              <a:lnSpc>
+                <a:spcPct val="90000"/>
+              </a:lnSpc>
+              <a:spcBef>
+                <a:spcPts val="500"/>
+              </a:spcBef>
+              <a:buFont typeface="Arial" panose="020B0604020202020204" pitchFamily="34" charset="0"/>
+              <a:buNone/>
+              <a:defRPr sz="1600" kern="1200">
+                <a:solidFill>
+                  <a:schemeClr val="dk1"/>
+                </a:solidFill>
+                <a:latin typeface="+mn-lt"/>
+                <a:ea typeface="+mn-ea"/>
+                <a:cs typeface="+mn-cs"/>
+              </a:defRPr>
+            </a:lvl8pPr>
+            <a:lvl9pPr marL="3657600" indent="0" algn="ctr" defTabSz="914400" rtl="0" eaLnBrk="1" latinLnBrk="0" hangingPunct="1">
+              <a:lnSpc>
+                <a:spcPct val="90000"/>
+              </a:lnSpc>
+              <a:spcBef>
+                <a:spcPts val="500"/>
+              </a:spcBef>
+              <a:buFont typeface="Arial" panose="020B0604020202020204" pitchFamily="34" charset="0"/>
+              <a:buNone/>
+              <a:defRPr sz="1600" kern="1200">
+                <a:solidFill>
+                  <a:schemeClr val="dk1"/>
+                </a:solidFill>
+                <a:latin typeface="+mn-lt"/>
+                <a:ea typeface="+mn-ea"/>
+                <a:cs typeface="+mn-cs"/>
+              </a:defRPr>
+            </a:lvl9pPr>
+          </a:lstStyle>
+          <a:p>
+            <a:r>
+              <a:rPr lang="es-ES" sz="1800" b="1" dirty="0">
+                <a:solidFill>
+                  <a:srgbClr val="118DFF"/>
+                </a:solidFill>
+                <a:latin typeface="wf_standard-font"/>
+              </a:rPr>
+              <a:t>INSIGHTS</a:t>
+            </a:r>
+            <a:endParaRPr lang="es-AR" dirty="0"/>
+          </a:p>
+        </p:txBody>
+      </p:sp>
+      <p:sp>
+        <p:nvSpPr>
+          <p:cNvPr id="11" name="Subtítulo 2">
+            <a:extLst>
+              <a:ext uri="{FF2B5EF4-FFF2-40B4-BE49-F238E27FC236}">
+                <a16:creationId xmlns:a16="http://schemas.microsoft.com/office/drawing/2014/main" id="{861F97FB-FAFE-2134-0EAB-A14C0F6FB744}"/>
+              </a:ext>
+            </a:extLst>
+          </p:cNvPr>
+          <p:cNvSpPr txBox="1">
+            <a:spLocks/>
+          </p:cNvSpPr>
+          <p:nvPr/>
+        </p:nvSpPr>
+        <p:spPr>
+          <a:xfrm>
+            <a:off x="6874220" y="4464786"/>
+            <a:ext cx="1614062" cy="367619"/>
+          </a:xfrm>
+          <a:prstGeom prst="rect">
+            <a:avLst/>
+          </a:prstGeom>
+          <a:effectLst>
+            <a:outerShdw blurRad="50800" dist="38100" dir="2700000" algn="tl" rotWithShape="0">
+              <a:prstClr val="black">
+                <a:alpha val="40000"/>
+              </a:prstClr>
+            </a:outerShdw>
+          </a:effectLst>
+        </p:spPr>
+        <p:style>
+          <a:lnRef idx="2">
+            <a:schemeClr val="dk1"/>
+          </a:lnRef>
+          <a:fillRef idx="1">
+            <a:schemeClr val="lt1"/>
+          </a:fillRef>
+          <a:effectRef idx="0">
+            <a:schemeClr val="dk1"/>
+          </a:effectRef>
+          <a:fontRef idx="minor">
+            <a:schemeClr val="dk1"/>
+          </a:fontRef>
+        </p:style>
+        <p:txBody>
+          <a:bodyPr vert="horz" lIns="91440" tIns="45720" rIns="91440" bIns="45720" rtlCol="0" anchor="ctr">
+            <a:normAutofit fontScale="85000" lnSpcReduction="10000"/>
+          </a:bodyPr>
+          <a:lstStyle>
+            <a:lvl1pPr marL="0" indent="0" algn="ctr" defTabSz="914400" rtl="0" eaLnBrk="1" latinLnBrk="0" hangingPunct="1">
+              <a:lnSpc>
+                <a:spcPct val="90000"/>
+              </a:lnSpc>
+              <a:spcBef>
+                <a:spcPts val="1000"/>
+              </a:spcBef>
+              <a:buFont typeface="Arial" panose="020B0604020202020204" pitchFamily="34" charset="0"/>
+              <a:buNone/>
+              <a:defRPr sz="2400" kern="1200">
+                <a:solidFill>
+                  <a:schemeClr val="dk1"/>
+                </a:solidFill>
+                <a:latin typeface="+mn-lt"/>
+                <a:ea typeface="+mn-ea"/>
+                <a:cs typeface="+mn-cs"/>
+              </a:defRPr>
+            </a:lvl1pPr>
+            <a:lvl2pPr marL="457200" indent="0" algn="ctr" defTabSz="914400" rtl="0" eaLnBrk="1" latinLnBrk="0" hangingPunct="1">
+              <a:lnSpc>
+                <a:spcPct val="90000"/>
+              </a:lnSpc>
+              <a:spcBef>
+                <a:spcPts val="500"/>
+              </a:spcBef>
+              <a:buFont typeface="Arial" panose="020B0604020202020204" pitchFamily="34" charset="0"/>
+              <a:buNone/>
+              <a:defRPr sz="2000" kern="1200">
+                <a:solidFill>
+                  <a:schemeClr val="dk1"/>
+                </a:solidFill>
+                <a:latin typeface="+mn-lt"/>
+                <a:ea typeface="+mn-ea"/>
+                <a:cs typeface="+mn-cs"/>
+              </a:defRPr>
+            </a:lvl2pPr>
+            <a:lvl3pPr marL="914400" indent="0" algn="ctr" defTabSz="914400" rtl="0" eaLnBrk="1" latinLnBrk="0" hangingPunct="1">
+              <a:lnSpc>
+                <a:spcPct val="90000"/>
+              </a:lnSpc>
+              <a:spcBef>
+                <a:spcPts val="500"/>
+              </a:spcBef>
+              <a:buFont typeface="Arial" panose="020B0604020202020204" pitchFamily="34" charset="0"/>
+              <a:buNone/>
+              <a:defRPr sz="1800" kern="1200">
+                <a:solidFill>
+                  <a:schemeClr val="dk1"/>
+                </a:solidFill>
+                <a:latin typeface="+mn-lt"/>
+                <a:ea typeface="+mn-ea"/>
+                <a:cs typeface="+mn-cs"/>
+              </a:defRPr>
+            </a:lvl3pPr>
+            <a:lvl4pPr marL="1371600" indent="0" algn="ctr" defTabSz="914400" rtl="0" eaLnBrk="1" latinLnBrk="0" hangingPunct="1">
+              <a:lnSpc>
+                <a:spcPct val="90000"/>
+              </a:lnSpc>
+              <a:spcBef>
+                <a:spcPts val="500"/>
+              </a:spcBef>
+              <a:buFont typeface="Arial" panose="020B0604020202020204" pitchFamily="34" charset="0"/>
+              <a:buNone/>
+              <a:defRPr sz="1600" kern="1200">
+                <a:solidFill>
+                  <a:schemeClr val="dk1"/>
+                </a:solidFill>
+                <a:latin typeface="+mn-lt"/>
+                <a:ea typeface="+mn-ea"/>
+                <a:cs typeface="+mn-cs"/>
+              </a:defRPr>
+            </a:lvl4pPr>
+            <a:lvl5pPr marL="1828800" indent="0" algn="ctr" defTabSz="914400" rtl="0" eaLnBrk="1" latinLnBrk="0" hangingPunct="1">
+              <a:lnSpc>
+                <a:spcPct val="90000"/>
+              </a:lnSpc>
+              <a:spcBef>
+                <a:spcPts val="500"/>
+              </a:spcBef>
+              <a:buFont typeface="Arial" panose="020B0604020202020204" pitchFamily="34" charset="0"/>
+              <a:buNone/>
+              <a:defRPr sz="1600" kern="1200">
+                <a:solidFill>
+                  <a:schemeClr val="dk1"/>
+                </a:solidFill>
+                <a:latin typeface="+mn-lt"/>
+                <a:ea typeface="+mn-ea"/>
+                <a:cs typeface="+mn-cs"/>
+              </a:defRPr>
+            </a:lvl5pPr>
+            <a:lvl6pPr marL="2286000" indent="0" algn="ctr" defTabSz="914400" rtl="0" eaLnBrk="1" latinLnBrk="0" hangingPunct="1">
+              <a:lnSpc>
+                <a:spcPct val="90000"/>
+              </a:lnSpc>
+              <a:spcBef>
+                <a:spcPts val="500"/>
+              </a:spcBef>
+              <a:buFont typeface="Arial" panose="020B0604020202020204" pitchFamily="34" charset="0"/>
+              <a:buNone/>
+              <a:defRPr sz="1600" kern="1200">
+                <a:solidFill>
+                  <a:schemeClr val="dk1"/>
+                </a:solidFill>
+                <a:latin typeface="+mn-lt"/>
+                <a:ea typeface="+mn-ea"/>
+                <a:cs typeface="+mn-cs"/>
+              </a:defRPr>
+            </a:lvl6pPr>
+            <a:lvl7pPr marL="2743200" indent="0" algn="ctr" defTabSz="914400" rtl="0" eaLnBrk="1" latinLnBrk="0" hangingPunct="1">
+              <a:lnSpc>
+                <a:spcPct val="90000"/>
+              </a:lnSpc>
+              <a:spcBef>
+                <a:spcPts val="500"/>
+              </a:spcBef>
+              <a:buFont typeface="Arial" panose="020B0604020202020204" pitchFamily="34" charset="0"/>
+              <a:buNone/>
+              <a:defRPr sz="1600" kern="1200">
+                <a:solidFill>
+                  <a:schemeClr val="dk1"/>
+                </a:solidFill>
+                <a:latin typeface="+mn-lt"/>
+                <a:ea typeface="+mn-ea"/>
+                <a:cs typeface="+mn-cs"/>
+              </a:defRPr>
+            </a:lvl7pPr>
+            <a:lvl8pPr marL="3200400" indent="0" algn="ctr" defTabSz="914400" rtl="0" eaLnBrk="1" latinLnBrk="0" hangingPunct="1">
+              <a:lnSpc>
+                <a:spcPct val="90000"/>
+              </a:lnSpc>
+              <a:spcBef>
+                <a:spcPts val="500"/>
+              </a:spcBef>
+              <a:buFont typeface="Arial" panose="020B0604020202020204" pitchFamily="34" charset="0"/>
+              <a:buNone/>
+              <a:defRPr sz="1600" kern="1200">
+                <a:solidFill>
+                  <a:schemeClr val="dk1"/>
+                </a:solidFill>
+                <a:latin typeface="+mn-lt"/>
+                <a:ea typeface="+mn-ea"/>
+                <a:cs typeface="+mn-cs"/>
+              </a:defRPr>
+            </a:lvl8pPr>
+            <a:lvl9pPr marL="3657600" indent="0" algn="ctr" defTabSz="914400" rtl="0" eaLnBrk="1" latinLnBrk="0" hangingPunct="1">
+              <a:lnSpc>
+                <a:spcPct val="90000"/>
+              </a:lnSpc>
+              <a:spcBef>
+                <a:spcPts val="500"/>
+              </a:spcBef>
+              <a:buFont typeface="Arial" panose="020B0604020202020204" pitchFamily="34" charset="0"/>
+              <a:buNone/>
+              <a:defRPr sz="1600" kern="1200">
+                <a:solidFill>
+                  <a:schemeClr val="dk1"/>
+                </a:solidFill>
+                <a:latin typeface="+mn-lt"/>
+                <a:ea typeface="+mn-ea"/>
+                <a:cs typeface="+mn-cs"/>
+              </a:defRPr>
+            </a:lvl9pPr>
+          </a:lstStyle>
+          <a:p>
+            <a:r>
+              <a:rPr lang="es-ES" sz="1800" b="1" dirty="0">
+                <a:solidFill>
+                  <a:srgbClr val="118DFF"/>
+                </a:solidFill>
+                <a:latin typeface="wf_standard-font"/>
+              </a:rPr>
+              <a:t>CALL TO ACTION</a:t>
+            </a:r>
+            <a:endParaRPr lang="es-AR" dirty="0"/>
+          </a:p>
+        </p:txBody>
+      </p:sp>
+      <p:sp>
+        <p:nvSpPr>
+          <p:cNvPr id="13" name="CuadroTexto 12">
+            <a:extLst>
+              <a:ext uri="{FF2B5EF4-FFF2-40B4-BE49-F238E27FC236}">
+                <a16:creationId xmlns:a16="http://schemas.microsoft.com/office/drawing/2014/main" id="{92534263-118D-214A-7397-3208183F22D3}"/>
+              </a:ext>
+            </a:extLst>
+          </p:cNvPr>
+          <p:cNvSpPr txBox="1"/>
+          <p:nvPr/>
+        </p:nvSpPr>
+        <p:spPr>
+          <a:xfrm>
+            <a:off x="861954" y="5092472"/>
+            <a:ext cx="300790" cy="307777"/>
+          </a:xfrm>
+          <a:prstGeom prst="rect">
+            <a:avLst/>
+          </a:prstGeom>
+          <a:noFill/>
+        </p:spPr>
+        <p:txBody>
+          <a:bodyPr wrap="square" rtlCol="0">
+            <a:spAutoFit/>
+          </a:bodyPr>
+          <a:lstStyle/>
+          <a:p>
+            <a:r>
+              <a:rPr lang="es-UY" sz="1400" dirty="0">
+                <a:solidFill>
+                  <a:srgbClr val="118DFF"/>
+                </a:solidFill>
+              </a:rPr>
+              <a:t>+</a:t>
+            </a:r>
+            <a:endParaRPr lang="es-UY" dirty="0">
+              <a:solidFill>
+                <a:srgbClr val="118DFF"/>
+              </a:solidFill>
+            </a:endParaRPr>
+          </a:p>
+        </p:txBody>
+      </p:sp>
+      <p:sp>
+        <p:nvSpPr>
+          <p:cNvPr id="14" name="CuadroTexto 13">
+            <a:extLst>
+              <a:ext uri="{FF2B5EF4-FFF2-40B4-BE49-F238E27FC236}">
+                <a16:creationId xmlns:a16="http://schemas.microsoft.com/office/drawing/2014/main" id="{544EE134-5D50-1949-A8EE-548D888AC0CF}"/>
+              </a:ext>
+            </a:extLst>
+          </p:cNvPr>
+          <p:cNvSpPr txBox="1"/>
+          <p:nvPr/>
+        </p:nvSpPr>
+        <p:spPr>
+          <a:xfrm>
+            <a:off x="861954" y="5679094"/>
+            <a:ext cx="300790" cy="307777"/>
+          </a:xfrm>
+          <a:prstGeom prst="rect">
+            <a:avLst/>
+          </a:prstGeom>
+          <a:noFill/>
+        </p:spPr>
+        <p:txBody>
+          <a:bodyPr wrap="square" rtlCol="0">
+            <a:spAutoFit/>
+          </a:bodyPr>
+          <a:lstStyle/>
+          <a:p>
+            <a:r>
+              <a:rPr lang="es-UY" sz="1400" dirty="0">
+                <a:solidFill>
+                  <a:srgbClr val="118DFF"/>
+                </a:solidFill>
+              </a:rPr>
+              <a:t>+</a:t>
+            </a:r>
+          </a:p>
+        </p:txBody>
+      </p:sp>
+      <p:sp>
+        <p:nvSpPr>
+          <p:cNvPr id="15" name="CuadroTexto 14">
+            <a:extLst>
+              <a:ext uri="{FF2B5EF4-FFF2-40B4-BE49-F238E27FC236}">
+                <a16:creationId xmlns:a16="http://schemas.microsoft.com/office/drawing/2014/main" id="{EC995FCC-B7B8-386B-1B0D-E452D5DA3A99}"/>
+              </a:ext>
+            </a:extLst>
+          </p:cNvPr>
+          <p:cNvSpPr txBox="1"/>
+          <p:nvPr/>
+        </p:nvSpPr>
+        <p:spPr>
+          <a:xfrm>
+            <a:off x="876647" y="5378390"/>
+            <a:ext cx="300790" cy="307777"/>
+          </a:xfrm>
+          <a:prstGeom prst="rect">
+            <a:avLst/>
+          </a:prstGeom>
+          <a:noFill/>
+        </p:spPr>
+        <p:txBody>
+          <a:bodyPr wrap="square" rtlCol="0">
+            <a:spAutoFit/>
+          </a:bodyPr>
+          <a:lstStyle/>
+          <a:p>
+            <a:r>
+              <a:rPr lang="es-UY" sz="1400" dirty="0">
+                <a:solidFill>
+                  <a:srgbClr val="118DFF"/>
+                </a:solidFill>
+              </a:rPr>
+              <a:t>-</a:t>
+            </a:r>
+          </a:p>
+        </p:txBody>
+      </p:sp>
+      <p:sp>
+        <p:nvSpPr>
+          <p:cNvPr id="16" name="CuadroTexto 15">
+            <a:extLst>
+              <a:ext uri="{FF2B5EF4-FFF2-40B4-BE49-F238E27FC236}">
+                <a16:creationId xmlns:a16="http://schemas.microsoft.com/office/drawing/2014/main" id="{2D91B024-D30C-20AA-32A0-90484DC10122}"/>
+              </a:ext>
+            </a:extLst>
+          </p:cNvPr>
+          <p:cNvSpPr txBox="1"/>
+          <p:nvPr/>
+        </p:nvSpPr>
+        <p:spPr>
+          <a:xfrm>
+            <a:off x="6157641" y="5092472"/>
+            <a:ext cx="300790" cy="307777"/>
+          </a:xfrm>
+          <a:prstGeom prst="rect">
+            <a:avLst/>
+          </a:prstGeom>
+          <a:noFill/>
+        </p:spPr>
+        <p:txBody>
+          <a:bodyPr wrap="square" rtlCol="0">
+            <a:spAutoFit/>
+          </a:bodyPr>
+          <a:lstStyle/>
+          <a:p>
+            <a:r>
+              <a:rPr lang="es-UY" sz="1400" dirty="0">
+                <a:solidFill>
+                  <a:srgbClr val="118DFF"/>
+                </a:solidFill>
+              </a:rPr>
+              <a:t>+</a:t>
+            </a:r>
+            <a:endParaRPr lang="es-UY" dirty="0">
+              <a:solidFill>
+                <a:srgbClr val="118DFF"/>
+              </a:solidFill>
+            </a:endParaRPr>
+          </a:p>
+        </p:txBody>
+      </p:sp>
+      <p:sp>
+        <p:nvSpPr>
+          <p:cNvPr id="17" name="CuadroTexto 16">
+            <a:extLst>
+              <a:ext uri="{FF2B5EF4-FFF2-40B4-BE49-F238E27FC236}">
+                <a16:creationId xmlns:a16="http://schemas.microsoft.com/office/drawing/2014/main" id="{8DE9F428-8007-0E94-293D-F6EDF8C38B96}"/>
+              </a:ext>
+            </a:extLst>
+          </p:cNvPr>
+          <p:cNvSpPr txBox="1"/>
+          <p:nvPr/>
+        </p:nvSpPr>
+        <p:spPr>
+          <a:xfrm>
+            <a:off x="6157641" y="5378390"/>
+            <a:ext cx="300790" cy="307777"/>
+          </a:xfrm>
+          <a:prstGeom prst="rect">
+            <a:avLst/>
+          </a:prstGeom>
+          <a:noFill/>
+        </p:spPr>
+        <p:txBody>
+          <a:bodyPr wrap="square" rtlCol="0">
+            <a:spAutoFit/>
+          </a:bodyPr>
+          <a:lstStyle/>
+          <a:p>
+            <a:r>
+              <a:rPr lang="es-UY" sz="1400" dirty="0">
+                <a:solidFill>
+                  <a:srgbClr val="118DFF"/>
+                </a:solidFill>
+              </a:rPr>
+              <a:t>+</a:t>
+            </a:r>
+            <a:endParaRPr lang="es-UY" dirty="0">
+              <a:solidFill>
+                <a:srgbClr val="118DFF"/>
+              </a:solidFill>
+            </a:endParaRPr>
           </a:p>
         </p:txBody>
       </p:sp>
@@ -3943,40 +5591,6 @@
       </p:grpSpPr>
       <p:sp>
         <p:nvSpPr>
-          <p:cNvPr id="3" name="Subtítulo 2">
-            <a:extLst>
-              <a:ext uri="{FF2B5EF4-FFF2-40B4-BE49-F238E27FC236}">
-                <a16:creationId xmlns:a16="http://schemas.microsoft.com/office/drawing/2014/main" id="{06F9A7B2-4418-3893-24D6-A04CAE00F413}"/>
-              </a:ext>
-            </a:extLst>
-          </p:cNvPr>
-          <p:cNvSpPr>
-            <a:spLocks noGrp="1"/>
-          </p:cNvSpPr>
-          <p:nvPr>
-            <p:ph type="subTitle" idx="1"/>
-          </p:nvPr>
-        </p:nvSpPr>
-        <p:spPr>
-          <a:xfrm>
-            <a:off x="331304" y="342004"/>
-            <a:ext cx="5632174" cy="1655762"/>
-          </a:xfrm>
-        </p:spPr>
-        <p:txBody>
-          <a:bodyPr/>
-          <a:lstStyle/>
-          <a:p>
-            <a:r>
-              <a:rPr lang="es-ES" dirty="0"/>
-              <a:t>Tendencias de compras por géneros</a:t>
-            </a:r>
-            <a:endParaRPr lang="es-AR" dirty="0"/>
-          </a:p>
-        </p:txBody>
-      </p:sp>
-      <p:sp>
-        <p:nvSpPr>
           <p:cNvPr id="6" name="Subtítulo 2">
             <a:extLst>
               <a:ext uri="{FF2B5EF4-FFF2-40B4-BE49-F238E27FC236}">
@@ -3991,8 +5605,8 @@
         </p:nvSpPr>
         <p:spPr>
           <a:xfrm>
-            <a:off x="6228523" y="1169885"/>
-            <a:ext cx="4990923" cy="1254478"/>
+            <a:off x="6487203" y="1966341"/>
+            <a:ext cx="4136682" cy="809621"/>
           </a:xfrm>
           <a:prstGeom prst="rect">
             <a:avLst/>
@@ -4000,7 +5614,7 @@
         </p:spPr>
         <p:txBody>
           <a:bodyPr vert="horz" lIns="91440" tIns="45720" rIns="91440" bIns="45720" rtlCol="0">
-            <a:normAutofit/>
+            <a:normAutofit lnSpcReduction="10000"/>
           </a:bodyPr>
           <a:lstStyle>
             <a:lvl1pPr marL="0" indent="0" algn="ctr" defTabSz="914400" rtl="0" eaLnBrk="1" latinLnBrk="0" hangingPunct="1">
@@ -4170,21 +5784,21 @@
             <a:pPr algn="l"/>
             <a:r>
               <a:rPr lang="es-ES" sz="1200" dirty="0"/>
-              <a:t>+ La ropa es el producto que más compran hombres y mujeres</a:t>
+              <a:t>La ropa es el producto que más compran hombres y mujeres.</a:t>
             </a:r>
           </a:p>
           <a:p>
             <a:pPr algn="l"/>
             <a:r>
               <a:rPr lang="es-ES" sz="1200" dirty="0"/>
-              <a:t>- Las mujeres no suelen comprar tantos productos electrónicos </a:t>
+              <a:t>Las mujeres no suelen comprar tantos productos electrónicos. </a:t>
             </a:r>
           </a:p>
           <a:p>
             <a:pPr algn="l"/>
             <a:r>
               <a:rPr lang="es-AR" sz="1200" dirty="0"/>
-              <a:t>- Los hombres rara vez compran productos de belleza </a:t>
+              <a:t>Los hombres rara vez compran productos de belleza.</a:t>
             </a:r>
             <a:endParaRPr lang="es-ES" sz="1200" dirty="0"/>
           </a:p>
@@ -4383,211 +5997,6 @@
           </a:lstStyle>
           <a:p>
             <a:pPr algn="l"/>
-            <a:r>
-              <a:rPr lang="es-ES" sz="1200" dirty="0"/>
-              <a:t>Mujeres</a:t>
-            </a:r>
-            <a:endParaRPr lang="es-AR" sz="1200" dirty="0"/>
-          </a:p>
-        </p:txBody>
-      </p:sp>
-      <p:sp>
-        <p:nvSpPr>
-          <p:cNvPr id="10" name="Subtítulo 2">
-            <a:extLst>
-              <a:ext uri="{FF2B5EF4-FFF2-40B4-BE49-F238E27FC236}">
-                <a16:creationId xmlns:a16="http://schemas.microsoft.com/office/drawing/2014/main" id="{35532317-5851-1941-9B71-03F294CB66A3}"/>
-              </a:ext>
-            </a:extLst>
-          </p:cNvPr>
-          <p:cNvSpPr txBox="1">
-            <a:spLocks/>
-          </p:cNvSpPr>
-          <p:nvPr/>
-        </p:nvSpPr>
-        <p:spPr>
-          <a:xfrm>
-            <a:off x="2355789" y="3674891"/>
-            <a:ext cx="802627" cy="396457"/>
-          </a:xfrm>
-          <a:prstGeom prst="rect">
-            <a:avLst/>
-          </a:prstGeom>
-        </p:spPr>
-        <p:txBody>
-          <a:bodyPr vert="horz" lIns="91440" tIns="45720" rIns="91440" bIns="45720" rtlCol="0">
-            <a:normAutofit/>
-          </a:bodyPr>
-          <a:lstStyle>
-            <a:lvl1pPr marL="0" indent="0" algn="ctr" defTabSz="914400" rtl="0" eaLnBrk="1" latinLnBrk="0" hangingPunct="1">
-              <a:lnSpc>
-                <a:spcPct val="90000"/>
-              </a:lnSpc>
-              <a:spcBef>
-                <a:spcPts val="1000"/>
-              </a:spcBef>
-              <a:buFont typeface="Arial" panose="020B0604020202020204" pitchFamily="34" charset="0"/>
-              <a:buNone/>
-              <a:defRPr sz="2400" kern="1200">
-                <a:solidFill>
-                  <a:schemeClr val="tx1"/>
-                </a:solidFill>
-                <a:latin typeface="+mn-lt"/>
-                <a:ea typeface="+mn-ea"/>
-                <a:cs typeface="+mn-cs"/>
-              </a:defRPr>
-            </a:lvl1pPr>
-            <a:lvl2pPr marL="457200" indent="0" algn="ctr" defTabSz="914400" rtl="0" eaLnBrk="1" latinLnBrk="0" hangingPunct="1">
-              <a:lnSpc>
-                <a:spcPct val="90000"/>
-              </a:lnSpc>
-              <a:spcBef>
-                <a:spcPts val="500"/>
-              </a:spcBef>
-              <a:buFont typeface="Arial" panose="020B0604020202020204" pitchFamily="34" charset="0"/>
-              <a:buNone/>
-              <a:defRPr sz="2000" kern="1200">
-                <a:solidFill>
-                  <a:schemeClr val="tx1"/>
-                </a:solidFill>
-                <a:latin typeface="+mn-lt"/>
-                <a:ea typeface="+mn-ea"/>
-                <a:cs typeface="+mn-cs"/>
-              </a:defRPr>
-            </a:lvl2pPr>
-            <a:lvl3pPr marL="914400" indent="0" algn="ctr" defTabSz="914400" rtl="0" eaLnBrk="1" latinLnBrk="0" hangingPunct="1">
-              <a:lnSpc>
-                <a:spcPct val="90000"/>
-              </a:lnSpc>
-              <a:spcBef>
-                <a:spcPts val="500"/>
-              </a:spcBef>
-              <a:buFont typeface="Arial" panose="020B0604020202020204" pitchFamily="34" charset="0"/>
-              <a:buNone/>
-              <a:defRPr sz="1800" kern="1200">
-                <a:solidFill>
-                  <a:schemeClr val="tx1"/>
-                </a:solidFill>
-                <a:latin typeface="+mn-lt"/>
-                <a:ea typeface="+mn-ea"/>
-                <a:cs typeface="+mn-cs"/>
-              </a:defRPr>
-            </a:lvl3pPr>
-            <a:lvl4pPr marL="1371600" indent="0" algn="ctr" defTabSz="914400" rtl="0" eaLnBrk="1" latinLnBrk="0" hangingPunct="1">
-              <a:lnSpc>
-                <a:spcPct val="90000"/>
-              </a:lnSpc>
-              <a:spcBef>
-                <a:spcPts val="500"/>
-              </a:spcBef>
-              <a:buFont typeface="Arial" panose="020B0604020202020204" pitchFamily="34" charset="0"/>
-              <a:buNone/>
-              <a:defRPr sz="1600" kern="1200">
-                <a:solidFill>
-                  <a:schemeClr val="tx1"/>
-                </a:solidFill>
-                <a:latin typeface="+mn-lt"/>
-                <a:ea typeface="+mn-ea"/>
-                <a:cs typeface="+mn-cs"/>
-              </a:defRPr>
-            </a:lvl4pPr>
-            <a:lvl5pPr marL="1828800" indent="0" algn="ctr" defTabSz="914400" rtl="0" eaLnBrk="1" latinLnBrk="0" hangingPunct="1">
-              <a:lnSpc>
-                <a:spcPct val="90000"/>
-              </a:lnSpc>
-              <a:spcBef>
-                <a:spcPts val="500"/>
-              </a:spcBef>
-              <a:buFont typeface="Arial" panose="020B0604020202020204" pitchFamily="34" charset="0"/>
-              <a:buNone/>
-              <a:defRPr sz="1600" kern="1200">
-                <a:solidFill>
-                  <a:schemeClr val="tx1"/>
-                </a:solidFill>
-                <a:latin typeface="+mn-lt"/>
-                <a:ea typeface="+mn-ea"/>
-                <a:cs typeface="+mn-cs"/>
-              </a:defRPr>
-            </a:lvl5pPr>
-            <a:lvl6pPr marL="2286000" indent="0" algn="ctr" defTabSz="914400" rtl="0" eaLnBrk="1" latinLnBrk="0" hangingPunct="1">
-              <a:lnSpc>
-                <a:spcPct val="90000"/>
-              </a:lnSpc>
-              <a:spcBef>
-                <a:spcPts val="500"/>
-              </a:spcBef>
-              <a:buFont typeface="Arial" panose="020B0604020202020204" pitchFamily="34" charset="0"/>
-              <a:buNone/>
-              <a:defRPr sz="1600" kern="1200">
-                <a:solidFill>
-                  <a:schemeClr val="tx1"/>
-                </a:solidFill>
-                <a:latin typeface="+mn-lt"/>
-                <a:ea typeface="+mn-ea"/>
-                <a:cs typeface="+mn-cs"/>
-              </a:defRPr>
-            </a:lvl6pPr>
-            <a:lvl7pPr marL="2743200" indent="0" algn="ctr" defTabSz="914400" rtl="0" eaLnBrk="1" latinLnBrk="0" hangingPunct="1">
-              <a:lnSpc>
-                <a:spcPct val="90000"/>
-              </a:lnSpc>
-              <a:spcBef>
-                <a:spcPts val="500"/>
-              </a:spcBef>
-              <a:buFont typeface="Arial" panose="020B0604020202020204" pitchFamily="34" charset="0"/>
-              <a:buNone/>
-              <a:defRPr sz="1600" kern="1200">
-                <a:solidFill>
-                  <a:schemeClr val="tx1"/>
-                </a:solidFill>
-                <a:latin typeface="+mn-lt"/>
-                <a:ea typeface="+mn-ea"/>
-                <a:cs typeface="+mn-cs"/>
-              </a:defRPr>
-            </a:lvl7pPr>
-            <a:lvl8pPr marL="3200400" indent="0" algn="ctr" defTabSz="914400" rtl="0" eaLnBrk="1" latinLnBrk="0" hangingPunct="1">
-              <a:lnSpc>
-                <a:spcPct val="90000"/>
-              </a:lnSpc>
-              <a:spcBef>
-                <a:spcPts val="500"/>
-              </a:spcBef>
-              <a:buFont typeface="Arial" panose="020B0604020202020204" pitchFamily="34" charset="0"/>
-              <a:buNone/>
-              <a:defRPr sz="1600" kern="1200">
-                <a:solidFill>
-                  <a:schemeClr val="tx1"/>
-                </a:solidFill>
-                <a:latin typeface="+mn-lt"/>
-                <a:ea typeface="+mn-ea"/>
-                <a:cs typeface="+mn-cs"/>
-              </a:defRPr>
-            </a:lvl8pPr>
-            <a:lvl9pPr marL="3657600" indent="0" algn="ctr" defTabSz="914400" rtl="0" eaLnBrk="1" latinLnBrk="0" hangingPunct="1">
-              <a:lnSpc>
-                <a:spcPct val="90000"/>
-              </a:lnSpc>
-              <a:spcBef>
-                <a:spcPts val="500"/>
-              </a:spcBef>
-              <a:buFont typeface="Arial" panose="020B0604020202020204" pitchFamily="34" charset="0"/>
-              <a:buNone/>
-              <a:defRPr sz="1600" kern="1200">
-                <a:solidFill>
-                  <a:schemeClr val="tx1"/>
-                </a:solidFill>
-                <a:latin typeface="+mn-lt"/>
-                <a:ea typeface="+mn-ea"/>
-                <a:cs typeface="+mn-cs"/>
-              </a:defRPr>
-            </a:lvl9pPr>
-          </a:lstStyle>
-          <a:p>
-            <a:pPr algn="l"/>
-            <a:r>
-              <a:rPr lang="es-ES" sz="1200" dirty="0"/>
-              <a:t>Hombres</a:t>
-            </a:r>
             <a:endParaRPr lang="es-AR" sz="1200" dirty="0"/>
           </a:p>
         </p:txBody>
@@ -4614,7 +6023,7 @@
         </p:blipFill>
         <p:spPr>
           <a:xfrm>
-            <a:off x="972554" y="1525890"/>
+            <a:off x="1135902" y="1691133"/>
             <a:ext cx="3597602" cy="1886224"/>
           </a:xfrm>
           <a:prstGeom prst="rect">
@@ -4644,7 +6053,7 @@
         </p:blipFill>
         <p:spPr>
           <a:xfrm>
-            <a:off x="972554" y="4071348"/>
+            <a:off x="972553" y="4071348"/>
             <a:ext cx="3924299" cy="2051469"/>
           </a:xfrm>
           <a:prstGeom prst="rect">
@@ -4668,8 +6077,8 @@
         </p:nvSpPr>
         <p:spPr>
           <a:xfrm>
-            <a:off x="6392955" y="4071348"/>
-            <a:ext cx="4990923" cy="1254478"/>
+            <a:off x="6487203" y="4310057"/>
+            <a:ext cx="4459528" cy="1030041"/>
           </a:xfrm>
           <a:prstGeom prst="rect">
             <a:avLst/>
@@ -4847,21 +6256,1229 @@
             <a:pPr algn="l"/>
             <a:r>
               <a:rPr lang="es-ES" sz="1200" dirty="0"/>
-              <a:t>+ Generar más campañas para hombres y mujeres de ventas de ropa.</a:t>
+              <a:t>Generar más campañas para hombres y mujeres de ventas de ropa.</a:t>
             </a:r>
           </a:p>
           <a:p>
             <a:pPr algn="l"/>
             <a:r>
               <a:rPr lang="es-ES" sz="1200" dirty="0"/>
-              <a:t>+ Generar campañas específicas para la venta de productos de belleza especialmente para las mujeres.</a:t>
+              <a:t>Generar campañas específicas para la venta de productos de belleza especialmente para las mujeres.</a:t>
             </a:r>
           </a:p>
           <a:p>
             <a:pPr algn="l"/>
             <a:r>
               <a:rPr lang="es-ES" sz="1200" dirty="0"/>
-              <a:t>- Reducir stock de productos de belleza para hombres.</a:t>
+              <a:t>Reducir stock de productos de belleza para hombres.</a:t>
+            </a:r>
+          </a:p>
+        </p:txBody>
+      </p:sp>
+      <p:sp>
+        <p:nvSpPr>
+          <p:cNvPr id="5" name="Subtítulo 2">
+            <a:extLst>
+              <a:ext uri="{FF2B5EF4-FFF2-40B4-BE49-F238E27FC236}">
+                <a16:creationId xmlns:a16="http://schemas.microsoft.com/office/drawing/2014/main" id="{CD15F498-728E-FC29-2439-0D91C8F38149}"/>
+              </a:ext>
+            </a:extLst>
+          </p:cNvPr>
+          <p:cNvSpPr>
+            <a:spLocks noGrp="1"/>
+          </p:cNvSpPr>
+          <p:nvPr>
+            <p:ph type="subTitle" idx="1"/>
+          </p:nvPr>
+        </p:nvSpPr>
+        <p:spPr>
+          <a:xfrm>
+            <a:off x="331304" y="342004"/>
+            <a:ext cx="5552662" cy="855138"/>
+          </a:xfrm>
+          <a:effectLst>
+            <a:outerShdw blurRad="50800" dist="38100" dir="2700000" algn="tl" rotWithShape="0">
+              <a:prstClr val="black">
+                <a:alpha val="40000"/>
+              </a:prstClr>
+            </a:outerShdw>
+          </a:effectLst>
+        </p:spPr>
+        <p:style>
+          <a:lnRef idx="2">
+            <a:schemeClr val="dk1"/>
+          </a:lnRef>
+          <a:fillRef idx="1">
+            <a:schemeClr val="lt1"/>
+          </a:fillRef>
+          <a:effectRef idx="0">
+            <a:schemeClr val="dk1"/>
+          </a:effectRef>
+          <a:fontRef idx="minor">
+            <a:schemeClr val="dk1"/>
+          </a:fontRef>
+        </p:style>
+        <p:txBody>
+          <a:bodyPr anchor="ctr"/>
+          <a:lstStyle/>
+          <a:p>
+            <a:r>
+              <a:rPr lang="es-ES" sz="1800" b="1" dirty="0">
+                <a:solidFill>
+                  <a:srgbClr val="118DFF"/>
+                </a:solidFill>
+                <a:latin typeface="wf_standard-font"/>
+              </a:rPr>
+              <a:t>LA ROPA: UN PRODUCTO VERSÁTIL PARA TODOS LOS GÉNEROS</a:t>
+            </a:r>
+            <a:endParaRPr lang="es-AR" dirty="0"/>
+          </a:p>
+        </p:txBody>
+      </p:sp>
+      <p:sp>
+        <p:nvSpPr>
+          <p:cNvPr id="8" name="Subtítulo 2">
+            <a:extLst>
+              <a:ext uri="{FF2B5EF4-FFF2-40B4-BE49-F238E27FC236}">
+                <a16:creationId xmlns:a16="http://schemas.microsoft.com/office/drawing/2014/main" id="{B8A8F8EA-2317-61F7-CC30-75BF478C42CF}"/>
+              </a:ext>
+            </a:extLst>
+          </p:cNvPr>
+          <p:cNvSpPr txBox="1">
+            <a:spLocks/>
+          </p:cNvSpPr>
+          <p:nvPr/>
+        </p:nvSpPr>
+        <p:spPr>
+          <a:xfrm>
+            <a:off x="7946641" y="1334030"/>
+            <a:ext cx="1217805" cy="367619"/>
+          </a:xfrm>
+          <a:prstGeom prst="rect">
+            <a:avLst/>
+          </a:prstGeom>
+          <a:effectLst>
+            <a:outerShdw blurRad="50800" dist="38100" dir="2700000" algn="tl" rotWithShape="0">
+              <a:prstClr val="black">
+                <a:alpha val="40000"/>
+              </a:prstClr>
+            </a:outerShdw>
+          </a:effectLst>
+        </p:spPr>
+        <p:style>
+          <a:lnRef idx="2">
+            <a:schemeClr val="dk1"/>
+          </a:lnRef>
+          <a:fillRef idx="1">
+            <a:schemeClr val="lt1"/>
+          </a:fillRef>
+          <a:effectRef idx="0">
+            <a:schemeClr val="dk1"/>
+          </a:effectRef>
+          <a:fontRef idx="minor">
+            <a:schemeClr val="dk1"/>
+          </a:fontRef>
+        </p:style>
+        <p:txBody>
+          <a:bodyPr vert="horz" lIns="91440" tIns="45720" rIns="91440" bIns="45720" rtlCol="0" anchor="ctr">
+            <a:normAutofit/>
+          </a:bodyPr>
+          <a:lstStyle>
+            <a:lvl1pPr marL="0" indent="0" algn="ctr" defTabSz="914400" rtl="0" eaLnBrk="1" latinLnBrk="0" hangingPunct="1">
+              <a:lnSpc>
+                <a:spcPct val="90000"/>
+              </a:lnSpc>
+              <a:spcBef>
+                <a:spcPts val="1000"/>
+              </a:spcBef>
+              <a:buFont typeface="Arial" panose="020B0604020202020204" pitchFamily="34" charset="0"/>
+              <a:buNone/>
+              <a:defRPr sz="2400" kern="1200">
+                <a:solidFill>
+                  <a:schemeClr val="dk1"/>
+                </a:solidFill>
+                <a:latin typeface="+mn-lt"/>
+                <a:ea typeface="+mn-ea"/>
+                <a:cs typeface="+mn-cs"/>
+              </a:defRPr>
+            </a:lvl1pPr>
+            <a:lvl2pPr marL="457200" indent="0" algn="ctr" defTabSz="914400" rtl="0" eaLnBrk="1" latinLnBrk="0" hangingPunct="1">
+              <a:lnSpc>
+                <a:spcPct val="90000"/>
+              </a:lnSpc>
+              <a:spcBef>
+                <a:spcPts val="500"/>
+              </a:spcBef>
+              <a:buFont typeface="Arial" panose="020B0604020202020204" pitchFamily="34" charset="0"/>
+              <a:buNone/>
+              <a:defRPr sz="2000" kern="1200">
+                <a:solidFill>
+                  <a:schemeClr val="dk1"/>
+                </a:solidFill>
+                <a:latin typeface="+mn-lt"/>
+                <a:ea typeface="+mn-ea"/>
+                <a:cs typeface="+mn-cs"/>
+              </a:defRPr>
+            </a:lvl2pPr>
+            <a:lvl3pPr marL="914400" indent="0" algn="ctr" defTabSz="914400" rtl="0" eaLnBrk="1" latinLnBrk="0" hangingPunct="1">
+              <a:lnSpc>
+                <a:spcPct val="90000"/>
+              </a:lnSpc>
+              <a:spcBef>
+                <a:spcPts val="500"/>
+              </a:spcBef>
+              <a:buFont typeface="Arial" panose="020B0604020202020204" pitchFamily="34" charset="0"/>
+              <a:buNone/>
+              <a:defRPr sz="1800" kern="1200">
+                <a:solidFill>
+                  <a:schemeClr val="dk1"/>
+                </a:solidFill>
+                <a:latin typeface="+mn-lt"/>
+                <a:ea typeface="+mn-ea"/>
+                <a:cs typeface="+mn-cs"/>
+              </a:defRPr>
+            </a:lvl3pPr>
+            <a:lvl4pPr marL="1371600" indent="0" algn="ctr" defTabSz="914400" rtl="0" eaLnBrk="1" latinLnBrk="0" hangingPunct="1">
+              <a:lnSpc>
+                <a:spcPct val="90000"/>
+              </a:lnSpc>
+              <a:spcBef>
+                <a:spcPts val="500"/>
+              </a:spcBef>
+              <a:buFont typeface="Arial" panose="020B0604020202020204" pitchFamily="34" charset="0"/>
+              <a:buNone/>
+              <a:defRPr sz="1600" kern="1200">
+                <a:solidFill>
+                  <a:schemeClr val="dk1"/>
+                </a:solidFill>
+                <a:latin typeface="+mn-lt"/>
+                <a:ea typeface="+mn-ea"/>
+                <a:cs typeface="+mn-cs"/>
+              </a:defRPr>
+            </a:lvl4pPr>
+            <a:lvl5pPr marL="1828800" indent="0" algn="ctr" defTabSz="914400" rtl="0" eaLnBrk="1" latinLnBrk="0" hangingPunct="1">
+              <a:lnSpc>
+                <a:spcPct val="90000"/>
+              </a:lnSpc>
+              <a:spcBef>
+                <a:spcPts val="500"/>
+              </a:spcBef>
+              <a:buFont typeface="Arial" panose="020B0604020202020204" pitchFamily="34" charset="0"/>
+              <a:buNone/>
+              <a:defRPr sz="1600" kern="1200">
+                <a:solidFill>
+                  <a:schemeClr val="dk1"/>
+                </a:solidFill>
+                <a:latin typeface="+mn-lt"/>
+                <a:ea typeface="+mn-ea"/>
+                <a:cs typeface="+mn-cs"/>
+              </a:defRPr>
+            </a:lvl5pPr>
+            <a:lvl6pPr marL="2286000" indent="0" algn="ctr" defTabSz="914400" rtl="0" eaLnBrk="1" latinLnBrk="0" hangingPunct="1">
+              <a:lnSpc>
+                <a:spcPct val="90000"/>
+              </a:lnSpc>
+              <a:spcBef>
+                <a:spcPts val="500"/>
+              </a:spcBef>
+              <a:buFont typeface="Arial" panose="020B0604020202020204" pitchFamily="34" charset="0"/>
+              <a:buNone/>
+              <a:defRPr sz="1600" kern="1200">
+                <a:solidFill>
+                  <a:schemeClr val="dk1"/>
+                </a:solidFill>
+                <a:latin typeface="+mn-lt"/>
+                <a:ea typeface="+mn-ea"/>
+                <a:cs typeface="+mn-cs"/>
+              </a:defRPr>
+            </a:lvl6pPr>
+            <a:lvl7pPr marL="2743200" indent="0" algn="ctr" defTabSz="914400" rtl="0" eaLnBrk="1" latinLnBrk="0" hangingPunct="1">
+              <a:lnSpc>
+                <a:spcPct val="90000"/>
+              </a:lnSpc>
+              <a:spcBef>
+                <a:spcPts val="500"/>
+              </a:spcBef>
+              <a:buFont typeface="Arial" panose="020B0604020202020204" pitchFamily="34" charset="0"/>
+              <a:buNone/>
+              <a:defRPr sz="1600" kern="1200">
+                <a:solidFill>
+                  <a:schemeClr val="dk1"/>
+                </a:solidFill>
+                <a:latin typeface="+mn-lt"/>
+                <a:ea typeface="+mn-ea"/>
+                <a:cs typeface="+mn-cs"/>
+              </a:defRPr>
+            </a:lvl7pPr>
+            <a:lvl8pPr marL="3200400" indent="0" algn="ctr" defTabSz="914400" rtl="0" eaLnBrk="1" latinLnBrk="0" hangingPunct="1">
+              <a:lnSpc>
+                <a:spcPct val="90000"/>
+              </a:lnSpc>
+              <a:spcBef>
+                <a:spcPts val="500"/>
+              </a:spcBef>
+              <a:buFont typeface="Arial" panose="020B0604020202020204" pitchFamily="34" charset="0"/>
+              <a:buNone/>
+              <a:defRPr sz="1600" kern="1200">
+                <a:solidFill>
+                  <a:schemeClr val="dk1"/>
+                </a:solidFill>
+                <a:latin typeface="+mn-lt"/>
+                <a:ea typeface="+mn-ea"/>
+                <a:cs typeface="+mn-cs"/>
+              </a:defRPr>
+            </a:lvl8pPr>
+            <a:lvl9pPr marL="3657600" indent="0" algn="ctr" defTabSz="914400" rtl="0" eaLnBrk="1" latinLnBrk="0" hangingPunct="1">
+              <a:lnSpc>
+                <a:spcPct val="90000"/>
+              </a:lnSpc>
+              <a:spcBef>
+                <a:spcPts val="500"/>
+              </a:spcBef>
+              <a:buFont typeface="Arial" panose="020B0604020202020204" pitchFamily="34" charset="0"/>
+              <a:buNone/>
+              <a:defRPr sz="1600" kern="1200">
+                <a:solidFill>
+                  <a:schemeClr val="dk1"/>
+                </a:solidFill>
+                <a:latin typeface="+mn-lt"/>
+                <a:ea typeface="+mn-ea"/>
+                <a:cs typeface="+mn-cs"/>
+              </a:defRPr>
+            </a:lvl9pPr>
+          </a:lstStyle>
+          <a:p>
+            <a:r>
+              <a:rPr lang="es-ES" sz="1800" b="1" dirty="0">
+                <a:solidFill>
+                  <a:srgbClr val="118DFF"/>
+                </a:solidFill>
+                <a:latin typeface="wf_standard-font"/>
+              </a:rPr>
+              <a:t>INSIGHTS</a:t>
+            </a:r>
+            <a:endParaRPr lang="es-AR" dirty="0"/>
+          </a:p>
+        </p:txBody>
+      </p:sp>
+      <p:sp>
+        <p:nvSpPr>
+          <p:cNvPr id="9" name="Subtítulo 2">
+            <a:extLst>
+              <a:ext uri="{FF2B5EF4-FFF2-40B4-BE49-F238E27FC236}">
+                <a16:creationId xmlns:a16="http://schemas.microsoft.com/office/drawing/2014/main" id="{9C95FECC-47BE-278E-171E-360244FE25EE}"/>
+              </a:ext>
+            </a:extLst>
+          </p:cNvPr>
+          <p:cNvSpPr txBox="1">
+            <a:spLocks/>
+          </p:cNvSpPr>
+          <p:nvPr/>
+        </p:nvSpPr>
+        <p:spPr>
+          <a:xfrm>
+            <a:off x="7748512" y="3653456"/>
+            <a:ext cx="1614062" cy="367619"/>
+          </a:xfrm>
+          <a:prstGeom prst="rect">
+            <a:avLst/>
+          </a:prstGeom>
+          <a:effectLst>
+            <a:outerShdw blurRad="50800" dist="38100" dir="2700000" algn="tl" rotWithShape="0">
+              <a:prstClr val="black">
+                <a:alpha val="40000"/>
+              </a:prstClr>
+            </a:outerShdw>
+          </a:effectLst>
+        </p:spPr>
+        <p:style>
+          <a:lnRef idx="2">
+            <a:schemeClr val="dk1"/>
+          </a:lnRef>
+          <a:fillRef idx="1">
+            <a:schemeClr val="lt1"/>
+          </a:fillRef>
+          <a:effectRef idx="0">
+            <a:schemeClr val="dk1"/>
+          </a:effectRef>
+          <a:fontRef idx="minor">
+            <a:schemeClr val="dk1"/>
+          </a:fontRef>
+        </p:style>
+        <p:txBody>
+          <a:bodyPr vert="horz" lIns="91440" tIns="45720" rIns="91440" bIns="45720" rtlCol="0" anchor="ctr">
+            <a:normAutofit fontScale="85000" lnSpcReduction="10000"/>
+          </a:bodyPr>
+          <a:lstStyle>
+            <a:lvl1pPr marL="0" indent="0" algn="ctr" defTabSz="914400" rtl="0" eaLnBrk="1" latinLnBrk="0" hangingPunct="1">
+              <a:lnSpc>
+                <a:spcPct val="90000"/>
+              </a:lnSpc>
+              <a:spcBef>
+                <a:spcPts val="1000"/>
+              </a:spcBef>
+              <a:buFont typeface="Arial" panose="020B0604020202020204" pitchFamily="34" charset="0"/>
+              <a:buNone/>
+              <a:defRPr sz="2400" kern="1200">
+                <a:solidFill>
+                  <a:schemeClr val="dk1"/>
+                </a:solidFill>
+                <a:latin typeface="+mn-lt"/>
+                <a:ea typeface="+mn-ea"/>
+                <a:cs typeface="+mn-cs"/>
+              </a:defRPr>
+            </a:lvl1pPr>
+            <a:lvl2pPr marL="457200" indent="0" algn="ctr" defTabSz="914400" rtl="0" eaLnBrk="1" latinLnBrk="0" hangingPunct="1">
+              <a:lnSpc>
+                <a:spcPct val="90000"/>
+              </a:lnSpc>
+              <a:spcBef>
+                <a:spcPts val="500"/>
+              </a:spcBef>
+              <a:buFont typeface="Arial" panose="020B0604020202020204" pitchFamily="34" charset="0"/>
+              <a:buNone/>
+              <a:defRPr sz="2000" kern="1200">
+                <a:solidFill>
+                  <a:schemeClr val="dk1"/>
+                </a:solidFill>
+                <a:latin typeface="+mn-lt"/>
+                <a:ea typeface="+mn-ea"/>
+                <a:cs typeface="+mn-cs"/>
+              </a:defRPr>
+            </a:lvl2pPr>
+            <a:lvl3pPr marL="914400" indent="0" algn="ctr" defTabSz="914400" rtl="0" eaLnBrk="1" latinLnBrk="0" hangingPunct="1">
+              <a:lnSpc>
+                <a:spcPct val="90000"/>
+              </a:lnSpc>
+              <a:spcBef>
+                <a:spcPts val="500"/>
+              </a:spcBef>
+              <a:buFont typeface="Arial" panose="020B0604020202020204" pitchFamily="34" charset="0"/>
+              <a:buNone/>
+              <a:defRPr sz="1800" kern="1200">
+                <a:solidFill>
+                  <a:schemeClr val="dk1"/>
+                </a:solidFill>
+                <a:latin typeface="+mn-lt"/>
+                <a:ea typeface="+mn-ea"/>
+                <a:cs typeface="+mn-cs"/>
+              </a:defRPr>
+            </a:lvl3pPr>
+            <a:lvl4pPr marL="1371600" indent="0" algn="ctr" defTabSz="914400" rtl="0" eaLnBrk="1" latinLnBrk="0" hangingPunct="1">
+              <a:lnSpc>
+                <a:spcPct val="90000"/>
+              </a:lnSpc>
+              <a:spcBef>
+                <a:spcPts val="500"/>
+              </a:spcBef>
+              <a:buFont typeface="Arial" panose="020B0604020202020204" pitchFamily="34" charset="0"/>
+              <a:buNone/>
+              <a:defRPr sz="1600" kern="1200">
+                <a:solidFill>
+                  <a:schemeClr val="dk1"/>
+                </a:solidFill>
+                <a:latin typeface="+mn-lt"/>
+                <a:ea typeface="+mn-ea"/>
+                <a:cs typeface="+mn-cs"/>
+              </a:defRPr>
+            </a:lvl4pPr>
+            <a:lvl5pPr marL="1828800" indent="0" algn="ctr" defTabSz="914400" rtl="0" eaLnBrk="1" latinLnBrk="0" hangingPunct="1">
+              <a:lnSpc>
+                <a:spcPct val="90000"/>
+              </a:lnSpc>
+              <a:spcBef>
+                <a:spcPts val="500"/>
+              </a:spcBef>
+              <a:buFont typeface="Arial" panose="020B0604020202020204" pitchFamily="34" charset="0"/>
+              <a:buNone/>
+              <a:defRPr sz="1600" kern="1200">
+                <a:solidFill>
+                  <a:schemeClr val="dk1"/>
+                </a:solidFill>
+                <a:latin typeface="+mn-lt"/>
+                <a:ea typeface="+mn-ea"/>
+                <a:cs typeface="+mn-cs"/>
+              </a:defRPr>
+            </a:lvl5pPr>
+            <a:lvl6pPr marL="2286000" indent="0" algn="ctr" defTabSz="914400" rtl="0" eaLnBrk="1" latinLnBrk="0" hangingPunct="1">
+              <a:lnSpc>
+                <a:spcPct val="90000"/>
+              </a:lnSpc>
+              <a:spcBef>
+                <a:spcPts val="500"/>
+              </a:spcBef>
+              <a:buFont typeface="Arial" panose="020B0604020202020204" pitchFamily="34" charset="0"/>
+              <a:buNone/>
+              <a:defRPr sz="1600" kern="1200">
+                <a:solidFill>
+                  <a:schemeClr val="dk1"/>
+                </a:solidFill>
+                <a:latin typeface="+mn-lt"/>
+                <a:ea typeface="+mn-ea"/>
+                <a:cs typeface="+mn-cs"/>
+              </a:defRPr>
+            </a:lvl6pPr>
+            <a:lvl7pPr marL="2743200" indent="0" algn="ctr" defTabSz="914400" rtl="0" eaLnBrk="1" latinLnBrk="0" hangingPunct="1">
+              <a:lnSpc>
+                <a:spcPct val="90000"/>
+              </a:lnSpc>
+              <a:spcBef>
+                <a:spcPts val="500"/>
+              </a:spcBef>
+              <a:buFont typeface="Arial" panose="020B0604020202020204" pitchFamily="34" charset="0"/>
+              <a:buNone/>
+              <a:defRPr sz="1600" kern="1200">
+                <a:solidFill>
+                  <a:schemeClr val="dk1"/>
+                </a:solidFill>
+                <a:latin typeface="+mn-lt"/>
+                <a:ea typeface="+mn-ea"/>
+                <a:cs typeface="+mn-cs"/>
+              </a:defRPr>
+            </a:lvl7pPr>
+            <a:lvl8pPr marL="3200400" indent="0" algn="ctr" defTabSz="914400" rtl="0" eaLnBrk="1" latinLnBrk="0" hangingPunct="1">
+              <a:lnSpc>
+                <a:spcPct val="90000"/>
+              </a:lnSpc>
+              <a:spcBef>
+                <a:spcPts val="500"/>
+              </a:spcBef>
+              <a:buFont typeface="Arial" panose="020B0604020202020204" pitchFamily="34" charset="0"/>
+              <a:buNone/>
+              <a:defRPr sz="1600" kern="1200">
+                <a:solidFill>
+                  <a:schemeClr val="dk1"/>
+                </a:solidFill>
+                <a:latin typeface="+mn-lt"/>
+                <a:ea typeface="+mn-ea"/>
+                <a:cs typeface="+mn-cs"/>
+              </a:defRPr>
+            </a:lvl8pPr>
+            <a:lvl9pPr marL="3657600" indent="0" algn="ctr" defTabSz="914400" rtl="0" eaLnBrk="1" latinLnBrk="0" hangingPunct="1">
+              <a:lnSpc>
+                <a:spcPct val="90000"/>
+              </a:lnSpc>
+              <a:spcBef>
+                <a:spcPts val="500"/>
+              </a:spcBef>
+              <a:buFont typeface="Arial" panose="020B0604020202020204" pitchFamily="34" charset="0"/>
+              <a:buNone/>
+              <a:defRPr sz="1600" kern="1200">
+                <a:solidFill>
+                  <a:schemeClr val="dk1"/>
+                </a:solidFill>
+                <a:latin typeface="+mn-lt"/>
+                <a:ea typeface="+mn-ea"/>
+                <a:cs typeface="+mn-cs"/>
+              </a:defRPr>
+            </a:lvl9pPr>
+          </a:lstStyle>
+          <a:p>
+            <a:r>
+              <a:rPr lang="es-ES" sz="1800" b="1" dirty="0">
+                <a:solidFill>
+                  <a:srgbClr val="118DFF"/>
+                </a:solidFill>
+                <a:latin typeface="wf_standard-font"/>
+              </a:rPr>
+              <a:t>CALL TO ACTION</a:t>
+            </a:r>
+            <a:endParaRPr lang="es-AR" dirty="0"/>
+          </a:p>
+        </p:txBody>
+      </p:sp>
+      <p:sp>
+        <p:nvSpPr>
+          <p:cNvPr id="11" name="Subtítulo 2">
+            <a:extLst>
+              <a:ext uri="{FF2B5EF4-FFF2-40B4-BE49-F238E27FC236}">
+                <a16:creationId xmlns:a16="http://schemas.microsoft.com/office/drawing/2014/main" id="{2589BAB6-BFC0-64E2-7827-F05513D8EF34}"/>
+              </a:ext>
+            </a:extLst>
+          </p:cNvPr>
+          <p:cNvSpPr txBox="1">
+            <a:spLocks/>
+          </p:cNvSpPr>
+          <p:nvPr/>
+        </p:nvSpPr>
+        <p:spPr>
+          <a:xfrm>
+            <a:off x="2325798" y="1334031"/>
+            <a:ext cx="1217804" cy="306830"/>
+          </a:xfrm>
+          <a:prstGeom prst="rect">
+            <a:avLst/>
+          </a:prstGeom>
+          <a:effectLst>
+            <a:outerShdw blurRad="50800" dist="38100" dir="2700000" algn="tl" rotWithShape="0">
+              <a:prstClr val="black">
+                <a:alpha val="40000"/>
+              </a:prstClr>
+            </a:outerShdw>
+          </a:effectLst>
+        </p:spPr>
+        <p:style>
+          <a:lnRef idx="2">
+            <a:schemeClr val="dk1"/>
+          </a:lnRef>
+          <a:fillRef idx="1">
+            <a:schemeClr val="lt1"/>
+          </a:fillRef>
+          <a:effectRef idx="0">
+            <a:schemeClr val="dk1"/>
+          </a:effectRef>
+          <a:fontRef idx="minor">
+            <a:schemeClr val="dk1"/>
+          </a:fontRef>
+        </p:style>
+        <p:txBody>
+          <a:bodyPr vert="horz" lIns="91440" tIns="45720" rIns="91440" bIns="45720" rtlCol="0" anchor="ctr">
+            <a:normAutofit/>
+          </a:bodyPr>
+          <a:lstStyle>
+            <a:lvl1pPr marL="0" indent="0" algn="ctr" defTabSz="914400" rtl="0" eaLnBrk="1" latinLnBrk="0" hangingPunct="1">
+              <a:lnSpc>
+                <a:spcPct val="90000"/>
+              </a:lnSpc>
+              <a:spcBef>
+                <a:spcPts val="1000"/>
+              </a:spcBef>
+              <a:buFont typeface="Arial" panose="020B0604020202020204" pitchFamily="34" charset="0"/>
+              <a:buNone/>
+              <a:defRPr sz="2400" kern="1200">
+                <a:solidFill>
+                  <a:schemeClr val="dk1"/>
+                </a:solidFill>
+                <a:latin typeface="+mn-lt"/>
+                <a:ea typeface="+mn-ea"/>
+                <a:cs typeface="+mn-cs"/>
+              </a:defRPr>
+            </a:lvl1pPr>
+            <a:lvl2pPr marL="457200" indent="0" algn="ctr" defTabSz="914400" rtl="0" eaLnBrk="1" latinLnBrk="0" hangingPunct="1">
+              <a:lnSpc>
+                <a:spcPct val="90000"/>
+              </a:lnSpc>
+              <a:spcBef>
+                <a:spcPts val="500"/>
+              </a:spcBef>
+              <a:buFont typeface="Arial" panose="020B0604020202020204" pitchFamily="34" charset="0"/>
+              <a:buNone/>
+              <a:defRPr sz="2000" kern="1200">
+                <a:solidFill>
+                  <a:schemeClr val="dk1"/>
+                </a:solidFill>
+                <a:latin typeface="+mn-lt"/>
+                <a:ea typeface="+mn-ea"/>
+                <a:cs typeface="+mn-cs"/>
+              </a:defRPr>
+            </a:lvl2pPr>
+            <a:lvl3pPr marL="914400" indent="0" algn="ctr" defTabSz="914400" rtl="0" eaLnBrk="1" latinLnBrk="0" hangingPunct="1">
+              <a:lnSpc>
+                <a:spcPct val="90000"/>
+              </a:lnSpc>
+              <a:spcBef>
+                <a:spcPts val="500"/>
+              </a:spcBef>
+              <a:buFont typeface="Arial" panose="020B0604020202020204" pitchFamily="34" charset="0"/>
+              <a:buNone/>
+              <a:defRPr sz="1800" kern="1200">
+                <a:solidFill>
+                  <a:schemeClr val="dk1"/>
+                </a:solidFill>
+                <a:latin typeface="+mn-lt"/>
+                <a:ea typeface="+mn-ea"/>
+                <a:cs typeface="+mn-cs"/>
+              </a:defRPr>
+            </a:lvl3pPr>
+            <a:lvl4pPr marL="1371600" indent="0" algn="ctr" defTabSz="914400" rtl="0" eaLnBrk="1" latinLnBrk="0" hangingPunct="1">
+              <a:lnSpc>
+                <a:spcPct val="90000"/>
+              </a:lnSpc>
+              <a:spcBef>
+                <a:spcPts val="500"/>
+              </a:spcBef>
+              <a:buFont typeface="Arial" panose="020B0604020202020204" pitchFamily="34" charset="0"/>
+              <a:buNone/>
+              <a:defRPr sz="1600" kern="1200">
+                <a:solidFill>
+                  <a:schemeClr val="dk1"/>
+                </a:solidFill>
+                <a:latin typeface="+mn-lt"/>
+                <a:ea typeface="+mn-ea"/>
+                <a:cs typeface="+mn-cs"/>
+              </a:defRPr>
+            </a:lvl4pPr>
+            <a:lvl5pPr marL="1828800" indent="0" algn="ctr" defTabSz="914400" rtl="0" eaLnBrk="1" latinLnBrk="0" hangingPunct="1">
+              <a:lnSpc>
+                <a:spcPct val="90000"/>
+              </a:lnSpc>
+              <a:spcBef>
+                <a:spcPts val="500"/>
+              </a:spcBef>
+              <a:buFont typeface="Arial" panose="020B0604020202020204" pitchFamily="34" charset="0"/>
+              <a:buNone/>
+              <a:defRPr sz="1600" kern="1200">
+                <a:solidFill>
+                  <a:schemeClr val="dk1"/>
+                </a:solidFill>
+                <a:latin typeface="+mn-lt"/>
+                <a:ea typeface="+mn-ea"/>
+                <a:cs typeface="+mn-cs"/>
+              </a:defRPr>
+            </a:lvl5pPr>
+            <a:lvl6pPr marL="2286000" indent="0" algn="ctr" defTabSz="914400" rtl="0" eaLnBrk="1" latinLnBrk="0" hangingPunct="1">
+              <a:lnSpc>
+                <a:spcPct val="90000"/>
+              </a:lnSpc>
+              <a:spcBef>
+                <a:spcPts val="500"/>
+              </a:spcBef>
+              <a:buFont typeface="Arial" panose="020B0604020202020204" pitchFamily="34" charset="0"/>
+              <a:buNone/>
+              <a:defRPr sz="1600" kern="1200">
+                <a:solidFill>
+                  <a:schemeClr val="dk1"/>
+                </a:solidFill>
+                <a:latin typeface="+mn-lt"/>
+                <a:ea typeface="+mn-ea"/>
+                <a:cs typeface="+mn-cs"/>
+              </a:defRPr>
+            </a:lvl6pPr>
+            <a:lvl7pPr marL="2743200" indent="0" algn="ctr" defTabSz="914400" rtl="0" eaLnBrk="1" latinLnBrk="0" hangingPunct="1">
+              <a:lnSpc>
+                <a:spcPct val="90000"/>
+              </a:lnSpc>
+              <a:spcBef>
+                <a:spcPts val="500"/>
+              </a:spcBef>
+              <a:buFont typeface="Arial" panose="020B0604020202020204" pitchFamily="34" charset="0"/>
+              <a:buNone/>
+              <a:defRPr sz="1600" kern="1200">
+                <a:solidFill>
+                  <a:schemeClr val="dk1"/>
+                </a:solidFill>
+                <a:latin typeface="+mn-lt"/>
+                <a:ea typeface="+mn-ea"/>
+                <a:cs typeface="+mn-cs"/>
+              </a:defRPr>
+            </a:lvl7pPr>
+            <a:lvl8pPr marL="3200400" indent="0" algn="ctr" defTabSz="914400" rtl="0" eaLnBrk="1" latinLnBrk="0" hangingPunct="1">
+              <a:lnSpc>
+                <a:spcPct val="90000"/>
+              </a:lnSpc>
+              <a:spcBef>
+                <a:spcPts val="500"/>
+              </a:spcBef>
+              <a:buFont typeface="Arial" panose="020B0604020202020204" pitchFamily="34" charset="0"/>
+              <a:buNone/>
+              <a:defRPr sz="1600" kern="1200">
+                <a:solidFill>
+                  <a:schemeClr val="dk1"/>
+                </a:solidFill>
+                <a:latin typeface="+mn-lt"/>
+                <a:ea typeface="+mn-ea"/>
+                <a:cs typeface="+mn-cs"/>
+              </a:defRPr>
+            </a:lvl8pPr>
+            <a:lvl9pPr marL="3657600" indent="0" algn="ctr" defTabSz="914400" rtl="0" eaLnBrk="1" latinLnBrk="0" hangingPunct="1">
+              <a:lnSpc>
+                <a:spcPct val="90000"/>
+              </a:lnSpc>
+              <a:spcBef>
+                <a:spcPts val="500"/>
+              </a:spcBef>
+              <a:buFont typeface="Arial" panose="020B0604020202020204" pitchFamily="34" charset="0"/>
+              <a:buNone/>
+              <a:defRPr sz="1600" kern="1200">
+                <a:solidFill>
+                  <a:schemeClr val="dk1"/>
+                </a:solidFill>
+                <a:latin typeface="+mn-lt"/>
+                <a:ea typeface="+mn-ea"/>
+                <a:cs typeface="+mn-cs"/>
+              </a:defRPr>
+            </a:lvl9pPr>
+          </a:lstStyle>
+          <a:p>
+            <a:r>
+              <a:rPr lang="es-ES" sz="1400" b="1" dirty="0">
+                <a:solidFill>
+                  <a:srgbClr val="118DFF"/>
+                </a:solidFill>
+                <a:latin typeface="wf_standard-font"/>
+              </a:rPr>
+              <a:t>MUJERES</a:t>
+            </a:r>
+            <a:endParaRPr lang="es-AR" dirty="0"/>
+          </a:p>
+        </p:txBody>
+      </p:sp>
+      <p:sp>
+        <p:nvSpPr>
+          <p:cNvPr id="16" name="Subtítulo 2">
+            <a:extLst>
+              <a:ext uri="{FF2B5EF4-FFF2-40B4-BE49-F238E27FC236}">
+                <a16:creationId xmlns:a16="http://schemas.microsoft.com/office/drawing/2014/main" id="{19EC38F3-6A14-4533-C362-7E8CDA12BDCC}"/>
+              </a:ext>
+            </a:extLst>
+          </p:cNvPr>
+          <p:cNvSpPr txBox="1">
+            <a:spLocks/>
+          </p:cNvSpPr>
+          <p:nvPr/>
+        </p:nvSpPr>
+        <p:spPr>
+          <a:xfrm>
+            <a:off x="2325798" y="3714801"/>
+            <a:ext cx="1217804" cy="306830"/>
+          </a:xfrm>
+          <a:prstGeom prst="rect">
+            <a:avLst/>
+          </a:prstGeom>
+          <a:effectLst>
+            <a:outerShdw blurRad="50800" dist="38100" dir="2700000" algn="tl" rotWithShape="0">
+              <a:prstClr val="black">
+                <a:alpha val="40000"/>
+              </a:prstClr>
+            </a:outerShdw>
+          </a:effectLst>
+        </p:spPr>
+        <p:style>
+          <a:lnRef idx="2">
+            <a:schemeClr val="dk1"/>
+          </a:lnRef>
+          <a:fillRef idx="1">
+            <a:schemeClr val="lt1"/>
+          </a:fillRef>
+          <a:effectRef idx="0">
+            <a:schemeClr val="dk1"/>
+          </a:effectRef>
+          <a:fontRef idx="minor">
+            <a:schemeClr val="dk1"/>
+          </a:fontRef>
+        </p:style>
+        <p:txBody>
+          <a:bodyPr vert="horz" lIns="91440" tIns="45720" rIns="91440" bIns="45720" rtlCol="0" anchor="ctr">
+            <a:normAutofit/>
+          </a:bodyPr>
+          <a:lstStyle>
+            <a:lvl1pPr marL="0" indent="0" algn="ctr" defTabSz="914400" rtl="0" eaLnBrk="1" latinLnBrk="0" hangingPunct="1">
+              <a:lnSpc>
+                <a:spcPct val="90000"/>
+              </a:lnSpc>
+              <a:spcBef>
+                <a:spcPts val="1000"/>
+              </a:spcBef>
+              <a:buFont typeface="Arial" panose="020B0604020202020204" pitchFamily="34" charset="0"/>
+              <a:buNone/>
+              <a:defRPr sz="2400" kern="1200">
+                <a:solidFill>
+                  <a:schemeClr val="dk1"/>
+                </a:solidFill>
+                <a:latin typeface="+mn-lt"/>
+                <a:ea typeface="+mn-ea"/>
+                <a:cs typeface="+mn-cs"/>
+              </a:defRPr>
+            </a:lvl1pPr>
+            <a:lvl2pPr marL="457200" indent="0" algn="ctr" defTabSz="914400" rtl="0" eaLnBrk="1" latinLnBrk="0" hangingPunct="1">
+              <a:lnSpc>
+                <a:spcPct val="90000"/>
+              </a:lnSpc>
+              <a:spcBef>
+                <a:spcPts val="500"/>
+              </a:spcBef>
+              <a:buFont typeface="Arial" panose="020B0604020202020204" pitchFamily="34" charset="0"/>
+              <a:buNone/>
+              <a:defRPr sz="2000" kern="1200">
+                <a:solidFill>
+                  <a:schemeClr val="dk1"/>
+                </a:solidFill>
+                <a:latin typeface="+mn-lt"/>
+                <a:ea typeface="+mn-ea"/>
+                <a:cs typeface="+mn-cs"/>
+              </a:defRPr>
+            </a:lvl2pPr>
+            <a:lvl3pPr marL="914400" indent="0" algn="ctr" defTabSz="914400" rtl="0" eaLnBrk="1" latinLnBrk="0" hangingPunct="1">
+              <a:lnSpc>
+                <a:spcPct val="90000"/>
+              </a:lnSpc>
+              <a:spcBef>
+                <a:spcPts val="500"/>
+              </a:spcBef>
+              <a:buFont typeface="Arial" panose="020B0604020202020204" pitchFamily="34" charset="0"/>
+              <a:buNone/>
+              <a:defRPr sz="1800" kern="1200">
+                <a:solidFill>
+                  <a:schemeClr val="dk1"/>
+                </a:solidFill>
+                <a:latin typeface="+mn-lt"/>
+                <a:ea typeface="+mn-ea"/>
+                <a:cs typeface="+mn-cs"/>
+              </a:defRPr>
+            </a:lvl3pPr>
+            <a:lvl4pPr marL="1371600" indent="0" algn="ctr" defTabSz="914400" rtl="0" eaLnBrk="1" latinLnBrk="0" hangingPunct="1">
+              <a:lnSpc>
+                <a:spcPct val="90000"/>
+              </a:lnSpc>
+              <a:spcBef>
+                <a:spcPts val="500"/>
+              </a:spcBef>
+              <a:buFont typeface="Arial" panose="020B0604020202020204" pitchFamily="34" charset="0"/>
+              <a:buNone/>
+              <a:defRPr sz="1600" kern="1200">
+                <a:solidFill>
+                  <a:schemeClr val="dk1"/>
+                </a:solidFill>
+                <a:latin typeface="+mn-lt"/>
+                <a:ea typeface="+mn-ea"/>
+                <a:cs typeface="+mn-cs"/>
+              </a:defRPr>
+            </a:lvl4pPr>
+            <a:lvl5pPr marL="1828800" indent="0" algn="ctr" defTabSz="914400" rtl="0" eaLnBrk="1" latinLnBrk="0" hangingPunct="1">
+              <a:lnSpc>
+                <a:spcPct val="90000"/>
+              </a:lnSpc>
+              <a:spcBef>
+                <a:spcPts val="500"/>
+              </a:spcBef>
+              <a:buFont typeface="Arial" panose="020B0604020202020204" pitchFamily="34" charset="0"/>
+              <a:buNone/>
+              <a:defRPr sz="1600" kern="1200">
+                <a:solidFill>
+                  <a:schemeClr val="dk1"/>
+                </a:solidFill>
+                <a:latin typeface="+mn-lt"/>
+                <a:ea typeface="+mn-ea"/>
+                <a:cs typeface="+mn-cs"/>
+              </a:defRPr>
+            </a:lvl5pPr>
+            <a:lvl6pPr marL="2286000" indent="0" algn="ctr" defTabSz="914400" rtl="0" eaLnBrk="1" latinLnBrk="0" hangingPunct="1">
+              <a:lnSpc>
+                <a:spcPct val="90000"/>
+              </a:lnSpc>
+              <a:spcBef>
+                <a:spcPts val="500"/>
+              </a:spcBef>
+              <a:buFont typeface="Arial" panose="020B0604020202020204" pitchFamily="34" charset="0"/>
+              <a:buNone/>
+              <a:defRPr sz="1600" kern="1200">
+                <a:solidFill>
+                  <a:schemeClr val="dk1"/>
+                </a:solidFill>
+                <a:latin typeface="+mn-lt"/>
+                <a:ea typeface="+mn-ea"/>
+                <a:cs typeface="+mn-cs"/>
+              </a:defRPr>
+            </a:lvl6pPr>
+            <a:lvl7pPr marL="2743200" indent="0" algn="ctr" defTabSz="914400" rtl="0" eaLnBrk="1" latinLnBrk="0" hangingPunct="1">
+              <a:lnSpc>
+                <a:spcPct val="90000"/>
+              </a:lnSpc>
+              <a:spcBef>
+                <a:spcPts val="500"/>
+              </a:spcBef>
+              <a:buFont typeface="Arial" panose="020B0604020202020204" pitchFamily="34" charset="0"/>
+              <a:buNone/>
+              <a:defRPr sz="1600" kern="1200">
+                <a:solidFill>
+                  <a:schemeClr val="dk1"/>
+                </a:solidFill>
+                <a:latin typeface="+mn-lt"/>
+                <a:ea typeface="+mn-ea"/>
+                <a:cs typeface="+mn-cs"/>
+              </a:defRPr>
+            </a:lvl7pPr>
+            <a:lvl8pPr marL="3200400" indent="0" algn="ctr" defTabSz="914400" rtl="0" eaLnBrk="1" latinLnBrk="0" hangingPunct="1">
+              <a:lnSpc>
+                <a:spcPct val="90000"/>
+              </a:lnSpc>
+              <a:spcBef>
+                <a:spcPts val="500"/>
+              </a:spcBef>
+              <a:buFont typeface="Arial" panose="020B0604020202020204" pitchFamily="34" charset="0"/>
+              <a:buNone/>
+              <a:defRPr sz="1600" kern="1200">
+                <a:solidFill>
+                  <a:schemeClr val="dk1"/>
+                </a:solidFill>
+                <a:latin typeface="+mn-lt"/>
+                <a:ea typeface="+mn-ea"/>
+                <a:cs typeface="+mn-cs"/>
+              </a:defRPr>
+            </a:lvl8pPr>
+            <a:lvl9pPr marL="3657600" indent="0" algn="ctr" defTabSz="914400" rtl="0" eaLnBrk="1" latinLnBrk="0" hangingPunct="1">
+              <a:lnSpc>
+                <a:spcPct val="90000"/>
+              </a:lnSpc>
+              <a:spcBef>
+                <a:spcPts val="500"/>
+              </a:spcBef>
+              <a:buFont typeface="Arial" panose="020B0604020202020204" pitchFamily="34" charset="0"/>
+              <a:buNone/>
+              <a:defRPr sz="1600" kern="1200">
+                <a:solidFill>
+                  <a:schemeClr val="dk1"/>
+                </a:solidFill>
+                <a:latin typeface="+mn-lt"/>
+                <a:ea typeface="+mn-ea"/>
+                <a:cs typeface="+mn-cs"/>
+              </a:defRPr>
+            </a:lvl9pPr>
+          </a:lstStyle>
+          <a:p>
+            <a:r>
+              <a:rPr lang="es-ES" sz="1400" b="1" dirty="0">
+                <a:solidFill>
+                  <a:srgbClr val="118DFF"/>
+                </a:solidFill>
+                <a:latin typeface="wf_standard-font"/>
+              </a:rPr>
+              <a:t>HOMBRES</a:t>
+            </a:r>
+            <a:endParaRPr lang="es-AR" dirty="0"/>
+          </a:p>
+        </p:txBody>
+      </p:sp>
+      <p:sp>
+        <p:nvSpPr>
+          <p:cNvPr id="17" name="CuadroTexto 16">
+            <a:extLst>
+              <a:ext uri="{FF2B5EF4-FFF2-40B4-BE49-F238E27FC236}">
+                <a16:creationId xmlns:a16="http://schemas.microsoft.com/office/drawing/2014/main" id="{84D71DCF-7459-0259-35CB-4DEB13E41BE1}"/>
+              </a:ext>
+            </a:extLst>
+          </p:cNvPr>
+          <p:cNvSpPr txBox="1"/>
+          <p:nvPr/>
+        </p:nvSpPr>
+        <p:spPr>
+          <a:xfrm>
+            <a:off x="6323878" y="1910482"/>
+            <a:ext cx="300790" cy="307777"/>
+          </a:xfrm>
+          <a:prstGeom prst="rect">
+            <a:avLst/>
+          </a:prstGeom>
+          <a:noFill/>
+        </p:spPr>
+        <p:txBody>
+          <a:bodyPr wrap="square" rtlCol="0">
+            <a:spAutoFit/>
+          </a:bodyPr>
+          <a:lstStyle/>
+          <a:p>
+            <a:r>
+              <a:rPr lang="es-UY" sz="1400" dirty="0">
+                <a:solidFill>
+                  <a:srgbClr val="118DFF"/>
+                </a:solidFill>
+              </a:rPr>
+              <a:t>+</a:t>
+            </a:r>
+            <a:endParaRPr lang="es-UY" dirty="0">
+              <a:solidFill>
+                <a:srgbClr val="118DFF"/>
+              </a:solidFill>
+            </a:endParaRPr>
+          </a:p>
+        </p:txBody>
+      </p:sp>
+      <p:sp>
+        <p:nvSpPr>
+          <p:cNvPr id="18" name="CuadroTexto 17">
+            <a:extLst>
+              <a:ext uri="{FF2B5EF4-FFF2-40B4-BE49-F238E27FC236}">
+                <a16:creationId xmlns:a16="http://schemas.microsoft.com/office/drawing/2014/main" id="{4D81650B-0615-E5BF-E102-EBF49B6387CC}"/>
+              </a:ext>
+            </a:extLst>
+          </p:cNvPr>
+          <p:cNvSpPr txBox="1"/>
+          <p:nvPr/>
+        </p:nvSpPr>
+        <p:spPr>
+          <a:xfrm>
+            <a:off x="6323878" y="2448376"/>
+            <a:ext cx="300790" cy="307777"/>
+          </a:xfrm>
+          <a:prstGeom prst="rect">
+            <a:avLst/>
+          </a:prstGeom>
+          <a:noFill/>
+        </p:spPr>
+        <p:txBody>
+          <a:bodyPr wrap="square" rtlCol="0">
+            <a:spAutoFit/>
+          </a:bodyPr>
+          <a:lstStyle/>
+          <a:p>
+            <a:r>
+              <a:rPr lang="es-UY" sz="1400" dirty="0">
+                <a:solidFill>
+                  <a:srgbClr val="118DFF"/>
+                </a:solidFill>
+              </a:rPr>
+              <a:t>-</a:t>
+            </a:r>
+          </a:p>
+        </p:txBody>
+      </p:sp>
+      <p:sp>
+        <p:nvSpPr>
+          <p:cNvPr id="19" name="CuadroTexto 18">
+            <a:extLst>
+              <a:ext uri="{FF2B5EF4-FFF2-40B4-BE49-F238E27FC236}">
+                <a16:creationId xmlns:a16="http://schemas.microsoft.com/office/drawing/2014/main" id="{6F2B3DC1-A013-D911-5643-F85BB657C0B9}"/>
+              </a:ext>
+            </a:extLst>
+          </p:cNvPr>
+          <p:cNvSpPr txBox="1"/>
+          <p:nvPr/>
+        </p:nvSpPr>
+        <p:spPr>
+          <a:xfrm>
+            <a:off x="6336808" y="2181748"/>
+            <a:ext cx="300790" cy="307777"/>
+          </a:xfrm>
+          <a:prstGeom prst="rect">
+            <a:avLst/>
+          </a:prstGeom>
+          <a:noFill/>
+        </p:spPr>
+        <p:txBody>
+          <a:bodyPr wrap="square" rtlCol="0">
+            <a:spAutoFit/>
+          </a:bodyPr>
+          <a:lstStyle/>
+          <a:p>
+            <a:r>
+              <a:rPr lang="es-UY" sz="1400" dirty="0">
+                <a:solidFill>
+                  <a:srgbClr val="118DFF"/>
+                </a:solidFill>
+              </a:rPr>
+              <a:t>-</a:t>
+            </a:r>
+          </a:p>
+        </p:txBody>
+      </p:sp>
+      <p:sp>
+        <p:nvSpPr>
+          <p:cNvPr id="20" name="CuadroTexto 19">
+            <a:extLst>
+              <a:ext uri="{FF2B5EF4-FFF2-40B4-BE49-F238E27FC236}">
+                <a16:creationId xmlns:a16="http://schemas.microsoft.com/office/drawing/2014/main" id="{FE3347C3-6A76-DB98-ACF5-087A153BBC80}"/>
+              </a:ext>
+            </a:extLst>
+          </p:cNvPr>
+          <p:cNvSpPr txBox="1"/>
+          <p:nvPr/>
+        </p:nvSpPr>
+        <p:spPr>
+          <a:xfrm>
+            <a:off x="6323878" y="4274339"/>
+            <a:ext cx="300790" cy="307777"/>
+          </a:xfrm>
+          <a:prstGeom prst="rect">
+            <a:avLst/>
+          </a:prstGeom>
+          <a:noFill/>
+        </p:spPr>
+        <p:txBody>
+          <a:bodyPr wrap="square" rtlCol="0">
+            <a:spAutoFit/>
+          </a:bodyPr>
+          <a:lstStyle/>
+          <a:p>
+            <a:r>
+              <a:rPr lang="es-UY" sz="1400" dirty="0">
+                <a:solidFill>
+                  <a:srgbClr val="118DFF"/>
+                </a:solidFill>
+              </a:rPr>
+              <a:t>+</a:t>
+            </a:r>
+            <a:endParaRPr lang="es-UY" dirty="0">
+              <a:solidFill>
+                <a:srgbClr val="118DFF"/>
+              </a:solidFill>
+            </a:endParaRPr>
+          </a:p>
+        </p:txBody>
+      </p:sp>
+      <p:sp>
+        <p:nvSpPr>
+          <p:cNvPr id="21" name="CuadroTexto 20">
+            <a:extLst>
+              <a:ext uri="{FF2B5EF4-FFF2-40B4-BE49-F238E27FC236}">
+                <a16:creationId xmlns:a16="http://schemas.microsoft.com/office/drawing/2014/main" id="{22F3BCC4-A729-B73A-6AA8-F519A95B3D28}"/>
+              </a:ext>
+            </a:extLst>
+          </p:cNvPr>
+          <p:cNvSpPr txBox="1"/>
+          <p:nvPr/>
+        </p:nvSpPr>
+        <p:spPr>
+          <a:xfrm>
+            <a:off x="6336808" y="5006191"/>
+            <a:ext cx="300790" cy="307777"/>
+          </a:xfrm>
+          <a:prstGeom prst="rect">
+            <a:avLst/>
+          </a:prstGeom>
+          <a:noFill/>
+        </p:spPr>
+        <p:txBody>
+          <a:bodyPr wrap="square" rtlCol="0">
+            <a:spAutoFit/>
+          </a:bodyPr>
+          <a:lstStyle/>
+          <a:p>
+            <a:r>
+              <a:rPr lang="es-UY" sz="1400" dirty="0">
+                <a:solidFill>
+                  <a:srgbClr val="118DFF"/>
+                </a:solidFill>
+              </a:rPr>
+              <a:t>-</a:t>
+            </a:r>
+          </a:p>
+        </p:txBody>
+      </p:sp>
+      <p:sp>
+        <p:nvSpPr>
+          <p:cNvPr id="22" name="CuadroTexto 21">
+            <a:extLst>
+              <a:ext uri="{FF2B5EF4-FFF2-40B4-BE49-F238E27FC236}">
+                <a16:creationId xmlns:a16="http://schemas.microsoft.com/office/drawing/2014/main" id="{71277B26-B6A0-1F74-A8D0-5D36CC5C619E}"/>
+              </a:ext>
+            </a:extLst>
+          </p:cNvPr>
+          <p:cNvSpPr txBox="1"/>
+          <p:nvPr/>
+        </p:nvSpPr>
+        <p:spPr>
+          <a:xfrm>
+            <a:off x="6323878" y="4563321"/>
+            <a:ext cx="300790" cy="307777"/>
+          </a:xfrm>
+          <a:prstGeom prst="rect">
+            <a:avLst/>
+          </a:prstGeom>
+          <a:noFill/>
+        </p:spPr>
+        <p:txBody>
+          <a:bodyPr wrap="square" rtlCol="0">
+            <a:spAutoFit/>
+          </a:bodyPr>
+          <a:lstStyle/>
+          <a:p>
+            <a:r>
+              <a:rPr lang="es-UY" sz="1400" dirty="0">
+                <a:solidFill>
+                  <a:srgbClr val="118DFF"/>
+                </a:solidFill>
+              </a:rPr>
+              <a:t>+</a:t>
             </a:r>
           </a:p>
         </p:txBody>
@@ -4896,12 +7513,449 @@
           <a:chExt cx="0" cy="0"/>
         </a:xfrm>
       </p:grpSpPr>
+      <p:sp>
+        <p:nvSpPr>
+          <p:cNvPr id="6" name="Subtítulo 2">
+            <a:extLst>
+              <a:ext uri="{FF2B5EF4-FFF2-40B4-BE49-F238E27FC236}">
+                <a16:creationId xmlns:a16="http://schemas.microsoft.com/office/drawing/2014/main" id="{4F9367DA-2376-BA74-25AF-CFB588C5E9FB}"/>
+              </a:ext>
+            </a:extLst>
+          </p:cNvPr>
+          <p:cNvSpPr txBox="1">
+            <a:spLocks/>
+          </p:cNvSpPr>
+          <p:nvPr/>
+        </p:nvSpPr>
+        <p:spPr>
+          <a:xfrm>
+            <a:off x="6526304" y="1974599"/>
+            <a:ext cx="4058477" cy="584056"/>
+          </a:xfrm>
+          <a:prstGeom prst="rect">
+            <a:avLst/>
+          </a:prstGeom>
+        </p:spPr>
+        <p:txBody>
+          <a:bodyPr vert="horz" lIns="91440" tIns="45720" rIns="91440" bIns="45720" rtlCol="0">
+            <a:normAutofit/>
+          </a:bodyPr>
+          <a:lstStyle>
+            <a:lvl1pPr marL="0" indent="0" algn="ctr" defTabSz="914400" rtl="0" eaLnBrk="1" latinLnBrk="0" hangingPunct="1">
+              <a:lnSpc>
+                <a:spcPct val="90000"/>
+              </a:lnSpc>
+              <a:spcBef>
+                <a:spcPts val="1000"/>
+              </a:spcBef>
+              <a:buFont typeface="Arial" panose="020B0604020202020204" pitchFamily="34" charset="0"/>
+              <a:buNone/>
+              <a:defRPr sz="2400" kern="1200">
+                <a:solidFill>
+                  <a:schemeClr val="tx1"/>
+                </a:solidFill>
+                <a:latin typeface="+mn-lt"/>
+                <a:ea typeface="+mn-ea"/>
+                <a:cs typeface="+mn-cs"/>
+              </a:defRPr>
+            </a:lvl1pPr>
+            <a:lvl2pPr marL="457200" indent="0" algn="ctr" defTabSz="914400" rtl="0" eaLnBrk="1" latinLnBrk="0" hangingPunct="1">
+              <a:lnSpc>
+                <a:spcPct val="90000"/>
+              </a:lnSpc>
+              <a:spcBef>
+                <a:spcPts val="500"/>
+              </a:spcBef>
+              <a:buFont typeface="Arial" panose="020B0604020202020204" pitchFamily="34" charset="0"/>
+              <a:buNone/>
+              <a:defRPr sz="2000" kern="1200">
+                <a:solidFill>
+                  <a:schemeClr val="tx1"/>
+                </a:solidFill>
+                <a:latin typeface="+mn-lt"/>
+                <a:ea typeface="+mn-ea"/>
+                <a:cs typeface="+mn-cs"/>
+              </a:defRPr>
+            </a:lvl2pPr>
+            <a:lvl3pPr marL="914400" indent="0" algn="ctr" defTabSz="914400" rtl="0" eaLnBrk="1" latinLnBrk="0" hangingPunct="1">
+              <a:lnSpc>
+                <a:spcPct val="90000"/>
+              </a:lnSpc>
+              <a:spcBef>
+                <a:spcPts val="500"/>
+              </a:spcBef>
+              <a:buFont typeface="Arial" panose="020B0604020202020204" pitchFamily="34" charset="0"/>
+              <a:buNone/>
+              <a:defRPr sz="1800" kern="1200">
+                <a:solidFill>
+                  <a:schemeClr val="tx1"/>
+                </a:solidFill>
+                <a:latin typeface="+mn-lt"/>
+                <a:ea typeface="+mn-ea"/>
+                <a:cs typeface="+mn-cs"/>
+              </a:defRPr>
+            </a:lvl3pPr>
+            <a:lvl4pPr marL="1371600" indent="0" algn="ctr" defTabSz="914400" rtl="0" eaLnBrk="1" latinLnBrk="0" hangingPunct="1">
+              <a:lnSpc>
+                <a:spcPct val="90000"/>
+              </a:lnSpc>
+              <a:spcBef>
+                <a:spcPts val="500"/>
+              </a:spcBef>
+              <a:buFont typeface="Arial" panose="020B0604020202020204" pitchFamily="34" charset="0"/>
+              <a:buNone/>
+              <a:defRPr sz="1600" kern="1200">
+                <a:solidFill>
+                  <a:schemeClr val="tx1"/>
+                </a:solidFill>
+                <a:latin typeface="+mn-lt"/>
+                <a:ea typeface="+mn-ea"/>
+                <a:cs typeface="+mn-cs"/>
+              </a:defRPr>
+            </a:lvl4pPr>
+            <a:lvl5pPr marL="1828800" indent="0" algn="ctr" defTabSz="914400" rtl="0" eaLnBrk="1" latinLnBrk="0" hangingPunct="1">
+              <a:lnSpc>
+                <a:spcPct val="90000"/>
+              </a:lnSpc>
+              <a:spcBef>
+                <a:spcPts val="500"/>
+              </a:spcBef>
+              <a:buFont typeface="Arial" panose="020B0604020202020204" pitchFamily="34" charset="0"/>
+              <a:buNone/>
+              <a:defRPr sz="1600" kern="1200">
+                <a:solidFill>
+                  <a:schemeClr val="tx1"/>
+                </a:solidFill>
+                <a:latin typeface="+mn-lt"/>
+                <a:ea typeface="+mn-ea"/>
+                <a:cs typeface="+mn-cs"/>
+              </a:defRPr>
+            </a:lvl5pPr>
+            <a:lvl6pPr marL="2286000" indent="0" algn="ctr" defTabSz="914400" rtl="0" eaLnBrk="1" latinLnBrk="0" hangingPunct="1">
+              <a:lnSpc>
+                <a:spcPct val="90000"/>
+              </a:lnSpc>
+              <a:spcBef>
+                <a:spcPts val="500"/>
+              </a:spcBef>
+              <a:buFont typeface="Arial" panose="020B0604020202020204" pitchFamily="34" charset="0"/>
+              <a:buNone/>
+              <a:defRPr sz="1600" kern="1200">
+                <a:solidFill>
+                  <a:schemeClr val="tx1"/>
+                </a:solidFill>
+                <a:latin typeface="+mn-lt"/>
+                <a:ea typeface="+mn-ea"/>
+                <a:cs typeface="+mn-cs"/>
+              </a:defRPr>
+            </a:lvl6pPr>
+            <a:lvl7pPr marL="2743200" indent="0" algn="ctr" defTabSz="914400" rtl="0" eaLnBrk="1" latinLnBrk="0" hangingPunct="1">
+              <a:lnSpc>
+                <a:spcPct val="90000"/>
+              </a:lnSpc>
+              <a:spcBef>
+                <a:spcPts val="500"/>
+              </a:spcBef>
+              <a:buFont typeface="Arial" panose="020B0604020202020204" pitchFamily="34" charset="0"/>
+              <a:buNone/>
+              <a:defRPr sz="1600" kern="1200">
+                <a:solidFill>
+                  <a:schemeClr val="tx1"/>
+                </a:solidFill>
+                <a:latin typeface="+mn-lt"/>
+                <a:ea typeface="+mn-ea"/>
+                <a:cs typeface="+mn-cs"/>
+              </a:defRPr>
+            </a:lvl7pPr>
+            <a:lvl8pPr marL="3200400" indent="0" algn="ctr" defTabSz="914400" rtl="0" eaLnBrk="1" latinLnBrk="0" hangingPunct="1">
+              <a:lnSpc>
+                <a:spcPct val="90000"/>
+              </a:lnSpc>
+              <a:spcBef>
+                <a:spcPts val="500"/>
+              </a:spcBef>
+              <a:buFont typeface="Arial" panose="020B0604020202020204" pitchFamily="34" charset="0"/>
+              <a:buNone/>
+              <a:defRPr sz="1600" kern="1200">
+                <a:solidFill>
+                  <a:schemeClr val="tx1"/>
+                </a:solidFill>
+                <a:latin typeface="+mn-lt"/>
+                <a:ea typeface="+mn-ea"/>
+                <a:cs typeface="+mn-cs"/>
+              </a:defRPr>
+            </a:lvl8pPr>
+            <a:lvl9pPr marL="3657600" indent="0" algn="ctr" defTabSz="914400" rtl="0" eaLnBrk="1" latinLnBrk="0" hangingPunct="1">
+              <a:lnSpc>
+                <a:spcPct val="90000"/>
+              </a:lnSpc>
+              <a:spcBef>
+                <a:spcPts val="500"/>
+              </a:spcBef>
+              <a:buFont typeface="Arial" panose="020B0604020202020204" pitchFamily="34" charset="0"/>
+              <a:buNone/>
+              <a:defRPr sz="1600" kern="1200">
+                <a:solidFill>
+                  <a:schemeClr val="tx1"/>
+                </a:solidFill>
+                <a:latin typeface="+mn-lt"/>
+                <a:ea typeface="+mn-ea"/>
+                <a:cs typeface="+mn-cs"/>
+              </a:defRPr>
+            </a:lvl9pPr>
+          </a:lstStyle>
+          <a:p>
+            <a:pPr algn="l"/>
+            <a:r>
+              <a:rPr lang="es-ES" sz="1200" dirty="0"/>
+              <a:t>El voucher incentiva a comprar de forma online.</a:t>
+            </a:r>
+          </a:p>
+          <a:p>
+            <a:pPr algn="l"/>
+            <a:r>
+              <a:rPr lang="es-ES" sz="1200" dirty="0"/>
+              <a:t>El rango etario que más utiliza el efectivo es el adulto mayor.</a:t>
+            </a:r>
+          </a:p>
+        </p:txBody>
+      </p:sp>
+      <p:sp>
+        <p:nvSpPr>
+          <p:cNvPr id="15" name="Subtítulo 2">
+            <a:extLst>
+              <a:ext uri="{FF2B5EF4-FFF2-40B4-BE49-F238E27FC236}">
+                <a16:creationId xmlns:a16="http://schemas.microsoft.com/office/drawing/2014/main" id="{D3129597-78B9-CA26-1775-497310F0A012}"/>
+              </a:ext>
+            </a:extLst>
+          </p:cNvPr>
+          <p:cNvSpPr txBox="1">
+            <a:spLocks/>
+          </p:cNvSpPr>
+          <p:nvPr/>
+        </p:nvSpPr>
+        <p:spPr>
+          <a:xfrm>
+            <a:off x="6526304" y="4172698"/>
+            <a:ext cx="4990923" cy="836833"/>
+          </a:xfrm>
+          <a:prstGeom prst="rect">
+            <a:avLst/>
+          </a:prstGeom>
+        </p:spPr>
+        <p:txBody>
+          <a:bodyPr vert="horz" lIns="91440" tIns="45720" rIns="91440" bIns="45720" rtlCol="0">
+            <a:noAutofit/>
+          </a:bodyPr>
+          <a:lstStyle>
+            <a:lvl1pPr marL="0" indent="0" algn="ctr" defTabSz="914400" rtl="0" eaLnBrk="1" latinLnBrk="0" hangingPunct="1">
+              <a:lnSpc>
+                <a:spcPct val="90000"/>
+              </a:lnSpc>
+              <a:spcBef>
+                <a:spcPts val="1000"/>
+              </a:spcBef>
+              <a:buFont typeface="Arial" panose="020B0604020202020204" pitchFamily="34" charset="0"/>
+              <a:buNone/>
+              <a:defRPr sz="2400" kern="1200">
+                <a:solidFill>
+                  <a:schemeClr val="tx1"/>
+                </a:solidFill>
+                <a:latin typeface="+mn-lt"/>
+                <a:ea typeface="+mn-ea"/>
+                <a:cs typeface="+mn-cs"/>
+              </a:defRPr>
+            </a:lvl1pPr>
+            <a:lvl2pPr marL="457200" indent="0" algn="ctr" defTabSz="914400" rtl="0" eaLnBrk="1" latinLnBrk="0" hangingPunct="1">
+              <a:lnSpc>
+                <a:spcPct val="90000"/>
+              </a:lnSpc>
+              <a:spcBef>
+                <a:spcPts val="500"/>
+              </a:spcBef>
+              <a:buFont typeface="Arial" panose="020B0604020202020204" pitchFamily="34" charset="0"/>
+              <a:buNone/>
+              <a:defRPr sz="2000" kern="1200">
+                <a:solidFill>
+                  <a:schemeClr val="tx1"/>
+                </a:solidFill>
+                <a:latin typeface="+mn-lt"/>
+                <a:ea typeface="+mn-ea"/>
+                <a:cs typeface="+mn-cs"/>
+              </a:defRPr>
+            </a:lvl2pPr>
+            <a:lvl3pPr marL="914400" indent="0" algn="ctr" defTabSz="914400" rtl="0" eaLnBrk="1" latinLnBrk="0" hangingPunct="1">
+              <a:lnSpc>
+                <a:spcPct val="90000"/>
+              </a:lnSpc>
+              <a:spcBef>
+                <a:spcPts val="500"/>
+              </a:spcBef>
+              <a:buFont typeface="Arial" panose="020B0604020202020204" pitchFamily="34" charset="0"/>
+              <a:buNone/>
+              <a:defRPr sz="1800" kern="1200">
+                <a:solidFill>
+                  <a:schemeClr val="tx1"/>
+                </a:solidFill>
+                <a:latin typeface="+mn-lt"/>
+                <a:ea typeface="+mn-ea"/>
+                <a:cs typeface="+mn-cs"/>
+              </a:defRPr>
+            </a:lvl3pPr>
+            <a:lvl4pPr marL="1371600" indent="0" algn="ctr" defTabSz="914400" rtl="0" eaLnBrk="1" latinLnBrk="0" hangingPunct="1">
+              <a:lnSpc>
+                <a:spcPct val="90000"/>
+              </a:lnSpc>
+              <a:spcBef>
+                <a:spcPts val="500"/>
+              </a:spcBef>
+              <a:buFont typeface="Arial" panose="020B0604020202020204" pitchFamily="34" charset="0"/>
+              <a:buNone/>
+              <a:defRPr sz="1600" kern="1200">
+                <a:solidFill>
+                  <a:schemeClr val="tx1"/>
+                </a:solidFill>
+                <a:latin typeface="+mn-lt"/>
+                <a:ea typeface="+mn-ea"/>
+                <a:cs typeface="+mn-cs"/>
+              </a:defRPr>
+            </a:lvl4pPr>
+            <a:lvl5pPr marL="1828800" indent="0" algn="ctr" defTabSz="914400" rtl="0" eaLnBrk="1" latinLnBrk="0" hangingPunct="1">
+              <a:lnSpc>
+                <a:spcPct val="90000"/>
+              </a:lnSpc>
+              <a:spcBef>
+                <a:spcPts val="500"/>
+              </a:spcBef>
+              <a:buFont typeface="Arial" panose="020B0604020202020204" pitchFamily="34" charset="0"/>
+              <a:buNone/>
+              <a:defRPr sz="1600" kern="1200">
+                <a:solidFill>
+                  <a:schemeClr val="tx1"/>
+                </a:solidFill>
+                <a:latin typeface="+mn-lt"/>
+                <a:ea typeface="+mn-ea"/>
+                <a:cs typeface="+mn-cs"/>
+              </a:defRPr>
+            </a:lvl5pPr>
+            <a:lvl6pPr marL="2286000" indent="0" algn="ctr" defTabSz="914400" rtl="0" eaLnBrk="1" latinLnBrk="0" hangingPunct="1">
+              <a:lnSpc>
+                <a:spcPct val="90000"/>
+              </a:lnSpc>
+              <a:spcBef>
+                <a:spcPts val="500"/>
+              </a:spcBef>
+              <a:buFont typeface="Arial" panose="020B0604020202020204" pitchFamily="34" charset="0"/>
+              <a:buNone/>
+              <a:defRPr sz="1600" kern="1200">
+                <a:solidFill>
+                  <a:schemeClr val="tx1"/>
+                </a:solidFill>
+                <a:latin typeface="+mn-lt"/>
+                <a:ea typeface="+mn-ea"/>
+                <a:cs typeface="+mn-cs"/>
+              </a:defRPr>
+            </a:lvl6pPr>
+            <a:lvl7pPr marL="2743200" indent="0" algn="ctr" defTabSz="914400" rtl="0" eaLnBrk="1" latinLnBrk="0" hangingPunct="1">
+              <a:lnSpc>
+                <a:spcPct val="90000"/>
+              </a:lnSpc>
+              <a:spcBef>
+                <a:spcPts val="500"/>
+              </a:spcBef>
+              <a:buFont typeface="Arial" panose="020B0604020202020204" pitchFamily="34" charset="0"/>
+              <a:buNone/>
+              <a:defRPr sz="1600" kern="1200">
+                <a:solidFill>
+                  <a:schemeClr val="tx1"/>
+                </a:solidFill>
+                <a:latin typeface="+mn-lt"/>
+                <a:ea typeface="+mn-ea"/>
+                <a:cs typeface="+mn-cs"/>
+              </a:defRPr>
+            </a:lvl7pPr>
+            <a:lvl8pPr marL="3200400" indent="0" algn="ctr" defTabSz="914400" rtl="0" eaLnBrk="1" latinLnBrk="0" hangingPunct="1">
+              <a:lnSpc>
+                <a:spcPct val="90000"/>
+              </a:lnSpc>
+              <a:spcBef>
+                <a:spcPts val="500"/>
+              </a:spcBef>
+              <a:buFont typeface="Arial" panose="020B0604020202020204" pitchFamily="34" charset="0"/>
+              <a:buNone/>
+              <a:defRPr sz="1600" kern="1200">
+                <a:solidFill>
+                  <a:schemeClr val="tx1"/>
+                </a:solidFill>
+                <a:latin typeface="+mn-lt"/>
+                <a:ea typeface="+mn-ea"/>
+                <a:cs typeface="+mn-cs"/>
+              </a:defRPr>
+            </a:lvl8pPr>
+            <a:lvl9pPr marL="3657600" indent="0" algn="ctr" defTabSz="914400" rtl="0" eaLnBrk="1" latinLnBrk="0" hangingPunct="1">
+              <a:lnSpc>
+                <a:spcPct val="90000"/>
+              </a:lnSpc>
+              <a:spcBef>
+                <a:spcPts val="500"/>
+              </a:spcBef>
+              <a:buFont typeface="Arial" panose="020B0604020202020204" pitchFamily="34" charset="0"/>
+              <a:buNone/>
+              <a:defRPr sz="1600" kern="1200">
+                <a:solidFill>
+                  <a:schemeClr val="tx1"/>
+                </a:solidFill>
+                <a:latin typeface="+mn-lt"/>
+                <a:ea typeface="+mn-ea"/>
+                <a:cs typeface="+mn-cs"/>
+              </a:defRPr>
+            </a:lvl9pPr>
+          </a:lstStyle>
+          <a:p>
+            <a:pPr algn="l"/>
+            <a:r>
+              <a:rPr lang="es-ES" sz="1200" b="0" i="0" dirty="0">
+                <a:solidFill>
+                  <a:srgbClr val="202124"/>
+                </a:solidFill>
+                <a:effectLst/>
+              </a:rPr>
+              <a:t>Continuar con la generación de vouchers</a:t>
+            </a:r>
+          </a:p>
+          <a:p>
+            <a:pPr algn="l"/>
+            <a:r>
+              <a:rPr lang="es-ES" sz="1200" b="0" i="0" dirty="0">
+                <a:solidFill>
+                  <a:srgbClr val="202124"/>
+                </a:solidFill>
+                <a:effectLst/>
+              </a:rPr>
+              <a:t>Facilitar y promover la venta online de productos para personas mayores </a:t>
+            </a:r>
+          </a:p>
+          <a:p>
+            <a:pPr algn="l"/>
+            <a:r>
+              <a:rPr lang="es-ES" sz="1200" b="0" i="0" dirty="0">
+                <a:solidFill>
+                  <a:srgbClr val="202124"/>
+                </a:solidFill>
+                <a:effectLst/>
+              </a:rPr>
+              <a:t>Mejorar el ambiente en sucursales para las ventas presenciales</a:t>
+            </a:r>
+            <a:endParaRPr lang="es-ES" sz="1200" dirty="0"/>
+          </a:p>
+        </p:txBody>
+      </p:sp>
       <p:pic>
         <p:nvPicPr>
-          <p:cNvPr id="8" name="Imagen 7">
-            <a:extLst>
-              <a:ext uri="{FF2B5EF4-FFF2-40B4-BE49-F238E27FC236}">
-                <a16:creationId xmlns:a16="http://schemas.microsoft.com/office/drawing/2014/main" id="{C3871DCE-FB86-E894-6B73-824108C7F457}"/>
+          <p:cNvPr id="9" name="Imagen 8">
+            <a:extLst>
+              <a:ext uri="{FF2B5EF4-FFF2-40B4-BE49-F238E27FC236}">
+                <a16:creationId xmlns:a16="http://schemas.microsoft.com/office/drawing/2014/main" id="{4CEE44F4-FA8A-9DBC-BCE5-F55ED4ABB89E}"/>
               </a:ext>
             </a:extLst>
           </p:cNvPr>
@@ -4918,8 +7972,8 @@
         </p:blipFill>
         <p:spPr>
           <a:xfrm>
-            <a:off x="972554" y="3959882"/>
-            <a:ext cx="4356613" cy="2051469"/>
+            <a:off x="972554" y="1466748"/>
+            <a:ext cx="4150401" cy="2051469"/>
           </a:xfrm>
           <a:prstGeom prst="rect">
             <a:avLst/>
@@ -4928,10 +7982,10 @@
       </p:pic>
       <p:pic>
         <p:nvPicPr>
-          <p:cNvPr id="4" name="Imagen 3">
-            <a:extLst>
-              <a:ext uri="{FF2B5EF4-FFF2-40B4-BE49-F238E27FC236}">
-                <a16:creationId xmlns:a16="http://schemas.microsoft.com/office/drawing/2014/main" id="{48479401-1C00-317F-CCF6-42195E308922}"/>
+          <p:cNvPr id="12" name="Imagen 11">
+            <a:extLst>
+              <a:ext uri="{FF2B5EF4-FFF2-40B4-BE49-F238E27FC236}">
+                <a16:creationId xmlns:a16="http://schemas.microsoft.com/office/drawing/2014/main" id="{AEABB804-BC4D-AE40-0C8B-97C4F9809E53}"/>
               </a:ext>
             </a:extLst>
           </p:cNvPr>
@@ -4948,8 +8002,8 @@
         </p:blipFill>
         <p:spPr>
           <a:xfrm>
-            <a:off x="972554" y="1475958"/>
-            <a:ext cx="3995552" cy="1886225"/>
+            <a:off x="972553" y="4130582"/>
+            <a:ext cx="4150401" cy="2064666"/>
           </a:xfrm>
           <a:prstGeom prst="rect">
             <a:avLst/>
@@ -4958,10 +8012,10 @@
       </p:pic>
       <p:sp>
         <p:nvSpPr>
-          <p:cNvPr id="3" name="Subtítulo 2">
-            <a:extLst>
-              <a:ext uri="{FF2B5EF4-FFF2-40B4-BE49-F238E27FC236}">
-                <a16:creationId xmlns:a16="http://schemas.microsoft.com/office/drawing/2014/main" id="{06F9A7B2-4418-3893-24D6-A04CAE00F413}"/>
+          <p:cNvPr id="13" name="Subtítulo 2">
+            <a:extLst>
+              <a:ext uri="{FF2B5EF4-FFF2-40B4-BE49-F238E27FC236}">
+                <a16:creationId xmlns:a16="http://schemas.microsoft.com/office/drawing/2014/main" id="{0F7EEDC6-1A84-439B-7663-A97C7568C300}"/>
               </a:ext>
             </a:extLst>
           </p:cNvPr>
@@ -4975,24 +8029,42 @@
         <p:spPr>
           <a:xfrm>
             <a:off x="331304" y="342004"/>
-            <a:ext cx="5437838" cy="957407"/>
+            <a:ext cx="5552662" cy="855138"/>
           </a:xfrm>
+          <a:effectLst>
+            <a:outerShdw blurRad="50800" dist="38100" dir="2700000" algn="tl" rotWithShape="0">
+              <a:prstClr val="black">
+                <a:alpha val="40000"/>
+              </a:prstClr>
+            </a:outerShdw>
+          </a:effectLst>
         </p:spPr>
+        <p:style>
+          <a:lnRef idx="2">
+            <a:schemeClr val="dk1"/>
+          </a:lnRef>
+          <a:fillRef idx="1">
+            <a:schemeClr val="lt1"/>
+          </a:fillRef>
+          <a:effectRef idx="0">
+            <a:schemeClr val="dk1"/>
+          </a:effectRef>
+          <a:fontRef idx="minor">
+            <a:schemeClr val="dk1"/>
+          </a:fontRef>
+        </p:style>
         <p:txBody>
           <a:bodyPr/>
           <a:lstStyle/>
           <a:p>
             <a:r>
-              <a:rPr lang="es-ES" dirty="0"/>
-              <a:t>Importancia clave de los </a:t>
-            </a:r>
-            <a:r>
-              <a:rPr lang="es-ES" dirty="0" err="1"/>
-              <a:t>vouchers</a:t>
-            </a:r>
-            <a:r>
-              <a:rPr lang="es-ES" dirty="0"/>
-              <a:t> en estrategias de ventas en línea </a:t>
+              <a:rPr lang="es-ES" sz="1800" b="1" dirty="0">
+                <a:solidFill>
+                  <a:srgbClr val="118DFF"/>
+                </a:solidFill>
+                <a:latin typeface="wf_standard-font"/>
+              </a:rPr>
+              <a:t>EL 90% DE LOS CLIENTES QUE USAN VOUCHERS UTILIZAN EL MÉTODO DE PAGO ONLINE</a:t>
             </a:r>
             <a:endParaRPr lang="es-AR" dirty="0"/>
           </a:p>
@@ -5000,10 +8072,10 @@
       </p:sp>
       <p:sp>
         <p:nvSpPr>
-          <p:cNvPr id="6" name="Subtítulo 2">
-            <a:extLst>
-              <a:ext uri="{FF2B5EF4-FFF2-40B4-BE49-F238E27FC236}">
-                <a16:creationId xmlns:a16="http://schemas.microsoft.com/office/drawing/2014/main" id="{4F9367DA-2376-BA74-25AF-CFB588C5E9FB}"/>
+          <p:cNvPr id="14" name="Subtítulo 2">
+            <a:extLst>
+              <a:ext uri="{FF2B5EF4-FFF2-40B4-BE49-F238E27FC236}">
+                <a16:creationId xmlns:a16="http://schemas.microsoft.com/office/drawing/2014/main" id="{D1180ABE-9C8B-9BD0-320B-8AAB5D632A24}"/>
               </a:ext>
             </a:extLst>
           </p:cNvPr>
@@ -5014,15 +8086,262 @@
         </p:nvSpPr>
         <p:spPr>
           <a:xfrm>
-            <a:off x="6228523" y="1466748"/>
-            <a:ext cx="4990923" cy="1254478"/>
+            <a:off x="2438851" y="3670984"/>
+            <a:ext cx="1217804" cy="306830"/>
           </a:xfrm>
           <a:prstGeom prst="rect">
             <a:avLst/>
           </a:prstGeom>
+          <a:effectLst>
+            <a:outerShdw blurRad="50800" dist="38100" dir="2700000" algn="tl" rotWithShape="0">
+              <a:prstClr val="black">
+                <a:alpha val="40000"/>
+              </a:prstClr>
+            </a:outerShdw>
+          </a:effectLst>
         </p:spPr>
-        <p:txBody>
-          <a:bodyPr vert="horz" lIns="91440" tIns="45720" rIns="91440" bIns="45720" rtlCol="0">
+        <p:style>
+          <a:lnRef idx="2">
+            <a:schemeClr val="dk1"/>
+          </a:lnRef>
+          <a:fillRef idx="1">
+            <a:schemeClr val="lt1"/>
+          </a:fillRef>
+          <a:effectRef idx="0">
+            <a:schemeClr val="dk1"/>
+          </a:effectRef>
+          <a:fontRef idx="minor">
+            <a:schemeClr val="dk1"/>
+          </a:fontRef>
+        </p:style>
+        <p:txBody>
+          <a:bodyPr vert="horz" lIns="91440" tIns="45720" rIns="91440" bIns="45720" rtlCol="0" anchor="ctr">
+            <a:normAutofit fontScale="62500" lnSpcReduction="20000"/>
+          </a:bodyPr>
+          <a:lstStyle>
+            <a:lvl1pPr marL="0" indent="0" algn="ctr" defTabSz="914400" rtl="0" eaLnBrk="1" latinLnBrk="0" hangingPunct="1">
+              <a:lnSpc>
+                <a:spcPct val="90000"/>
+              </a:lnSpc>
+              <a:spcBef>
+                <a:spcPts val="1000"/>
+              </a:spcBef>
+              <a:buFont typeface="Arial" panose="020B0604020202020204" pitchFamily="34" charset="0"/>
+              <a:buNone/>
+              <a:defRPr sz="2400" kern="1200">
+                <a:solidFill>
+                  <a:schemeClr val="dk1"/>
+                </a:solidFill>
+                <a:latin typeface="+mn-lt"/>
+                <a:ea typeface="+mn-ea"/>
+                <a:cs typeface="+mn-cs"/>
+              </a:defRPr>
+            </a:lvl1pPr>
+            <a:lvl2pPr marL="457200" indent="0" algn="ctr" defTabSz="914400" rtl="0" eaLnBrk="1" latinLnBrk="0" hangingPunct="1">
+              <a:lnSpc>
+                <a:spcPct val="90000"/>
+              </a:lnSpc>
+              <a:spcBef>
+                <a:spcPts val="500"/>
+              </a:spcBef>
+              <a:buFont typeface="Arial" panose="020B0604020202020204" pitchFamily="34" charset="0"/>
+              <a:buNone/>
+              <a:defRPr sz="2000" kern="1200">
+                <a:solidFill>
+                  <a:schemeClr val="dk1"/>
+                </a:solidFill>
+                <a:latin typeface="+mn-lt"/>
+                <a:ea typeface="+mn-ea"/>
+                <a:cs typeface="+mn-cs"/>
+              </a:defRPr>
+            </a:lvl2pPr>
+            <a:lvl3pPr marL="914400" indent="0" algn="ctr" defTabSz="914400" rtl="0" eaLnBrk="1" latinLnBrk="0" hangingPunct="1">
+              <a:lnSpc>
+                <a:spcPct val="90000"/>
+              </a:lnSpc>
+              <a:spcBef>
+                <a:spcPts val="500"/>
+              </a:spcBef>
+              <a:buFont typeface="Arial" panose="020B0604020202020204" pitchFamily="34" charset="0"/>
+              <a:buNone/>
+              <a:defRPr sz="1800" kern="1200">
+                <a:solidFill>
+                  <a:schemeClr val="dk1"/>
+                </a:solidFill>
+                <a:latin typeface="+mn-lt"/>
+                <a:ea typeface="+mn-ea"/>
+                <a:cs typeface="+mn-cs"/>
+              </a:defRPr>
+            </a:lvl3pPr>
+            <a:lvl4pPr marL="1371600" indent="0" algn="ctr" defTabSz="914400" rtl="0" eaLnBrk="1" latinLnBrk="0" hangingPunct="1">
+              <a:lnSpc>
+                <a:spcPct val="90000"/>
+              </a:lnSpc>
+              <a:spcBef>
+                <a:spcPts val="500"/>
+              </a:spcBef>
+              <a:buFont typeface="Arial" panose="020B0604020202020204" pitchFamily="34" charset="0"/>
+              <a:buNone/>
+              <a:defRPr sz="1600" kern="1200">
+                <a:solidFill>
+                  <a:schemeClr val="dk1"/>
+                </a:solidFill>
+                <a:latin typeface="+mn-lt"/>
+                <a:ea typeface="+mn-ea"/>
+                <a:cs typeface="+mn-cs"/>
+              </a:defRPr>
+            </a:lvl4pPr>
+            <a:lvl5pPr marL="1828800" indent="0" algn="ctr" defTabSz="914400" rtl="0" eaLnBrk="1" latinLnBrk="0" hangingPunct="1">
+              <a:lnSpc>
+                <a:spcPct val="90000"/>
+              </a:lnSpc>
+              <a:spcBef>
+                <a:spcPts val="500"/>
+              </a:spcBef>
+              <a:buFont typeface="Arial" panose="020B0604020202020204" pitchFamily="34" charset="0"/>
+              <a:buNone/>
+              <a:defRPr sz="1600" kern="1200">
+                <a:solidFill>
+                  <a:schemeClr val="dk1"/>
+                </a:solidFill>
+                <a:latin typeface="+mn-lt"/>
+                <a:ea typeface="+mn-ea"/>
+                <a:cs typeface="+mn-cs"/>
+              </a:defRPr>
+            </a:lvl5pPr>
+            <a:lvl6pPr marL="2286000" indent="0" algn="ctr" defTabSz="914400" rtl="0" eaLnBrk="1" latinLnBrk="0" hangingPunct="1">
+              <a:lnSpc>
+                <a:spcPct val="90000"/>
+              </a:lnSpc>
+              <a:spcBef>
+                <a:spcPts val="500"/>
+              </a:spcBef>
+              <a:buFont typeface="Arial" panose="020B0604020202020204" pitchFamily="34" charset="0"/>
+              <a:buNone/>
+              <a:defRPr sz="1600" kern="1200">
+                <a:solidFill>
+                  <a:schemeClr val="dk1"/>
+                </a:solidFill>
+                <a:latin typeface="+mn-lt"/>
+                <a:ea typeface="+mn-ea"/>
+                <a:cs typeface="+mn-cs"/>
+              </a:defRPr>
+            </a:lvl6pPr>
+            <a:lvl7pPr marL="2743200" indent="0" algn="ctr" defTabSz="914400" rtl="0" eaLnBrk="1" latinLnBrk="0" hangingPunct="1">
+              <a:lnSpc>
+                <a:spcPct val="90000"/>
+              </a:lnSpc>
+              <a:spcBef>
+                <a:spcPts val="500"/>
+              </a:spcBef>
+              <a:buFont typeface="Arial" panose="020B0604020202020204" pitchFamily="34" charset="0"/>
+              <a:buNone/>
+              <a:defRPr sz="1600" kern="1200">
+                <a:solidFill>
+                  <a:schemeClr val="dk1"/>
+                </a:solidFill>
+                <a:latin typeface="+mn-lt"/>
+                <a:ea typeface="+mn-ea"/>
+                <a:cs typeface="+mn-cs"/>
+              </a:defRPr>
+            </a:lvl7pPr>
+            <a:lvl8pPr marL="3200400" indent="0" algn="ctr" defTabSz="914400" rtl="0" eaLnBrk="1" latinLnBrk="0" hangingPunct="1">
+              <a:lnSpc>
+                <a:spcPct val="90000"/>
+              </a:lnSpc>
+              <a:spcBef>
+                <a:spcPts val="500"/>
+              </a:spcBef>
+              <a:buFont typeface="Arial" panose="020B0604020202020204" pitchFamily="34" charset="0"/>
+              <a:buNone/>
+              <a:defRPr sz="1600" kern="1200">
+                <a:solidFill>
+                  <a:schemeClr val="dk1"/>
+                </a:solidFill>
+                <a:latin typeface="+mn-lt"/>
+                <a:ea typeface="+mn-ea"/>
+                <a:cs typeface="+mn-cs"/>
+              </a:defRPr>
+            </a:lvl8pPr>
+            <a:lvl9pPr marL="3657600" indent="0" algn="ctr" defTabSz="914400" rtl="0" eaLnBrk="1" latinLnBrk="0" hangingPunct="1">
+              <a:lnSpc>
+                <a:spcPct val="90000"/>
+              </a:lnSpc>
+              <a:spcBef>
+                <a:spcPts val="500"/>
+              </a:spcBef>
+              <a:buFont typeface="Arial" panose="020B0604020202020204" pitchFamily="34" charset="0"/>
+              <a:buNone/>
+              <a:defRPr sz="1600" kern="1200">
+                <a:solidFill>
+                  <a:schemeClr val="dk1"/>
+                </a:solidFill>
+                <a:latin typeface="+mn-lt"/>
+                <a:ea typeface="+mn-ea"/>
+                <a:cs typeface="+mn-cs"/>
+              </a:defRPr>
+            </a:lvl9pPr>
+          </a:lstStyle>
+          <a:p>
+            <a:r>
+              <a:rPr lang="es-ES" sz="1400" b="1" dirty="0">
+                <a:solidFill>
+                  <a:srgbClr val="118DFF"/>
+                </a:solidFill>
+                <a:latin typeface="wf_standard-font"/>
+              </a:rPr>
+              <a:t>FILTRADO POR ADULTO MAYOR</a:t>
+            </a:r>
+            <a:endParaRPr lang="es-AR" dirty="0"/>
+          </a:p>
+        </p:txBody>
+      </p:sp>
+      <p:sp>
+        <p:nvSpPr>
+          <p:cNvPr id="16" name="Subtítulo 2">
+            <a:extLst>
+              <a:ext uri="{FF2B5EF4-FFF2-40B4-BE49-F238E27FC236}">
+                <a16:creationId xmlns:a16="http://schemas.microsoft.com/office/drawing/2014/main" id="{EB5F75EC-2557-3CB4-EA44-879D18877C12}"/>
+              </a:ext>
+            </a:extLst>
+          </p:cNvPr>
+          <p:cNvSpPr txBox="1">
+            <a:spLocks/>
+          </p:cNvSpPr>
+          <p:nvPr/>
+        </p:nvSpPr>
+        <p:spPr>
+          <a:xfrm>
+            <a:off x="7946641" y="1334030"/>
+            <a:ext cx="1217805" cy="367619"/>
+          </a:xfrm>
+          <a:prstGeom prst="rect">
+            <a:avLst/>
+          </a:prstGeom>
+          <a:effectLst>
+            <a:outerShdw blurRad="50800" dist="38100" dir="2700000" algn="tl" rotWithShape="0">
+              <a:prstClr val="black">
+                <a:alpha val="40000"/>
+              </a:prstClr>
+            </a:outerShdw>
+          </a:effectLst>
+        </p:spPr>
+        <p:style>
+          <a:lnRef idx="2">
+            <a:schemeClr val="dk1"/>
+          </a:lnRef>
+          <a:fillRef idx="1">
+            <a:schemeClr val="lt1"/>
+          </a:fillRef>
+          <a:effectRef idx="0">
+            <a:schemeClr val="dk1"/>
+          </a:effectRef>
+          <a:fontRef idx="minor">
+            <a:schemeClr val="dk1"/>
+          </a:fontRef>
+        </p:style>
+        <p:txBody>
+          <a:bodyPr vert="horz" lIns="91440" tIns="45720" rIns="91440" bIns="45720" rtlCol="0" anchor="ctr">
             <a:normAutofit/>
           </a:bodyPr>
           <a:lstStyle>
@@ -5037,7 +8356,7 @@
               <a:buNone/>
               <a:defRPr sz="2400" kern="1200">
                 <a:solidFill>
-                  <a:schemeClr val="tx1"/>
+                  <a:schemeClr val="dk1"/>
                 </a:solidFill>
                 <a:latin typeface="+mn-lt"/>
                 <a:ea typeface="+mn-ea"/>
@@ -5055,7 +8374,7 @@
               <a:buNone/>
               <a:defRPr sz="2000" kern="1200">
                 <a:solidFill>
-                  <a:schemeClr val="tx1"/>
+                  <a:schemeClr val="dk1"/>
                 </a:solidFill>
                 <a:latin typeface="+mn-lt"/>
                 <a:ea typeface="+mn-ea"/>
@@ -5073,7 +8392,7 @@
               <a:buNone/>
               <a:defRPr sz="1800" kern="1200">
                 <a:solidFill>
-                  <a:schemeClr val="tx1"/>
+                  <a:schemeClr val="dk1"/>
                 </a:solidFill>
                 <a:latin typeface="+mn-lt"/>
                 <a:ea typeface="+mn-ea"/>
@@ -5091,7 +8410,7 @@
               <a:buNone/>
               <a:defRPr sz="1600" kern="1200">
                 <a:solidFill>
-                  <a:schemeClr val="tx1"/>
+                  <a:schemeClr val="dk1"/>
                 </a:solidFill>
                 <a:latin typeface="+mn-lt"/>
                 <a:ea typeface="+mn-ea"/>
@@ -5109,7 +8428,7 @@
               <a:buNone/>
               <a:defRPr sz="1600" kern="1200">
                 <a:solidFill>
-                  <a:schemeClr val="tx1"/>
+                  <a:schemeClr val="dk1"/>
                 </a:solidFill>
                 <a:latin typeface="+mn-lt"/>
                 <a:ea typeface="+mn-ea"/>
@@ -5127,7 +8446,7 @@
               <a:buNone/>
               <a:defRPr sz="1600" kern="1200">
                 <a:solidFill>
-                  <a:schemeClr val="tx1"/>
+                  <a:schemeClr val="dk1"/>
                 </a:solidFill>
                 <a:latin typeface="+mn-lt"/>
                 <a:ea typeface="+mn-ea"/>
@@ -5145,7 +8464,7 @@
               <a:buNone/>
               <a:defRPr sz="1600" kern="1200">
                 <a:solidFill>
-                  <a:schemeClr val="tx1"/>
+                  <a:schemeClr val="dk1"/>
                 </a:solidFill>
                 <a:latin typeface="+mn-lt"/>
                 <a:ea typeface="+mn-ea"/>
@@ -5163,7 +8482,7 @@
               <a:buNone/>
               <a:defRPr sz="1600" kern="1200">
                 <a:solidFill>
-                  <a:schemeClr val="tx1"/>
+                  <a:schemeClr val="dk1"/>
                 </a:solidFill>
                 <a:latin typeface="+mn-lt"/>
                 <a:ea typeface="+mn-ea"/>
@@ -5181,7 +8500,7 @@
               <a:buNone/>
               <a:defRPr sz="1600" kern="1200">
                 <a:solidFill>
-                  <a:schemeClr val="tx1"/>
+                  <a:schemeClr val="dk1"/>
                 </a:solidFill>
                 <a:latin typeface="+mn-lt"/>
                 <a:ea typeface="+mn-ea"/>
@@ -5190,35 +8509,25 @@
             </a:lvl9pPr>
           </a:lstStyle>
           <a:p>
-            <a:pPr algn="l"/>
-            <a:r>
-              <a:rPr lang="es-ES" sz="1200" dirty="0"/>
-              <a:t>+ El </a:t>
-            </a:r>
-            <a:r>
-              <a:rPr lang="es-ES" sz="1200" dirty="0" err="1"/>
-              <a:t>voucher</a:t>
-            </a:r>
-            <a:r>
-              <a:rPr lang="es-ES" sz="1200" dirty="0"/>
-              <a:t> incentiva a comprar de forma online.</a:t>
-            </a:r>
-          </a:p>
-          <a:p>
-            <a:pPr algn="l"/>
-            <a:r>
-              <a:rPr lang="es-ES" sz="1200" dirty="0"/>
-              <a:t>- El rango etario que más utiliza el efectivo es el adulto mayor.</a:t>
-            </a:r>
-          </a:p>
-        </p:txBody>
-      </p:sp>
-      <p:sp>
-        <p:nvSpPr>
-          <p:cNvPr id="10" name="Subtítulo 2">
-            <a:extLst>
-              <a:ext uri="{FF2B5EF4-FFF2-40B4-BE49-F238E27FC236}">
-                <a16:creationId xmlns:a16="http://schemas.microsoft.com/office/drawing/2014/main" id="{35532317-5851-1941-9B71-03F294CB66A3}"/>
+            <a:r>
+              <a:rPr lang="es-ES" sz="1800" b="1" dirty="0">
+                <a:solidFill>
+                  <a:srgbClr val="118DFF"/>
+                </a:solidFill>
+                <a:latin typeface="wf_standard-font"/>
+              </a:rPr>
+              <a:t>INSIGHTS</a:t>
+            </a:r>
+            <a:endParaRPr lang="es-AR" b="1" dirty="0"/>
+          </a:p>
+        </p:txBody>
+      </p:sp>
+      <p:sp>
+        <p:nvSpPr>
+          <p:cNvPr id="17" name="Subtítulo 2">
+            <a:extLst>
+              <a:ext uri="{FF2B5EF4-FFF2-40B4-BE49-F238E27FC236}">
+                <a16:creationId xmlns:a16="http://schemas.microsoft.com/office/drawing/2014/main" id="{E33C118E-EB30-0D46-A32E-52DF6FD87CD3}"/>
               </a:ext>
             </a:extLst>
           </p:cNvPr>
@@ -5229,16 +8538,37 @@
         </p:nvSpPr>
         <p:spPr>
           <a:xfrm>
-            <a:off x="2355789" y="3674891"/>
-            <a:ext cx="2125974" cy="396457"/>
+            <a:off x="7748512" y="3653456"/>
+            <a:ext cx="1614062" cy="367619"/>
           </a:xfrm>
           <a:prstGeom prst="rect">
             <a:avLst/>
           </a:prstGeom>
+          <a:effectLst>
+            <a:outerShdw blurRad="50800" dist="38100" dir="2700000" algn="tl" rotWithShape="0">
+              <a:prstClr val="black">
+                <a:alpha val="40000"/>
+              </a:prstClr>
+            </a:outerShdw>
+          </a:effectLst>
         </p:spPr>
-        <p:txBody>
-          <a:bodyPr vert="horz" lIns="91440" tIns="45720" rIns="91440" bIns="45720" rtlCol="0">
-            <a:normAutofit/>
+        <p:style>
+          <a:lnRef idx="2">
+            <a:schemeClr val="dk1"/>
+          </a:lnRef>
+          <a:fillRef idx="1">
+            <a:schemeClr val="lt1"/>
+          </a:fillRef>
+          <a:effectRef idx="0">
+            <a:schemeClr val="dk1"/>
+          </a:effectRef>
+          <a:fontRef idx="minor">
+            <a:schemeClr val="dk1"/>
+          </a:fontRef>
+        </p:style>
+        <p:txBody>
+          <a:bodyPr vert="horz" lIns="91440" tIns="45720" rIns="91440" bIns="45720" rtlCol="0" anchor="ctr">
+            <a:normAutofit fontScale="85000" lnSpcReduction="10000"/>
           </a:bodyPr>
           <a:lstStyle>
             <a:lvl1pPr marL="0" indent="0" algn="ctr" defTabSz="914400" rtl="0" eaLnBrk="1" latinLnBrk="0" hangingPunct="1">
@@ -5252,7 +8582,7 @@
               <a:buNone/>
               <a:defRPr sz="2400" kern="1200">
                 <a:solidFill>
-                  <a:schemeClr val="tx1"/>
+                  <a:schemeClr val="dk1"/>
                 </a:solidFill>
                 <a:latin typeface="+mn-lt"/>
                 <a:ea typeface="+mn-ea"/>
@@ -5270,7 +8600,7 @@
               <a:buNone/>
               <a:defRPr sz="2000" kern="1200">
                 <a:solidFill>
-                  <a:schemeClr val="tx1"/>
+                  <a:schemeClr val="dk1"/>
                 </a:solidFill>
                 <a:latin typeface="+mn-lt"/>
                 <a:ea typeface="+mn-ea"/>
@@ -5288,7 +8618,7 @@
               <a:buNone/>
               <a:defRPr sz="1800" kern="1200">
                 <a:solidFill>
-                  <a:schemeClr val="tx1"/>
+                  <a:schemeClr val="dk1"/>
                 </a:solidFill>
                 <a:latin typeface="+mn-lt"/>
                 <a:ea typeface="+mn-ea"/>
@@ -5306,7 +8636,7 @@
               <a:buNone/>
               <a:defRPr sz="1600" kern="1200">
                 <a:solidFill>
-                  <a:schemeClr val="tx1"/>
+                  <a:schemeClr val="dk1"/>
                 </a:solidFill>
                 <a:latin typeface="+mn-lt"/>
                 <a:ea typeface="+mn-ea"/>
@@ -5324,7 +8654,7 @@
               <a:buNone/>
               <a:defRPr sz="1600" kern="1200">
                 <a:solidFill>
-                  <a:schemeClr val="tx1"/>
+                  <a:schemeClr val="dk1"/>
                 </a:solidFill>
                 <a:latin typeface="+mn-lt"/>
                 <a:ea typeface="+mn-ea"/>
@@ -5342,7 +8672,7 @@
               <a:buNone/>
               <a:defRPr sz="1600" kern="1200">
                 <a:solidFill>
-                  <a:schemeClr val="tx1"/>
+                  <a:schemeClr val="dk1"/>
                 </a:solidFill>
                 <a:latin typeface="+mn-lt"/>
                 <a:ea typeface="+mn-ea"/>
@@ -5360,7 +8690,7 @@
               <a:buNone/>
               <a:defRPr sz="1600" kern="1200">
                 <a:solidFill>
-                  <a:schemeClr val="tx1"/>
+                  <a:schemeClr val="dk1"/>
                 </a:solidFill>
                 <a:latin typeface="+mn-lt"/>
                 <a:ea typeface="+mn-ea"/>
@@ -5378,7 +8708,7 @@
               <a:buNone/>
               <a:defRPr sz="1600" kern="1200">
                 <a:solidFill>
-                  <a:schemeClr val="tx1"/>
+                  <a:schemeClr val="dk1"/>
                 </a:solidFill>
                 <a:latin typeface="+mn-lt"/>
                 <a:ea typeface="+mn-ea"/>
@@ -5396,7 +8726,7 @@
               <a:buNone/>
               <a:defRPr sz="1600" kern="1200">
                 <a:solidFill>
-                  <a:schemeClr val="tx1"/>
+                  <a:schemeClr val="dk1"/>
                 </a:solidFill>
                 <a:latin typeface="+mn-lt"/>
                 <a:ea typeface="+mn-ea"/>
@@ -5405,262 +8735,236 @@
             </a:lvl9pPr>
           </a:lstStyle>
           <a:p>
-            <a:pPr algn="l"/>
-            <a:r>
-              <a:rPr lang="es-ES" sz="1200" dirty="0"/>
-              <a:t>Filtrado por adulto mayor</a:t>
-            </a:r>
-            <a:endParaRPr lang="es-AR" sz="1200" dirty="0"/>
-          </a:p>
-        </p:txBody>
-      </p:sp>
-      <p:sp>
-        <p:nvSpPr>
-          <p:cNvPr id="15" name="Subtítulo 2">
-            <a:extLst>
-              <a:ext uri="{FF2B5EF4-FFF2-40B4-BE49-F238E27FC236}">
-                <a16:creationId xmlns:a16="http://schemas.microsoft.com/office/drawing/2014/main" id="{D3129597-78B9-CA26-1775-497310F0A012}"/>
-              </a:ext>
-            </a:extLst>
-          </p:cNvPr>
-          <p:cNvSpPr txBox="1">
-            <a:spLocks/>
-          </p:cNvSpPr>
+            <a:r>
+              <a:rPr lang="es-ES" sz="1800" b="1" dirty="0">
+                <a:solidFill>
+                  <a:srgbClr val="118DFF"/>
+                </a:solidFill>
+                <a:latin typeface="wf_standard-font"/>
+              </a:rPr>
+              <a:t>CALL TO ACTION</a:t>
+            </a:r>
+            <a:endParaRPr lang="es-AR" b="1" dirty="0"/>
+          </a:p>
+        </p:txBody>
+      </p:sp>
+      <p:sp>
+        <p:nvSpPr>
+          <p:cNvPr id="21" name="CuadroTexto 20">
+            <a:extLst>
+              <a:ext uri="{FF2B5EF4-FFF2-40B4-BE49-F238E27FC236}">
+                <a16:creationId xmlns:a16="http://schemas.microsoft.com/office/drawing/2014/main" id="{BA9738EC-2E04-1A55-05DE-80B4F8AA2680}"/>
+              </a:ext>
+            </a:extLst>
+          </p:cNvPr>
+          <p:cNvSpPr txBox="1"/>
           <p:nvPr/>
         </p:nvSpPr>
         <p:spPr>
           <a:xfrm>
-            <a:off x="6392955" y="4071348"/>
-            <a:ext cx="4990923" cy="1254478"/>
+            <a:off x="6375909" y="4130582"/>
+            <a:ext cx="300790" cy="307777"/>
           </a:xfrm>
           <a:prstGeom prst="rect">
             <a:avLst/>
           </a:prstGeom>
+          <a:noFill/>
         </p:spPr>
         <p:txBody>
-          <a:bodyPr vert="horz" lIns="91440" tIns="45720" rIns="91440" bIns="45720" rtlCol="0">
-            <a:normAutofit/>
+          <a:bodyPr wrap="square" rtlCol="0">
+            <a:spAutoFit/>
           </a:bodyPr>
-          <a:lstStyle>
-            <a:lvl1pPr marL="0" indent="0" algn="ctr" defTabSz="914400" rtl="0" eaLnBrk="1" latinLnBrk="0" hangingPunct="1">
-              <a:lnSpc>
-                <a:spcPct val="90000"/>
-              </a:lnSpc>
-              <a:spcBef>
-                <a:spcPts val="1000"/>
-              </a:spcBef>
-              <a:buFont typeface="Arial" panose="020B0604020202020204" pitchFamily="34" charset="0"/>
-              <a:buNone/>
-              <a:defRPr sz="2400" kern="1200">
-                <a:solidFill>
-                  <a:schemeClr val="tx1"/>
-                </a:solidFill>
-                <a:latin typeface="+mn-lt"/>
-                <a:ea typeface="+mn-ea"/>
-                <a:cs typeface="+mn-cs"/>
-              </a:defRPr>
-            </a:lvl1pPr>
-            <a:lvl2pPr marL="457200" indent="0" algn="ctr" defTabSz="914400" rtl="0" eaLnBrk="1" latinLnBrk="0" hangingPunct="1">
-              <a:lnSpc>
-                <a:spcPct val="90000"/>
-              </a:lnSpc>
-              <a:spcBef>
-                <a:spcPts val="500"/>
-              </a:spcBef>
-              <a:buFont typeface="Arial" panose="020B0604020202020204" pitchFamily="34" charset="0"/>
-              <a:buNone/>
-              <a:defRPr sz="2000" kern="1200">
-                <a:solidFill>
-                  <a:schemeClr val="tx1"/>
-                </a:solidFill>
-                <a:latin typeface="+mn-lt"/>
-                <a:ea typeface="+mn-ea"/>
-                <a:cs typeface="+mn-cs"/>
-              </a:defRPr>
-            </a:lvl2pPr>
-            <a:lvl3pPr marL="914400" indent="0" algn="ctr" defTabSz="914400" rtl="0" eaLnBrk="1" latinLnBrk="0" hangingPunct="1">
-              <a:lnSpc>
-                <a:spcPct val="90000"/>
-              </a:lnSpc>
-              <a:spcBef>
-                <a:spcPts val="500"/>
-              </a:spcBef>
-              <a:buFont typeface="Arial" panose="020B0604020202020204" pitchFamily="34" charset="0"/>
-              <a:buNone/>
-              <a:defRPr sz="1800" kern="1200">
-                <a:solidFill>
-                  <a:schemeClr val="tx1"/>
-                </a:solidFill>
-                <a:latin typeface="+mn-lt"/>
-                <a:ea typeface="+mn-ea"/>
-                <a:cs typeface="+mn-cs"/>
-              </a:defRPr>
-            </a:lvl3pPr>
-            <a:lvl4pPr marL="1371600" indent="0" algn="ctr" defTabSz="914400" rtl="0" eaLnBrk="1" latinLnBrk="0" hangingPunct="1">
-              <a:lnSpc>
-                <a:spcPct val="90000"/>
-              </a:lnSpc>
-              <a:spcBef>
-                <a:spcPts val="500"/>
-              </a:spcBef>
-              <a:buFont typeface="Arial" panose="020B0604020202020204" pitchFamily="34" charset="0"/>
-              <a:buNone/>
-              <a:defRPr sz="1600" kern="1200">
-                <a:solidFill>
-                  <a:schemeClr val="tx1"/>
-                </a:solidFill>
-                <a:latin typeface="+mn-lt"/>
-                <a:ea typeface="+mn-ea"/>
-                <a:cs typeface="+mn-cs"/>
-              </a:defRPr>
-            </a:lvl4pPr>
-            <a:lvl5pPr marL="1828800" indent="0" algn="ctr" defTabSz="914400" rtl="0" eaLnBrk="1" latinLnBrk="0" hangingPunct="1">
-              <a:lnSpc>
-                <a:spcPct val="90000"/>
-              </a:lnSpc>
-              <a:spcBef>
-                <a:spcPts val="500"/>
-              </a:spcBef>
-              <a:buFont typeface="Arial" panose="020B0604020202020204" pitchFamily="34" charset="0"/>
-              <a:buNone/>
-              <a:defRPr sz="1600" kern="1200">
-                <a:solidFill>
-                  <a:schemeClr val="tx1"/>
-                </a:solidFill>
-                <a:latin typeface="+mn-lt"/>
-                <a:ea typeface="+mn-ea"/>
-                <a:cs typeface="+mn-cs"/>
-              </a:defRPr>
-            </a:lvl5pPr>
-            <a:lvl6pPr marL="2286000" indent="0" algn="ctr" defTabSz="914400" rtl="0" eaLnBrk="1" latinLnBrk="0" hangingPunct="1">
-              <a:lnSpc>
-                <a:spcPct val="90000"/>
-              </a:lnSpc>
-              <a:spcBef>
-                <a:spcPts val="500"/>
-              </a:spcBef>
-              <a:buFont typeface="Arial" panose="020B0604020202020204" pitchFamily="34" charset="0"/>
-              <a:buNone/>
-              <a:defRPr sz="1600" kern="1200">
-                <a:solidFill>
-                  <a:schemeClr val="tx1"/>
-                </a:solidFill>
-                <a:latin typeface="+mn-lt"/>
-                <a:ea typeface="+mn-ea"/>
-                <a:cs typeface="+mn-cs"/>
-              </a:defRPr>
-            </a:lvl6pPr>
-            <a:lvl7pPr marL="2743200" indent="0" algn="ctr" defTabSz="914400" rtl="0" eaLnBrk="1" latinLnBrk="0" hangingPunct="1">
-              <a:lnSpc>
-                <a:spcPct val="90000"/>
-              </a:lnSpc>
-              <a:spcBef>
-                <a:spcPts val="500"/>
-              </a:spcBef>
-              <a:buFont typeface="Arial" panose="020B0604020202020204" pitchFamily="34" charset="0"/>
-              <a:buNone/>
-              <a:defRPr sz="1600" kern="1200">
-                <a:solidFill>
-                  <a:schemeClr val="tx1"/>
-                </a:solidFill>
-                <a:latin typeface="+mn-lt"/>
-                <a:ea typeface="+mn-ea"/>
-                <a:cs typeface="+mn-cs"/>
-              </a:defRPr>
-            </a:lvl7pPr>
-            <a:lvl8pPr marL="3200400" indent="0" algn="ctr" defTabSz="914400" rtl="0" eaLnBrk="1" latinLnBrk="0" hangingPunct="1">
-              <a:lnSpc>
-                <a:spcPct val="90000"/>
-              </a:lnSpc>
-              <a:spcBef>
-                <a:spcPts val="500"/>
-              </a:spcBef>
-              <a:buFont typeface="Arial" panose="020B0604020202020204" pitchFamily="34" charset="0"/>
-              <a:buNone/>
-              <a:defRPr sz="1600" kern="1200">
-                <a:solidFill>
-                  <a:schemeClr val="tx1"/>
-                </a:solidFill>
-                <a:latin typeface="+mn-lt"/>
-                <a:ea typeface="+mn-ea"/>
-                <a:cs typeface="+mn-cs"/>
-              </a:defRPr>
-            </a:lvl8pPr>
-            <a:lvl9pPr marL="3657600" indent="0" algn="ctr" defTabSz="914400" rtl="0" eaLnBrk="1" latinLnBrk="0" hangingPunct="1">
-              <a:lnSpc>
-                <a:spcPct val="90000"/>
-              </a:lnSpc>
-              <a:spcBef>
-                <a:spcPts val="500"/>
-              </a:spcBef>
-              <a:buFont typeface="Arial" panose="020B0604020202020204" pitchFamily="34" charset="0"/>
-              <a:buNone/>
-              <a:defRPr sz="1600" kern="1200">
-                <a:solidFill>
-                  <a:schemeClr val="tx1"/>
-                </a:solidFill>
-                <a:latin typeface="+mn-lt"/>
-                <a:ea typeface="+mn-ea"/>
-                <a:cs typeface="+mn-cs"/>
-              </a:defRPr>
-            </a:lvl9pPr>
-          </a:lstStyle>
-          <a:p>
-            <a:pPr algn="l"/>
-            <a:r>
-              <a:rPr lang="es-ES" sz="1050" b="0" i="0" dirty="0">
-                <a:solidFill>
-                  <a:srgbClr val="202124"/>
-                </a:solidFill>
-                <a:effectLst/>
-                <a:latin typeface="Roboto" panose="020F0502020204030204" pitchFamily="2" charset="0"/>
+          <a:lstStyle/>
+          <a:p>
+            <a:r>
+              <a:rPr lang="es-UY" sz="1400" dirty="0">
+                <a:solidFill>
+                  <a:srgbClr val="118DFF"/>
+                </a:solidFill>
               </a:rPr>
-              <a:t>+ Continuar con la generación de </a:t>
-            </a:r>
-            <a:r>
-              <a:rPr lang="es-ES" sz="1050" b="0" i="0" dirty="0" err="1">
-                <a:solidFill>
-                  <a:srgbClr val="202124"/>
-                </a:solidFill>
-                <a:effectLst/>
-                <a:latin typeface="Roboto" panose="020F0502020204030204" pitchFamily="2" charset="0"/>
+              <a:t>+</a:t>
+            </a:r>
+            <a:endParaRPr lang="es-UY" dirty="0">
+              <a:solidFill>
+                <a:srgbClr val="118DFF"/>
+              </a:solidFill>
+            </a:endParaRPr>
+          </a:p>
+        </p:txBody>
+      </p:sp>
+      <p:sp>
+        <p:nvSpPr>
+          <p:cNvPr id="22" name="CuadroTexto 21">
+            <a:extLst>
+              <a:ext uri="{FF2B5EF4-FFF2-40B4-BE49-F238E27FC236}">
+                <a16:creationId xmlns:a16="http://schemas.microsoft.com/office/drawing/2014/main" id="{49EB73C8-67C9-8F43-6F58-FA7CC388940B}"/>
+              </a:ext>
+            </a:extLst>
+          </p:cNvPr>
+          <p:cNvSpPr txBox="1"/>
+          <p:nvPr/>
+        </p:nvSpPr>
+        <p:spPr>
+          <a:xfrm>
+            <a:off x="6375909" y="1941437"/>
+            <a:ext cx="300790" cy="307777"/>
+          </a:xfrm>
+          <a:prstGeom prst="rect">
+            <a:avLst/>
+          </a:prstGeom>
+          <a:noFill/>
+        </p:spPr>
+        <p:txBody>
+          <a:bodyPr wrap="square" rtlCol="0">
+            <a:spAutoFit/>
+          </a:bodyPr>
+          <a:lstStyle/>
+          <a:p>
+            <a:r>
+              <a:rPr lang="es-UY" sz="1400" dirty="0">
+                <a:solidFill>
+                  <a:srgbClr val="118DFF"/>
+                </a:solidFill>
               </a:rPr>
-              <a:t>vouchers</a:t>
-            </a:r>
-            <a:endParaRPr lang="es-ES" sz="1050" b="0" i="0" dirty="0">
+              <a:t>+</a:t>
+            </a:r>
+            <a:endParaRPr lang="es-UY" dirty="0">
               <a:solidFill>
-                <a:srgbClr val="202124"/>
+                <a:srgbClr val="118DFF"/>
               </a:solidFill>
-              <a:effectLst/>
-              <a:latin typeface="Roboto" panose="020F0502020204030204" pitchFamily="2" charset="0"/>
             </a:endParaRPr>
           </a:p>
-          <a:p>
-            <a:pPr algn="l"/>
-            <a:r>
-              <a:rPr lang="es-ES" sz="1050" b="0" i="0" dirty="0">
-                <a:solidFill>
-                  <a:srgbClr val="202124"/>
-                </a:solidFill>
-                <a:effectLst/>
-                <a:latin typeface="Roboto" panose="020F0502020204030204" pitchFamily="2" charset="0"/>
+        </p:txBody>
+      </p:sp>
+      <p:sp>
+        <p:nvSpPr>
+          <p:cNvPr id="23" name="CuadroTexto 22">
+            <a:extLst>
+              <a:ext uri="{FF2B5EF4-FFF2-40B4-BE49-F238E27FC236}">
+                <a16:creationId xmlns:a16="http://schemas.microsoft.com/office/drawing/2014/main" id="{49D16B71-C4EB-0564-452A-A2F484B307BF}"/>
+              </a:ext>
+            </a:extLst>
+          </p:cNvPr>
+          <p:cNvSpPr txBox="1"/>
+          <p:nvPr/>
+        </p:nvSpPr>
+        <p:spPr>
+          <a:xfrm>
+            <a:off x="6375909" y="2231800"/>
+            <a:ext cx="300790" cy="307777"/>
+          </a:xfrm>
+          <a:prstGeom prst="rect">
+            <a:avLst/>
+          </a:prstGeom>
+          <a:noFill/>
+        </p:spPr>
+        <p:txBody>
+          <a:bodyPr wrap="square" rtlCol="0">
+            <a:spAutoFit/>
+          </a:bodyPr>
+          <a:lstStyle/>
+          <a:p>
+            <a:r>
+              <a:rPr lang="es-UY" sz="1400" dirty="0">
+                <a:solidFill>
+                  <a:srgbClr val="118DFF"/>
+                </a:solidFill>
               </a:rPr>
-              <a:t>+ Facilitar y promover la venta online de productos para personas mayores </a:t>
-            </a:r>
-          </a:p>
-          <a:p>
-            <a:pPr algn="l"/>
-            <a:r>
-              <a:rPr lang="es-ES" sz="1050" b="0" i="0" dirty="0">
-                <a:solidFill>
-                  <a:srgbClr val="202124"/>
-                </a:solidFill>
-                <a:effectLst/>
-                <a:latin typeface="Roboto" panose="020F0502020204030204" pitchFamily="2" charset="0"/>
+              <a:t>-</a:t>
+            </a:r>
+            <a:endParaRPr lang="es-UY" dirty="0">
+              <a:solidFill>
+                <a:srgbClr val="118DFF"/>
+              </a:solidFill>
+            </a:endParaRPr>
+          </a:p>
+        </p:txBody>
+      </p:sp>
+      <p:sp>
+        <p:nvSpPr>
+          <p:cNvPr id="24" name="CuadroTexto 23">
+            <a:extLst>
+              <a:ext uri="{FF2B5EF4-FFF2-40B4-BE49-F238E27FC236}">
+                <a16:creationId xmlns:a16="http://schemas.microsoft.com/office/drawing/2014/main" id="{63919E5B-8ACE-44E0-E13D-126DD2E35588}"/>
+              </a:ext>
+            </a:extLst>
+          </p:cNvPr>
+          <p:cNvSpPr txBox="1"/>
+          <p:nvPr/>
+        </p:nvSpPr>
+        <p:spPr>
+          <a:xfrm>
+            <a:off x="6369066" y="4416483"/>
+            <a:ext cx="300790" cy="307777"/>
+          </a:xfrm>
+          <a:prstGeom prst="rect">
+            <a:avLst/>
+          </a:prstGeom>
+          <a:noFill/>
+        </p:spPr>
+        <p:txBody>
+          <a:bodyPr wrap="square" rtlCol="0">
+            <a:spAutoFit/>
+          </a:bodyPr>
+          <a:lstStyle/>
+          <a:p>
+            <a:r>
+              <a:rPr lang="es-UY" sz="1400" dirty="0">
+                <a:solidFill>
+                  <a:srgbClr val="118DFF"/>
+                </a:solidFill>
               </a:rPr>
-              <a:t>+ Mejorar el ambiente en sucursales para las ventas presenciales</a:t>
-            </a:r>
-            <a:endParaRPr lang="es-ES" sz="1200" dirty="0"/>
+              <a:t>+</a:t>
+            </a:r>
+            <a:endParaRPr lang="es-UY" dirty="0">
+              <a:solidFill>
+                <a:srgbClr val="118DFF"/>
+              </a:solidFill>
+            </a:endParaRPr>
+          </a:p>
+        </p:txBody>
+      </p:sp>
+      <p:sp>
+        <p:nvSpPr>
+          <p:cNvPr id="25" name="CuadroTexto 24">
+            <a:extLst>
+              <a:ext uri="{FF2B5EF4-FFF2-40B4-BE49-F238E27FC236}">
+                <a16:creationId xmlns:a16="http://schemas.microsoft.com/office/drawing/2014/main" id="{CBA32639-0FBE-F78D-E0DD-02E1124556C7}"/>
+              </a:ext>
+            </a:extLst>
+          </p:cNvPr>
+          <p:cNvSpPr txBox="1"/>
+          <p:nvPr/>
+        </p:nvSpPr>
+        <p:spPr>
+          <a:xfrm>
+            <a:off x="6369066" y="4722812"/>
+            <a:ext cx="300790" cy="307777"/>
+          </a:xfrm>
+          <a:prstGeom prst="rect">
+            <a:avLst/>
+          </a:prstGeom>
+          <a:noFill/>
+        </p:spPr>
+        <p:txBody>
+          <a:bodyPr wrap="square" rtlCol="0">
+            <a:spAutoFit/>
+          </a:bodyPr>
+          <a:lstStyle/>
+          <a:p>
+            <a:r>
+              <a:rPr lang="es-UY" sz="1400" dirty="0">
+                <a:solidFill>
+                  <a:srgbClr val="118DFF"/>
+                </a:solidFill>
+              </a:rPr>
+              <a:t>+</a:t>
+            </a:r>
+            <a:endParaRPr lang="es-UY" dirty="0">
+              <a:solidFill>
+                <a:srgbClr val="118DFF"/>
+              </a:solidFill>
+            </a:endParaRPr>
           </a:p>
         </p:txBody>
       </p:sp>
@@ -5668,6 +8972,663 @@
     <p:extLst>
       <p:ext uri="{BB962C8B-B14F-4D97-AF65-F5344CB8AC3E}">
         <p14:creationId xmlns:p14="http://schemas.microsoft.com/office/powerpoint/2010/main" val="1882839515"/>
+      </p:ext>
+    </p:extLst>
+  </p:cSld>
+  <p:clrMapOvr>
+    <a:masterClrMapping/>
+  </p:clrMapOvr>
+</p:sld>
+</file>
+
+<file path=ppt/slides/slide5.xml><?xml version="1.0" encoding="utf-8"?>
+<p:sld xmlns:a="http://schemas.openxmlformats.org/drawingml/2006/main" xmlns:r="http://schemas.openxmlformats.org/officeDocument/2006/relationships" xmlns:p="http://schemas.openxmlformats.org/presentationml/2006/main">
+  <p:cSld>
+    <p:bg>
+      <p:bgPr>
+        <a:solidFill>
+          <a:schemeClr val="bg1"/>
+        </a:solidFill>
+        <a:effectLst/>
+      </p:bgPr>
+    </p:bg>
+    <p:spTree>
+      <p:nvGrpSpPr>
+        <p:cNvPr id="1" name=""/>
+        <p:cNvGrpSpPr/>
+        <p:nvPr/>
+      </p:nvGrpSpPr>
+      <p:grpSpPr>
+        <a:xfrm>
+          <a:off x="0" y="0"/>
+          <a:ext cx="0" cy="0"/>
+          <a:chOff x="0" y="0"/>
+          <a:chExt cx="0" cy="0"/>
+        </a:xfrm>
+      </p:grpSpPr>
+      <p:sp useBgFill="1">
+        <p:nvSpPr>
+          <p:cNvPr id="8" name="Rectangle 7">
+            <a:extLst>
+              <a:ext uri="{FF2B5EF4-FFF2-40B4-BE49-F238E27FC236}">
+                <a16:creationId xmlns:a16="http://schemas.microsoft.com/office/drawing/2014/main" id="{FFD48BC7-DC40-47DE-87EE-9F4B6ECB9ABB}"/>
+              </a:ext>
+              <a:ext uri="{C183D7F6-B498-43B3-948B-1728B52AA6E4}">
+                <adec:decorative xmlns:adec="http://schemas.microsoft.com/office/drawing/2017/decorative" val="1"/>
+              </a:ext>
+            </a:extLst>
+          </p:cNvPr>
+          <p:cNvSpPr>
+            <a:spLocks noGrp="1" noRot="1" noChangeAspect="1" noMove="1" noResize="1" noEditPoints="1" noAdjustHandles="1" noChangeArrowheads="1" noChangeShapeType="1" noTextEdit="1"/>
+          </p:cNvSpPr>
+          <p:nvPr>
+            <p:extLst>
+              <p:ext uri="{386F3935-93C4-4BCD-93E2-E3B085C9AB24}">
+                <p16:designElem xmlns:p16="http://schemas.microsoft.com/office/powerpoint/2015/main" val="1"/>
+              </p:ext>
+            </p:extLst>
+          </p:nvPr>
+        </p:nvSpPr>
+        <p:spPr>
+          <a:xfrm>
+            <a:off x="0" y="0"/>
+            <a:ext cx="12192000" cy="6858000"/>
+          </a:xfrm>
+          <a:prstGeom prst="rect">
+            <a:avLst/>
+          </a:prstGeom>
+          <a:ln>
+            <a:noFill/>
+          </a:ln>
+        </p:spPr>
+        <p:style>
+          <a:lnRef idx="2">
+            <a:schemeClr val="accent1">
+              <a:shade val="50000"/>
+            </a:schemeClr>
+          </a:lnRef>
+          <a:fillRef idx="1">
+            <a:schemeClr val="accent1"/>
+          </a:fillRef>
+          <a:effectRef idx="0">
+            <a:schemeClr val="accent1"/>
+          </a:effectRef>
+          <a:fontRef idx="minor">
+            <a:schemeClr val="lt1"/>
+          </a:fontRef>
+        </p:style>
+        <p:txBody>
+          <a:bodyPr rtlCol="0" anchor="ctr"/>
+          <a:lstStyle/>
+          <a:p>
+            <a:pPr algn="ctr"/>
+            <a:endParaRPr lang="en-US"/>
+          </a:p>
+        </p:txBody>
+      </p:sp>
+      <p:sp useBgFill="1">
+        <p:nvSpPr>
+          <p:cNvPr id="19" name="Freeform: Shape 9">
+            <a:extLst>
+              <a:ext uri="{FF2B5EF4-FFF2-40B4-BE49-F238E27FC236}">
+                <a16:creationId xmlns:a16="http://schemas.microsoft.com/office/drawing/2014/main" id="{E502BBC7-2C76-46F3-BC24-5985BC13DB88}"/>
+              </a:ext>
+              <a:ext uri="{C183D7F6-B498-43B3-948B-1728B52AA6E4}">
+                <adec:decorative xmlns:adec="http://schemas.microsoft.com/office/drawing/2017/decorative" val="1"/>
+              </a:ext>
+            </a:extLst>
+          </p:cNvPr>
+          <p:cNvSpPr>
+            <a:spLocks noGrp="1" noRot="1" noChangeAspect="1" noMove="1" noResize="1" noEditPoints="1" noAdjustHandles="1" noChangeArrowheads="1" noChangeShapeType="1" noTextEdit="1"/>
+          </p:cNvSpPr>
+          <p:nvPr>
+            <p:extLst>
+              <p:ext uri="{386F3935-93C4-4BCD-93E2-E3B085C9AB24}">
+                <p16:designElem xmlns:p16="http://schemas.microsoft.com/office/powerpoint/2015/main" val="1"/>
+              </p:ext>
+            </p:extLst>
+          </p:nvPr>
+        </p:nvSpPr>
+        <p:spPr>
+          <a:xfrm>
+            <a:off x="1114425" y="0"/>
+            <a:ext cx="9963150" cy="6858000"/>
+          </a:xfrm>
+          <a:custGeom>
+            <a:avLst/>
+            <a:gdLst>
+              <a:gd name="connsiteX0" fmla="*/ 1595771 w 9963150"/>
+              <a:gd name="connsiteY0" fmla="*/ 0 h 6858000"/>
+              <a:gd name="connsiteX1" fmla="*/ 8367379 w 9963150"/>
+              <a:gd name="connsiteY1" fmla="*/ 0 h 6858000"/>
+              <a:gd name="connsiteX2" fmla="*/ 8504080 w 9963150"/>
+              <a:gd name="connsiteY2" fmla="*/ 130333 h 6858000"/>
+              <a:gd name="connsiteX3" fmla="*/ 9963150 w 9963150"/>
+              <a:gd name="connsiteY3" fmla="*/ 3652838 h 6858000"/>
+              <a:gd name="connsiteX4" fmla="*/ 8825600 w 9963150"/>
+              <a:gd name="connsiteY4" fmla="*/ 6821583 h 6858000"/>
+              <a:gd name="connsiteX5" fmla="*/ 8794055 w 9963150"/>
+              <a:gd name="connsiteY5" fmla="*/ 6858000 h 6858000"/>
+              <a:gd name="connsiteX6" fmla="*/ 1169096 w 9963150"/>
+              <a:gd name="connsiteY6" fmla="*/ 6858000 h 6858000"/>
+              <a:gd name="connsiteX7" fmla="*/ 1137550 w 9963150"/>
+              <a:gd name="connsiteY7" fmla="*/ 6821583 h 6858000"/>
+              <a:gd name="connsiteX8" fmla="*/ 0 w 9963150"/>
+              <a:gd name="connsiteY8" fmla="*/ 3652838 h 6858000"/>
+              <a:gd name="connsiteX9" fmla="*/ 1459070 w 9963150"/>
+              <a:gd name="connsiteY9" fmla="*/ 130333 h 6858000"/>
+            </a:gdLst>
+            <a:ahLst/>
+            <a:cxnLst>
+              <a:cxn ang="0">
+                <a:pos x="connsiteX0" y="connsiteY0"/>
+              </a:cxn>
+              <a:cxn ang="0">
+                <a:pos x="connsiteX1" y="connsiteY1"/>
+              </a:cxn>
+              <a:cxn ang="0">
+                <a:pos x="connsiteX2" y="connsiteY2"/>
+              </a:cxn>
+              <a:cxn ang="0">
+                <a:pos x="connsiteX3" y="connsiteY3"/>
+              </a:cxn>
+              <a:cxn ang="0">
+                <a:pos x="connsiteX4" y="connsiteY4"/>
+              </a:cxn>
+              <a:cxn ang="0">
+                <a:pos x="connsiteX5" y="connsiteY5"/>
+              </a:cxn>
+              <a:cxn ang="0">
+                <a:pos x="connsiteX6" y="connsiteY6"/>
+              </a:cxn>
+              <a:cxn ang="0">
+                <a:pos x="connsiteX7" y="connsiteY7"/>
+              </a:cxn>
+              <a:cxn ang="0">
+                <a:pos x="connsiteX8" y="connsiteY8"/>
+              </a:cxn>
+              <a:cxn ang="0">
+                <a:pos x="connsiteX9" y="connsiteY9"/>
+              </a:cxn>
+            </a:cxnLst>
+            <a:rect l="l" t="t" r="r" b="b"/>
+            <a:pathLst>
+              <a:path w="9963150" h="6858000">
+                <a:moveTo>
+                  <a:pt x="1595771" y="0"/>
+                </a:moveTo>
+                <a:lnTo>
+                  <a:pt x="8367379" y="0"/>
+                </a:lnTo>
+                <a:lnTo>
+                  <a:pt x="8504080" y="130333"/>
+                </a:lnTo>
+                <a:cubicBezTo>
+                  <a:pt x="9405568" y="1031820"/>
+                  <a:pt x="9963150" y="2277214"/>
+                  <a:pt x="9963150" y="3652838"/>
+                </a:cubicBezTo>
+                <a:cubicBezTo>
+                  <a:pt x="9963150" y="4856509"/>
+                  <a:pt x="9536251" y="5960473"/>
+                  <a:pt x="8825600" y="6821583"/>
+                </a:cubicBezTo>
+                <a:lnTo>
+                  <a:pt x="8794055" y="6858000"/>
+                </a:lnTo>
+                <a:lnTo>
+                  <a:pt x="1169096" y="6858000"/>
+                </a:lnTo>
+                <a:lnTo>
+                  <a:pt x="1137550" y="6821583"/>
+                </a:lnTo>
+                <a:cubicBezTo>
+                  <a:pt x="426899" y="5960473"/>
+                  <a:pt x="0" y="4856509"/>
+                  <a:pt x="0" y="3652838"/>
+                </a:cubicBezTo>
+                <a:cubicBezTo>
+                  <a:pt x="0" y="2277214"/>
+                  <a:pt x="557582" y="1031820"/>
+                  <a:pt x="1459070" y="130333"/>
+                </a:cubicBezTo>
+                <a:close/>
+              </a:path>
+            </a:pathLst>
+          </a:custGeom>
+          <a:ln w="9525">
+            <a:solidFill>
+              <a:srgbClr val="EFEFEF"/>
+            </a:solidFill>
+          </a:ln>
+          <a:effectLst>
+            <a:outerShdw blurRad="139700" sx="102000" sy="102000" algn="ctr" rotWithShape="0">
+              <a:schemeClr val="bg1">
+                <a:lumMod val="85000"/>
+                <a:alpha val="38000"/>
+              </a:schemeClr>
+            </a:outerShdw>
+          </a:effectLst>
+        </p:spPr>
+        <p:style>
+          <a:lnRef idx="2">
+            <a:schemeClr val="accent1">
+              <a:shade val="50000"/>
+            </a:schemeClr>
+          </a:lnRef>
+          <a:fillRef idx="1">
+            <a:schemeClr val="accent1"/>
+          </a:fillRef>
+          <a:effectRef idx="0">
+            <a:schemeClr val="accent1"/>
+          </a:effectRef>
+          <a:fontRef idx="minor">
+            <a:schemeClr val="lt1"/>
+          </a:fontRef>
+        </p:style>
+        <p:txBody>
+          <a:bodyPr wrap="square" rtlCol="0" anchor="ctr">
+            <a:noAutofit/>
+          </a:bodyPr>
+          <a:lstStyle/>
+          <a:p>
+            <a:pPr marL="0" marR="0" lvl="0" indent="0" algn="ctr" defTabSz="914400" rtl="0" eaLnBrk="1" fontAlgn="auto" latinLnBrk="0" hangingPunct="1">
+              <a:lnSpc>
+                <a:spcPct val="100000"/>
+              </a:lnSpc>
+              <a:spcBef>
+                <a:spcPts val="0"/>
+              </a:spcBef>
+              <a:spcAft>
+                <a:spcPts val="0"/>
+              </a:spcAft>
+              <a:buClrTx/>
+              <a:buSzTx/>
+              <a:buFontTx/>
+              <a:buNone/>
+              <a:tabLst/>
+              <a:defRPr/>
+            </a:pPr>
+            <a:endParaRPr kumimoji="0" lang="en-US" sz="1800" b="0" i="0" u="none" strike="noStrike" kern="1200" cap="none" spc="0" normalizeH="0" baseline="0" noProof="0">
+              <a:ln>
+                <a:noFill/>
+              </a:ln>
+              <a:solidFill>
+                <a:prstClr val="white"/>
+              </a:solidFill>
+              <a:effectLst/>
+              <a:uLnTx/>
+              <a:uFillTx/>
+              <a:latin typeface="Calibri" panose="020F0502020204030204"/>
+              <a:ea typeface="+mn-ea"/>
+              <a:cs typeface="+mn-cs"/>
+            </a:endParaRPr>
+          </a:p>
+        </p:txBody>
+      </p:sp>
+      <p:sp useBgFill="1">
+        <p:nvSpPr>
+          <p:cNvPr id="20" name="Freeform: Shape 11">
+            <a:extLst>
+              <a:ext uri="{FF2B5EF4-FFF2-40B4-BE49-F238E27FC236}">
+                <a16:creationId xmlns:a16="http://schemas.microsoft.com/office/drawing/2014/main" id="{C7F28D52-2A5F-4D23-81AE-7CB8B591C7AF}"/>
+              </a:ext>
+              <a:ext uri="{C183D7F6-B498-43B3-948B-1728B52AA6E4}">
+                <adec:decorative xmlns:adec="http://schemas.microsoft.com/office/drawing/2017/decorative" val="1"/>
+              </a:ext>
+            </a:extLst>
+          </p:cNvPr>
+          <p:cNvSpPr>
+            <a:spLocks noGrp="1" noRot="1" noChangeAspect="1" noMove="1" noResize="1" noEditPoints="1" noAdjustHandles="1" noChangeArrowheads="1" noChangeShapeType="1" noTextEdit="1"/>
+          </p:cNvSpPr>
+          <p:nvPr>
+            <p:extLst>
+              <p:ext uri="{386F3935-93C4-4BCD-93E2-E3B085C9AB24}">
+                <p16:designElem xmlns:p16="http://schemas.microsoft.com/office/powerpoint/2015/main" val="1"/>
+              </p:ext>
+            </p:extLst>
+          </p:nvPr>
+        </p:nvSpPr>
+        <p:spPr>
+          <a:xfrm>
+            <a:off x="1121664" y="0"/>
+            <a:ext cx="9948672" cy="6858000"/>
+          </a:xfrm>
+          <a:custGeom>
+            <a:avLst/>
+            <a:gdLst>
+              <a:gd name="connsiteX0" fmla="*/ 1595771 w 9963150"/>
+              <a:gd name="connsiteY0" fmla="*/ 0 h 6858000"/>
+              <a:gd name="connsiteX1" fmla="*/ 8367379 w 9963150"/>
+              <a:gd name="connsiteY1" fmla="*/ 0 h 6858000"/>
+              <a:gd name="connsiteX2" fmla="*/ 8504080 w 9963150"/>
+              <a:gd name="connsiteY2" fmla="*/ 130333 h 6858000"/>
+              <a:gd name="connsiteX3" fmla="*/ 9963150 w 9963150"/>
+              <a:gd name="connsiteY3" fmla="*/ 3652838 h 6858000"/>
+              <a:gd name="connsiteX4" fmla="*/ 8825600 w 9963150"/>
+              <a:gd name="connsiteY4" fmla="*/ 6821583 h 6858000"/>
+              <a:gd name="connsiteX5" fmla="*/ 8794055 w 9963150"/>
+              <a:gd name="connsiteY5" fmla="*/ 6858000 h 6858000"/>
+              <a:gd name="connsiteX6" fmla="*/ 1169096 w 9963150"/>
+              <a:gd name="connsiteY6" fmla="*/ 6858000 h 6858000"/>
+              <a:gd name="connsiteX7" fmla="*/ 1137550 w 9963150"/>
+              <a:gd name="connsiteY7" fmla="*/ 6821583 h 6858000"/>
+              <a:gd name="connsiteX8" fmla="*/ 0 w 9963150"/>
+              <a:gd name="connsiteY8" fmla="*/ 3652838 h 6858000"/>
+              <a:gd name="connsiteX9" fmla="*/ 1459070 w 9963150"/>
+              <a:gd name="connsiteY9" fmla="*/ 130333 h 6858000"/>
+            </a:gdLst>
+            <a:ahLst/>
+            <a:cxnLst>
+              <a:cxn ang="0">
+                <a:pos x="connsiteX0" y="connsiteY0"/>
+              </a:cxn>
+              <a:cxn ang="0">
+                <a:pos x="connsiteX1" y="connsiteY1"/>
+              </a:cxn>
+              <a:cxn ang="0">
+                <a:pos x="connsiteX2" y="connsiteY2"/>
+              </a:cxn>
+              <a:cxn ang="0">
+                <a:pos x="connsiteX3" y="connsiteY3"/>
+              </a:cxn>
+              <a:cxn ang="0">
+                <a:pos x="connsiteX4" y="connsiteY4"/>
+              </a:cxn>
+              <a:cxn ang="0">
+                <a:pos x="connsiteX5" y="connsiteY5"/>
+              </a:cxn>
+              <a:cxn ang="0">
+                <a:pos x="connsiteX6" y="connsiteY6"/>
+              </a:cxn>
+              <a:cxn ang="0">
+                <a:pos x="connsiteX7" y="connsiteY7"/>
+              </a:cxn>
+              <a:cxn ang="0">
+                <a:pos x="connsiteX8" y="connsiteY8"/>
+              </a:cxn>
+              <a:cxn ang="0">
+                <a:pos x="connsiteX9" y="connsiteY9"/>
+              </a:cxn>
+            </a:cxnLst>
+            <a:rect l="l" t="t" r="r" b="b"/>
+            <a:pathLst>
+              <a:path w="9963150" h="6858000">
+                <a:moveTo>
+                  <a:pt x="1595771" y="0"/>
+                </a:moveTo>
+                <a:lnTo>
+                  <a:pt x="8367379" y="0"/>
+                </a:lnTo>
+                <a:lnTo>
+                  <a:pt x="8504080" y="130333"/>
+                </a:lnTo>
+                <a:cubicBezTo>
+                  <a:pt x="9405568" y="1031820"/>
+                  <a:pt x="9963150" y="2277214"/>
+                  <a:pt x="9963150" y="3652838"/>
+                </a:cubicBezTo>
+                <a:cubicBezTo>
+                  <a:pt x="9963150" y="4856509"/>
+                  <a:pt x="9536251" y="5960473"/>
+                  <a:pt x="8825600" y="6821583"/>
+                </a:cubicBezTo>
+                <a:lnTo>
+                  <a:pt x="8794055" y="6858000"/>
+                </a:lnTo>
+                <a:lnTo>
+                  <a:pt x="1169096" y="6858000"/>
+                </a:lnTo>
+                <a:lnTo>
+                  <a:pt x="1137550" y="6821583"/>
+                </a:lnTo>
+                <a:cubicBezTo>
+                  <a:pt x="426899" y="5960473"/>
+                  <a:pt x="0" y="4856509"/>
+                  <a:pt x="0" y="3652838"/>
+                </a:cubicBezTo>
+                <a:cubicBezTo>
+                  <a:pt x="0" y="2277214"/>
+                  <a:pt x="557582" y="1031820"/>
+                  <a:pt x="1459070" y="130333"/>
+                </a:cubicBezTo>
+                <a:close/>
+              </a:path>
+            </a:pathLst>
+          </a:custGeom>
+          <a:ln w="9525">
+            <a:noFill/>
+          </a:ln>
+          <a:effectLst/>
+        </p:spPr>
+        <p:style>
+          <a:lnRef idx="2">
+            <a:schemeClr val="accent1">
+              <a:shade val="50000"/>
+            </a:schemeClr>
+          </a:lnRef>
+          <a:fillRef idx="1">
+            <a:schemeClr val="accent1"/>
+          </a:fillRef>
+          <a:effectRef idx="0">
+            <a:schemeClr val="accent1"/>
+          </a:effectRef>
+          <a:fontRef idx="minor">
+            <a:schemeClr val="lt1"/>
+          </a:fontRef>
+        </p:style>
+        <p:txBody>
+          <a:bodyPr wrap="square" rtlCol="0" anchor="ctr">
+            <a:noAutofit/>
+          </a:bodyPr>
+          <a:lstStyle/>
+          <a:p>
+            <a:pPr marL="0" marR="0" lvl="0" indent="0" algn="ctr" defTabSz="914400" rtl="0" eaLnBrk="1" fontAlgn="auto" latinLnBrk="0" hangingPunct="1">
+              <a:lnSpc>
+                <a:spcPct val="100000"/>
+              </a:lnSpc>
+              <a:spcBef>
+                <a:spcPts val="0"/>
+              </a:spcBef>
+              <a:spcAft>
+                <a:spcPts val="0"/>
+              </a:spcAft>
+              <a:buClrTx/>
+              <a:buSzTx/>
+              <a:buFontTx/>
+              <a:buNone/>
+              <a:tabLst/>
+              <a:defRPr/>
+            </a:pPr>
+            <a:endParaRPr kumimoji="0" lang="en-US" sz="1800" b="0" i="0" u="none" strike="noStrike" kern="1200" cap="none" spc="0" normalizeH="0" baseline="0" noProof="0">
+              <a:ln>
+                <a:noFill/>
+              </a:ln>
+              <a:solidFill>
+                <a:prstClr val="white"/>
+              </a:solidFill>
+              <a:effectLst/>
+              <a:uLnTx/>
+              <a:uFillTx/>
+              <a:latin typeface="Calibri" panose="020F0502020204030204"/>
+              <a:ea typeface="+mn-ea"/>
+              <a:cs typeface="+mn-cs"/>
+            </a:endParaRPr>
+          </a:p>
+        </p:txBody>
+      </p:sp>
+      <p:sp>
+        <p:nvSpPr>
+          <p:cNvPr id="2" name="Título 1">
+            <a:extLst>
+              <a:ext uri="{FF2B5EF4-FFF2-40B4-BE49-F238E27FC236}">
+                <a16:creationId xmlns:a16="http://schemas.microsoft.com/office/drawing/2014/main" id="{231A7E19-A3B6-D984-B5AF-33964032FC38}"/>
+              </a:ext>
+            </a:extLst>
+          </p:cNvPr>
+          <p:cNvSpPr>
+            <a:spLocks noGrp="1"/>
+          </p:cNvSpPr>
+          <p:nvPr>
+            <p:ph type="ctrTitle"/>
+          </p:nvPr>
+        </p:nvSpPr>
+        <p:spPr>
+          <a:xfrm>
+            <a:off x="1524003" y="1999615"/>
+            <a:ext cx="9144000" cy="2764028"/>
+          </a:xfrm>
+        </p:spPr>
+        <p:txBody>
+          <a:bodyPr anchor="ctr">
+            <a:normAutofit/>
+          </a:bodyPr>
+          <a:lstStyle/>
+          <a:p>
+            <a:r>
+              <a:rPr lang="es-UY" sz="7200" dirty="0">
+                <a:latin typeface="wf_standard-font"/>
+              </a:rPr>
+              <a:t>¡GRACIAS!</a:t>
+            </a:r>
+            <a:endParaRPr lang="es-AR" sz="7200" dirty="0">
+              <a:latin typeface="wf_standard-font"/>
+            </a:endParaRPr>
+          </a:p>
+        </p:txBody>
+      </p:sp>
+      <p:sp>
+        <p:nvSpPr>
+          <p:cNvPr id="3" name="Subtítulo 2">
+            <a:extLst>
+              <a:ext uri="{FF2B5EF4-FFF2-40B4-BE49-F238E27FC236}">
+                <a16:creationId xmlns:a16="http://schemas.microsoft.com/office/drawing/2014/main" id="{06F9A7B2-4418-3893-24D6-A04CAE00F413}"/>
+              </a:ext>
+            </a:extLst>
+          </p:cNvPr>
+          <p:cNvSpPr>
+            <a:spLocks noGrp="1"/>
+          </p:cNvSpPr>
+          <p:nvPr>
+            <p:ph type="subTitle" idx="1"/>
+          </p:nvPr>
+        </p:nvSpPr>
+        <p:spPr>
+          <a:xfrm>
+            <a:off x="3828743" y="4920393"/>
+            <a:ext cx="4651936" cy="631825"/>
+          </a:xfrm>
+        </p:spPr>
+        <p:txBody>
+          <a:bodyPr anchor="ctr">
+            <a:normAutofit/>
+          </a:bodyPr>
+          <a:lstStyle/>
+          <a:p>
+            <a:r>
+              <a:rPr lang="es-UY" sz="2800" dirty="0"/>
+              <a:t>Juan Nocetti y Franco Barlocco</a:t>
+            </a:r>
+            <a:endParaRPr lang="es-AR" sz="2800" dirty="0"/>
+          </a:p>
+        </p:txBody>
+      </p:sp>
+      <p:sp>
+        <p:nvSpPr>
+          <p:cNvPr id="21" name="Rectangle 13">
+            <a:extLst>
+              <a:ext uri="{FF2B5EF4-FFF2-40B4-BE49-F238E27FC236}">
+                <a16:creationId xmlns:a16="http://schemas.microsoft.com/office/drawing/2014/main" id="{3629484E-3792-4B3D-89AD-7C8A1ED0E0D4}"/>
+              </a:ext>
+              <a:ext uri="{C183D7F6-B498-43B3-948B-1728B52AA6E4}">
+                <adec:decorative xmlns:adec="http://schemas.microsoft.com/office/drawing/2017/decorative" val="1"/>
+              </a:ext>
+            </a:extLst>
+          </p:cNvPr>
+          <p:cNvSpPr>
+            <a:spLocks noGrp="1" noRot="1" noChangeAspect="1" noMove="1" noResize="1" noEditPoints="1" noAdjustHandles="1" noChangeArrowheads="1" noChangeShapeType="1" noTextEdit="1"/>
+          </p:cNvSpPr>
+          <p:nvPr>
+            <p:extLst>
+              <p:ext uri="{386F3935-93C4-4BCD-93E2-E3B085C9AB24}">
+                <p16:designElem xmlns:p16="http://schemas.microsoft.com/office/powerpoint/2015/main" val="1"/>
+              </p:ext>
+            </p:extLst>
+          </p:nvPr>
+        </p:nvSpPr>
+        <p:spPr>
+          <a:xfrm>
+            <a:off x="3718560" y="5524786"/>
+            <a:ext cx="4754880" cy="27432"/>
+          </a:xfrm>
+          <a:prstGeom prst="rect">
+            <a:avLst/>
+          </a:prstGeom>
+          <a:solidFill>
+            <a:schemeClr val="accent2"/>
+          </a:solidFill>
+          <a:ln>
+            <a:noFill/>
+          </a:ln>
+        </p:spPr>
+        <p:style>
+          <a:lnRef idx="2">
+            <a:schemeClr val="accent1">
+              <a:shade val="50000"/>
+            </a:schemeClr>
+          </a:lnRef>
+          <a:fillRef idx="1">
+            <a:schemeClr val="accent1"/>
+          </a:fillRef>
+          <a:effectRef idx="0">
+            <a:schemeClr val="accent1"/>
+          </a:effectRef>
+          <a:fontRef idx="minor">
+            <a:schemeClr val="lt1"/>
+          </a:fontRef>
+        </p:style>
+        <p:txBody>
+          <a:bodyPr rtlCol="0" anchor="ctr"/>
+          <a:lstStyle/>
+          <a:p>
+            <a:pPr marL="0" marR="0" lvl="0" indent="0" algn="ctr" defTabSz="914400" rtl="0" eaLnBrk="1" fontAlgn="auto" latinLnBrk="0" hangingPunct="1">
+              <a:lnSpc>
+                <a:spcPct val="100000"/>
+              </a:lnSpc>
+              <a:spcBef>
+                <a:spcPts val="0"/>
+              </a:spcBef>
+              <a:spcAft>
+                <a:spcPts val="0"/>
+              </a:spcAft>
+              <a:buClrTx/>
+              <a:buSzTx/>
+              <a:buFontTx/>
+              <a:buNone/>
+              <a:tabLst/>
+              <a:defRPr/>
+            </a:pPr>
+            <a:endParaRPr kumimoji="0" lang="en-US" sz="1800" b="0" i="0" u="none" strike="noStrike" kern="1200" cap="none" spc="0" normalizeH="0" baseline="0" noProof="0">
+              <a:ln>
+                <a:noFill/>
+              </a:ln>
+              <a:solidFill>
+                <a:prstClr val="white"/>
+              </a:solidFill>
+              <a:effectLst/>
+              <a:uLnTx/>
+              <a:uFillTx/>
+              <a:latin typeface="Calibri" panose="020F0502020204030204"/>
+              <a:ea typeface="+mn-ea"/>
+              <a:cs typeface="+mn-cs"/>
+            </a:endParaRPr>
+          </a:p>
+        </p:txBody>
+      </p:sp>
+    </p:spTree>
+    <p:extLst>
+      <p:ext uri="{BB962C8B-B14F-4D97-AF65-F5344CB8AC3E}">
+        <p14:creationId xmlns:p14="http://schemas.microsoft.com/office/powerpoint/2010/main" val="4142659286"/>
       </p:ext>
     </p:extLst>
   </p:cSld>
@@ -5970,4 +9931,299 @@
     </a:ext>
   </a:extLst>
 </a:theme>
+</file>
+
+<file path=ppt/theme/theme2.xml><?xml version="1.0" encoding="utf-8"?>
+<a:theme xmlns:a="http://schemas.openxmlformats.org/drawingml/2006/main" name="Tema de Office">
+  <a:themeElements>
+    <a:clrScheme name="Office">
+      <a:dk1>
+        <a:sysClr val="windowText" lastClr="000000"/>
+      </a:dk1>
+      <a:lt1>
+        <a:sysClr val="window" lastClr="FFFFFF"/>
+      </a:lt1>
+      <a:dk2>
+        <a:srgbClr val="44546A"/>
+      </a:dk2>
+      <a:lt2>
+        <a:srgbClr val="E7E6E6"/>
+      </a:lt2>
+      <a:accent1>
+        <a:srgbClr val="4472C4"/>
+      </a:accent1>
+      <a:accent2>
+        <a:srgbClr val="ED7D31"/>
+      </a:accent2>
+      <a:accent3>
+        <a:srgbClr val="A5A5A5"/>
+      </a:accent3>
+      <a:accent4>
+        <a:srgbClr val="FFC000"/>
+      </a:accent4>
+      <a:accent5>
+        <a:srgbClr val="5B9BD5"/>
+      </a:accent5>
+      <a:accent6>
+        <a:srgbClr val="70AD47"/>
+      </a:accent6>
+      <a:hlink>
+        <a:srgbClr val="0563C1"/>
+      </a:hlink>
+      <a:folHlink>
+        <a:srgbClr val="954F72"/>
+      </a:folHlink>
+    </a:clrScheme>
+    <a:fontScheme name="Office">
+      <a:majorFont>
+        <a:latin typeface="Calibri Light" panose="020F0302020204030204"/>
+        <a:ea typeface=""/>
+        <a:cs typeface=""/>
+        <a:font script="Jpan" typeface="游ゴシック Light"/>
+        <a:font script="Hang" typeface="맑은 고딕"/>
+        <a:font script="Hans" typeface="等线 Light"/>
+        <a:font script="Hant" typeface="新細明體"/>
+        <a:font script="Arab" typeface="Times New Roman"/>
+        <a:font script="Hebr" typeface="Times New Roman"/>
+        <a:font script="Thai" typeface="Angsana New"/>
+        <a:font script="Ethi" typeface="Nyala"/>
+        <a:font script="Beng" typeface="Vrinda"/>
+        <a:font script="Gujr" typeface="Shruti"/>
+        <a:font script="Khmr" typeface="MoolBoran"/>
+        <a:font script="Knda" typeface="Tunga"/>
+        <a:font script="Guru" typeface="Raavi"/>
+        <a:font script="Cans" typeface="Euphemia"/>
+        <a:font script="Cher" typeface="Plantagenet Cherokee"/>
+        <a:font script="Yiii" typeface="Microsoft Yi Baiti"/>
+        <a:font script="Tibt" typeface="Microsoft Himalaya"/>
+        <a:font script="Thaa" typeface="MV Boli"/>
+        <a:font script="Deva" typeface="Mangal"/>
+        <a:font script="Telu" typeface="Gautami"/>
+        <a:font script="Taml" typeface="Latha"/>
+        <a:font script="Syrc" typeface="Estrangelo Edessa"/>
+        <a:font script="Orya" typeface="Kalinga"/>
+        <a:font script="Mlym" typeface="Kartika"/>
+        <a:font script="Laoo" typeface="DokChampa"/>
+        <a:font script="Sinh" typeface="Iskoola Pota"/>
+        <a:font script="Mong" typeface="Mongolian Baiti"/>
+        <a:font script="Viet" typeface="Times New Roman"/>
+        <a:font script="Uigh" typeface="Microsoft Uighur"/>
+        <a:font script="Geor" typeface="Sylfaen"/>
+        <a:font script="Armn" typeface="Arial"/>
+        <a:font script="Bugi" typeface="Leelawadee UI"/>
+        <a:font script="Bopo" typeface="Microsoft JhengHei"/>
+        <a:font script="Java" typeface="Javanese Text"/>
+        <a:font script="Lisu" typeface="Segoe UI"/>
+        <a:font script="Mymr" typeface="Myanmar Text"/>
+        <a:font script="Nkoo" typeface="Ebrima"/>
+        <a:font script="Olck" typeface="Nirmala UI"/>
+        <a:font script="Osma" typeface="Ebrima"/>
+        <a:font script="Phag" typeface="Phagspa"/>
+        <a:font script="Syrn" typeface="Estrangelo Edessa"/>
+        <a:font script="Syrj" typeface="Estrangelo Edessa"/>
+        <a:font script="Syre" typeface="Estrangelo Edessa"/>
+        <a:font script="Sora" typeface="Nirmala UI"/>
+        <a:font script="Tale" typeface="Microsoft Tai Le"/>
+        <a:font script="Talu" typeface="Microsoft New Tai Lue"/>
+        <a:font script="Tfng" typeface="Ebrima"/>
+      </a:majorFont>
+      <a:minorFont>
+        <a:latin typeface="Calibri" panose="020F0502020204030204"/>
+        <a:ea typeface=""/>
+        <a:cs typeface=""/>
+        <a:font script="Jpan" typeface="游ゴシック"/>
+        <a:font script="Hang" typeface="맑은 고딕"/>
+        <a:font script="Hans" typeface="等线"/>
+        <a:font script="Hant" typeface="新細明體"/>
+        <a:font script="Arab" typeface="Arial"/>
+        <a:font script="Hebr" typeface="Arial"/>
+        <a:font script="Thai" typeface="Cordia New"/>
+        <a:font script="Ethi" typeface="Nyala"/>
+        <a:font script="Beng" typeface="Vrinda"/>
+        <a:font script="Gujr" typeface="Shruti"/>
+        <a:font script="Khmr" typeface="DaunPenh"/>
+        <a:font script="Knda" typeface="Tunga"/>
+        <a:font script="Guru" typeface="Raavi"/>
+        <a:font script="Cans" typeface="Euphemia"/>
+        <a:font script="Cher" typeface="Plantagenet Cherokee"/>
+        <a:font script="Yiii" typeface="Microsoft Yi Baiti"/>
+        <a:font script="Tibt" typeface="Microsoft Himalaya"/>
+        <a:font script="Thaa" typeface="MV Boli"/>
+        <a:font script="Deva" typeface="Mangal"/>
+        <a:font script="Telu" typeface="Gautami"/>
+        <a:font script="Taml" typeface="Latha"/>
+        <a:font script="Syrc" typeface="Estrangelo Edessa"/>
+        <a:font script="Orya" typeface="Kalinga"/>
+        <a:font script="Mlym" typeface="Kartika"/>
+        <a:font script="Laoo" typeface="DokChampa"/>
+        <a:font script="Sinh" typeface="Iskoola Pota"/>
+        <a:font script="Mong" typeface="Mongolian Baiti"/>
+        <a:font script="Viet" typeface="Arial"/>
+        <a:font script="Uigh" typeface="Microsoft Uighur"/>
+        <a:font script="Geor" typeface="Sylfaen"/>
+        <a:font script="Armn" typeface="Arial"/>
+        <a:font script="Bugi" typeface="Leelawadee UI"/>
+        <a:font script="Bopo" typeface="Microsoft JhengHei"/>
+        <a:font script="Java" typeface="Javanese Text"/>
+        <a:font script="Lisu" typeface="Segoe UI"/>
+        <a:font script="Mymr" typeface="Myanmar Text"/>
+        <a:font script="Nkoo" typeface="Ebrima"/>
+        <a:font script="Olck" typeface="Nirmala UI"/>
+        <a:font script="Osma" typeface="Ebrima"/>
+        <a:font script="Phag" typeface="Phagspa"/>
+        <a:font script="Syrn" typeface="Estrangelo Edessa"/>
+        <a:font script="Syrj" typeface="Estrangelo Edessa"/>
+        <a:font script="Syre" typeface="Estrangelo Edessa"/>
+        <a:font script="Sora" typeface="Nirmala UI"/>
+        <a:font script="Tale" typeface="Microsoft Tai Le"/>
+        <a:font script="Talu" typeface="Microsoft New Tai Lue"/>
+        <a:font script="Tfng" typeface="Ebrima"/>
+      </a:minorFont>
+    </a:fontScheme>
+    <a:fmtScheme name="Office">
+      <a:fillStyleLst>
+        <a:solidFill>
+          <a:schemeClr val="phClr"/>
+        </a:solidFill>
+        <a:gradFill rotWithShape="1">
+          <a:gsLst>
+            <a:gs pos="0">
+              <a:schemeClr val="phClr">
+                <a:lumMod val="110000"/>
+                <a:satMod val="105000"/>
+                <a:tint val="67000"/>
+              </a:schemeClr>
+            </a:gs>
+            <a:gs pos="50000">
+              <a:schemeClr val="phClr">
+                <a:lumMod val="105000"/>
+                <a:satMod val="103000"/>
+                <a:tint val="73000"/>
+              </a:schemeClr>
+            </a:gs>
+            <a:gs pos="100000">
+              <a:schemeClr val="phClr">
+                <a:lumMod val="105000"/>
+                <a:satMod val="109000"/>
+                <a:tint val="81000"/>
+              </a:schemeClr>
+            </a:gs>
+          </a:gsLst>
+          <a:lin ang="5400000" scaled="0"/>
+        </a:gradFill>
+        <a:gradFill rotWithShape="1">
+          <a:gsLst>
+            <a:gs pos="0">
+              <a:schemeClr val="phClr">
+                <a:satMod val="103000"/>
+                <a:lumMod val="102000"/>
+                <a:tint val="94000"/>
+              </a:schemeClr>
+            </a:gs>
+            <a:gs pos="50000">
+              <a:schemeClr val="phClr">
+                <a:satMod val="110000"/>
+                <a:lumMod val="100000"/>
+                <a:shade val="100000"/>
+              </a:schemeClr>
+            </a:gs>
+            <a:gs pos="100000">
+              <a:schemeClr val="phClr">
+                <a:lumMod val="99000"/>
+                <a:satMod val="120000"/>
+                <a:shade val="78000"/>
+              </a:schemeClr>
+            </a:gs>
+          </a:gsLst>
+          <a:lin ang="5400000" scaled="0"/>
+        </a:gradFill>
+      </a:fillStyleLst>
+      <a:lnStyleLst>
+        <a:ln w="6350" cap="flat" cmpd="sng" algn="ctr">
+          <a:solidFill>
+            <a:schemeClr val="phClr"/>
+          </a:solidFill>
+          <a:prstDash val="solid"/>
+          <a:miter lim="800000"/>
+        </a:ln>
+        <a:ln w="12700" cap="flat" cmpd="sng" algn="ctr">
+          <a:solidFill>
+            <a:schemeClr val="phClr"/>
+          </a:solidFill>
+          <a:prstDash val="solid"/>
+          <a:miter lim="800000"/>
+        </a:ln>
+        <a:ln w="19050" cap="flat" cmpd="sng" algn="ctr">
+          <a:solidFill>
+            <a:schemeClr val="phClr"/>
+          </a:solidFill>
+          <a:prstDash val="solid"/>
+          <a:miter lim="800000"/>
+        </a:ln>
+      </a:lnStyleLst>
+      <a:effectStyleLst>
+        <a:effectStyle>
+          <a:effectLst/>
+        </a:effectStyle>
+        <a:effectStyle>
+          <a:effectLst/>
+        </a:effectStyle>
+        <a:effectStyle>
+          <a:effectLst>
+            <a:outerShdw blurRad="57150" dist="19050" dir="5400000" algn="ctr" rotWithShape="0">
+              <a:srgbClr val="000000">
+                <a:alpha val="63000"/>
+              </a:srgbClr>
+            </a:outerShdw>
+          </a:effectLst>
+        </a:effectStyle>
+      </a:effectStyleLst>
+      <a:bgFillStyleLst>
+        <a:solidFill>
+          <a:schemeClr val="phClr"/>
+        </a:solidFill>
+        <a:solidFill>
+          <a:schemeClr val="phClr">
+            <a:tint val="95000"/>
+            <a:satMod val="170000"/>
+          </a:schemeClr>
+        </a:solidFill>
+        <a:gradFill rotWithShape="1">
+          <a:gsLst>
+            <a:gs pos="0">
+              <a:schemeClr val="phClr">
+                <a:tint val="93000"/>
+                <a:satMod val="150000"/>
+                <a:shade val="98000"/>
+                <a:lumMod val="102000"/>
+              </a:schemeClr>
+            </a:gs>
+            <a:gs pos="50000">
+              <a:schemeClr val="phClr">
+                <a:tint val="98000"/>
+                <a:satMod val="130000"/>
+                <a:shade val="90000"/>
+                <a:lumMod val="103000"/>
+              </a:schemeClr>
+            </a:gs>
+            <a:gs pos="100000">
+              <a:schemeClr val="phClr">
+                <a:shade val="63000"/>
+                <a:satMod val="120000"/>
+              </a:schemeClr>
+            </a:gs>
+          </a:gsLst>
+          <a:lin ang="5400000" scaled="0"/>
+        </a:gradFill>
+      </a:bgFillStyleLst>
+    </a:fmtScheme>
+  </a:themeElements>
+  <a:objectDefaults/>
+  <a:extraClrSchemeLst/>
+  <a:extLst>
+    <a:ext uri="{05A4C25C-085E-4340-85A3-A5531E510DB2}">
+      <thm15:themeFamily xmlns:thm15="http://schemas.microsoft.com/office/thememl/2012/main" name="Office Theme" id="{62F939B6-93AF-4DB8-9C6B-D6C7DFDC589F}" vid="{4A3C46E8-61CC-4603-A589-7422A47A8E4A}"/>
+    </a:ext>
+  </a:extLst>
+</a:theme>
 </file>
--- a/Presentación.pptx
+++ b/Presentación.pptx
@@ -4,11 +4,15 @@
   <p:sldMasterIdLst>
     <p:sldMasterId id="2147483648" r:id="rId1"/>
   </p:sldMasterIdLst>
+  <p:notesMasterIdLst>
+    <p:notesMasterId r:id="rId7"/>
+  </p:notesMasterIdLst>
   <p:sldIdLst>
     <p:sldId id="256" r:id="rId2"/>
     <p:sldId id="257" r:id="rId3"/>
     <p:sldId id="258" r:id="rId4"/>
     <p:sldId id="259" r:id="rId5"/>
+    <p:sldId id="260" r:id="rId6"/>
   </p:sldIdLst>
   <p:sldSz cx="12192000" cy="6858000"/>
   <p:notesSz cx="6858000" cy="9144000"/>
@@ -108,11 +112,374 @@
     </a:lvl9pPr>
   </p:defaultTextStyle>
   <p:extLst>
+    <p:ext uri="{521415D9-36F7-43E2-AB2F-B90AF26B5E84}">
+      <p14:sectionLst xmlns:p14="http://schemas.microsoft.com/office/powerpoint/2010/main">
+        <p14:section name="Sección predeterminada" id="{0F810965-E68A-43A4-869F-A180CF378114}">
+          <p14:sldIdLst>
+            <p14:sldId id="256"/>
+            <p14:sldId id="257"/>
+            <p14:sldId id="258"/>
+            <p14:sldId id="259"/>
+            <p14:sldId id="260"/>
+          </p14:sldIdLst>
+        </p14:section>
+      </p14:sectionLst>
+    </p:ext>
     <p:ext uri="{EFAFB233-063F-42B5-8137-9DF3F51BA10A}">
       <p15:sldGuideLst xmlns:p15="http://schemas.microsoft.com/office/powerpoint/2012/main"/>
     </p:ext>
   </p:extLst>
 </p:presentation>
+</file>
+
+<file path=ppt/notesMasters/notesMaster1.xml><?xml version="1.0" encoding="utf-8"?>
+<p:notesMaster xmlns:a="http://schemas.openxmlformats.org/drawingml/2006/main" xmlns:r="http://schemas.openxmlformats.org/officeDocument/2006/relationships" xmlns:p="http://schemas.openxmlformats.org/presentationml/2006/main">
+  <p:cSld>
+    <p:bg>
+      <p:bgRef idx="1001">
+        <a:schemeClr val="bg1"/>
+      </p:bgRef>
+    </p:bg>
+    <p:spTree>
+      <p:nvGrpSpPr>
+        <p:cNvPr id="1" name=""/>
+        <p:cNvGrpSpPr/>
+        <p:nvPr/>
+      </p:nvGrpSpPr>
+      <p:grpSpPr>
+        <a:xfrm>
+          <a:off x="0" y="0"/>
+          <a:ext cx="0" cy="0"/>
+          <a:chOff x="0" y="0"/>
+          <a:chExt cx="0" cy="0"/>
+        </a:xfrm>
+      </p:grpSpPr>
+      <p:sp>
+        <p:nvSpPr>
+          <p:cNvPr id="2" name="Marcador de encabezado 1"/>
+          <p:cNvSpPr>
+            <a:spLocks noGrp="1"/>
+          </p:cNvSpPr>
+          <p:nvPr>
+            <p:ph type="hdr" sz="quarter"/>
+          </p:nvPr>
+        </p:nvSpPr>
+        <p:spPr>
+          <a:xfrm>
+            <a:off x="0" y="0"/>
+            <a:ext cx="2971800" cy="458788"/>
+          </a:xfrm>
+          <a:prstGeom prst="rect">
+            <a:avLst/>
+          </a:prstGeom>
+        </p:spPr>
+        <p:txBody>
+          <a:bodyPr vert="horz" lIns="91440" tIns="45720" rIns="91440" bIns="45720" rtlCol="0"/>
+          <a:lstStyle>
+            <a:lvl1pPr algn="l">
+              <a:defRPr sz="1200"/>
+            </a:lvl1pPr>
+          </a:lstStyle>
+          <a:p>
+            <a:endParaRPr lang="es-AR"/>
+          </a:p>
+        </p:txBody>
+      </p:sp>
+      <p:sp>
+        <p:nvSpPr>
+          <p:cNvPr id="3" name="Marcador de fecha 2"/>
+          <p:cNvSpPr>
+            <a:spLocks noGrp="1"/>
+          </p:cNvSpPr>
+          <p:nvPr>
+            <p:ph type="dt" idx="1"/>
+          </p:nvPr>
+        </p:nvSpPr>
+        <p:spPr>
+          <a:xfrm>
+            <a:off x="3884613" y="0"/>
+            <a:ext cx="2971800" cy="458788"/>
+          </a:xfrm>
+          <a:prstGeom prst="rect">
+            <a:avLst/>
+          </a:prstGeom>
+        </p:spPr>
+        <p:txBody>
+          <a:bodyPr vert="horz" lIns="91440" tIns="45720" rIns="91440" bIns="45720" rtlCol="0"/>
+          <a:lstStyle>
+            <a:lvl1pPr algn="r">
+              <a:defRPr sz="1200"/>
+            </a:lvl1pPr>
+          </a:lstStyle>
+          <a:p>
+            <a:fld id="{F5B5E9F8-7AC4-47AB-807A-A34C3C5BBD14}" type="datetimeFigureOut">
+              <a:rPr lang="es-AR" smtClean="0"/>
+              <a:t>28/11/2023</a:t>
+            </a:fld>
+            <a:endParaRPr lang="es-AR"/>
+          </a:p>
+        </p:txBody>
+      </p:sp>
+      <p:sp>
+        <p:nvSpPr>
+          <p:cNvPr id="4" name="Marcador de imagen de diapositiva 3"/>
+          <p:cNvSpPr>
+            <a:spLocks noGrp="1" noRot="1" noChangeAspect="1"/>
+          </p:cNvSpPr>
+          <p:nvPr>
+            <p:ph type="sldImg" idx="2"/>
+          </p:nvPr>
+        </p:nvSpPr>
+        <p:spPr>
+          <a:xfrm>
+            <a:off x="685800" y="1143000"/>
+            <a:ext cx="5486400" cy="3086100"/>
+          </a:xfrm>
+          <a:prstGeom prst="rect">
+            <a:avLst/>
+          </a:prstGeom>
+          <a:noFill/>
+          <a:ln w="12700">
+            <a:solidFill>
+              <a:prstClr val="black"/>
+            </a:solidFill>
+          </a:ln>
+        </p:spPr>
+        <p:txBody>
+          <a:bodyPr vert="horz" lIns="91440" tIns="45720" rIns="91440" bIns="45720" rtlCol="0" anchor="ctr"/>
+          <a:lstStyle/>
+          <a:p>
+            <a:endParaRPr lang="es-AR"/>
+          </a:p>
+        </p:txBody>
+      </p:sp>
+      <p:sp>
+        <p:nvSpPr>
+          <p:cNvPr id="5" name="Marcador de notas 4"/>
+          <p:cNvSpPr>
+            <a:spLocks noGrp="1"/>
+          </p:cNvSpPr>
+          <p:nvPr>
+            <p:ph type="body" sz="quarter" idx="3"/>
+          </p:nvPr>
+        </p:nvSpPr>
+        <p:spPr>
+          <a:xfrm>
+            <a:off x="685800" y="4400550"/>
+            <a:ext cx="5486400" cy="3600450"/>
+          </a:xfrm>
+          <a:prstGeom prst="rect">
+            <a:avLst/>
+          </a:prstGeom>
+        </p:spPr>
+        <p:txBody>
+          <a:bodyPr vert="horz" lIns="91440" tIns="45720" rIns="91440" bIns="45720" rtlCol="0"/>
+          <a:lstStyle/>
+          <a:p>
+            <a:pPr lvl="0"/>
+            <a:r>
+              <a:rPr lang="es-ES"/>
+              <a:t>Haga clic para modificar los estilos de texto del patrón</a:t>
+            </a:r>
+          </a:p>
+          <a:p>
+            <a:pPr lvl="1"/>
+            <a:r>
+              <a:rPr lang="es-ES"/>
+              <a:t>Segundo nivel</a:t>
+            </a:r>
+          </a:p>
+          <a:p>
+            <a:pPr lvl="2"/>
+            <a:r>
+              <a:rPr lang="es-ES"/>
+              <a:t>Tercer nivel</a:t>
+            </a:r>
+          </a:p>
+          <a:p>
+            <a:pPr lvl="3"/>
+            <a:r>
+              <a:rPr lang="es-ES"/>
+              <a:t>Cuarto nivel</a:t>
+            </a:r>
+          </a:p>
+          <a:p>
+            <a:pPr lvl="4"/>
+            <a:r>
+              <a:rPr lang="es-ES"/>
+              <a:t>Quinto nivel</a:t>
+            </a:r>
+            <a:endParaRPr lang="es-AR"/>
+          </a:p>
+        </p:txBody>
+      </p:sp>
+      <p:sp>
+        <p:nvSpPr>
+          <p:cNvPr id="6" name="Marcador de pie de página 5"/>
+          <p:cNvSpPr>
+            <a:spLocks noGrp="1"/>
+          </p:cNvSpPr>
+          <p:nvPr>
+            <p:ph type="ftr" sz="quarter" idx="4"/>
+          </p:nvPr>
+        </p:nvSpPr>
+        <p:spPr>
+          <a:xfrm>
+            <a:off x="0" y="8685213"/>
+            <a:ext cx="2971800" cy="458787"/>
+          </a:xfrm>
+          <a:prstGeom prst="rect">
+            <a:avLst/>
+          </a:prstGeom>
+        </p:spPr>
+        <p:txBody>
+          <a:bodyPr vert="horz" lIns="91440" tIns="45720" rIns="91440" bIns="45720" rtlCol="0" anchor="b"/>
+          <a:lstStyle>
+            <a:lvl1pPr algn="l">
+              <a:defRPr sz="1200"/>
+            </a:lvl1pPr>
+          </a:lstStyle>
+          <a:p>
+            <a:endParaRPr lang="es-AR"/>
+          </a:p>
+        </p:txBody>
+      </p:sp>
+      <p:sp>
+        <p:nvSpPr>
+          <p:cNvPr id="7" name="Marcador de número de diapositiva 6"/>
+          <p:cNvSpPr>
+            <a:spLocks noGrp="1"/>
+          </p:cNvSpPr>
+          <p:nvPr>
+            <p:ph type="sldNum" sz="quarter" idx="5"/>
+          </p:nvPr>
+        </p:nvSpPr>
+        <p:spPr>
+          <a:xfrm>
+            <a:off x="3884613" y="8685213"/>
+            <a:ext cx="2971800" cy="458787"/>
+          </a:xfrm>
+          <a:prstGeom prst="rect">
+            <a:avLst/>
+          </a:prstGeom>
+        </p:spPr>
+        <p:txBody>
+          <a:bodyPr vert="horz" lIns="91440" tIns="45720" rIns="91440" bIns="45720" rtlCol="0" anchor="b"/>
+          <a:lstStyle>
+            <a:lvl1pPr algn="r">
+              <a:defRPr sz="1200"/>
+            </a:lvl1pPr>
+          </a:lstStyle>
+          <a:p>
+            <a:fld id="{E87609E3-B394-4FCB-976A-70F65CE0C2AF}" type="slidenum">
+              <a:rPr lang="es-AR" smtClean="0"/>
+              <a:t>‹Nº›</a:t>
+            </a:fld>
+            <a:endParaRPr lang="es-AR"/>
+          </a:p>
+        </p:txBody>
+      </p:sp>
+    </p:spTree>
+    <p:extLst>
+      <p:ext uri="{BB962C8B-B14F-4D97-AF65-F5344CB8AC3E}">
+        <p14:creationId xmlns:p14="http://schemas.microsoft.com/office/powerpoint/2010/main" val="4031842749"/>
+      </p:ext>
+    </p:extLst>
+  </p:cSld>
+  <p:clrMap bg1="lt1" tx1="dk1" bg2="lt2" tx2="dk2" accent1="accent1" accent2="accent2" accent3="accent3" accent4="accent4" accent5="accent5" accent6="accent6" hlink="hlink" folHlink="folHlink"/>
+  <p:notesStyle>
+    <a:lvl1pPr marL="0" algn="l" defTabSz="914400" rtl="0" eaLnBrk="1" latinLnBrk="0" hangingPunct="1">
+      <a:defRPr sz="1200" kern="1200">
+        <a:solidFill>
+          <a:schemeClr val="tx1"/>
+        </a:solidFill>
+        <a:latin typeface="+mn-lt"/>
+        <a:ea typeface="+mn-ea"/>
+        <a:cs typeface="+mn-cs"/>
+      </a:defRPr>
+    </a:lvl1pPr>
+    <a:lvl2pPr marL="457200" algn="l" defTabSz="914400" rtl="0" eaLnBrk="1" latinLnBrk="0" hangingPunct="1">
+      <a:defRPr sz="1200" kern="1200">
+        <a:solidFill>
+          <a:schemeClr val="tx1"/>
+        </a:solidFill>
+        <a:latin typeface="+mn-lt"/>
+        <a:ea typeface="+mn-ea"/>
+        <a:cs typeface="+mn-cs"/>
+      </a:defRPr>
+    </a:lvl2pPr>
+    <a:lvl3pPr marL="914400" algn="l" defTabSz="914400" rtl="0" eaLnBrk="1" latinLnBrk="0" hangingPunct="1">
+      <a:defRPr sz="1200" kern="1200">
+        <a:solidFill>
+          <a:schemeClr val="tx1"/>
+        </a:solidFill>
+        <a:latin typeface="+mn-lt"/>
+        <a:ea typeface="+mn-ea"/>
+        <a:cs typeface="+mn-cs"/>
+      </a:defRPr>
+    </a:lvl3pPr>
+    <a:lvl4pPr marL="1371600" algn="l" defTabSz="914400" rtl="0" eaLnBrk="1" latinLnBrk="0" hangingPunct="1">
+      <a:defRPr sz="1200" kern="1200">
+        <a:solidFill>
+          <a:schemeClr val="tx1"/>
+        </a:solidFill>
+        <a:latin typeface="+mn-lt"/>
+        <a:ea typeface="+mn-ea"/>
+        <a:cs typeface="+mn-cs"/>
+      </a:defRPr>
+    </a:lvl4pPr>
+    <a:lvl5pPr marL="1828800" algn="l" defTabSz="914400" rtl="0" eaLnBrk="1" latinLnBrk="0" hangingPunct="1">
+      <a:defRPr sz="1200" kern="1200">
+        <a:solidFill>
+          <a:schemeClr val="tx1"/>
+        </a:solidFill>
+        <a:latin typeface="+mn-lt"/>
+        <a:ea typeface="+mn-ea"/>
+        <a:cs typeface="+mn-cs"/>
+      </a:defRPr>
+    </a:lvl5pPr>
+    <a:lvl6pPr marL="2286000" algn="l" defTabSz="914400" rtl="0" eaLnBrk="1" latinLnBrk="0" hangingPunct="1">
+      <a:defRPr sz="1200" kern="1200">
+        <a:solidFill>
+          <a:schemeClr val="tx1"/>
+        </a:solidFill>
+        <a:latin typeface="+mn-lt"/>
+        <a:ea typeface="+mn-ea"/>
+        <a:cs typeface="+mn-cs"/>
+      </a:defRPr>
+    </a:lvl6pPr>
+    <a:lvl7pPr marL="2743200" algn="l" defTabSz="914400" rtl="0" eaLnBrk="1" latinLnBrk="0" hangingPunct="1">
+      <a:defRPr sz="1200" kern="1200">
+        <a:solidFill>
+          <a:schemeClr val="tx1"/>
+        </a:solidFill>
+        <a:latin typeface="+mn-lt"/>
+        <a:ea typeface="+mn-ea"/>
+        <a:cs typeface="+mn-cs"/>
+      </a:defRPr>
+    </a:lvl7pPr>
+    <a:lvl8pPr marL="3200400" algn="l" defTabSz="914400" rtl="0" eaLnBrk="1" latinLnBrk="0" hangingPunct="1">
+      <a:defRPr sz="1200" kern="1200">
+        <a:solidFill>
+          <a:schemeClr val="tx1"/>
+        </a:solidFill>
+        <a:latin typeface="+mn-lt"/>
+        <a:ea typeface="+mn-ea"/>
+        <a:cs typeface="+mn-cs"/>
+      </a:defRPr>
+    </a:lvl8pPr>
+    <a:lvl9pPr marL="3657600" algn="l" defTabSz="914400" rtl="0" eaLnBrk="1" latinLnBrk="0" hangingPunct="1">
+      <a:defRPr sz="1200" kern="1200">
+        <a:solidFill>
+          <a:schemeClr val="tx1"/>
+        </a:solidFill>
+        <a:latin typeface="+mn-lt"/>
+        <a:ea typeface="+mn-ea"/>
+        <a:cs typeface="+mn-cs"/>
+      </a:defRPr>
+    </a:lvl9pPr>
+  </p:notesStyle>
+</p:notesMaster>
 </file>
 
 <file path=ppt/slideLayouts/slideLayout1.xml><?xml version="1.0" encoding="utf-8"?>
@@ -318,7 +685,7 @@
           <a:p>
             <a:fld id="{7BA853B7-2E9E-44AB-B1FF-C81D527EB835}" type="slidenum">
               <a:rPr lang="es-AR" smtClean="0"/>
-              <a:t>‹#›</a:t>
+              <a:t>‹Nº›</a:t>
             </a:fld>
             <a:endParaRPr lang="es-AR"/>
           </a:p>
@@ -518,7 +885,7 @@
           <a:p>
             <a:fld id="{7BA853B7-2E9E-44AB-B1FF-C81D527EB835}" type="slidenum">
               <a:rPr lang="es-AR" smtClean="0"/>
-              <a:t>‹#›</a:t>
+              <a:t>‹Nº›</a:t>
             </a:fld>
             <a:endParaRPr lang="es-AR"/>
           </a:p>
@@ -728,7 +1095,7 @@
           <a:p>
             <a:fld id="{7BA853B7-2E9E-44AB-B1FF-C81D527EB835}" type="slidenum">
               <a:rPr lang="es-AR" smtClean="0"/>
-              <a:t>‹#›</a:t>
+              <a:t>‹Nº›</a:t>
             </a:fld>
             <a:endParaRPr lang="es-AR"/>
           </a:p>
@@ -928,7 +1295,7 @@
           <a:p>
             <a:fld id="{7BA853B7-2E9E-44AB-B1FF-C81D527EB835}" type="slidenum">
               <a:rPr lang="es-AR" smtClean="0"/>
-              <a:t>‹#›</a:t>
+              <a:t>‹Nº›</a:t>
             </a:fld>
             <a:endParaRPr lang="es-AR"/>
           </a:p>
@@ -1204,7 +1571,7 @@
           <a:p>
             <a:fld id="{7BA853B7-2E9E-44AB-B1FF-C81D527EB835}" type="slidenum">
               <a:rPr lang="es-AR" smtClean="0"/>
-              <a:t>‹#›</a:t>
+              <a:t>‹Nº›</a:t>
             </a:fld>
             <a:endParaRPr lang="es-AR"/>
           </a:p>
@@ -1472,7 +1839,7 @@
           <a:p>
             <a:fld id="{7BA853B7-2E9E-44AB-B1FF-C81D527EB835}" type="slidenum">
               <a:rPr lang="es-AR" smtClean="0"/>
-              <a:t>‹#›</a:t>
+              <a:t>‹Nº›</a:t>
             </a:fld>
             <a:endParaRPr lang="es-AR"/>
           </a:p>
@@ -1887,7 +2254,7 @@
           <a:p>
             <a:fld id="{7BA853B7-2E9E-44AB-B1FF-C81D527EB835}" type="slidenum">
               <a:rPr lang="es-AR" smtClean="0"/>
-              <a:t>‹#›</a:t>
+              <a:t>‹Nº›</a:t>
             </a:fld>
             <a:endParaRPr lang="es-AR"/>
           </a:p>
@@ -2029,7 +2396,7 @@
           <a:p>
             <a:fld id="{7BA853B7-2E9E-44AB-B1FF-C81D527EB835}" type="slidenum">
               <a:rPr lang="es-AR" smtClean="0"/>
-              <a:t>‹#›</a:t>
+              <a:t>‹Nº›</a:t>
             </a:fld>
             <a:endParaRPr lang="es-AR"/>
           </a:p>
@@ -2142,7 +2509,7 @@
           <a:p>
             <a:fld id="{7BA853B7-2E9E-44AB-B1FF-C81D527EB835}" type="slidenum">
               <a:rPr lang="es-AR" smtClean="0"/>
-              <a:t>‹#›</a:t>
+              <a:t>‹Nº›</a:t>
             </a:fld>
             <a:endParaRPr lang="es-AR"/>
           </a:p>
@@ -2455,7 +2822,7 @@
           <a:p>
             <a:fld id="{7BA853B7-2E9E-44AB-B1FF-C81D527EB835}" type="slidenum">
               <a:rPr lang="es-AR" smtClean="0"/>
-              <a:t>‹#›</a:t>
+              <a:t>‹Nº›</a:t>
             </a:fld>
             <a:endParaRPr lang="es-AR"/>
           </a:p>
@@ -2744,7 +3111,7 @@
           <a:p>
             <a:fld id="{7BA853B7-2E9E-44AB-B1FF-C81D527EB835}" type="slidenum">
               <a:rPr lang="es-AR" smtClean="0"/>
-              <a:t>‹#›</a:t>
+              <a:t>‹Nº›</a:t>
             </a:fld>
             <a:endParaRPr lang="es-AR"/>
           </a:p>
@@ -3023,7 +3390,7 @@
           <a:p>
             <a:fld id="{7BA853B7-2E9E-44AB-B1FF-C81D527EB835}" type="slidenum">
               <a:rPr lang="es-AR" smtClean="0"/>
-              <a:t>‹#›</a:t>
+              <a:t>‹Nº›</a:t>
             </a:fld>
             <a:endParaRPr lang="es-AR"/>
           </a:p>
@@ -3336,6 +3703,14 @@
 <file path=ppt/slides/slide1.xml><?xml version="1.0" encoding="utf-8"?>
 <p:sld xmlns:a="http://schemas.openxmlformats.org/drawingml/2006/main" xmlns:r="http://schemas.openxmlformats.org/officeDocument/2006/relationships" xmlns:p="http://schemas.openxmlformats.org/presentationml/2006/main">
   <p:cSld>
+    <p:bg>
+      <p:bgPr>
+        <a:solidFill>
+          <a:schemeClr val="bg1"/>
+        </a:solidFill>
+        <a:effectLst/>
+      </p:bgPr>
+    </p:bg>
     <p:spTree>
       <p:nvGrpSpPr>
         <p:cNvPr id="1" name=""/>
@@ -3350,6 +3725,457 @@
           <a:chExt cx="0" cy="0"/>
         </a:xfrm>
       </p:grpSpPr>
+      <p:sp useBgFill="1">
+        <p:nvSpPr>
+          <p:cNvPr id="8" name="Rectangle 7">
+            <a:extLst>
+              <a:ext uri="{FF2B5EF4-FFF2-40B4-BE49-F238E27FC236}">
+                <a16:creationId xmlns:a16="http://schemas.microsoft.com/office/drawing/2014/main" id="{FFD48BC7-DC40-47DE-87EE-9F4B6ECB9ABB}"/>
+              </a:ext>
+              <a:ext uri="{C183D7F6-B498-43B3-948B-1728B52AA6E4}">
+                <adec:decorative xmlns:adec="http://schemas.microsoft.com/office/drawing/2017/decorative" val="1"/>
+              </a:ext>
+            </a:extLst>
+          </p:cNvPr>
+          <p:cNvSpPr>
+            <a:spLocks noGrp="1" noRot="1" noChangeAspect="1" noMove="1" noResize="1" noEditPoints="1" noAdjustHandles="1" noChangeArrowheads="1" noChangeShapeType="1" noTextEdit="1"/>
+          </p:cNvSpPr>
+          <p:nvPr>
+            <p:extLst>
+              <p:ext uri="{386F3935-93C4-4BCD-93E2-E3B085C9AB24}">
+                <p16:designElem xmlns:p16="http://schemas.microsoft.com/office/powerpoint/2015/main" val="1"/>
+              </p:ext>
+            </p:extLst>
+          </p:nvPr>
+        </p:nvSpPr>
+        <p:spPr>
+          <a:xfrm>
+            <a:off x="0" y="0"/>
+            <a:ext cx="12192000" cy="6858000"/>
+          </a:xfrm>
+          <a:prstGeom prst="rect">
+            <a:avLst/>
+          </a:prstGeom>
+          <a:ln>
+            <a:noFill/>
+          </a:ln>
+        </p:spPr>
+        <p:style>
+          <a:lnRef idx="2">
+            <a:schemeClr val="accent1">
+              <a:shade val="50000"/>
+            </a:schemeClr>
+          </a:lnRef>
+          <a:fillRef idx="1">
+            <a:schemeClr val="accent1"/>
+          </a:fillRef>
+          <a:effectRef idx="0">
+            <a:schemeClr val="accent1"/>
+          </a:effectRef>
+          <a:fontRef idx="minor">
+            <a:schemeClr val="lt1"/>
+          </a:fontRef>
+        </p:style>
+        <p:txBody>
+          <a:bodyPr rtlCol="0" anchor="ctr"/>
+          <a:lstStyle/>
+          <a:p>
+            <a:pPr algn="ctr"/>
+            <a:endParaRPr lang="en-US"/>
+          </a:p>
+        </p:txBody>
+      </p:sp>
+      <p:sp useBgFill="1">
+        <p:nvSpPr>
+          <p:cNvPr id="19" name="Freeform: Shape 9">
+            <a:extLst>
+              <a:ext uri="{FF2B5EF4-FFF2-40B4-BE49-F238E27FC236}">
+                <a16:creationId xmlns:a16="http://schemas.microsoft.com/office/drawing/2014/main" id="{E502BBC7-2C76-46F3-BC24-5985BC13DB88}"/>
+              </a:ext>
+              <a:ext uri="{C183D7F6-B498-43B3-948B-1728B52AA6E4}">
+                <adec:decorative xmlns:adec="http://schemas.microsoft.com/office/drawing/2017/decorative" val="1"/>
+              </a:ext>
+            </a:extLst>
+          </p:cNvPr>
+          <p:cNvSpPr>
+            <a:spLocks noGrp="1" noRot="1" noChangeAspect="1" noMove="1" noResize="1" noEditPoints="1" noAdjustHandles="1" noChangeArrowheads="1" noChangeShapeType="1" noTextEdit="1"/>
+          </p:cNvSpPr>
+          <p:nvPr>
+            <p:extLst>
+              <p:ext uri="{386F3935-93C4-4BCD-93E2-E3B085C9AB24}">
+                <p16:designElem xmlns:p16="http://schemas.microsoft.com/office/powerpoint/2015/main" val="1"/>
+              </p:ext>
+            </p:extLst>
+          </p:nvPr>
+        </p:nvSpPr>
+        <p:spPr>
+          <a:xfrm>
+            <a:off x="1114425" y="0"/>
+            <a:ext cx="9963150" cy="6858000"/>
+          </a:xfrm>
+          <a:custGeom>
+            <a:avLst/>
+            <a:gdLst>
+              <a:gd name="connsiteX0" fmla="*/ 1595771 w 9963150"/>
+              <a:gd name="connsiteY0" fmla="*/ 0 h 6858000"/>
+              <a:gd name="connsiteX1" fmla="*/ 8367379 w 9963150"/>
+              <a:gd name="connsiteY1" fmla="*/ 0 h 6858000"/>
+              <a:gd name="connsiteX2" fmla="*/ 8504080 w 9963150"/>
+              <a:gd name="connsiteY2" fmla="*/ 130333 h 6858000"/>
+              <a:gd name="connsiteX3" fmla="*/ 9963150 w 9963150"/>
+              <a:gd name="connsiteY3" fmla="*/ 3652838 h 6858000"/>
+              <a:gd name="connsiteX4" fmla="*/ 8825600 w 9963150"/>
+              <a:gd name="connsiteY4" fmla="*/ 6821583 h 6858000"/>
+              <a:gd name="connsiteX5" fmla="*/ 8794055 w 9963150"/>
+              <a:gd name="connsiteY5" fmla="*/ 6858000 h 6858000"/>
+              <a:gd name="connsiteX6" fmla="*/ 1169096 w 9963150"/>
+              <a:gd name="connsiteY6" fmla="*/ 6858000 h 6858000"/>
+              <a:gd name="connsiteX7" fmla="*/ 1137550 w 9963150"/>
+              <a:gd name="connsiteY7" fmla="*/ 6821583 h 6858000"/>
+              <a:gd name="connsiteX8" fmla="*/ 0 w 9963150"/>
+              <a:gd name="connsiteY8" fmla="*/ 3652838 h 6858000"/>
+              <a:gd name="connsiteX9" fmla="*/ 1459070 w 9963150"/>
+              <a:gd name="connsiteY9" fmla="*/ 130333 h 6858000"/>
+            </a:gdLst>
+            <a:ahLst/>
+            <a:cxnLst>
+              <a:cxn ang="0">
+                <a:pos x="connsiteX0" y="connsiteY0"/>
+              </a:cxn>
+              <a:cxn ang="0">
+                <a:pos x="connsiteX1" y="connsiteY1"/>
+              </a:cxn>
+              <a:cxn ang="0">
+                <a:pos x="connsiteX2" y="connsiteY2"/>
+              </a:cxn>
+              <a:cxn ang="0">
+                <a:pos x="connsiteX3" y="connsiteY3"/>
+              </a:cxn>
+              <a:cxn ang="0">
+                <a:pos x="connsiteX4" y="connsiteY4"/>
+              </a:cxn>
+              <a:cxn ang="0">
+                <a:pos x="connsiteX5" y="connsiteY5"/>
+              </a:cxn>
+              <a:cxn ang="0">
+                <a:pos x="connsiteX6" y="connsiteY6"/>
+              </a:cxn>
+              <a:cxn ang="0">
+                <a:pos x="connsiteX7" y="connsiteY7"/>
+              </a:cxn>
+              <a:cxn ang="0">
+                <a:pos x="connsiteX8" y="connsiteY8"/>
+              </a:cxn>
+              <a:cxn ang="0">
+                <a:pos x="connsiteX9" y="connsiteY9"/>
+              </a:cxn>
+            </a:cxnLst>
+            <a:rect l="l" t="t" r="r" b="b"/>
+            <a:pathLst>
+              <a:path w="9963150" h="6858000">
+                <a:moveTo>
+                  <a:pt x="1595771" y="0"/>
+                </a:moveTo>
+                <a:lnTo>
+                  <a:pt x="8367379" y="0"/>
+                </a:lnTo>
+                <a:lnTo>
+                  <a:pt x="8504080" y="130333"/>
+                </a:lnTo>
+                <a:cubicBezTo>
+                  <a:pt x="9405568" y="1031820"/>
+                  <a:pt x="9963150" y="2277214"/>
+                  <a:pt x="9963150" y="3652838"/>
+                </a:cubicBezTo>
+                <a:cubicBezTo>
+                  <a:pt x="9963150" y="4856509"/>
+                  <a:pt x="9536251" y="5960473"/>
+                  <a:pt x="8825600" y="6821583"/>
+                </a:cubicBezTo>
+                <a:lnTo>
+                  <a:pt x="8794055" y="6858000"/>
+                </a:lnTo>
+                <a:lnTo>
+                  <a:pt x="1169096" y="6858000"/>
+                </a:lnTo>
+                <a:lnTo>
+                  <a:pt x="1137550" y="6821583"/>
+                </a:lnTo>
+                <a:cubicBezTo>
+                  <a:pt x="426899" y="5960473"/>
+                  <a:pt x="0" y="4856509"/>
+                  <a:pt x="0" y="3652838"/>
+                </a:cubicBezTo>
+                <a:cubicBezTo>
+                  <a:pt x="0" y="2277214"/>
+                  <a:pt x="557582" y="1031820"/>
+                  <a:pt x="1459070" y="130333"/>
+                </a:cubicBezTo>
+                <a:close/>
+              </a:path>
+            </a:pathLst>
+          </a:custGeom>
+          <a:ln w="9525">
+            <a:solidFill>
+              <a:srgbClr val="EFEFEF"/>
+            </a:solidFill>
+          </a:ln>
+          <a:effectLst>
+            <a:outerShdw blurRad="139700" sx="102000" sy="102000" algn="ctr" rotWithShape="0">
+              <a:schemeClr val="bg1">
+                <a:lumMod val="85000"/>
+                <a:alpha val="38000"/>
+              </a:schemeClr>
+            </a:outerShdw>
+          </a:effectLst>
+        </p:spPr>
+        <p:style>
+          <a:lnRef idx="2">
+            <a:schemeClr val="accent1">
+              <a:shade val="50000"/>
+            </a:schemeClr>
+          </a:lnRef>
+          <a:fillRef idx="1">
+            <a:schemeClr val="accent1"/>
+          </a:fillRef>
+          <a:effectRef idx="0">
+            <a:schemeClr val="accent1"/>
+          </a:effectRef>
+          <a:fontRef idx="minor">
+            <a:schemeClr val="lt1"/>
+          </a:fontRef>
+        </p:style>
+        <p:txBody>
+          <a:bodyPr wrap="square" rtlCol="0" anchor="ctr">
+            <a:noAutofit/>
+          </a:bodyPr>
+          <a:lstStyle/>
+          <a:p>
+            <a:pPr marL="0" marR="0" lvl="0" indent="0" algn="ctr" defTabSz="914400" rtl="0" eaLnBrk="1" fontAlgn="auto" latinLnBrk="0" hangingPunct="1">
+              <a:lnSpc>
+                <a:spcPct val="100000"/>
+              </a:lnSpc>
+              <a:spcBef>
+                <a:spcPts val="0"/>
+              </a:spcBef>
+              <a:spcAft>
+                <a:spcPts val="0"/>
+              </a:spcAft>
+              <a:buClrTx/>
+              <a:buSzTx/>
+              <a:buFontTx/>
+              <a:buNone/>
+              <a:tabLst/>
+              <a:defRPr/>
+            </a:pPr>
+            <a:endParaRPr kumimoji="0" lang="en-US" sz="1800" b="0" i="0" u="none" strike="noStrike" kern="1200" cap="none" spc="0" normalizeH="0" baseline="0" noProof="0">
+              <a:ln>
+                <a:noFill/>
+              </a:ln>
+              <a:solidFill>
+                <a:prstClr val="white"/>
+              </a:solidFill>
+              <a:effectLst/>
+              <a:uLnTx/>
+              <a:uFillTx/>
+              <a:latin typeface="Calibri" panose="020F0502020204030204"/>
+              <a:ea typeface="+mn-ea"/>
+              <a:cs typeface="+mn-cs"/>
+            </a:endParaRPr>
+          </a:p>
+        </p:txBody>
+      </p:sp>
+      <p:sp useBgFill="1">
+        <p:nvSpPr>
+          <p:cNvPr id="20" name="Freeform: Shape 11">
+            <a:extLst>
+              <a:ext uri="{FF2B5EF4-FFF2-40B4-BE49-F238E27FC236}">
+                <a16:creationId xmlns:a16="http://schemas.microsoft.com/office/drawing/2014/main" id="{C7F28D52-2A5F-4D23-81AE-7CB8B591C7AF}"/>
+              </a:ext>
+              <a:ext uri="{C183D7F6-B498-43B3-948B-1728B52AA6E4}">
+                <adec:decorative xmlns:adec="http://schemas.microsoft.com/office/drawing/2017/decorative" val="1"/>
+              </a:ext>
+            </a:extLst>
+          </p:cNvPr>
+          <p:cNvSpPr>
+            <a:spLocks noGrp="1" noRot="1" noChangeAspect="1" noMove="1" noResize="1" noEditPoints="1" noAdjustHandles="1" noChangeArrowheads="1" noChangeShapeType="1" noTextEdit="1"/>
+          </p:cNvSpPr>
+          <p:nvPr>
+            <p:extLst>
+              <p:ext uri="{386F3935-93C4-4BCD-93E2-E3B085C9AB24}">
+                <p16:designElem xmlns:p16="http://schemas.microsoft.com/office/powerpoint/2015/main" val="1"/>
+              </p:ext>
+            </p:extLst>
+          </p:nvPr>
+        </p:nvSpPr>
+        <p:spPr>
+          <a:xfrm>
+            <a:off x="1121664" y="0"/>
+            <a:ext cx="9948672" cy="6858000"/>
+          </a:xfrm>
+          <a:custGeom>
+            <a:avLst/>
+            <a:gdLst>
+              <a:gd name="connsiteX0" fmla="*/ 1595771 w 9963150"/>
+              <a:gd name="connsiteY0" fmla="*/ 0 h 6858000"/>
+              <a:gd name="connsiteX1" fmla="*/ 8367379 w 9963150"/>
+              <a:gd name="connsiteY1" fmla="*/ 0 h 6858000"/>
+              <a:gd name="connsiteX2" fmla="*/ 8504080 w 9963150"/>
+              <a:gd name="connsiteY2" fmla="*/ 130333 h 6858000"/>
+              <a:gd name="connsiteX3" fmla="*/ 9963150 w 9963150"/>
+              <a:gd name="connsiteY3" fmla="*/ 3652838 h 6858000"/>
+              <a:gd name="connsiteX4" fmla="*/ 8825600 w 9963150"/>
+              <a:gd name="connsiteY4" fmla="*/ 6821583 h 6858000"/>
+              <a:gd name="connsiteX5" fmla="*/ 8794055 w 9963150"/>
+              <a:gd name="connsiteY5" fmla="*/ 6858000 h 6858000"/>
+              <a:gd name="connsiteX6" fmla="*/ 1169096 w 9963150"/>
+              <a:gd name="connsiteY6" fmla="*/ 6858000 h 6858000"/>
+              <a:gd name="connsiteX7" fmla="*/ 1137550 w 9963150"/>
+              <a:gd name="connsiteY7" fmla="*/ 6821583 h 6858000"/>
+              <a:gd name="connsiteX8" fmla="*/ 0 w 9963150"/>
+              <a:gd name="connsiteY8" fmla="*/ 3652838 h 6858000"/>
+              <a:gd name="connsiteX9" fmla="*/ 1459070 w 9963150"/>
+              <a:gd name="connsiteY9" fmla="*/ 130333 h 6858000"/>
+            </a:gdLst>
+            <a:ahLst/>
+            <a:cxnLst>
+              <a:cxn ang="0">
+                <a:pos x="connsiteX0" y="connsiteY0"/>
+              </a:cxn>
+              <a:cxn ang="0">
+                <a:pos x="connsiteX1" y="connsiteY1"/>
+              </a:cxn>
+              <a:cxn ang="0">
+                <a:pos x="connsiteX2" y="connsiteY2"/>
+              </a:cxn>
+              <a:cxn ang="0">
+                <a:pos x="connsiteX3" y="connsiteY3"/>
+              </a:cxn>
+              <a:cxn ang="0">
+                <a:pos x="connsiteX4" y="connsiteY4"/>
+              </a:cxn>
+              <a:cxn ang="0">
+                <a:pos x="connsiteX5" y="connsiteY5"/>
+              </a:cxn>
+              <a:cxn ang="0">
+                <a:pos x="connsiteX6" y="connsiteY6"/>
+              </a:cxn>
+              <a:cxn ang="0">
+                <a:pos x="connsiteX7" y="connsiteY7"/>
+              </a:cxn>
+              <a:cxn ang="0">
+                <a:pos x="connsiteX8" y="connsiteY8"/>
+              </a:cxn>
+              <a:cxn ang="0">
+                <a:pos x="connsiteX9" y="connsiteY9"/>
+              </a:cxn>
+            </a:cxnLst>
+            <a:rect l="l" t="t" r="r" b="b"/>
+            <a:pathLst>
+              <a:path w="9963150" h="6858000">
+                <a:moveTo>
+                  <a:pt x="1595771" y="0"/>
+                </a:moveTo>
+                <a:lnTo>
+                  <a:pt x="8367379" y="0"/>
+                </a:lnTo>
+                <a:lnTo>
+                  <a:pt x="8504080" y="130333"/>
+                </a:lnTo>
+                <a:cubicBezTo>
+                  <a:pt x="9405568" y="1031820"/>
+                  <a:pt x="9963150" y="2277214"/>
+                  <a:pt x="9963150" y="3652838"/>
+                </a:cubicBezTo>
+                <a:cubicBezTo>
+                  <a:pt x="9963150" y="4856509"/>
+                  <a:pt x="9536251" y="5960473"/>
+                  <a:pt x="8825600" y="6821583"/>
+                </a:cubicBezTo>
+                <a:lnTo>
+                  <a:pt x="8794055" y="6858000"/>
+                </a:lnTo>
+                <a:lnTo>
+                  <a:pt x="1169096" y="6858000"/>
+                </a:lnTo>
+                <a:lnTo>
+                  <a:pt x="1137550" y="6821583"/>
+                </a:lnTo>
+                <a:cubicBezTo>
+                  <a:pt x="426899" y="5960473"/>
+                  <a:pt x="0" y="4856509"/>
+                  <a:pt x="0" y="3652838"/>
+                </a:cubicBezTo>
+                <a:cubicBezTo>
+                  <a:pt x="0" y="2277214"/>
+                  <a:pt x="557582" y="1031820"/>
+                  <a:pt x="1459070" y="130333"/>
+                </a:cubicBezTo>
+                <a:close/>
+              </a:path>
+            </a:pathLst>
+          </a:custGeom>
+          <a:ln w="9525">
+            <a:noFill/>
+          </a:ln>
+          <a:effectLst/>
+        </p:spPr>
+        <p:style>
+          <a:lnRef idx="2">
+            <a:schemeClr val="accent1">
+              <a:shade val="50000"/>
+            </a:schemeClr>
+          </a:lnRef>
+          <a:fillRef idx="1">
+            <a:schemeClr val="accent1"/>
+          </a:fillRef>
+          <a:effectRef idx="0">
+            <a:schemeClr val="accent1"/>
+          </a:effectRef>
+          <a:fontRef idx="minor">
+            <a:schemeClr val="lt1"/>
+          </a:fontRef>
+        </p:style>
+        <p:txBody>
+          <a:bodyPr wrap="square" rtlCol="0" anchor="ctr">
+            <a:noAutofit/>
+          </a:bodyPr>
+          <a:lstStyle/>
+          <a:p>
+            <a:pPr marL="0" marR="0" lvl="0" indent="0" algn="ctr" defTabSz="914400" rtl="0" eaLnBrk="1" fontAlgn="auto" latinLnBrk="0" hangingPunct="1">
+              <a:lnSpc>
+                <a:spcPct val="100000"/>
+              </a:lnSpc>
+              <a:spcBef>
+                <a:spcPts val="0"/>
+              </a:spcBef>
+              <a:spcAft>
+                <a:spcPts val="0"/>
+              </a:spcAft>
+              <a:buClrTx/>
+              <a:buSzTx/>
+              <a:buFontTx/>
+              <a:buNone/>
+              <a:tabLst/>
+              <a:defRPr/>
+            </a:pPr>
+            <a:endParaRPr kumimoji="0" lang="en-US" sz="1800" b="0" i="0" u="none" strike="noStrike" kern="1200" cap="none" spc="0" normalizeH="0" baseline="0" noProof="0">
+              <a:ln>
+                <a:noFill/>
+              </a:ln>
+              <a:solidFill>
+                <a:prstClr val="white"/>
+              </a:solidFill>
+              <a:effectLst/>
+              <a:uLnTx/>
+              <a:uFillTx/>
+              <a:latin typeface="Calibri" panose="020F0502020204030204"/>
+              <a:ea typeface="+mn-ea"/>
+              <a:cs typeface="+mn-cs"/>
+            </a:endParaRPr>
+          </a:p>
+        </p:txBody>
+      </p:sp>
       <p:sp>
         <p:nvSpPr>
           <p:cNvPr id="2" name="Título 1">
@@ -3366,12 +4192,27 @@
             <p:ph type="ctrTitle"/>
           </p:nvPr>
         </p:nvSpPr>
-        <p:spPr/>
-        <p:txBody>
-          <a:bodyPr/>
+        <p:spPr>
+          <a:xfrm>
+            <a:off x="1524003" y="1999615"/>
+            <a:ext cx="9144000" cy="2764028"/>
+          </a:xfrm>
+        </p:spPr>
+        <p:txBody>
+          <a:bodyPr anchor="ctr">
+            <a:normAutofit/>
+          </a:bodyPr>
           <a:lstStyle/>
           <a:p>
-            <a:endParaRPr lang="es-AR"/>
+            <a:r>
+              <a:rPr lang="es-UY" sz="7200">
+                <a:latin typeface="wf_standard-font"/>
+              </a:rPr>
+              <a:t>Análisis de ventas</a:t>
+            </a:r>
+            <a:endParaRPr lang="es-AR" sz="7200">
+              <a:latin typeface="wf_standard-font"/>
+            </a:endParaRPr>
           </a:p>
         </p:txBody>
       </p:sp>
@@ -3391,12 +4232,115 @@
             <p:ph type="subTitle" idx="1"/>
           </p:nvPr>
         </p:nvSpPr>
-        <p:spPr/>
-        <p:txBody>
-          <a:bodyPr/>
+        <p:spPr>
+          <a:xfrm>
+            <a:off x="3828743" y="4920393"/>
+            <a:ext cx="4651936" cy="631825"/>
+          </a:xfrm>
+        </p:spPr>
+        <p:txBody>
+          <a:bodyPr anchor="ctr">
+            <a:normAutofit/>
+          </a:bodyPr>
           <a:lstStyle/>
           <a:p>
-            <a:endParaRPr lang="es-AR"/>
+            <a:r>
+              <a:rPr lang="es-UY" sz="2800" dirty="0"/>
+              <a:t>Juan Nocetti y Franco Barlocco</a:t>
+            </a:r>
+            <a:endParaRPr lang="es-AR" sz="2800" dirty="0"/>
+          </a:p>
+        </p:txBody>
+      </p:sp>
+      <p:sp>
+        <p:nvSpPr>
+          <p:cNvPr id="21" name="Rectangle 13">
+            <a:extLst>
+              <a:ext uri="{FF2B5EF4-FFF2-40B4-BE49-F238E27FC236}">
+                <a16:creationId xmlns:a16="http://schemas.microsoft.com/office/drawing/2014/main" id="{3629484E-3792-4B3D-89AD-7C8A1ED0E0D4}"/>
+              </a:ext>
+              <a:ext uri="{C183D7F6-B498-43B3-948B-1728B52AA6E4}">
+                <adec:decorative xmlns:adec="http://schemas.microsoft.com/office/drawing/2017/decorative" val="1"/>
+              </a:ext>
+            </a:extLst>
+          </p:cNvPr>
+          <p:cNvSpPr>
+            <a:spLocks noGrp="1" noRot="1" noChangeAspect="1" noMove="1" noResize="1" noEditPoints="1" noAdjustHandles="1" noChangeArrowheads="1" noChangeShapeType="1" noTextEdit="1"/>
+          </p:cNvSpPr>
+          <p:nvPr>
+            <p:extLst>
+              <p:ext uri="{386F3935-93C4-4BCD-93E2-E3B085C9AB24}">
+                <p16:designElem xmlns:p16="http://schemas.microsoft.com/office/powerpoint/2015/main" val="1"/>
+              </p:ext>
+            </p:extLst>
+          </p:nvPr>
+        </p:nvSpPr>
+        <p:spPr>
+          <a:xfrm>
+            <a:off x="3718560" y="5524786"/>
+            <a:ext cx="4754880" cy="27432"/>
+          </a:xfrm>
+          <a:prstGeom prst="rect">
+            <a:avLst/>
+          </a:prstGeom>
+          <a:solidFill>
+            <a:schemeClr val="accent2"/>
+          </a:solidFill>
+          <a:ln>
+            <a:noFill/>
+          </a:ln>
+        </p:spPr>
+        <p:style>
+          <a:lnRef idx="2">
+            <a:schemeClr val="accent1">
+              <a:shade val="50000"/>
+            </a:schemeClr>
+          </a:lnRef>
+          <a:fillRef idx="1">
+            <a:schemeClr val="accent1"/>
+          </a:fillRef>
+          <a:effectRef idx="0">
+            <a:schemeClr val="accent1"/>
+          </a:effectRef>
+          <a:fontRef idx="minor">
+            <a:schemeClr val="lt1"/>
+          </a:fontRef>
+        </p:style>
+        <p:txBody>
+          <a:bodyPr rtlCol="0" anchor="ctr"/>
+          <a:lstStyle/>
+          <a:p>
+            <a:pPr marL="0" marR="0" lvl="0" indent="0" algn="ctr" defTabSz="914400" rtl="0" eaLnBrk="1" fontAlgn="auto" latinLnBrk="0" hangingPunct="1">
+              <a:lnSpc>
+                <a:spcPct val="100000"/>
+              </a:lnSpc>
+              <a:spcBef>
+                <a:spcPts val="0"/>
+              </a:spcBef>
+              <a:spcAft>
+                <a:spcPts val="0"/>
+              </a:spcAft>
+              <a:buClrTx/>
+              <a:buSzTx/>
+              <a:buFontTx/>
+              <a:buNone/>
+              <a:tabLst/>
+              <a:defRPr/>
+            </a:pPr>
+            <a:endParaRPr kumimoji="0" lang="en-US" sz="1800" b="0" i="0" u="none" strike="noStrike" kern="1200" cap="none" spc="0" normalizeH="0" baseline="0" noProof="0">
+              <a:ln>
+                <a:noFill/>
+              </a:ln>
+              <a:solidFill>
+                <a:prstClr val="white"/>
+              </a:solidFill>
+              <a:effectLst/>
+              <a:uLnTx/>
+              <a:uFillTx/>
+              <a:latin typeface="Calibri" panose="020F0502020204030204"/>
+              <a:ea typeface="+mn-ea"/>
+              <a:cs typeface="+mn-cs"/>
+            </a:endParaRPr>
           </a:p>
         </p:txBody>
       </p:sp>
@@ -3449,22 +4393,53 @@
         <p:spPr>
           <a:xfrm>
             <a:off x="331304" y="342004"/>
-            <a:ext cx="5632174" cy="1655762"/>
+            <a:ext cx="5552662" cy="855138"/>
           </a:xfrm>
+          <a:effectLst>
+            <a:outerShdw blurRad="50800" dist="38100" dir="2700000" algn="tl" rotWithShape="0">
+              <a:prstClr val="black">
+                <a:alpha val="40000"/>
+              </a:prstClr>
+            </a:outerShdw>
+          </a:effectLst>
         </p:spPr>
-        <p:txBody>
-          <a:bodyPr/>
+        <p:style>
+          <a:lnRef idx="2">
+            <a:schemeClr val="dk1"/>
+          </a:lnRef>
+          <a:fillRef idx="1">
+            <a:schemeClr val="lt1"/>
+          </a:fillRef>
+          <a:effectRef idx="0">
+            <a:schemeClr val="dk1"/>
+          </a:effectRef>
+          <a:fontRef idx="minor">
+            <a:schemeClr val="dk1"/>
+          </a:fontRef>
+        </p:style>
+        <p:txBody>
+          <a:bodyPr anchor="ctr"/>
           <a:lstStyle/>
           <a:p>
             <a:r>
+              <a:rPr lang="es-ES" sz="1800" b="1" i="0" dirty="0">
+                <a:solidFill>
+                  <a:srgbClr val="118DFF"/>
+                </a:solidFill>
+                <a:effectLst/>
+                <a:latin typeface="wf_standard-font"/>
+              </a:rPr>
+              <a:t>MAYO FUE EL MES CON MÁS GANANCIAS EN EL AÑO $123.895</a:t>
+            </a:r>
+            <a:r>
               <a:rPr lang="es-ES" b="0" i="0" dirty="0">
                 <a:solidFill>
-                  <a:srgbClr val="374151"/>
+                  <a:srgbClr val="252423"/>
                 </a:solidFill>
                 <a:effectLst/>
-                <a:latin typeface="Söhne"/>
+                <a:latin typeface="Segoe UI" panose="020B0502040204020203" pitchFamily="34" charset="0"/>
               </a:rPr>
-              <a:t>Éxito destacado en la campaña de marketing de Mayo</a:t>
+              <a:t> </a:t>
             </a:r>
             <a:endParaRPr lang="es-AR" dirty="0"/>
           </a:p>
@@ -3492,7 +4467,7 @@
         </p:blipFill>
         <p:spPr>
           <a:xfrm>
-            <a:off x="2549371" y="1506677"/>
+            <a:off x="2337335" y="1374329"/>
             <a:ext cx="7093257" cy="3016194"/>
           </a:xfrm>
           <a:prstGeom prst="rect">
@@ -3516,8 +4491,8 @@
         </p:nvSpPr>
         <p:spPr>
           <a:xfrm>
-            <a:off x="1027044" y="5126038"/>
-            <a:ext cx="4856922" cy="1142240"/>
+            <a:off x="1027042" y="5126038"/>
+            <a:ext cx="4856922" cy="902352"/>
           </a:xfrm>
           <a:prstGeom prst="rect">
             <a:avLst/>
@@ -3695,21 +4670,21 @@
             <a:pPr algn="l"/>
             <a:r>
               <a:rPr lang="es-ES" sz="1200" dirty="0"/>
-              <a:t> + Mejora de ganancias en el mes de mayo respecto a los otros meses</a:t>
+              <a:t>Mejora de ganancias en el mes de mayo respecto a los otros meses</a:t>
             </a:r>
           </a:p>
           <a:p>
             <a:pPr algn="l"/>
             <a:r>
               <a:rPr lang="es-ES" sz="1200" dirty="0"/>
-              <a:t> - Gran recaída de ganancias en junio</a:t>
+              <a:t>Gran recaída de ganancias en junio</a:t>
             </a:r>
           </a:p>
           <a:p>
             <a:pPr algn="l"/>
             <a:r>
               <a:rPr lang="es-AR" sz="1200" dirty="0"/>
-              <a:t>+ Mejora de ganancias con la campaña de diciembre</a:t>
+              <a:t>Mejora de ganancias con la campaña de diciembre</a:t>
             </a:r>
           </a:p>
         </p:txBody>
@@ -3919,6 +4894,668 @@
               <a:t>Dividir el presupuesto en distintas etapas del año. </a:t>
             </a:r>
             <a:endParaRPr lang="es-AR" sz="1200" dirty="0"/>
+          </a:p>
+        </p:txBody>
+      </p:sp>
+      <p:sp>
+        <p:nvSpPr>
+          <p:cNvPr id="10" name="Subtítulo 2">
+            <a:extLst>
+              <a:ext uri="{FF2B5EF4-FFF2-40B4-BE49-F238E27FC236}">
+                <a16:creationId xmlns:a16="http://schemas.microsoft.com/office/drawing/2014/main" id="{FAD982D4-7C37-6F15-2258-9FC65F2EC974}"/>
+              </a:ext>
+            </a:extLst>
+          </p:cNvPr>
+          <p:cNvSpPr txBox="1">
+            <a:spLocks/>
+          </p:cNvSpPr>
+          <p:nvPr/>
+        </p:nvSpPr>
+        <p:spPr>
+          <a:xfrm>
+            <a:off x="2498732" y="4464787"/>
+            <a:ext cx="1217805" cy="367619"/>
+          </a:xfrm>
+          <a:prstGeom prst="rect">
+            <a:avLst/>
+          </a:prstGeom>
+          <a:effectLst>
+            <a:outerShdw blurRad="50800" dist="38100" dir="2700000" algn="tl" rotWithShape="0">
+              <a:prstClr val="black">
+                <a:alpha val="40000"/>
+              </a:prstClr>
+            </a:outerShdw>
+          </a:effectLst>
+        </p:spPr>
+        <p:style>
+          <a:lnRef idx="2">
+            <a:schemeClr val="dk1"/>
+          </a:lnRef>
+          <a:fillRef idx="1">
+            <a:schemeClr val="lt1"/>
+          </a:fillRef>
+          <a:effectRef idx="0">
+            <a:schemeClr val="dk1"/>
+          </a:effectRef>
+          <a:fontRef idx="minor">
+            <a:schemeClr val="dk1"/>
+          </a:fontRef>
+        </p:style>
+        <p:txBody>
+          <a:bodyPr vert="horz" lIns="91440" tIns="45720" rIns="91440" bIns="45720" rtlCol="0" anchor="ctr">
+            <a:normAutofit/>
+          </a:bodyPr>
+          <a:lstStyle>
+            <a:lvl1pPr marL="0" indent="0" algn="ctr" defTabSz="914400" rtl="0" eaLnBrk="1" latinLnBrk="0" hangingPunct="1">
+              <a:lnSpc>
+                <a:spcPct val="90000"/>
+              </a:lnSpc>
+              <a:spcBef>
+                <a:spcPts val="1000"/>
+              </a:spcBef>
+              <a:buFont typeface="Arial" panose="020B0604020202020204" pitchFamily="34" charset="0"/>
+              <a:buNone/>
+              <a:defRPr sz="2400" kern="1200">
+                <a:solidFill>
+                  <a:schemeClr val="dk1"/>
+                </a:solidFill>
+                <a:latin typeface="+mn-lt"/>
+                <a:ea typeface="+mn-ea"/>
+                <a:cs typeface="+mn-cs"/>
+              </a:defRPr>
+            </a:lvl1pPr>
+            <a:lvl2pPr marL="457200" indent="0" algn="ctr" defTabSz="914400" rtl="0" eaLnBrk="1" latinLnBrk="0" hangingPunct="1">
+              <a:lnSpc>
+                <a:spcPct val="90000"/>
+              </a:lnSpc>
+              <a:spcBef>
+                <a:spcPts val="500"/>
+              </a:spcBef>
+              <a:buFont typeface="Arial" panose="020B0604020202020204" pitchFamily="34" charset="0"/>
+              <a:buNone/>
+              <a:defRPr sz="2000" kern="1200">
+                <a:solidFill>
+                  <a:schemeClr val="dk1"/>
+                </a:solidFill>
+                <a:latin typeface="+mn-lt"/>
+                <a:ea typeface="+mn-ea"/>
+                <a:cs typeface="+mn-cs"/>
+              </a:defRPr>
+            </a:lvl2pPr>
+            <a:lvl3pPr marL="914400" indent="0" algn="ctr" defTabSz="914400" rtl="0" eaLnBrk="1" latinLnBrk="0" hangingPunct="1">
+              <a:lnSpc>
+                <a:spcPct val="90000"/>
+              </a:lnSpc>
+              <a:spcBef>
+                <a:spcPts val="500"/>
+              </a:spcBef>
+              <a:buFont typeface="Arial" panose="020B0604020202020204" pitchFamily="34" charset="0"/>
+              <a:buNone/>
+              <a:defRPr sz="1800" kern="1200">
+                <a:solidFill>
+                  <a:schemeClr val="dk1"/>
+                </a:solidFill>
+                <a:latin typeface="+mn-lt"/>
+                <a:ea typeface="+mn-ea"/>
+                <a:cs typeface="+mn-cs"/>
+              </a:defRPr>
+            </a:lvl3pPr>
+            <a:lvl4pPr marL="1371600" indent="0" algn="ctr" defTabSz="914400" rtl="0" eaLnBrk="1" latinLnBrk="0" hangingPunct="1">
+              <a:lnSpc>
+                <a:spcPct val="90000"/>
+              </a:lnSpc>
+              <a:spcBef>
+                <a:spcPts val="500"/>
+              </a:spcBef>
+              <a:buFont typeface="Arial" panose="020B0604020202020204" pitchFamily="34" charset="0"/>
+              <a:buNone/>
+              <a:defRPr sz="1600" kern="1200">
+                <a:solidFill>
+                  <a:schemeClr val="dk1"/>
+                </a:solidFill>
+                <a:latin typeface="+mn-lt"/>
+                <a:ea typeface="+mn-ea"/>
+                <a:cs typeface="+mn-cs"/>
+              </a:defRPr>
+            </a:lvl4pPr>
+            <a:lvl5pPr marL="1828800" indent="0" algn="ctr" defTabSz="914400" rtl="0" eaLnBrk="1" latinLnBrk="0" hangingPunct="1">
+              <a:lnSpc>
+                <a:spcPct val="90000"/>
+              </a:lnSpc>
+              <a:spcBef>
+                <a:spcPts val="500"/>
+              </a:spcBef>
+              <a:buFont typeface="Arial" panose="020B0604020202020204" pitchFamily="34" charset="0"/>
+              <a:buNone/>
+              <a:defRPr sz="1600" kern="1200">
+                <a:solidFill>
+                  <a:schemeClr val="dk1"/>
+                </a:solidFill>
+                <a:latin typeface="+mn-lt"/>
+                <a:ea typeface="+mn-ea"/>
+                <a:cs typeface="+mn-cs"/>
+              </a:defRPr>
+            </a:lvl5pPr>
+            <a:lvl6pPr marL="2286000" indent="0" algn="ctr" defTabSz="914400" rtl="0" eaLnBrk="1" latinLnBrk="0" hangingPunct="1">
+              <a:lnSpc>
+                <a:spcPct val="90000"/>
+              </a:lnSpc>
+              <a:spcBef>
+                <a:spcPts val="500"/>
+              </a:spcBef>
+              <a:buFont typeface="Arial" panose="020B0604020202020204" pitchFamily="34" charset="0"/>
+              <a:buNone/>
+              <a:defRPr sz="1600" kern="1200">
+                <a:solidFill>
+                  <a:schemeClr val="dk1"/>
+                </a:solidFill>
+                <a:latin typeface="+mn-lt"/>
+                <a:ea typeface="+mn-ea"/>
+                <a:cs typeface="+mn-cs"/>
+              </a:defRPr>
+            </a:lvl6pPr>
+            <a:lvl7pPr marL="2743200" indent="0" algn="ctr" defTabSz="914400" rtl="0" eaLnBrk="1" latinLnBrk="0" hangingPunct="1">
+              <a:lnSpc>
+                <a:spcPct val="90000"/>
+              </a:lnSpc>
+              <a:spcBef>
+                <a:spcPts val="500"/>
+              </a:spcBef>
+              <a:buFont typeface="Arial" panose="020B0604020202020204" pitchFamily="34" charset="0"/>
+              <a:buNone/>
+              <a:defRPr sz="1600" kern="1200">
+                <a:solidFill>
+                  <a:schemeClr val="dk1"/>
+                </a:solidFill>
+                <a:latin typeface="+mn-lt"/>
+                <a:ea typeface="+mn-ea"/>
+                <a:cs typeface="+mn-cs"/>
+              </a:defRPr>
+            </a:lvl7pPr>
+            <a:lvl8pPr marL="3200400" indent="0" algn="ctr" defTabSz="914400" rtl="0" eaLnBrk="1" latinLnBrk="0" hangingPunct="1">
+              <a:lnSpc>
+                <a:spcPct val="90000"/>
+              </a:lnSpc>
+              <a:spcBef>
+                <a:spcPts val="500"/>
+              </a:spcBef>
+              <a:buFont typeface="Arial" panose="020B0604020202020204" pitchFamily="34" charset="0"/>
+              <a:buNone/>
+              <a:defRPr sz="1600" kern="1200">
+                <a:solidFill>
+                  <a:schemeClr val="dk1"/>
+                </a:solidFill>
+                <a:latin typeface="+mn-lt"/>
+                <a:ea typeface="+mn-ea"/>
+                <a:cs typeface="+mn-cs"/>
+              </a:defRPr>
+            </a:lvl8pPr>
+            <a:lvl9pPr marL="3657600" indent="0" algn="ctr" defTabSz="914400" rtl="0" eaLnBrk="1" latinLnBrk="0" hangingPunct="1">
+              <a:lnSpc>
+                <a:spcPct val="90000"/>
+              </a:lnSpc>
+              <a:spcBef>
+                <a:spcPts val="500"/>
+              </a:spcBef>
+              <a:buFont typeface="Arial" panose="020B0604020202020204" pitchFamily="34" charset="0"/>
+              <a:buNone/>
+              <a:defRPr sz="1600" kern="1200">
+                <a:solidFill>
+                  <a:schemeClr val="dk1"/>
+                </a:solidFill>
+                <a:latin typeface="+mn-lt"/>
+                <a:ea typeface="+mn-ea"/>
+                <a:cs typeface="+mn-cs"/>
+              </a:defRPr>
+            </a:lvl9pPr>
+          </a:lstStyle>
+          <a:p>
+            <a:r>
+              <a:rPr lang="es-ES" sz="1800" b="1" dirty="0">
+                <a:solidFill>
+                  <a:srgbClr val="118DFF"/>
+                </a:solidFill>
+                <a:latin typeface="wf_standard-font"/>
+              </a:rPr>
+              <a:t>INSIGHTS</a:t>
+            </a:r>
+            <a:endParaRPr lang="es-AR" dirty="0"/>
+          </a:p>
+        </p:txBody>
+      </p:sp>
+      <p:sp>
+        <p:nvSpPr>
+          <p:cNvPr id="11" name="Subtítulo 2">
+            <a:extLst>
+              <a:ext uri="{FF2B5EF4-FFF2-40B4-BE49-F238E27FC236}">
+                <a16:creationId xmlns:a16="http://schemas.microsoft.com/office/drawing/2014/main" id="{861F97FB-FAFE-2134-0EAB-A14C0F6FB744}"/>
+              </a:ext>
+            </a:extLst>
+          </p:cNvPr>
+          <p:cNvSpPr txBox="1">
+            <a:spLocks/>
+          </p:cNvSpPr>
+          <p:nvPr/>
+        </p:nvSpPr>
+        <p:spPr>
+          <a:xfrm>
+            <a:off x="6874220" y="4464786"/>
+            <a:ext cx="1614062" cy="367619"/>
+          </a:xfrm>
+          <a:prstGeom prst="rect">
+            <a:avLst/>
+          </a:prstGeom>
+          <a:effectLst>
+            <a:outerShdw blurRad="50800" dist="38100" dir="2700000" algn="tl" rotWithShape="0">
+              <a:prstClr val="black">
+                <a:alpha val="40000"/>
+              </a:prstClr>
+            </a:outerShdw>
+          </a:effectLst>
+        </p:spPr>
+        <p:style>
+          <a:lnRef idx="2">
+            <a:schemeClr val="dk1"/>
+          </a:lnRef>
+          <a:fillRef idx="1">
+            <a:schemeClr val="lt1"/>
+          </a:fillRef>
+          <a:effectRef idx="0">
+            <a:schemeClr val="dk1"/>
+          </a:effectRef>
+          <a:fontRef idx="minor">
+            <a:schemeClr val="dk1"/>
+          </a:fontRef>
+        </p:style>
+        <p:txBody>
+          <a:bodyPr vert="horz" lIns="91440" tIns="45720" rIns="91440" bIns="45720" rtlCol="0" anchor="ctr">
+            <a:normAutofit fontScale="85000" lnSpcReduction="10000"/>
+          </a:bodyPr>
+          <a:lstStyle>
+            <a:lvl1pPr marL="0" indent="0" algn="ctr" defTabSz="914400" rtl="0" eaLnBrk="1" latinLnBrk="0" hangingPunct="1">
+              <a:lnSpc>
+                <a:spcPct val="90000"/>
+              </a:lnSpc>
+              <a:spcBef>
+                <a:spcPts val="1000"/>
+              </a:spcBef>
+              <a:buFont typeface="Arial" panose="020B0604020202020204" pitchFamily="34" charset="0"/>
+              <a:buNone/>
+              <a:defRPr sz="2400" kern="1200">
+                <a:solidFill>
+                  <a:schemeClr val="dk1"/>
+                </a:solidFill>
+                <a:latin typeface="+mn-lt"/>
+                <a:ea typeface="+mn-ea"/>
+                <a:cs typeface="+mn-cs"/>
+              </a:defRPr>
+            </a:lvl1pPr>
+            <a:lvl2pPr marL="457200" indent="0" algn="ctr" defTabSz="914400" rtl="0" eaLnBrk="1" latinLnBrk="0" hangingPunct="1">
+              <a:lnSpc>
+                <a:spcPct val="90000"/>
+              </a:lnSpc>
+              <a:spcBef>
+                <a:spcPts val="500"/>
+              </a:spcBef>
+              <a:buFont typeface="Arial" panose="020B0604020202020204" pitchFamily="34" charset="0"/>
+              <a:buNone/>
+              <a:defRPr sz="2000" kern="1200">
+                <a:solidFill>
+                  <a:schemeClr val="dk1"/>
+                </a:solidFill>
+                <a:latin typeface="+mn-lt"/>
+                <a:ea typeface="+mn-ea"/>
+                <a:cs typeface="+mn-cs"/>
+              </a:defRPr>
+            </a:lvl2pPr>
+            <a:lvl3pPr marL="914400" indent="0" algn="ctr" defTabSz="914400" rtl="0" eaLnBrk="1" latinLnBrk="0" hangingPunct="1">
+              <a:lnSpc>
+                <a:spcPct val="90000"/>
+              </a:lnSpc>
+              <a:spcBef>
+                <a:spcPts val="500"/>
+              </a:spcBef>
+              <a:buFont typeface="Arial" panose="020B0604020202020204" pitchFamily="34" charset="0"/>
+              <a:buNone/>
+              <a:defRPr sz="1800" kern="1200">
+                <a:solidFill>
+                  <a:schemeClr val="dk1"/>
+                </a:solidFill>
+                <a:latin typeface="+mn-lt"/>
+                <a:ea typeface="+mn-ea"/>
+                <a:cs typeface="+mn-cs"/>
+              </a:defRPr>
+            </a:lvl3pPr>
+            <a:lvl4pPr marL="1371600" indent="0" algn="ctr" defTabSz="914400" rtl="0" eaLnBrk="1" latinLnBrk="0" hangingPunct="1">
+              <a:lnSpc>
+                <a:spcPct val="90000"/>
+              </a:lnSpc>
+              <a:spcBef>
+                <a:spcPts val="500"/>
+              </a:spcBef>
+              <a:buFont typeface="Arial" panose="020B0604020202020204" pitchFamily="34" charset="0"/>
+              <a:buNone/>
+              <a:defRPr sz="1600" kern="1200">
+                <a:solidFill>
+                  <a:schemeClr val="dk1"/>
+                </a:solidFill>
+                <a:latin typeface="+mn-lt"/>
+                <a:ea typeface="+mn-ea"/>
+                <a:cs typeface="+mn-cs"/>
+              </a:defRPr>
+            </a:lvl4pPr>
+            <a:lvl5pPr marL="1828800" indent="0" algn="ctr" defTabSz="914400" rtl="0" eaLnBrk="1" latinLnBrk="0" hangingPunct="1">
+              <a:lnSpc>
+                <a:spcPct val="90000"/>
+              </a:lnSpc>
+              <a:spcBef>
+                <a:spcPts val="500"/>
+              </a:spcBef>
+              <a:buFont typeface="Arial" panose="020B0604020202020204" pitchFamily="34" charset="0"/>
+              <a:buNone/>
+              <a:defRPr sz="1600" kern="1200">
+                <a:solidFill>
+                  <a:schemeClr val="dk1"/>
+                </a:solidFill>
+                <a:latin typeface="+mn-lt"/>
+                <a:ea typeface="+mn-ea"/>
+                <a:cs typeface="+mn-cs"/>
+              </a:defRPr>
+            </a:lvl5pPr>
+            <a:lvl6pPr marL="2286000" indent="0" algn="ctr" defTabSz="914400" rtl="0" eaLnBrk="1" latinLnBrk="0" hangingPunct="1">
+              <a:lnSpc>
+                <a:spcPct val="90000"/>
+              </a:lnSpc>
+              <a:spcBef>
+                <a:spcPts val="500"/>
+              </a:spcBef>
+              <a:buFont typeface="Arial" panose="020B0604020202020204" pitchFamily="34" charset="0"/>
+              <a:buNone/>
+              <a:defRPr sz="1600" kern="1200">
+                <a:solidFill>
+                  <a:schemeClr val="dk1"/>
+                </a:solidFill>
+                <a:latin typeface="+mn-lt"/>
+                <a:ea typeface="+mn-ea"/>
+                <a:cs typeface="+mn-cs"/>
+              </a:defRPr>
+            </a:lvl6pPr>
+            <a:lvl7pPr marL="2743200" indent="0" algn="ctr" defTabSz="914400" rtl="0" eaLnBrk="1" latinLnBrk="0" hangingPunct="1">
+              <a:lnSpc>
+                <a:spcPct val="90000"/>
+              </a:lnSpc>
+              <a:spcBef>
+                <a:spcPts val="500"/>
+              </a:spcBef>
+              <a:buFont typeface="Arial" panose="020B0604020202020204" pitchFamily="34" charset="0"/>
+              <a:buNone/>
+              <a:defRPr sz="1600" kern="1200">
+                <a:solidFill>
+                  <a:schemeClr val="dk1"/>
+                </a:solidFill>
+                <a:latin typeface="+mn-lt"/>
+                <a:ea typeface="+mn-ea"/>
+                <a:cs typeface="+mn-cs"/>
+              </a:defRPr>
+            </a:lvl7pPr>
+            <a:lvl8pPr marL="3200400" indent="0" algn="ctr" defTabSz="914400" rtl="0" eaLnBrk="1" latinLnBrk="0" hangingPunct="1">
+              <a:lnSpc>
+                <a:spcPct val="90000"/>
+              </a:lnSpc>
+              <a:spcBef>
+                <a:spcPts val="500"/>
+              </a:spcBef>
+              <a:buFont typeface="Arial" panose="020B0604020202020204" pitchFamily="34" charset="0"/>
+              <a:buNone/>
+              <a:defRPr sz="1600" kern="1200">
+                <a:solidFill>
+                  <a:schemeClr val="dk1"/>
+                </a:solidFill>
+                <a:latin typeface="+mn-lt"/>
+                <a:ea typeface="+mn-ea"/>
+                <a:cs typeface="+mn-cs"/>
+              </a:defRPr>
+            </a:lvl8pPr>
+            <a:lvl9pPr marL="3657600" indent="0" algn="ctr" defTabSz="914400" rtl="0" eaLnBrk="1" latinLnBrk="0" hangingPunct="1">
+              <a:lnSpc>
+                <a:spcPct val="90000"/>
+              </a:lnSpc>
+              <a:spcBef>
+                <a:spcPts val="500"/>
+              </a:spcBef>
+              <a:buFont typeface="Arial" panose="020B0604020202020204" pitchFamily="34" charset="0"/>
+              <a:buNone/>
+              <a:defRPr sz="1600" kern="1200">
+                <a:solidFill>
+                  <a:schemeClr val="dk1"/>
+                </a:solidFill>
+                <a:latin typeface="+mn-lt"/>
+                <a:ea typeface="+mn-ea"/>
+                <a:cs typeface="+mn-cs"/>
+              </a:defRPr>
+            </a:lvl9pPr>
+          </a:lstStyle>
+          <a:p>
+            <a:r>
+              <a:rPr lang="es-ES" sz="1800" b="1" dirty="0">
+                <a:solidFill>
+                  <a:srgbClr val="118DFF"/>
+                </a:solidFill>
+                <a:latin typeface="wf_standard-font"/>
+              </a:rPr>
+              <a:t>CALL TO ACTION</a:t>
+            </a:r>
+            <a:endParaRPr lang="es-AR" dirty="0"/>
+          </a:p>
+        </p:txBody>
+      </p:sp>
+      <p:sp>
+        <p:nvSpPr>
+          <p:cNvPr id="13" name="CuadroTexto 12">
+            <a:extLst>
+              <a:ext uri="{FF2B5EF4-FFF2-40B4-BE49-F238E27FC236}">
+                <a16:creationId xmlns:a16="http://schemas.microsoft.com/office/drawing/2014/main" id="{92534263-118D-214A-7397-3208183F22D3}"/>
+              </a:ext>
+            </a:extLst>
+          </p:cNvPr>
+          <p:cNvSpPr txBox="1"/>
+          <p:nvPr/>
+        </p:nvSpPr>
+        <p:spPr>
+          <a:xfrm>
+            <a:off x="861954" y="5092472"/>
+            <a:ext cx="300790" cy="307777"/>
+          </a:xfrm>
+          <a:prstGeom prst="rect">
+            <a:avLst/>
+          </a:prstGeom>
+          <a:noFill/>
+        </p:spPr>
+        <p:txBody>
+          <a:bodyPr wrap="square" rtlCol="0">
+            <a:spAutoFit/>
+          </a:bodyPr>
+          <a:lstStyle/>
+          <a:p>
+            <a:r>
+              <a:rPr lang="es-UY" sz="1400" dirty="0">
+                <a:solidFill>
+                  <a:srgbClr val="118DFF"/>
+                </a:solidFill>
+              </a:rPr>
+              <a:t>+</a:t>
+            </a:r>
+            <a:endParaRPr lang="es-UY" dirty="0">
+              <a:solidFill>
+                <a:srgbClr val="118DFF"/>
+              </a:solidFill>
+            </a:endParaRPr>
+          </a:p>
+        </p:txBody>
+      </p:sp>
+      <p:sp>
+        <p:nvSpPr>
+          <p:cNvPr id="14" name="CuadroTexto 13">
+            <a:extLst>
+              <a:ext uri="{FF2B5EF4-FFF2-40B4-BE49-F238E27FC236}">
+                <a16:creationId xmlns:a16="http://schemas.microsoft.com/office/drawing/2014/main" id="{544EE134-5D50-1949-A8EE-548D888AC0CF}"/>
+              </a:ext>
+            </a:extLst>
+          </p:cNvPr>
+          <p:cNvSpPr txBox="1"/>
+          <p:nvPr/>
+        </p:nvSpPr>
+        <p:spPr>
+          <a:xfrm>
+            <a:off x="861954" y="5679094"/>
+            <a:ext cx="300790" cy="307777"/>
+          </a:xfrm>
+          <a:prstGeom prst="rect">
+            <a:avLst/>
+          </a:prstGeom>
+          <a:noFill/>
+        </p:spPr>
+        <p:txBody>
+          <a:bodyPr wrap="square" rtlCol="0">
+            <a:spAutoFit/>
+          </a:bodyPr>
+          <a:lstStyle/>
+          <a:p>
+            <a:r>
+              <a:rPr lang="es-UY" sz="1400" dirty="0">
+                <a:solidFill>
+                  <a:srgbClr val="118DFF"/>
+                </a:solidFill>
+              </a:rPr>
+              <a:t>+</a:t>
+            </a:r>
+          </a:p>
+        </p:txBody>
+      </p:sp>
+      <p:sp>
+        <p:nvSpPr>
+          <p:cNvPr id="15" name="CuadroTexto 14">
+            <a:extLst>
+              <a:ext uri="{FF2B5EF4-FFF2-40B4-BE49-F238E27FC236}">
+                <a16:creationId xmlns:a16="http://schemas.microsoft.com/office/drawing/2014/main" id="{EC995FCC-B7B8-386B-1B0D-E452D5DA3A99}"/>
+              </a:ext>
+            </a:extLst>
+          </p:cNvPr>
+          <p:cNvSpPr txBox="1"/>
+          <p:nvPr/>
+        </p:nvSpPr>
+        <p:spPr>
+          <a:xfrm>
+            <a:off x="876647" y="5378390"/>
+            <a:ext cx="300790" cy="307777"/>
+          </a:xfrm>
+          <a:prstGeom prst="rect">
+            <a:avLst/>
+          </a:prstGeom>
+          <a:noFill/>
+        </p:spPr>
+        <p:txBody>
+          <a:bodyPr wrap="square" rtlCol="0">
+            <a:spAutoFit/>
+          </a:bodyPr>
+          <a:lstStyle/>
+          <a:p>
+            <a:r>
+              <a:rPr lang="es-UY" sz="1400" dirty="0">
+                <a:solidFill>
+                  <a:srgbClr val="118DFF"/>
+                </a:solidFill>
+              </a:rPr>
+              <a:t>-</a:t>
+            </a:r>
+          </a:p>
+        </p:txBody>
+      </p:sp>
+      <p:sp>
+        <p:nvSpPr>
+          <p:cNvPr id="16" name="CuadroTexto 15">
+            <a:extLst>
+              <a:ext uri="{FF2B5EF4-FFF2-40B4-BE49-F238E27FC236}">
+                <a16:creationId xmlns:a16="http://schemas.microsoft.com/office/drawing/2014/main" id="{2D91B024-D30C-20AA-32A0-90484DC10122}"/>
+              </a:ext>
+            </a:extLst>
+          </p:cNvPr>
+          <p:cNvSpPr txBox="1"/>
+          <p:nvPr/>
+        </p:nvSpPr>
+        <p:spPr>
+          <a:xfrm>
+            <a:off x="6157641" y="5092472"/>
+            <a:ext cx="300790" cy="307777"/>
+          </a:xfrm>
+          <a:prstGeom prst="rect">
+            <a:avLst/>
+          </a:prstGeom>
+          <a:noFill/>
+        </p:spPr>
+        <p:txBody>
+          <a:bodyPr wrap="square" rtlCol="0">
+            <a:spAutoFit/>
+          </a:bodyPr>
+          <a:lstStyle/>
+          <a:p>
+            <a:r>
+              <a:rPr lang="es-UY" sz="1400" dirty="0">
+                <a:solidFill>
+                  <a:srgbClr val="118DFF"/>
+                </a:solidFill>
+              </a:rPr>
+              <a:t>+</a:t>
+            </a:r>
+            <a:endParaRPr lang="es-UY" dirty="0">
+              <a:solidFill>
+                <a:srgbClr val="118DFF"/>
+              </a:solidFill>
+            </a:endParaRPr>
+          </a:p>
+        </p:txBody>
+      </p:sp>
+      <p:sp>
+        <p:nvSpPr>
+          <p:cNvPr id="17" name="CuadroTexto 16">
+            <a:extLst>
+              <a:ext uri="{FF2B5EF4-FFF2-40B4-BE49-F238E27FC236}">
+                <a16:creationId xmlns:a16="http://schemas.microsoft.com/office/drawing/2014/main" id="{8DE9F428-8007-0E94-293D-F6EDF8C38B96}"/>
+              </a:ext>
+            </a:extLst>
+          </p:cNvPr>
+          <p:cNvSpPr txBox="1"/>
+          <p:nvPr/>
+        </p:nvSpPr>
+        <p:spPr>
+          <a:xfrm>
+            <a:off x="6157641" y="5378390"/>
+            <a:ext cx="300790" cy="307777"/>
+          </a:xfrm>
+          <a:prstGeom prst="rect">
+            <a:avLst/>
+          </a:prstGeom>
+          <a:noFill/>
+        </p:spPr>
+        <p:txBody>
+          <a:bodyPr wrap="square" rtlCol="0">
+            <a:spAutoFit/>
+          </a:bodyPr>
+          <a:lstStyle/>
+          <a:p>
+            <a:r>
+              <a:rPr lang="es-UY" sz="1400" dirty="0">
+                <a:solidFill>
+                  <a:srgbClr val="118DFF"/>
+                </a:solidFill>
+              </a:rPr>
+              <a:t>+</a:t>
+            </a:r>
+            <a:endParaRPr lang="es-UY" dirty="0">
+              <a:solidFill>
+                <a:srgbClr val="118DFF"/>
+              </a:solidFill>
+            </a:endParaRPr>
           </a:p>
         </p:txBody>
       </p:sp>
@@ -3954,84 +5591,6 @@
       </p:grpSpPr>
       <p:sp>
         <p:nvSpPr>
-          <p:cNvPr id="3" name="Subtítulo 2">
-            <a:extLst>
-              <a:ext uri="{FF2B5EF4-FFF2-40B4-BE49-F238E27FC236}">
-                <a16:creationId xmlns:a16="http://schemas.microsoft.com/office/drawing/2014/main" id="{06F9A7B2-4418-3893-24D6-A04CAE00F413}"/>
-              </a:ext>
-            </a:extLst>
-          </p:cNvPr>
-          <p:cNvSpPr>
-            <a:spLocks noGrp="1"/>
-          </p:cNvSpPr>
-          <p:nvPr>
-            <p:ph type="subTitle" idx="1"/>
-          </p:nvPr>
-        </p:nvSpPr>
-        <p:spPr>
-          <a:xfrm>
-            <a:off x="331304" y="342004"/>
-            <a:ext cx="5632174" cy="1655762"/>
-          </a:xfrm>
-        </p:spPr>
-        <p:txBody>
-          <a:bodyPr/>
-          <a:lstStyle/>
-          <a:p>
-            <a:r>
-              <a:rPr lang="es-ES" b="0" i="0" dirty="0">
-                <a:solidFill>
-                  <a:srgbClr val="374151"/>
-                </a:solidFill>
-                <a:effectLst/>
-                <a:latin typeface="Söhne"/>
-              </a:rPr>
-              <a:t>La Ropa: un </a:t>
-            </a:r>
-            <a:r>
-              <a:rPr lang="es-ES" dirty="0">
-                <a:solidFill>
-                  <a:srgbClr val="374151"/>
-                </a:solidFill>
-                <a:latin typeface="Söhne"/>
-              </a:rPr>
-              <a:t>p</a:t>
-            </a:r>
-            <a:r>
-              <a:rPr lang="es-ES" b="0" i="0" dirty="0">
-                <a:solidFill>
-                  <a:srgbClr val="374151"/>
-                </a:solidFill>
-                <a:effectLst/>
-                <a:latin typeface="Söhne"/>
-              </a:rPr>
-              <a:t>roducto </a:t>
-            </a:r>
-            <a:r>
-              <a:rPr lang="es-ES" dirty="0">
-                <a:solidFill>
-                  <a:srgbClr val="374151"/>
-                </a:solidFill>
-                <a:latin typeface="Söhne"/>
-              </a:rPr>
-              <a:t>v</a:t>
-            </a:r>
-            <a:r>
-              <a:rPr lang="es-ES" b="0" i="0" dirty="0">
-                <a:solidFill>
-                  <a:srgbClr val="374151"/>
-                </a:solidFill>
-                <a:effectLst/>
-                <a:latin typeface="Söhne"/>
-              </a:rPr>
-              <a:t>ersátil para todos los géneros</a:t>
-            </a:r>
-            <a:endParaRPr lang="es-AR" dirty="0"/>
-          </a:p>
-        </p:txBody>
-      </p:sp>
-      <p:sp>
-        <p:nvSpPr>
           <p:cNvPr id="6" name="Subtítulo 2">
             <a:extLst>
               <a:ext uri="{FF2B5EF4-FFF2-40B4-BE49-F238E27FC236}">
@@ -4046,8 +5605,8 @@
         </p:nvSpPr>
         <p:spPr>
           <a:xfrm>
-            <a:off x="6228523" y="1169885"/>
-            <a:ext cx="4990923" cy="1254478"/>
+            <a:off x="6487203" y="1966341"/>
+            <a:ext cx="4136682" cy="809621"/>
           </a:xfrm>
           <a:prstGeom prst="rect">
             <a:avLst/>
@@ -4055,7 +5614,7 @@
         </p:spPr>
         <p:txBody>
           <a:bodyPr vert="horz" lIns="91440" tIns="45720" rIns="91440" bIns="45720" rtlCol="0">
-            <a:normAutofit/>
+            <a:normAutofit lnSpcReduction="10000"/>
           </a:bodyPr>
           <a:lstStyle>
             <a:lvl1pPr marL="0" indent="0" algn="ctr" defTabSz="914400" rtl="0" eaLnBrk="1" latinLnBrk="0" hangingPunct="1">
@@ -4225,21 +5784,21 @@
             <a:pPr algn="l"/>
             <a:r>
               <a:rPr lang="es-ES" sz="1200" dirty="0"/>
-              <a:t>+ La ropa es el producto que más compran hombres y mujeres</a:t>
+              <a:t>La ropa es el producto que más compran hombres y mujeres.</a:t>
             </a:r>
           </a:p>
           <a:p>
             <a:pPr algn="l"/>
             <a:r>
               <a:rPr lang="es-ES" sz="1200" dirty="0"/>
-              <a:t>- Las mujeres no suelen comprar tantos productos electrónicos </a:t>
+              <a:t>Las mujeres no suelen comprar tantos productos electrónicos. </a:t>
             </a:r>
           </a:p>
           <a:p>
             <a:pPr algn="l"/>
             <a:r>
               <a:rPr lang="es-AR" sz="1200" dirty="0"/>
-              <a:t>- Los hombres rara vez compran productos de belleza </a:t>
+              <a:t>Los hombres rara vez compran productos de belleza.</a:t>
             </a:r>
             <a:endParaRPr lang="es-ES" sz="1200" dirty="0"/>
           </a:p>
@@ -4438,211 +5997,6 @@
           </a:lstStyle>
           <a:p>
             <a:pPr algn="l"/>
-            <a:r>
-              <a:rPr lang="es-ES" sz="1200" dirty="0"/>
-              <a:t>Mujeres</a:t>
-            </a:r>
-            <a:endParaRPr lang="es-AR" sz="1200" dirty="0"/>
-          </a:p>
-        </p:txBody>
-      </p:sp>
-      <p:sp>
-        <p:nvSpPr>
-          <p:cNvPr id="10" name="Subtítulo 2">
-            <a:extLst>
-              <a:ext uri="{FF2B5EF4-FFF2-40B4-BE49-F238E27FC236}">
-                <a16:creationId xmlns:a16="http://schemas.microsoft.com/office/drawing/2014/main" id="{35532317-5851-1941-9B71-03F294CB66A3}"/>
-              </a:ext>
-            </a:extLst>
-          </p:cNvPr>
-          <p:cNvSpPr txBox="1">
-            <a:spLocks/>
-          </p:cNvSpPr>
-          <p:nvPr/>
-        </p:nvSpPr>
-        <p:spPr>
-          <a:xfrm>
-            <a:off x="2355789" y="3674891"/>
-            <a:ext cx="802627" cy="396457"/>
-          </a:xfrm>
-          <a:prstGeom prst="rect">
-            <a:avLst/>
-          </a:prstGeom>
-        </p:spPr>
-        <p:txBody>
-          <a:bodyPr vert="horz" lIns="91440" tIns="45720" rIns="91440" bIns="45720" rtlCol="0">
-            <a:normAutofit/>
-          </a:bodyPr>
-          <a:lstStyle>
-            <a:lvl1pPr marL="0" indent="0" algn="ctr" defTabSz="914400" rtl="0" eaLnBrk="1" latinLnBrk="0" hangingPunct="1">
-              <a:lnSpc>
-                <a:spcPct val="90000"/>
-              </a:lnSpc>
-              <a:spcBef>
-                <a:spcPts val="1000"/>
-              </a:spcBef>
-              <a:buFont typeface="Arial" panose="020B0604020202020204" pitchFamily="34" charset="0"/>
-              <a:buNone/>
-              <a:defRPr sz="2400" kern="1200">
-                <a:solidFill>
-                  <a:schemeClr val="tx1"/>
-                </a:solidFill>
-                <a:latin typeface="+mn-lt"/>
-                <a:ea typeface="+mn-ea"/>
-                <a:cs typeface="+mn-cs"/>
-              </a:defRPr>
-            </a:lvl1pPr>
-            <a:lvl2pPr marL="457200" indent="0" algn="ctr" defTabSz="914400" rtl="0" eaLnBrk="1" latinLnBrk="0" hangingPunct="1">
-              <a:lnSpc>
-                <a:spcPct val="90000"/>
-              </a:lnSpc>
-              <a:spcBef>
-                <a:spcPts val="500"/>
-              </a:spcBef>
-              <a:buFont typeface="Arial" panose="020B0604020202020204" pitchFamily="34" charset="0"/>
-              <a:buNone/>
-              <a:defRPr sz="2000" kern="1200">
-                <a:solidFill>
-                  <a:schemeClr val="tx1"/>
-                </a:solidFill>
-                <a:latin typeface="+mn-lt"/>
-                <a:ea typeface="+mn-ea"/>
-                <a:cs typeface="+mn-cs"/>
-              </a:defRPr>
-            </a:lvl2pPr>
-            <a:lvl3pPr marL="914400" indent="0" algn="ctr" defTabSz="914400" rtl="0" eaLnBrk="1" latinLnBrk="0" hangingPunct="1">
-              <a:lnSpc>
-                <a:spcPct val="90000"/>
-              </a:lnSpc>
-              <a:spcBef>
-                <a:spcPts val="500"/>
-              </a:spcBef>
-              <a:buFont typeface="Arial" panose="020B0604020202020204" pitchFamily="34" charset="0"/>
-              <a:buNone/>
-              <a:defRPr sz="1800" kern="1200">
-                <a:solidFill>
-                  <a:schemeClr val="tx1"/>
-                </a:solidFill>
-                <a:latin typeface="+mn-lt"/>
-                <a:ea typeface="+mn-ea"/>
-                <a:cs typeface="+mn-cs"/>
-              </a:defRPr>
-            </a:lvl3pPr>
-            <a:lvl4pPr marL="1371600" indent="0" algn="ctr" defTabSz="914400" rtl="0" eaLnBrk="1" latinLnBrk="0" hangingPunct="1">
-              <a:lnSpc>
-                <a:spcPct val="90000"/>
-              </a:lnSpc>
-              <a:spcBef>
-                <a:spcPts val="500"/>
-              </a:spcBef>
-              <a:buFont typeface="Arial" panose="020B0604020202020204" pitchFamily="34" charset="0"/>
-              <a:buNone/>
-              <a:defRPr sz="1600" kern="1200">
-                <a:solidFill>
-                  <a:schemeClr val="tx1"/>
-                </a:solidFill>
-                <a:latin typeface="+mn-lt"/>
-                <a:ea typeface="+mn-ea"/>
-                <a:cs typeface="+mn-cs"/>
-              </a:defRPr>
-            </a:lvl4pPr>
-            <a:lvl5pPr marL="1828800" indent="0" algn="ctr" defTabSz="914400" rtl="0" eaLnBrk="1" latinLnBrk="0" hangingPunct="1">
-              <a:lnSpc>
-                <a:spcPct val="90000"/>
-              </a:lnSpc>
-              <a:spcBef>
-                <a:spcPts val="500"/>
-              </a:spcBef>
-              <a:buFont typeface="Arial" panose="020B0604020202020204" pitchFamily="34" charset="0"/>
-              <a:buNone/>
-              <a:defRPr sz="1600" kern="1200">
-                <a:solidFill>
-                  <a:schemeClr val="tx1"/>
-                </a:solidFill>
-                <a:latin typeface="+mn-lt"/>
-                <a:ea typeface="+mn-ea"/>
-                <a:cs typeface="+mn-cs"/>
-              </a:defRPr>
-            </a:lvl5pPr>
-            <a:lvl6pPr marL="2286000" indent="0" algn="ctr" defTabSz="914400" rtl="0" eaLnBrk="1" latinLnBrk="0" hangingPunct="1">
-              <a:lnSpc>
-                <a:spcPct val="90000"/>
-              </a:lnSpc>
-              <a:spcBef>
-                <a:spcPts val="500"/>
-              </a:spcBef>
-              <a:buFont typeface="Arial" panose="020B0604020202020204" pitchFamily="34" charset="0"/>
-              <a:buNone/>
-              <a:defRPr sz="1600" kern="1200">
-                <a:solidFill>
-                  <a:schemeClr val="tx1"/>
-                </a:solidFill>
-                <a:latin typeface="+mn-lt"/>
-                <a:ea typeface="+mn-ea"/>
-                <a:cs typeface="+mn-cs"/>
-              </a:defRPr>
-            </a:lvl6pPr>
-            <a:lvl7pPr marL="2743200" indent="0" algn="ctr" defTabSz="914400" rtl="0" eaLnBrk="1" latinLnBrk="0" hangingPunct="1">
-              <a:lnSpc>
-                <a:spcPct val="90000"/>
-              </a:lnSpc>
-              <a:spcBef>
-                <a:spcPts val="500"/>
-              </a:spcBef>
-              <a:buFont typeface="Arial" panose="020B0604020202020204" pitchFamily="34" charset="0"/>
-              <a:buNone/>
-              <a:defRPr sz="1600" kern="1200">
-                <a:solidFill>
-                  <a:schemeClr val="tx1"/>
-                </a:solidFill>
-                <a:latin typeface="+mn-lt"/>
-                <a:ea typeface="+mn-ea"/>
-                <a:cs typeface="+mn-cs"/>
-              </a:defRPr>
-            </a:lvl7pPr>
-            <a:lvl8pPr marL="3200400" indent="0" algn="ctr" defTabSz="914400" rtl="0" eaLnBrk="1" latinLnBrk="0" hangingPunct="1">
-              <a:lnSpc>
-                <a:spcPct val="90000"/>
-              </a:lnSpc>
-              <a:spcBef>
-                <a:spcPts val="500"/>
-              </a:spcBef>
-              <a:buFont typeface="Arial" panose="020B0604020202020204" pitchFamily="34" charset="0"/>
-              <a:buNone/>
-              <a:defRPr sz="1600" kern="1200">
-                <a:solidFill>
-                  <a:schemeClr val="tx1"/>
-                </a:solidFill>
-                <a:latin typeface="+mn-lt"/>
-                <a:ea typeface="+mn-ea"/>
-                <a:cs typeface="+mn-cs"/>
-              </a:defRPr>
-            </a:lvl8pPr>
-            <a:lvl9pPr marL="3657600" indent="0" algn="ctr" defTabSz="914400" rtl="0" eaLnBrk="1" latinLnBrk="0" hangingPunct="1">
-              <a:lnSpc>
-                <a:spcPct val="90000"/>
-              </a:lnSpc>
-              <a:spcBef>
-                <a:spcPts val="500"/>
-              </a:spcBef>
-              <a:buFont typeface="Arial" panose="020B0604020202020204" pitchFamily="34" charset="0"/>
-              <a:buNone/>
-              <a:defRPr sz="1600" kern="1200">
-                <a:solidFill>
-                  <a:schemeClr val="tx1"/>
-                </a:solidFill>
-                <a:latin typeface="+mn-lt"/>
-                <a:ea typeface="+mn-ea"/>
-                <a:cs typeface="+mn-cs"/>
-              </a:defRPr>
-            </a:lvl9pPr>
-          </a:lstStyle>
-          <a:p>
-            <a:pPr algn="l"/>
-            <a:r>
-              <a:rPr lang="es-ES" sz="1200" dirty="0"/>
-              <a:t>Hombres</a:t>
-            </a:r>
             <a:endParaRPr lang="es-AR" sz="1200" dirty="0"/>
           </a:p>
         </p:txBody>
@@ -4669,7 +6023,7 @@
         </p:blipFill>
         <p:spPr>
           <a:xfrm>
-            <a:off x="972554" y="1525890"/>
+            <a:off x="1135902" y="1691133"/>
             <a:ext cx="3597602" cy="1886224"/>
           </a:xfrm>
           <a:prstGeom prst="rect">
@@ -4699,7 +6053,7 @@
         </p:blipFill>
         <p:spPr>
           <a:xfrm>
-            <a:off x="972554" y="4071348"/>
+            <a:off x="972553" y="4071348"/>
             <a:ext cx="3924299" cy="2051469"/>
           </a:xfrm>
           <a:prstGeom prst="rect">
@@ -4723,8 +6077,8 @@
         </p:nvSpPr>
         <p:spPr>
           <a:xfrm>
-            <a:off x="6392955" y="4071348"/>
-            <a:ext cx="4990923" cy="1254478"/>
+            <a:off x="6487203" y="4310057"/>
+            <a:ext cx="4459528" cy="1030041"/>
           </a:xfrm>
           <a:prstGeom prst="rect">
             <a:avLst/>
@@ -4902,21 +6256,1229 @@
             <a:pPr algn="l"/>
             <a:r>
               <a:rPr lang="es-ES" sz="1200" dirty="0"/>
-              <a:t>+ Generar más campañas para hombres y mujeres de ventas de ropa.</a:t>
+              <a:t>Generar más campañas para hombres y mujeres de ventas de ropa.</a:t>
             </a:r>
           </a:p>
           <a:p>
             <a:pPr algn="l"/>
             <a:r>
               <a:rPr lang="es-ES" sz="1200" dirty="0"/>
-              <a:t>+ Generar campañas específicas para la venta de productos de belleza especialmente para las mujeres.</a:t>
+              <a:t>Generar campañas específicas para la venta de productos de belleza especialmente para las mujeres.</a:t>
             </a:r>
           </a:p>
           <a:p>
             <a:pPr algn="l"/>
             <a:r>
               <a:rPr lang="es-ES" sz="1200" dirty="0"/>
-              <a:t>- Reducir stock de productos de belleza para hombres.</a:t>
+              <a:t>Reducir stock de productos de belleza para hombres.</a:t>
+            </a:r>
+          </a:p>
+        </p:txBody>
+      </p:sp>
+      <p:sp>
+        <p:nvSpPr>
+          <p:cNvPr id="5" name="Subtítulo 2">
+            <a:extLst>
+              <a:ext uri="{FF2B5EF4-FFF2-40B4-BE49-F238E27FC236}">
+                <a16:creationId xmlns:a16="http://schemas.microsoft.com/office/drawing/2014/main" id="{CD15F498-728E-FC29-2439-0D91C8F38149}"/>
+              </a:ext>
+            </a:extLst>
+          </p:cNvPr>
+          <p:cNvSpPr>
+            <a:spLocks noGrp="1"/>
+          </p:cNvSpPr>
+          <p:nvPr>
+            <p:ph type="subTitle" idx="1"/>
+          </p:nvPr>
+        </p:nvSpPr>
+        <p:spPr>
+          <a:xfrm>
+            <a:off x="331304" y="342004"/>
+            <a:ext cx="5552662" cy="855138"/>
+          </a:xfrm>
+          <a:effectLst>
+            <a:outerShdw blurRad="50800" dist="38100" dir="2700000" algn="tl" rotWithShape="0">
+              <a:prstClr val="black">
+                <a:alpha val="40000"/>
+              </a:prstClr>
+            </a:outerShdw>
+          </a:effectLst>
+        </p:spPr>
+        <p:style>
+          <a:lnRef idx="2">
+            <a:schemeClr val="dk1"/>
+          </a:lnRef>
+          <a:fillRef idx="1">
+            <a:schemeClr val="lt1"/>
+          </a:fillRef>
+          <a:effectRef idx="0">
+            <a:schemeClr val="dk1"/>
+          </a:effectRef>
+          <a:fontRef idx="minor">
+            <a:schemeClr val="dk1"/>
+          </a:fontRef>
+        </p:style>
+        <p:txBody>
+          <a:bodyPr anchor="ctr"/>
+          <a:lstStyle/>
+          <a:p>
+            <a:r>
+              <a:rPr lang="es-ES" sz="1800" b="1" dirty="0">
+                <a:solidFill>
+                  <a:srgbClr val="118DFF"/>
+                </a:solidFill>
+                <a:latin typeface="wf_standard-font"/>
+              </a:rPr>
+              <a:t>LA ROPA: UN PRODUCTO VERSÁTIL PARA TODOS LOS GÉNEROS</a:t>
+            </a:r>
+            <a:endParaRPr lang="es-AR" dirty="0"/>
+          </a:p>
+        </p:txBody>
+      </p:sp>
+      <p:sp>
+        <p:nvSpPr>
+          <p:cNvPr id="8" name="Subtítulo 2">
+            <a:extLst>
+              <a:ext uri="{FF2B5EF4-FFF2-40B4-BE49-F238E27FC236}">
+                <a16:creationId xmlns:a16="http://schemas.microsoft.com/office/drawing/2014/main" id="{B8A8F8EA-2317-61F7-CC30-75BF478C42CF}"/>
+              </a:ext>
+            </a:extLst>
+          </p:cNvPr>
+          <p:cNvSpPr txBox="1">
+            <a:spLocks/>
+          </p:cNvSpPr>
+          <p:nvPr/>
+        </p:nvSpPr>
+        <p:spPr>
+          <a:xfrm>
+            <a:off x="7946641" y="1334030"/>
+            <a:ext cx="1217805" cy="367619"/>
+          </a:xfrm>
+          <a:prstGeom prst="rect">
+            <a:avLst/>
+          </a:prstGeom>
+          <a:effectLst>
+            <a:outerShdw blurRad="50800" dist="38100" dir="2700000" algn="tl" rotWithShape="0">
+              <a:prstClr val="black">
+                <a:alpha val="40000"/>
+              </a:prstClr>
+            </a:outerShdw>
+          </a:effectLst>
+        </p:spPr>
+        <p:style>
+          <a:lnRef idx="2">
+            <a:schemeClr val="dk1"/>
+          </a:lnRef>
+          <a:fillRef idx="1">
+            <a:schemeClr val="lt1"/>
+          </a:fillRef>
+          <a:effectRef idx="0">
+            <a:schemeClr val="dk1"/>
+          </a:effectRef>
+          <a:fontRef idx="minor">
+            <a:schemeClr val="dk1"/>
+          </a:fontRef>
+        </p:style>
+        <p:txBody>
+          <a:bodyPr vert="horz" lIns="91440" tIns="45720" rIns="91440" bIns="45720" rtlCol="0" anchor="ctr">
+            <a:normAutofit/>
+          </a:bodyPr>
+          <a:lstStyle>
+            <a:lvl1pPr marL="0" indent="0" algn="ctr" defTabSz="914400" rtl="0" eaLnBrk="1" latinLnBrk="0" hangingPunct="1">
+              <a:lnSpc>
+                <a:spcPct val="90000"/>
+              </a:lnSpc>
+              <a:spcBef>
+                <a:spcPts val="1000"/>
+              </a:spcBef>
+              <a:buFont typeface="Arial" panose="020B0604020202020204" pitchFamily="34" charset="0"/>
+              <a:buNone/>
+              <a:defRPr sz="2400" kern="1200">
+                <a:solidFill>
+                  <a:schemeClr val="dk1"/>
+                </a:solidFill>
+                <a:latin typeface="+mn-lt"/>
+                <a:ea typeface="+mn-ea"/>
+                <a:cs typeface="+mn-cs"/>
+              </a:defRPr>
+            </a:lvl1pPr>
+            <a:lvl2pPr marL="457200" indent="0" algn="ctr" defTabSz="914400" rtl="0" eaLnBrk="1" latinLnBrk="0" hangingPunct="1">
+              <a:lnSpc>
+                <a:spcPct val="90000"/>
+              </a:lnSpc>
+              <a:spcBef>
+                <a:spcPts val="500"/>
+              </a:spcBef>
+              <a:buFont typeface="Arial" panose="020B0604020202020204" pitchFamily="34" charset="0"/>
+              <a:buNone/>
+              <a:defRPr sz="2000" kern="1200">
+                <a:solidFill>
+                  <a:schemeClr val="dk1"/>
+                </a:solidFill>
+                <a:latin typeface="+mn-lt"/>
+                <a:ea typeface="+mn-ea"/>
+                <a:cs typeface="+mn-cs"/>
+              </a:defRPr>
+            </a:lvl2pPr>
+            <a:lvl3pPr marL="914400" indent="0" algn="ctr" defTabSz="914400" rtl="0" eaLnBrk="1" latinLnBrk="0" hangingPunct="1">
+              <a:lnSpc>
+                <a:spcPct val="90000"/>
+              </a:lnSpc>
+              <a:spcBef>
+                <a:spcPts val="500"/>
+              </a:spcBef>
+              <a:buFont typeface="Arial" panose="020B0604020202020204" pitchFamily="34" charset="0"/>
+              <a:buNone/>
+              <a:defRPr sz="1800" kern="1200">
+                <a:solidFill>
+                  <a:schemeClr val="dk1"/>
+                </a:solidFill>
+                <a:latin typeface="+mn-lt"/>
+                <a:ea typeface="+mn-ea"/>
+                <a:cs typeface="+mn-cs"/>
+              </a:defRPr>
+            </a:lvl3pPr>
+            <a:lvl4pPr marL="1371600" indent="0" algn="ctr" defTabSz="914400" rtl="0" eaLnBrk="1" latinLnBrk="0" hangingPunct="1">
+              <a:lnSpc>
+                <a:spcPct val="90000"/>
+              </a:lnSpc>
+              <a:spcBef>
+                <a:spcPts val="500"/>
+              </a:spcBef>
+              <a:buFont typeface="Arial" panose="020B0604020202020204" pitchFamily="34" charset="0"/>
+              <a:buNone/>
+              <a:defRPr sz="1600" kern="1200">
+                <a:solidFill>
+                  <a:schemeClr val="dk1"/>
+                </a:solidFill>
+                <a:latin typeface="+mn-lt"/>
+                <a:ea typeface="+mn-ea"/>
+                <a:cs typeface="+mn-cs"/>
+              </a:defRPr>
+            </a:lvl4pPr>
+            <a:lvl5pPr marL="1828800" indent="0" algn="ctr" defTabSz="914400" rtl="0" eaLnBrk="1" latinLnBrk="0" hangingPunct="1">
+              <a:lnSpc>
+                <a:spcPct val="90000"/>
+              </a:lnSpc>
+              <a:spcBef>
+                <a:spcPts val="500"/>
+              </a:spcBef>
+              <a:buFont typeface="Arial" panose="020B0604020202020204" pitchFamily="34" charset="0"/>
+              <a:buNone/>
+              <a:defRPr sz="1600" kern="1200">
+                <a:solidFill>
+                  <a:schemeClr val="dk1"/>
+                </a:solidFill>
+                <a:latin typeface="+mn-lt"/>
+                <a:ea typeface="+mn-ea"/>
+                <a:cs typeface="+mn-cs"/>
+              </a:defRPr>
+            </a:lvl5pPr>
+            <a:lvl6pPr marL="2286000" indent="0" algn="ctr" defTabSz="914400" rtl="0" eaLnBrk="1" latinLnBrk="0" hangingPunct="1">
+              <a:lnSpc>
+                <a:spcPct val="90000"/>
+              </a:lnSpc>
+              <a:spcBef>
+                <a:spcPts val="500"/>
+              </a:spcBef>
+              <a:buFont typeface="Arial" panose="020B0604020202020204" pitchFamily="34" charset="0"/>
+              <a:buNone/>
+              <a:defRPr sz="1600" kern="1200">
+                <a:solidFill>
+                  <a:schemeClr val="dk1"/>
+                </a:solidFill>
+                <a:latin typeface="+mn-lt"/>
+                <a:ea typeface="+mn-ea"/>
+                <a:cs typeface="+mn-cs"/>
+              </a:defRPr>
+            </a:lvl6pPr>
+            <a:lvl7pPr marL="2743200" indent="0" algn="ctr" defTabSz="914400" rtl="0" eaLnBrk="1" latinLnBrk="0" hangingPunct="1">
+              <a:lnSpc>
+                <a:spcPct val="90000"/>
+              </a:lnSpc>
+              <a:spcBef>
+                <a:spcPts val="500"/>
+              </a:spcBef>
+              <a:buFont typeface="Arial" panose="020B0604020202020204" pitchFamily="34" charset="0"/>
+              <a:buNone/>
+              <a:defRPr sz="1600" kern="1200">
+                <a:solidFill>
+                  <a:schemeClr val="dk1"/>
+                </a:solidFill>
+                <a:latin typeface="+mn-lt"/>
+                <a:ea typeface="+mn-ea"/>
+                <a:cs typeface="+mn-cs"/>
+              </a:defRPr>
+            </a:lvl7pPr>
+            <a:lvl8pPr marL="3200400" indent="0" algn="ctr" defTabSz="914400" rtl="0" eaLnBrk="1" latinLnBrk="0" hangingPunct="1">
+              <a:lnSpc>
+                <a:spcPct val="90000"/>
+              </a:lnSpc>
+              <a:spcBef>
+                <a:spcPts val="500"/>
+              </a:spcBef>
+              <a:buFont typeface="Arial" panose="020B0604020202020204" pitchFamily="34" charset="0"/>
+              <a:buNone/>
+              <a:defRPr sz="1600" kern="1200">
+                <a:solidFill>
+                  <a:schemeClr val="dk1"/>
+                </a:solidFill>
+                <a:latin typeface="+mn-lt"/>
+                <a:ea typeface="+mn-ea"/>
+                <a:cs typeface="+mn-cs"/>
+              </a:defRPr>
+            </a:lvl8pPr>
+            <a:lvl9pPr marL="3657600" indent="0" algn="ctr" defTabSz="914400" rtl="0" eaLnBrk="1" latinLnBrk="0" hangingPunct="1">
+              <a:lnSpc>
+                <a:spcPct val="90000"/>
+              </a:lnSpc>
+              <a:spcBef>
+                <a:spcPts val="500"/>
+              </a:spcBef>
+              <a:buFont typeface="Arial" panose="020B0604020202020204" pitchFamily="34" charset="0"/>
+              <a:buNone/>
+              <a:defRPr sz="1600" kern="1200">
+                <a:solidFill>
+                  <a:schemeClr val="dk1"/>
+                </a:solidFill>
+                <a:latin typeface="+mn-lt"/>
+                <a:ea typeface="+mn-ea"/>
+                <a:cs typeface="+mn-cs"/>
+              </a:defRPr>
+            </a:lvl9pPr>
+          </a:lstStyle>
+          <a:p>
+            <a:r>
+              <a:rPr lang="es-ES" sz="1800" b="1" dirty="0">
+                <a:solidFill>
+                  <a:srgbClr val="118DFF"/>
+                </a:solidFill>
+                <a:latin typeface="wf_standard-font"/>
+              </a:rPr>
+              <a:t>INSIGHTS</a:t>
+            </a:r>
+            <a:endParaRPr lang="es-AR" dirty="0"/>
+          </a:p>
+        </p:txBody>
+      </p:sp>
+      <p:sp>
+        <p:nvSpPr>
+          <p:cNvPr id="9" name="Subtítulo 2">
+            <a:extLst>
+              <a:ext uri="{FF2B5EF4-FFF2-40B4-BE49-F238E27FC236}">
+                <a16:creationId xmlns:a16="http://schemas.microsoft.com/office/drawing/2014/main" id="{9C95FECC-47BE-278E-171E-360244FE25EE}"/>
+              </a:ext>
+            </a:extLst>
+          </p:cNvPr>
+          <p:cNvSpPr txBox="1">
+            <a:spLocks/>
+          </p:cNvSpPr>
+          <p:nvPr/>
+        </p:nvSpPr>
+        <p:spPr>
+          <a:xfrm>
+            <a:off x="7748512" y="3653456"/>
+            <a:ext cx="1614062" cy="367619"/>
+          </a:xfrm>
+          <a:prstGeom prst="rect">
+            <a:avLst/>
+          </a:prstGeom>
+          <a:effectLst>
+            <a:outerShdw blurRad="50800" dist="38100" dir="2700000" algn="tl" rotWithShape="0">
+              <a:prstClr val="black">
+                <a:alpha val="40000"/>
+              </a:prstClr>
+            </a:outerShdw>
+          </a:effectLst>
+        </p:spPr>
+        <p:style>
+          <a:lnRef idx="2">
+            <a:schemeClr val="dk1"/>
+          </a:lnRef>
+          <a:fillRef idx="1">
+            <a:schemeClr val="lt1"/>
+          </a:fillRef>
+          <a:effectRef idx="0">
+            <a:schemeClr val="dk1"/>
+          </a:effectRef>
+          <a:fontRef idx="minor">
+            <a:schemeClr val="dk1"/>
+          </a:fontRef>
+        </p:style>
+        <p:txBody>
+          <a:bodyPr vert="horz" lIns="91440" tIns="45720" rIns="91440" bIns="45720" rtlCol="0" anchor="ctr">
+            <a:normAutofit fontScale="85000" lnSpcReduction="10000"/>
+          </a:bodyPr>
+          <a:lstStyle>
+            <a:lvl1pPr marL="0" indent="0" algn="ctr" defTabSz="914400" rtl="0" eaLnBrk="1" latinLnBrk="0" hangingPunct="1">
+              <a:lnSpc>
+                <a:spcPct val="90000"/>
+              </a:lnSpc>
+              <a:spcBef>
+                <a:spcPts val="1000"/>
+              </a:spcBef>
+              <a:buFont typeface="Arial" panose="020B0604020202020204" pitchFamily="34" charset="0"/>
+              <a:buNone/>
+              <a:defRPr sz="2400" kern="1200">
+                <a:solidFill>
+                  <a:schemeClr val="dk1"/>
+                </a:solidFill>
+                <a:latin typeface="+mn-lt"/>
+                <a:ea typeface="+mn-ea"/>
+                <a:cs typeface="+mn-cs"/>
+              </a:defRPr>
+            </a:lvl1pPr>
+            <a:lvl2pPr marL="457200" indent="0" algn="ctr" defTabSz="914400" rtl="0" eaLnBrk="1" latinLnBrk="0" hangingPunct="1">
+              <a:lnSpc>
+                <a:spcPct val="90000"/>
+              </a:lnSpc>
+              <a:spcBef>
+                <a:spcPts val="500"/>
+              </a:spcBef>
+              <a:buFont typeface="Arial" panose="020B0604020202020204" pitchFamily="34" charset="0"/>
+              <a:buNone/>
+              <a:defRPr sz="2000" kern="1200">
+                <a:solidFill>
+                  <a:schemeClr val="dk1"/>
+                </a:solidFill>
+                <a:latin typeface="+mn-lt"/>
+                <a:ea typeface="+mn-ea"/>
+                <a:cs typeface="+mn-cs"/>
+              </a:defRPr>
+            </a:lvl2pPr>
+            <a:lvl3pPr marL="914400" indent="0" algn="ctr" defTabSz="914400" rtl="0" eaLnBrk="1" latinLnBrk="0" hangingPunct="1">
+              <a:lnSpc>
+                <a:spcPct val="90000"/>
+              </a:lnSpc>
+              <a:spcBef>
+                <a:spcPts val="500"/>
+              </a:spcBef>
+              <a:buFont typeface="Arial" panose="020B0604020202020204" pitchFamily="34" charset="0"/>
+              <a:buNone/>
+              <a:defRPr sz="1800" kern="1200">
+                <a:solidFill>
+                  <a:schemeClr val="dk1"/>
+                </a:solidFill>
+                <a:latin typeface="+mn-lt"/>
+                <a:ea typeface="+mn-ea"/>
+                <a:cs typeface="+mn-cs"/>
+              </a:defRPr>
+            </a:lvl3pPr>
+            <a:lvl4pPr marL="1371600" indent="0" algn="ctr" defTabSz="914400" rtl="0" eaLnBrk="1" latinLnBrk="0" hangingPunct="1">
+              <a:lnSpc>
+                <a:spcPct val="90000"/>
+              </a:lnSpc>
+              <a:spcBef>
+                <a:spcPts val="500"/>
+              </a:spcBef>
+              <a:buFont typeface="Arial" panose="020B0604020202020204" pitchFamily="34" charset="0"/>
+              <a:buNone/>
+              <a:defRPr sz="1600" kern="1200">
+                <a:solidFill>
+                  <a:schemeClr val="dk1"/>
+                </a:solidFill>
+                <a:latin typeface="+mn-lt"/>
+                <a:ea typeface="+mn-ea"/>
+                <a:cs typeface="+mn-cs"/>
+              </a:defRPr>
+            </a:lvl4pPr>
+            <a:lvl5pPr marL="1828800" indent="0" algn="ctr" defTabSz="914400" rtl="0" eaLnBrk="1" latinLnBrk="0" hangingPunct="1">
+              <a:lnSpc>
+                <a:spcPct val="90000"/>
+              </a:lnSpc>
+              <a:spcBef>
+                <a:spcPts val="500"/>
+              </a:spcBef>
+              <a:buFont typeface="Arial" panose="020B0604020202020204" pitchFamily="34" charset="0"/>
+              <a:buNone/>
+              <a:defRPr sz="1600" kern="1200">
+                <a:solidFill>
+                  <a:schemeClr val="dk1"/>
+                </a:solidFill>
+                <a:latin typeface="+mn-lt"/>
+                <a:ea typeface="+mn-ea"/>
+                <a:cs typeface="+mn-cs"/>
+              </a:defRPr>
+            </a:lvl5pPr>
+            <a:lvl6pPr marL="2286000" indent="0" algn="ctr" defTabSz="914400" rtl="0" eaLnBrk="1" latinLnBrk="0" hangingPunct="1">
+              <a:lnSpc>
+                <a:spcPct val="90000"/>
+              </a:lnSpc>
+              <a:spcBef>
+                <a:spcPts val="500"/>
+              </a:spcBef>
+              <a:buFont typeface="Arial" panose="020B0604020202020204" pitchFamily="34" charset="0"/>
+              <a:buNone/>
+              <a:defRPr sz="1600" kern="1200">
+                <a:solidFill>
+                  <a:schemeClr val="dk1"/>
+                </a:solidFill>
+                <a:latin typeface="+mn-lt"/>
+                <a:ea typeface="+mn-ea"/>
+                <a:cs typeface="+mn-cs"/>
+              </a:defRPr>
+            </a:lvl6pPr>
+            <a:lvl7pPr marL="2743200" indent="0" algn="ctr" defTabSz="914400" rtl="0" eaLnBrk="1" latinLnBrk="0" hangingPunct="1">
+              <a:lnSpc>
+                <a:spcPct val="90000"/>
+              </a:lnSpc>
+              <a:spcBef>
+                <a:spcPts val="500"/>
+              </a:spcBef>
+              <a:buFont typeface="Arial" panose="020B0604020202020204" pitchFamily="34" charset="0"/>
+              <a:buNone/>
+              <a:defRPr sz="1600" kern="1200">
+                <a:solidFill>
+                  <a:schemeClr val="dk1"/>
+                </a:solidFill>
+                <a:latin typeface="+mn-lt"/>
+                <a:ea typeface="+mn-ea"/>
+                <a:cs typeface="+mn-cs"/>
+              </a:defRPr>
+            </a:lvl7pPr>
+            <a:lvl8pPr marL="3200400" indent="0" algn="ctr" defTabSz="914400" rtl="0" eaLnBrk="1" latinLnBrk="0" hangingPunct="1">
+              <a:lnSpc>
+                <a:spcPct val="90000"/>
+              </a:lnSpc>
+              <a:spcBef>
+                <a:spcPts val="500"/>
+              </a:spcBef>
+              <a:buFont typeface="Arial" panose="020B0604020202020204" pitchFamily="34" charset="0"/>
+              <a:buNone/>
+              <a:defRPr sz="1600" kern="1200">
+                <a:solidFill>
+                  <a:schemeClr val="dk1"/>
+                </a:solidFill>
+                <a:latin typeface="+mn-lt"/>
+                <a:ea typeface="+mn-ea"/>
+                <a:cs typeface="+mn-cs"/>
+              </a:defRPr>
+            </a:lvl8pPr>
+            <a:lvl9pPr marL="3657600" indent="0" algn="ctr" defTabSz="914400" rtl="0" eaLnBrk="1" latinLnBrk="0" hangingPunct="1">
+              <a:lnSpc>
+                <a:spcPct val="90000"/>
+              </a:lnSpc>
+              <a:spcBef>
+                <a:spcPts val="500"/>
+              </a:spcBef>
+              <a:buFont typeface="Arial" panose="020B0604020202020204" pitchFamily="34" charset="0"/>
+              <a:buNone/>
+              <a:defRPr sz="1600" kern="1200">
+                <a:solidFill>
+                  <a:schemeClr val="dk1"/>
+                </a:solidFill>
+                <a:latin typeface="+mn-lt"/>
+                <a:ea typeface="+mn-ea"/>
+                <a:cs typeface="+mn-cs"/>
+              </a:defRPr>
+            </a:lvl9pPr>
+          </a:lstStyle>
+          <a:p>
+            <a:r>
+              <a:rPr lang="es-ES" sz="1800" b="1" dirty="0">
+                <a:solidFill>
+                  <a:srgbClr val="118DFF"/>
+                </a:solidFill>
+                <a:latin typeface="wf_standard-font"/>
+              </a:rPr>
+              <a:t>CALL TO ACTION</a:t>
+            </a:r>
+            <a:endParaRPr lang="es-AR" dirty="0"/>
+          </a:p>
+        </p:txBody>
+      </p:sp>
+      <p:sp>
+        <p:nvSpPr>
+          <p:cNvPr id="11" name="Subtítulo 2">
+            <a:extLst>
+              <a:ext uri="{FF2B5EF4-FFF2-40B4-BE49-F238E27FC236}">
+                <a16:creationId xmlns:a16="http://schemas.microsoft.com/office/drawing/2014/main" id="{2589BAB6-BFC0-64E2-7827-F05513D8EF34}"/>
+              </a:ext>
+            </a:extLst>
+          </p:cNvPr>
+          <p:cNvSpPr txBox="1">
+            <a:spLocks/>
+          </p:cNvSpPr>
+          <p:nvPr/>
+        </p:nvSpPr>
+        <p:spPr>
+          <a:xfrm>
+            <a:off x="2325798" y="1334031"/>
+            <a:ext cx="1217804" cy="306830"/>
+          </a:xfrm>
+          <a:prstGeom prst="rect">
+            <a:avLst/>
+          </a:prstGeom>
+          <a:effectLst>
+            <a:outerShdw blurRad="50800" dist="38100" dir="2700000" algn="tl" rotWithShape="0">
+              <a:prstClr val="black">
+                <a:alpha val="40000"/>
+              </a:prstClr>
+            </a:outerShdw>
+          </a:effectLst>
+        </p:spPr>
+        <p:style>
+          <a:lnRef idx="2">
+            <a:schemeClr val="dk1"/>
+          </a:lnRef>
+          <a:fillRef idx="1">
+            <a:schemeClr val="lt1"/>
+          </a:fillRef>
+          <a:effectRef idx="0">
+            <a:schemeClr val="dk1"/>
+          </a:effectRef>
+          <a:fontRef idx="minor">
+            <a:schemeClr val="dk1"/>
+          </a:fontRef>
+        </p:style>
+        <p:txBody>
+          <a:bodyPr vert="horz" lIns="91440" tIns="45720" rIns="91440" bIns="45720" rtlCol="0" anchor="ctr">
+            <a:normAutofit/>
+          </a:bodyPr>
+          <a:lstStyle>
+            <a:lvl1pPr marL="0" indent="0" algn="ctr" defTabSz="914400" rtl="0" eaLnBrk="1" latinLnBrk="0" hangingPunct="1">
+              <a:lnSpc>
+                <a:spcPct val="90000"/>
+              </a:lnSpc>
+              <a:spcBef>
+                <a:spcPts val="1000"/>
+              </a:spcBef>
+              <a:buFont typeface="Arial" panose="020B0604020202020204" pitchFamily="34" charset="0"/>
+              <a:buNone/>
+              <a:defRPr sz="2400" kern="1200">
+                <a:solidFill>
+                  <a:schemeClr val="dk1"/>
+                </a:solidFill>
+                <a:latin typeface="+mn-lt"/>
+                <a:ea typeface="+mn-ea"/>
+                <a:cs typeface="+mn-cs"/>
+              </a:defRPr>
+            </a:lvl1pPr>
+            <a:lvl2pPr marL="457200" indent="0" algn="ctr" defTabSz="914400" rtl="0" eaLnBrk="1" latinLnBrk="0" hangingPunct="1">
+              <a:lnSpc>
+                <a:spcPct val="90000"/>
+              </a:lnSpc>
+              <a:spcBef>
+                <a:spcPts val="500"/>
+              </a:spcBef>
+              <a:buFont typeface="Arial" panose="020B0604020202020204" pitchFamily="34" charset="0"/>
+              <a:buNone/>
+              <a:defRPr sz="2000" kern="1200">
+                <a:solidFill>
+                  <a:schemeClr val="dk1"/>
+                </a:solidFill>
+                <a:latin typeface="+mn-lt"/>
+                <a:ea typeface="+mn-ea"/>
+                <a:cs typeface="+mn-cs"/>
+              </a:defRPr>
+            </a:lvl2pPr>
+            <a:lvl3pPr marL="914400" indent="0" algn="ctr" defTabSz="914400" rtl="0" eaLnBrk="1" latinLnBrk="0" hangingPunct="1">
+              <a:lnSpc>
+                <a:spcPct val="90000"/>
+              </a:lnSpc>
+              <a:spcBef>
+                <a:spcPts val="500"/>
+              </a:spcBef>
+              <a:buFont typeface="Arial" panose="020B0604020202020204" pitchFamily="34" charset="0"/>
+              <a:buNone/>
+              <a:defRPr sz="1800" kern="1200">
+                <a:solidFill>
+                  <a:schemeClr val="dk1"/>
+                </a:solidFill>
+                <a:latin typeface="+mn-lt"/>
+                <a:ea typeface="+mn-ea"/>
+                <a:cs typeface="+mn-cs"/>
+              </a:defRPr>
+            </a:lvl3pPr>
+            <a:lvl4pPr marL="1371600" indent="0" algn="ctr" defTabSz="914400" rtl="0" eaLnBrk="1" latinLnBrk="0" hangingPunct="1">
+              <a:lnSpc>
+                <a:spcPct val="90000"/>
+              </a:lnSpc>
+              <a:spcBef>
+                <a:spcPts val="500"/>
+              </a:spcBef>
+              <a:buFont typeface="Arial" panose="020B0604020202020204" pitchFamily="34" charset="0"/>
+              <a:buNone/>
+              <a:defRPr sz="1600" kern="1200">
+                <a:solidFill>
+                  <a:schemeClr val="dk1"/>
+                </a:solidFill>
+                <a:latin typeface="+mn-lt"/>
+                <a:ea typeface="+mn-ea"/>
+                <a:cs typeface="+mn-cs"/>
+              </a:defRPr>
+            </a:lvl4pPr>
+            <a:lvl5pPr marL="1828800" indent="0" algn="ctr" defTabSz="914400" rtl="0" eaLnBrk="1" latinLnBrk="0" hangingPunct="1">
+              <a:lnSpc>
+                <a:spcPct val="90000"/>
+              </a:lnSpc>
+              <a:spcBef>
+                <a:spcPts val="500"/>
+              </a:spcBef>
+              <a:buFont typeface="Arial" panose="020B0604020202020204" pitchFamily="34" charset="0"/>
+              <a:buNone/>
+              <a:defRPr sz="1600" kern="1200">
+                <a:solidFill>
+                  <a:schemeClr val="dk1"/>
+                </a:solidFill>
+                <a:latin typeface="+mn-lt"/>
+                <a:ea typeface="+mn-ea"/>
+                <a:cs typeface="+mn-cs"/>
+              </a:defRPr>
+            </a:lvl5pPr>
+            <a:lvl6pPr marL="2286000" indent="0" algn="ctr" defTabSz="914400" rtl="0" eaLnBrk="1" latinLnBrk="0" hangingPunct="1">
+              <a:lnSpc>
+                <a:spcPct val="90000"/>
+              </a:lnSpc>
+              <a:spcBef>
+                <a:spcPts val="500"/>
+              </a:spcBef>
+              <a:buFont typeface="Arial" panose="020B0604020202020204" pitchFamily="34" charset="0"/>
+              <a:buNone/>
+              <a:defRPr sz="1600" kern="1200">
+                <a:solidFill>
+                  <a:schemeClr val="dk1"/>
+                </a:solidFill>
+                <a:latin typeface="+mn-lt"/>
+                <a:ea typeface="+mn-ea"/>
+                <a:cs typeface="+mn-cs"/>
+              </a:defRPr>
+            </a:lvl6pPr>
+            <a:lvl7pPr marL="2743200" indent="0" algn="ctr" defTabSz="914400" rtl="0" eaLnBrk="1" latinLnBrk="0" hangingPunct="1">
+              <a:lnSpc>
+                <a:spcPct val="90000"/>
+              </a:lnSpc>
+              <a:spcBef>
+                <a:spcPts val="500"/>
+              </a:spcBef>
+              <a:buFont typeface="Arial" panose="020B0604020202020204" pitchFamily="34" charset="0"/>
+              <a:buNone/>
+              <a:defRPr sz="1600" kern="1200">
+                <a:solidFill>
+                  <a:schemeClr val="dk1"/>
+                </a:solidFill>
+                <a:latin typeface="+mn-lt"/>
+                <a:ea typeface="+mn-ea"/>
+                <a:cs typeface="+mn-cs"/>
+              </a:defRPr>
+            </a:lvl7pPr>
+            <a:lvl8pPr marL="3200400" indent="0" algn="ctr" defTabSz="914400" rtl="0" eaLnBrk="1" latinLnBrk="0" hangingPunct="1">
+              <a:lnSpc>
+                <a:spcPct val="90000"/>
+              </a:lnSpc>
+              <a:spcBef>
+                <a:spcPts val="500"/>
+              </a:spcBef>
+              <a:buFont typeface="Arial" panose="020B0604020202020204" pitchFamily="34" charset="0"/>
+              <a:buNone/>
+              <a:defRPr sz="1600" kern="1200">
+                <a:solidFill>
+                  <a:schemeClr val="dk1"/>
+                </a:solidFill>
+                <a:latin typeface="+mn-lt"/>
+                <a:ea typeface="+mn-ea"/>
+                <a:cs typeface="+mn-cs"/>
+              </a:defRPr>
+            </a:lvl8pPr>
+            <a:lvl9pPr marL="3657600" indent="0" algn="ctr" defTabSz="914400" rtl="0" eaLnBrk="1" latinLnBrk="0" hangingPunct="1">
+              <a:lnSpc>
+                <a:spcPct val="90000"/>
+              </a:lnSpc>
+              <a:spcBef>
+                <a:spcPts val="500"/>
+              </a:spcBef>
+              <a:buFont typeface="Arial" panose="020B0604020202020204" pitchFamily="34" charset="0"/>
+              <a:buNone/>
+              <a:defRPr sz="1600" kern="1200">
+                <a:solidFill>
+                  <a:schemeClr val="dk1"/>
+                </a:solidFill>
+                <a:latin typeface="+mn-lt"/>
+                <a:ea typeface="+mn-ea"/>
+                <a:cs typeface="+mn-cs"/>
+              </a:defRPr>
+            </a:lvl9pPr>
+          </a:lstStyle>
+          <a:p>
+            <a:r>
+              <a:rPr lang="es-ES" sz="1400" b="1" dirty="0">
+                <a:solidFill>
+                  <a:srgbClr val="118DFF"/>
+                </a:solidFill>
+                <a:latin typeface="wf_standard-font"/>
+              </a:rPr>
+              <a:t>MUJERES</a:t>
+            </a:r>
+            <a:endParaRPr lang="es-AR" dirty="0"/>
+          </a:p>
+        </p:txBody>
+      </p:sp>
+      <p:sp>
+        <p:nvSpPr>
+          <p:cNvPr id="16" name="Subtítulo 2">
+            <a:extLst>
+              <a:ext uri="{FF2B5EF4-FFF2-40B4-BE49-F238E27FC236}">
+                <a16:creationId xmlns:a16="http://schemas.microsoft.com/office/drawing/2014/main" id="{19EC38F3-6A14-4533-C362-7E8CDA12BDCC}"/>
+              </a:ext>
+            </a:extLst>
+          </p:cNvPr>
+          <p:cNvSpPr txBox="1">
+            <a:spLocks/>
+          </p:cNvSpPr>
+          <p:nvPr/>
+        </p:nvSpPr>
+        <p:spPr>
+          <a:xfrm>
+            <a:off x="2325798" y="3714801"/>
+            <a:ext cx="1217804" cy="306830"/>
+          </a:xfrm>
+          <a:prstGeom prst="rect">
+            <a:avLst/>
+          </a:prstGeom>
+          <a:effectLst>
+            <a:outerShdw blurRad="50800" dist="38100" dir="2700000" algn="tl" rotWithShape="0">
+              <a:prstClr val="black">
+                <a:alpha val="40000"/>
+              </a:prstClr>
+            </a:outerShdw>
+          </a:effectLst>
+        </p:spPr>
+        <p:style>
+          <a:lnRef idx="2">
+            <a:schemeClr val="dk1"/>
+          </a:lnRef>
+          <a:fillRef idx="1">
+            <a:schemeClr val="lt1"/>
+          </a:fillRef>
+          <a:effectRef idx="0">
+            <a:schemeClr val="dk1"/>
+          </a:effectRef>
+          <a:fontRef idx="minor">
+            <a:schemeClr val="dk1"/>
+          </a:fontRef>
+        </p:style>
+        <p:txBody>
+          <a:bodyPr vert="horz" lIns="91440" tIns="45720" rIns="91440" bIns="45720" rtlCol="0" anchor="ctr">
+            <a:normAutofit/>
+          </a:bodyPr>
+          <a:lstStyle>
+            <a:lvl1pPr marL="0" indent="0" algn="ctr" defTabSz="914400" rtl="0" eaLnBrk="1" latinLnBrk="0" hangingPunct="1">
+              <a:lnSpc>
+                <a:spcPct val="90000"/>
+              </a:lnSpc>
+              <a:spcBef>
+                <a:spcPts val="1000"/>
+              </a:spcBef>
+              <a:buFont typeface="Arial" panose="020B0604020202020204" pitchFamily="34" charset="0"/>
+              <a:buNone/>
+              <a:defRPr sz="2400" kern="1200">
+                <a:solidFill>
+                  <a:schemeClr val="dk1"/>
+                </a:solidFill>
+                <a:latin typeface="+mn-lt"/>
+                <a:ea typeface="+mn-ea"/>
+                <a:cs typeface="+mn-cs"/>
+              </a:defRPr>
+            </a:lvl1pPr>
+            <a:lvl2pPr marL="457200" indent="0" algn="ctr" defTabSz="914400" rtl="0" eaLnBrk="1" latinLnBrk="0" hangingPunct="1">
+              <a:lnSpc>
+                <a:spcPct val="90000"/>
+              </a:lnSpc>
+              <a:spcBef>
+                <a:spcPts val="500"/>
+              </a:spcBef>
+              <a:buFont typeface="Arial" panose="020B0604020202020204" pitchFamily="34" charset="0"/>
+              <a:buNone/>
+              <a:defRPr sz="2000" kern="1200">
+                <a:solidFill>
+                  <a:schemeClr val="dk1"/>
+                </a:solidFill>
+                <a:latin typeface="+mn-lt"/>
+                <a:ea typeface="+mn-ea"/>
+                <a:cs typeface="+mn-cs"/>
+              </a:defRPr>
+            </a:lvl2pPr>
+            <a:lvl3pPr marL="914400" indent="0" algn="ctr" defTabSz="914400" rtl="0" eaLnBrk="1" latinLnBrk="0" hangingPunct="1">
+              <a:lnSpc>
+                <a:spcPct val="90000"/>
+              </a:lnSpc>
+              <a:spcBef>
+                <a:spcPts val="500"/>
+              </a:spcBef>
+              <a:buFont typeface="Arial" panose="020B0604020202020204" pitchFamily="34" charset="0"/>
+              <a:buNone/>
+              <a:defRPr sz="1800" kern="1200">
+                <a:solidFill>
+                  <a:schemeClr val="dk1"/>
+                </a:solidFill>
+                <a:latin typeface="+mn-lt"/>
+                <a:ea typeface="+mn-ea"/>
+                <a:cs typeface="+mn-cs"/>
+              </a:defRPr>
+            </a:lvl3pPr>
+            <a:lvl4pPr marL="1371600" indent="0" algn="ctr" defTabSz="914400" rtl="0" eaLnBrk="1" latinLnBrk="0" hangingPunct="1">
+              <a:lnSpc>
+                <a:spcPct val="90000"/>
+              </a:lnSpc>
+              <a:spcBef>
+                <a:spcPts val="500"/>
+              </a:spcBef>
+              <a:buFont typeface="Arial" panose="020B0604020202020204" pitchFamily="34" charset="0"/>
+              <a:buNone/>
+              <a:defRPr sz="1600" kern="1200">
+                <a:solidFill>
+                  <a:schemeClr val="dk1"/>
+                </a:solidFill>
+                <a:latin typeface="+mn-lt"/>
+                <a:ea typeface="+mn-ea"/>
+                <a:cs typeface="+mn-cs"/>
+              </a:defRPr>
+            </a:lvl4pPr>
+            <a:lvl5pPr marL="1828800" indent="0" algn="ctr" defTabSz="914400" rtl="0" eaLnBrk="1" latinLnBrk="0" hangingPunct="1">
+              <a:lnSpc>
+                <a:spcPct val="90000"/>
+              </a:lnSpc>
+              <a:spcBef>
+                <a:spcPts val="500"/>
+              </a:spcBef>
+              <a:buFont typeface="Arial" panose="020B0604020202020204" pitchFamily="34" charset="0"/>
+              <a:buNone/>
+              <a:defRPr sz="1600" kern="1200">
+                <a:solidFill>
+                  <a:schemeClr val="dk1"/>
+                </a:solidFill>
+                <a:latin typeface="+mn-lt"/>
+                <a:ea typeface="+mn-ea"/>
+                <a:cs typeface="+mn-cs"/>
+              </a:defRPr>
+            </a:lvl5pPr>
+            <a:lvl6pPr marL="2286000" indent="0" algn="ctr" defTabSz="914400" rtl="0" eaLnBrk="1" latinLnBrk="0" hangingPunct="1">
+              <a:lnSpc>
+                <a:spcPct val="90000"/>
+              </a:lnSpc>
+              <a:spcBef>
+                <a:spcPts val="500"/>
+              </a:spcBef>
+              <a:buFont typeface="Arial" panose="020B0604020202020204" pitchFamily="34" charset="0"/>
+              <a:buNone/>
+              <a:defRPr sz="1600" kern="1200">
+                <a:solidFill>
+                  <a:schemeClr val="dk1"/>
+                </a:solidFill>
+                <a:latin typeface="+mn-lt"/>
+                <a:ea typeface="+mn-ea"/>
+                <a:cs typeface="+mn-cs"/>
+              </a:defRPr>
+            </a:lvl6pPr>
+            <a:lvl7pPr marL="2743200" indent="0" algn="ctr" defTabSz="914400" rtl="0" eaLnBrk="1" latinLnBrk="0" hangingPunct="1">
+              <a:lnSpc>
+                <a:spcPct val="90000"/>
+              </a:lnSpc>
+              <a:spcBef>
+                <a:spcPts val="500"/>
+              </a:spcBef>
+              <a:buFont typeface="Arial" panose="020B0604020202020204" pitchFamily="34" charset="0"/>
+              <a:buNone/>
+              <a:defRPr sz="1600" kern="1200">
+                <a:solidFill>
+                  <a:schemeClr val="dk1"/>
+                </a:solidFill>
+                <a:latin typeface="+mn-lt"/>
+                <a:ea typeface="+mn-ea"/>
+                <a:cs typeface="+mn-cs"/>
+              </a:defRPr>
+            </a:lvl7pPr>
+            <a:lvl8pPr marL="3200400" indent="0" algn="ctr" defTabSz="914400" rtl="0" eaLnBrk="1" latinLnBrk="0" hangingPunct="1">
+              <a:lnSpc>
+                <a:spcPct val="90000"/>
+              </a:lnSpc>
+              <a:spcBef>
+                <a:spcPts val="500"/>
+              </a:spcBef>
+              <a:buFont typeface="Arial" panose="020B0604020202020204" pitchFamily="34" charset="0"/>
+              <a:buNone/>
+              <a:defRPr sz="1600" kern="1200">
+                <a:solidFill>
+                  <a:schemeClr val="dk1"/>
+                </a:solidFill>
+                <a:latin typeface="+mn-lt"/>
+                <a:ea typeface="+mn-ea"/>
+                <a:cs typeface="+mn-cs"/>
+              </a:defRPr>
+            </a:lvl8pPr>
+            <a:lvl9pPr marL="3657600" indent="0" algn="ctr" defTabSz="914400" rtl="0" eaLnBrk="1" latinLnBrk="0" hangingPunct="1">
+              <a:lnSpc>
+                <a:spcPct val="90000"/>
+              </a:lnSpc>
+              <a:spcBef>
+                <a:spcPts val="500"/>
+              </a:spcBef>
+              <a:buFont typeface="Arial" panose="020B0604020202020204" pitchFamily="34" charset="0"/>
+              <a:buNone/>
+              <a:defRPr sz="1600" kern="1200">
+                <a:solidFill>
+                  <a:schemeClr val="dk1"/>
+                </a:solidFill>
+                <a:latin typeface="+mn-lt"/>
+                <a:ea typeface="+mn-ea"/>
+                <a:cs typeface="+mn-cs"/>
+              </a:defRPr>
+            </a:lvl9pPr>
+          </a:lstStyle>
+          <a:p>
+            <a:r>
+              <a:rPr lang="es-ES" sz="1400" b="1" dirty="0">
+                <a:solidFill>
+                  <a:srgbClr val="118DFF"/>
+                </a:solidFill>
+                <a:latin typeface="wf_standard-font"/>
+              </a:rPr>
+              <a:t>HOMBRES</a:t>
+            </a:r>
+            <a:endParaRPr lang="es-AR" dirty="0"/>
+          </a:p>
+        </p:txBody>
+      </p:sp>
+      <p:sp>
+        <p:nvSpPr>
+          <p:cNvPr id="17" name="CuadroTexto 16">
+            <a:extLst>
+              <a:ext uri="{FF2B5EF4-FFF2-40B4-BE49-F238E27FC236}">
+                <a16:creationId xmlns:a16="http://schemas.microsoft.com/office/drawing/2014/main" id="{84D71DCF-7459-0259-35CB-4DEB13E41BE1}"/>
+              </a:ext>
+            </a:extLst>
+          </p:cNvPr>
+          <p:cNvSpPr txBox="1"/>
+          <p:nvPr/>
+        </p:nvSpPr>
+        <p:spPr>
+          <a:xfrm>
+            <a:off x="6323878" y="1910482"/>
+            <a:ext cx="300790" cy="307777"/>
+          </a:xfrm>
+          <a:prstGeom prst="rect">
+            <a:avLst/>
+          </a:prstGeom>
+          <a:noFill/>
+        </p:spPr>
+        <p:txBody>
+          <a:bodyPr wrap="square" rtlCol="0">
+            <a:spAutoFit/>
+          </a:bodyPr>
+          <a:lstStyle/>
+          <a:p>
+            <a:r>
+              <a:rPr lang="es-UY" sz="1400" dirty="0">
+                <a:solidFill>
+                  <a:srgbClr val="118DFF"/>
+                </a:solidFill>
+              </a:rPr>
+              <a:t>+</a:t>
+            </a:r>
+            <a:endParaRPr lang="es-UY" dirty="0">
+              <a:solidFill>
+                <a:srgbClr val="118DFF"/>
+              </a:solidFill>
+            </a:endParaRPr>
+          </a:p>
+        </p:txBody>
+      </p:sp>
+      <p:sp>
+        <p:nvSpPr>
+          <p:cNvPr id="18" name="CuadroTexto 17">
+            <a:extLst>
+              <a:ext uri="{FF2B5EF4-FFF2-40B4-BE49-F238E27FC236}">
+                <a16:creationId xmlns:a16="http://schemas.microsoft.com/office/drawing/2014/main" id="{4D81650B-0615-E5BF-E102-EBF49B6387CC}"/>
+              </a:ext>
+            </a:extLst>
+          </p:cNvPr>
+          <p:cNvSpPr txBox="1"/>
+          <p:nvPr/>
+        </p:nvSpPr>
+        <p:spPr>
+          <a:xfrm>
+            <a:off x="6323878" y="2448376"/>
+            <a:ext cx="300790" cy="307777"/>
+          </a:xfrm>
+          <a:prstGeom prst="rect">
+            <a:avLst/>
+          </a:prstGeom>
+          <a:noFill/>
+        </p:spPr>
+        <p:txBody>
+          <a:bodyPr wrap="square" rtlCol="0">
+            <a:spAutoFit/>
+          </a:bodyPr>
+          <a:lstStyle/>
+          <a:p>
+            <a:r>
+              <a:rPr lang="es-UY" sz="1400" dirty="0">
+                <a:solidFill>
+                  <a:srgbClr val="118DFF"/>
+                </a:solidFill>
+              </a:rPr>
+              <a:t>-</a:t>
+            </a:r>
+          </a:p>
+        </p:txBody>
+      </p:sp>
+      <p:sp>
+        <p:nvSpPr>
+          <p:cNvPr id="19" name="CuadroTexto 18">
+            <a:extLst>
+              <a:ext uri="{FF2B5EF4-FFF2-40B4-BE49-F238E27FC236}">
+                <a16:creationId xmlns:a16="http://schemas.microsoft.com/office/drawing/2014/main" id="{6F2B3DC1-A013-D911-5643-F85BB657C0B9}"/>
+              </a:ext>
+            </a:extLst>
+          </p:cNvPr>
+          <p:cNvSpPr txBox="1"/>
+          <p:nvPr/>
+        </p:nvSpPr>
+        <p:spPr>
+          <a:xfrm>
+            <a:off x="6336808" y="2181748"/>
+            <a:ext cx="300790" cy="307777"/>
+          </a:xfrm>
+          <a:prstGeom prst="rect">
+            <a:avLst/>
+          </a:prstGeom>
+          <a:noFill/>
+        </p:spPr>
+        <p:txBody>
+          <a:bodyPr wrap="square" rtlCol="0">
+            <a:spAutoFit/>
+          </a:bodyPr>
+          <a:lstStyle/>
+          <a:p>
+            <a:r>
+              <a:rPr lang="es-UY" sz="1400" dirty="0">
+                <a:solidFill>
+                  <a:srgbClr val="118DFF"/>
+                </a:solidFill>
+              </a:rPr>
+              <a:t>-</a:t>
+            </a:r>
+          </a:p>
+        </p:txBody>
+      </p:sp>
+      <p:sp>
+        <p:nvSpPr>
+          <p:cNvPr id="20" name="CuadroTexto 19">
+            <a:extLst>
+              <a:ext uri="{FF2B5EF4-FFF2-40B4-BE49-F238E27FC236}">
+                <a16:creationId xmlns:a16="http://schemas.microsoft.com/office/drawing/2014/main" id="{FE3347C3-6A76-DB98-ACF5-087A153BBC80}"/>
+              </a:ext>
+            </a:extLst>
+          </p:cNvPr>
+          <p:cNvSpPr txBox="1"/>
+          <p:nvPr/>
+        </p:nvSpPr>
+        <p:spPr>
+          <a:xfrm>
+            <a:off x="6323878" y="4274339"/>
+            <a:ext cx="300790" cy="307777"/>
+          </a:xfrm>
+          <a:prstGeom prst="rect">
+            <a:avLst/>
+          </a:prstGeom>
+          <a:noFill/>
+        </p:spPr>
+        <p:txBody>
+          <a:bodyPr wrap="square" rtlCol="0">
+            <a:spAutoFit/>
+          </a:bodyPr>
+          <a:lstStyle/>
+          <a:p>
+            <a:r>
+              <a:rPr lang="es-UY" sz="1400" dirty="0">
+                <a:solidFill>
+                  <a:srgbClr val="118DFF"/>
+                </a:solidFill>
+              </a:rPr>
+              <a:t>+</a:t>
+            </a:r>
+            <a:endParaRPr lang="es-UY" dirty="0">
+              <a:solidFill>
+                <a:srgbClr val="118DFF"/>
+              </a:solidFill>
+            </a:endParaRPr>
+          </a:p>
+        </p:txBody>
+      </p:sp>
+      <p:sp>
+        <p:nvSpPr>
+          <p:cNvPr id="21" name="CuadroTexto 20">
+            <a:extLst>
+              <a:ext uri="{FF2B5EF4-FFF2-40B4-BE49-F238E27FC236}">
+                <a16:creationId xmlns:a16="http://schemas.microsoft.com/office/drawing/2014/main" id="{22F3BCC4-A729-B73A-6AA8-F519A95B3D28}"/>
+              </a:ext>
+            </a:extLst>
+          </p:cNvPr>
+          <p:cNvSpPr txBox="1"/>
+          <p:nvPr/>
+        </p:nvSpPr>
+        <p:spPr>
+          <a:xfrm>
+            <a:off x="6336808" y="5006191"/>
+            <a:ext cx="300790" cy="307777"/>
+          </a:xfrm>
+          <a:prstGeom prst="rect">
+            <a:avLst/>
+          </a:prstGeom>
+          <a:noFill/>
+        </p:spPr>
+        <p:txBody>
+          <a:bodyPr wrap="square" rtlCol="0">
+            <a:spAutoFit/>
+          </a:bodyPr>
+          <a:lstStyle/>
+          <a:p>
+            <a:r>
+              <a:rPr lang="es-UY" sz="1400" dirty="0">
+                <a:solidFill>
+                  <a:srgbClr val="118DFF"/>
+                </a:solidFill>
+              </a:rPr>
+              <a:t>-</a:t>
+            </a:r>
+          </a:p>
+        </p:txBody>
+      </p:sp>
+      <p:sp>
+        <p:nvSpPr>
+          <p:cNvPr id="22" name="CuadroTexto 21">
+            <a:extLst>
+              <a:ext uri="{FF2B5EF4-FFF2-40B4-BE49-F238E27FC236}">
+                <a16:creationId xmlns:a16="http://schemas.microsoft.com/office/drawing/2014/main" id="{71277B26-B6A0-1F74-A8D0-5D36CC5C619E}"/>
+              </a:ext>
+            </a:extLst>
+          </p:cNvPr>
+          <p:cNvSpPr txBox="1"/>
+          <p:nvPr/>
+        </p:nvSpPr>
+        <p:spPr>
+          <a:xfrm>
+            <a:off x="6323878" y="4563321"/>
+            <a:ext cx="300790" cy="307777"/>
+          </a:xfrm>
+          <a:prstGeom prst="rect">
+            <a:avLst/>
+          </a:prstGeom>
+          <a:noFill/>
+        </p:spPr>
+        <p:txBody>
+          <a:bodyPr wrap="square" rtlCol="0">
+            <a:spAutoFit/>
+          </a:bodyPr>
+          <a:lstStyle/>
+          <a:p>
+            <a:r>
+              <a:rPr lang="es-UY" sz="1400" dirty="0">
+                <a:solidFill>
+                  <a:srgbClr val="118DFF"/>
+                </a:solidFill>
+              </a:rPr>
+              <a:t>+</a:t>
             </a:r>
           </a:p>
         </p:txBody>
@@ -4951,12 +7513,449 @@
           <a:chExt cx="0" cy="0"/>
         </a:xfrm>
       </p:grpSpPr>
+      <p:sp>
+        <p:nvSpPr>
+          <p:cNvPr id="6" name="Subtítulo 2">
+            <a:extLst>
+              <a:ext uri="{FF2B5EF4-FFF2-40B4-BE49-F238E27FC236}">
+                <a16:creationId xmlns:a16="http://schemas.microsoft.com/office/drawing/2014/main" id="{4F9367DA-2376-BA74-25AF-CFB588C5E9FB}"/>
+              </a:ext>
+            </a:extLst>
+          </p:cNvPr>
+          <p:cNvSpPr txBox="1">
+            <a:spLocks/>
+          </p:cNvSpPr>
+          <p:nvPr/>
+        </p:nvSpPr>
+        <p:spPr>
+          <a:xfrm>
+            <a:off x="6526304" y="1974599"/>
+            <a:ext cx="4058477" cy="584056"/>
+          </a:xfrm>
+          <a:prstGeom prst="rect">
+            <a:avLst/>
+          </a:prstGeom>
+        </p:spPr>
+        <p:txBody>
+          <a:bodyPr vert="horz" lIns="91440" tIns="45720" rIns="91440" bIns="45720" rtlCol="0">
+            <a:normAutofit/>
+          </a:bodyPr>
+          <a:lstStyle>
+            <a:lvl1pPr marL="0" indent="0" algn="ctr" defTabSz="914400" rtl="0" eaLnBrk="1" latinLnBrk="0" hangingPunct="1">
+              <a:lnSpc>
+                <a:spcPct val="90000"/>
+              </a:lnSpc>
+              <a:spcBef>
+                <a:spcPts val="1000"/>
+              </a:spcBef>
+              <a:buFont typeface="Arial" panose="020B0604020202020204" pitchFamily="34" charset="0"/>
+              <a:buNone/>
+              <a:defRPr sz="2400" kern="1200">
+                <a:solidFill>
+                  <a:schemeClr val="tx1"/>
+                </a:solidFill>
+                <a:latin typeface="+mn-lt"/>
+                <a:ea typeface="+mn-ea"/>
+                <a:cs typeface="+mn-cs"/>
+              </a:defRPr>
+            </a:lvl1pPr>
+            <a:lvl2pPr marL="457200" indent="0" algn="ctr" defTabSz="914400" rtl="0" eaLnBrk="1" latinLnBrk="0" hangingPunct="1">
+              <a:lnSpc>
+                <a:spcPct val="90000"/>
+              </a:lnSpc>
+              <a:spcBef>
+                <a:spcPts val="500"/>
+              </a:spcBef>
+              <a:buFont typeface="Arial" panose="020B0604020202020204" pitchFamily="34" charset="0"/>
+              <a:buNone/>
+              <a:defRPr sz="2000" kern="1200">
+                <a:solidFill>
+                  <a:schemeClr val="tx1"/>
+                </a:solidFill>
+                <a:latin typeface="+mn-lt"/>
+                <a:ea typeface="+mn-ea"/>
+                <a:cs typeface="+mn-cs"/>
+              </a:defRPr>
+            </a:lvl2pPr>
+            <a:lvl3pPr marL="914400" indent="0" algn="ctr" defTabSz="914400" rtl="0" eaLnBrk="1" latinLnBrk="0" hangingPunct="1">
+              <a:lnSpc>
+                <a:spcPct val="90000"/>
+              </a:lnSpc>
+              <a:spcBef>
+                <a:spcPts val="500"/>
+              </a:spcBef>
+              <a:buFont typeface="Arial" panose="020B0604020202020204" pitchFamily="34" charset="0"/>
+              <a:buNone/>
+              <a:defRPr sz="1800" kern="1200">
+                <a:solidFill>
+                  <a:schemeClr val="tx1"/>
+                </a:solidFill>
+                <a:latin typeface="+mn-lt"/>
+                <a:ea typeface="+mn-ea"/>
+                <a:cs typeface="+mn-cs"/>
+              </a:defRPr>
+            </a:lvl3pPr>
+            <a:lvl4pPr marL="1371600" indent="0" algn="ctr" defTabSz="914400" rtl="0" eaLnBrk="1" latinLnBrk="0" hangingPunct="1">
+              <a:lnSpc>
+                <a:spcPct val="90000"/>
+              </a:lnSpc>
+              <a:spcBef>
+                <a:spcPts val="500"/>
+              </a:spcBef>
+              <a:buFont typeface="Arial" panose="020B0604020202020204" pitchFamily="34" charset="0"/>
+              <a:buNone/>
+              <a:defRPr sz="1600" kern="1200">
+                <a:solidFill>
+                  <a:schemeClr val="tx1"/>
+                </a:solidFill>
+                <a:latin typeface="+mn-lt"/>
+                <a:ea typeface="+mn-ea"/>
+                <a:cs typeface="+mn-cs"/>
+              </a:defRPr>
+            </a:lvl4pPr>
+            <a:lvl5pPr marL="1828800" indent="0" algn="ctr" defTabSz="914400" rtl="0" eaLnBrk="1" latinLnBrk="0" hangingPunct="1">
+              <a:lnSpc>
+                <a:spcPct val="90000"/>
+              </a:lnSpc>
+              <a:spcBef>
+                <a:spcPts val="500"/>
+              </a:spcBef>
+              <a:buFont typeface="Arial" panose="020B0604020202020204" pitchFamily="34" charset="0"/>
+              <a:buNone/>
+              <a:defRPr sz="1600" kern="1200">
+                <a:solidFill>
+                  <a:schemeClr val="tx1"/>
+                </a:solidFill>
+                <a:latin typeface="+mn-lt"/>
+                <a:ea typeface="+mn-ea"/>
+                <a:cs typeface="+mn-cs"/>
+              </a:defRPr>
+            </a:lvl5pPr>
+            <a:lvl6pPr marL="2286000" indent="0" algn="ctr" defTabSz="914400" rtl="0" eaLnBrk="1" latinLnBrk="0" hangingPunct="1">
+              <a:lnSpc>
+                <a:spcPct val="90000"/>
+              </a:lnSpc>
+              <a:spcBef>
+                <a:spcPts val="500"/>
+              </a:spcBef>
+              <a:buFont typeface="Arial" panose="020B0604020202020204" pitchFamily="34" charset="0"/>
+              <a:buNone/>
+              <a:defRPr sz="1600" kern="1200">
+                <a:solidFill>
+                  <a:schemeClr val="tx1"/>
+                </a:solidFill>
+                <a:latin typeface="+mn-lt"/>
+                <a:ea typeface="+mn-ea"/>
+                <a:cs typeface="+mn-cs"/>
+              </a:defRPr>
+            </a:lvl6pPr>
+            <a:lvl7pPr marL="2743200" indent="0" algn="ctr" defTabSz="914400" rtl="0" eaLnBrk="1" latinLnBrk="0" hangingPunct="1">
+              <a:lnSpc>
+                <a:spcPct val="90000"/>
+              </a:lnSpc>
+              <a:spcBef>
+                <a:spcPts val="500"/>
+              </a:spcBef>
+              <a:buFont typeface="Arial" panose="020B0604020202020204" pitchFamily="34" charset="0"/>
+              <a:buNone/>
+              <a:defRPr sz="1600" kern="1200">
+                <a:solidFill>
+                  <a:schemeClr val="tx1"/>
+                </a:solidFill>
+                <a:latin typeface="+mn-lt"/>
+                <a:ea typeface="+mn-ea"/>
+                <a:cs typeface="+mn-cs"/>
+              </a:defRPr>
+            </a:lvl7pPr>
+            <a:lvl8pPr marL="3200400" indent="0" algn="ctr" defTabSz="914400" rtl="0" eaLnBrk="1" latinLnBrk="0" hangingPunct="1">
+              <a:lnSpc>
+                <a:spcPct val="90000"/>
+              </a:lnSpc>
+              <a:spcBef>
+                <a:spcPts val="500"/>
+              </a:spcBef>
+              <a:buFont typeface="Arial" panose="020B0604020202020204" pitchFamily="34" charset="0"/>
+              <a:buNone/>
+              <a:defRPr sz="1600" kern="1200">
+                <a:solidFill>
+                  <a:schemeClr val="tx1"/>
+                </a:solidFill>
+                <a:latin typeface="+mn-lt"/>
+                <a:ea typeface="+mn-ea"/>
+                <a:cs typeface="+mn-cs"/>
+              </a:defRPr>
+            </a:lvl8pPr>
+            <a:lvl9pPr marL="3657600" indent="0" algn="ctr" defTabSz="914400" rtl="0" eaLnBrk="1" latinLnBrk="0" hangingPunct="1">
+              <a:lnSpc>
+                <a:spcPct val="90000"/>
+              </a:lnSpc>
+              <a:spcBef>
+                <a:spcPts val="500"/>
+              </a:spcBef>
+              <a:buFont typeface="Arial" panose="020B0604020202020204" pitchFamily="34" charset="0"/>
+              <a:buNone/>
+              <a:defRPr sz="1600" kern="1200">
+                <a:solidFill>
+                  <a:schemeClr val="tx1"/>
+                </a:solidFill>
+                <a:latin typeface="+mn-lt"/>
+                <a:ea typeface="+mn-ea"/>
+                <a:cs typeface="+mn-cs"/>
+              </a:defRPr>
+            </a:lvl9pPr>
+          </a:lstStyle>
+          <a:p>
+            <a:pPr algn="l"/>
+            <a:r>
+              <a:rPr lang="es-ES" sz="1200" dirty="0"/>
+              <a:t>El voucher incentiva a comprar de forma online.</a:t>
+            </a:r>
+          </a:p>
+          <a:p>
+            <a:pPr algn="l"/>
+            <a:r>
+              <a:rPr lang="es-ES" sz="1200" dirty="0"/>
+              <a:t>El rango etario que más utiliza el efectivo es el adulto mayor.</a:t>
+            </a:r>
+          </a:p>
+        </p:txBody>
+      </p:sp>
+      <p:sp>
+        <p:nvSpPr>
+          <p:cNvPr id="15" name="Subtítulo 2">
+            <a:extLst>
+              <a:ext uri="{FF2B5EF4-FFF2-40B4-BE49-F238E27FC236}">
+                <a16:creationId xmlns:a16="http://schemas.microsoft.com/office/drawing/2014/main" id="{D3129597-78B9-CA26-1775-497310F0A012}"/>
+              </a:ext>
+            </a:extLst>
+          </p:cNvPr>
+          <p:cNvSpPr txBox="1">
+            <a:spLocks/>
+          </p:cNvSpPr>
+          <p:nvPr/>
+        </p:nvSpPr>
+        <p:spPr>
+          <a:xfrm>
+            <a:off x="6526304" y="4172698"/>
+            <a:ext cx="4990923" cy="836833"/>
+          </a:xfrm>
+          <a:prstGeom prst="rect">
+            <a:avLst/>
+          </a:prstGeom>
+        </p:spPr>
+        <p:txBody>
+          <a:bodyPr vert="horz" lIns="91440" tIns="45720" rIns="91440" bIns="45720" rtlCol="0">
+            <a:noAutofit/>
+          </a:bodyPr>
+          <a:lstStyle>
+            <a:lvl1pPr marL="0" indent="0" algn="ctr" defTabSz="914400" rtl="0" eaLnBrk="1" latinLnBrk="0" hangingPunct="1">
+              <a:lnSpc>
+                <a:spcPct val="90000"/>
+              </a:lnSpc>
+              <a:spcBef>
+                <a:spcPts val="1000"/>
+              </a:spcBef>
+              <a:buFont typeface="Arial" panose="020B0604020202020204" pitchFamily="34" charset="0"/>
+              <a:buNone/>
+              <a:defRPr sz="2400" kern="1200">
+                <a:solidFill>
+                  <a:schemeClr val="tx1"/>
+                </a:solidFill>
+                <a:latin typeface="+mn-lt"/>
+                <a:ea typeface="+mn-ea"/>
+                <a:cs typeface="+mn-cs"/>
+              </a:defRPr>
+            </a:lvl1pPr>
+            <a:lvl2pPr marL="457200" indent="0" algn="ctr" defTabSz="914400" rtl="0" eaLnBrk="1" latinLnBrk="0" hangingPunct="1">
+              <a:lnSpc>
+                <a:spcPct val="90000"/>
+              </a:lnSpc>
+              <a:spcBef>
+                <a:spcPts val="500"/>
+              </a:spcBef>
+              <a:buFont typeface="Arial" panose="020B0604020202020204" pitchFamily="34" charset="0"/>
+              <a:buNone/>
+              <a:defRPr sz="2000" kern="1200">
+                <a:solidFill>
+                  <a:schemeClr val="tx1"/>
+                </a:solidFill>
+                <a:latin typeface="+mn-lt"/>
+                <a:ea typeface="+mn-ea"/>
+                <a:cs typeface="+mn-cs"/>
+              </a:defRPr>
+            </a:lvl2pPr>
+            <a:lvl3pPr marL="914400" indent="0" algn="ctr" defTabSz="914400" rtl="0" eaLnBrk="1" latinLnBrk="0" hangingPunct="1">
+              <a:lnSpc>
+                <a:spcPct val="90000"/>
+              </a:lnSpc>
+              <a:spcBef>
+                <a:spcPts val="500"/>
+              </a:spcBef>
+              <a:buFont typeface="Arial" panose="020B0604020202020204" pitchFamily="34" charset="0"/>
+              <a:buNone/>
+              <a:defRPr sz="1800" kern="1200">
+                <a:solidFill>
+                  <a:schemeClr val="tx1"/>
+                </a:solidFill>
+                <a:latin typeface="+mn-lt"/>
+                <a:ea typeface="+mn-ea"/>
+                <a:cs typeface="+mn-cs"/>
+              </a:defRPr>
+            </a:lvl3pPr>
+            <a:lvl4pPr marL="1371600" indent="0" algn="ctr" defTabSz="914400" rtl="0" eaLnBrk="1" latinLnBrk="0" hangingPunct="1">
+              <a:lnSpc>
+                <a:spcPct val="90000"/>
+              </a:lnSpc>
+              <a:spcBef>
+                <a:spcPts val="500"/>
+              </a:spcBef>
+              <a:buFont typeface="Arial" panose="020B0604020202020204" pitchFamily="34" charset="0"/>
+              <a:buNone/>
+              <a:defRPr sz="1600" kern="1200">
+                <a:solidFill>
+                  <a:schemeClr val="tx1"/>
+                </a:solidFill>
+                <a:latin typeface="+mn-lt"/>
+                <a:ea typeface="+mn-ea"/>
+                <a:cs typeface="+mn-cs"/>
+              </a:defRPr>
+            </a:lvl4pPr>
+            <a:lvl5pPr marL="1828800" indent="0" algn="ctr" defTabSz="914400" rtl="0" eaLnBrk="1" latinLnBrk="0" hangingPunct="1">
+              <a:lnSpc>
+                <a:spcPct val="90000"/>
+              </a:lnSpc>
+              <a:spcBef>
+                <a:spcPts val="500"/>
+              </a:spcBef>
+              <a:buFont typeface="Arial" panose="020B0604020202020204" pitchFamily="34" charset="0"/>
+              <a:buNone/>
+              <a:defRPr sz="1600" kern="1200">
+                <a:solidFill>
+                  <a:schemeClr val="tx1"/>
+                </a:solidFill>
+                <a:latin typeface="+mn-lt"/>
+                <a:ea typeface="+mn-ea"/>
+                <a:cs typeface="+mn-cs"/>
+              </a:defRPr>
+            </a:lvl5pPr>
+            <a:lvl6pPr marL="2286000" indent="0" algn="ctr" defTabSz="914400" rtl="0" eaLnBrk="1" latinLnBrk="0" hangingPunct="1">
+              <a:lnSpc>
+                <a:spcPct val="90000"/>
+              </a:lnSpc>
+              <a:spcBef>
+                <a:spcPts val="500"/>
+              </a:spcBef>
+              <a:buFont typeface="Arial" panose="020B0604020202020204" pitchFamily="34" charset="0"/>
+              <a:buNone/>
+              <a:defRPr sz="1600" kern="1200">
+                <a:solidFill>
+                  <a:schemeClr val="tx1"/>
+                </a:solidFill>
+                <a:latin typeface="+mn-lt"/>
+                <a:ea typeface="+mn-ea"/>
+                <a:cs typeface="+mn-cs"/>
+              </a:defRPr>
+            </a:lvl6pPr>
+            <a:lvl7pPr marL="2743200" indent="0" algn="ctr" defTabSz="914400" rtl="0" eaLnBrk="1" latinLnBrk="0" hangingPunct="1">
+              <a:lnSpc>
+                <a:spcPct val="90000"/>
+              </a:lnSpc>
+              <a:spcBef>
+                <a:spcPts val="500"/>
+              </a:spcBef>
+              <a:buFont typeface="Arial" panose="020B0604020202020204" pitchFamily="34" charset="0"/>
+              <a:buNone/>
+              <a:defRPr sz="1600" kern="1200">
+                <a:solidFill>
+                  <a:schemeClr val="tx1"/>
+                </a:solidFill>
+                <a:latin typeface="+mn-lt"/>
+                <a:ea typeface="+mn-ea"/>
+                <a:cs typeface="+mn-cs"/>
+              </a:defRPr>
+            </a:lvl7pPr>
+            <a:lvl8pPr marL="3200400" indent="0" algn="ctr" defTabSz="914400" rtl="0" eaLnBrk="1" latinLnBrk="0" hangingPunct="1">
+              <a:lnSpc>
+                <a:spcPct val="90000"/>
+              </a:lnSpc>
+              <a:spcBef>
+                <a:spcPts val="500"/>
+              </a:spcBef>
+              <a:buFont typeface="Arial" panose="020B0604020202020204" pitchFamily="34" charset="0"/>
+              <a:buNone/>
+              <a:defRPr sz="1600" kern="1200">
+                <a:solidFill>
+                  <a:schemeClr val="tx1"/>
+                </a:solidFill>
+                <a:latin typeface="+mn-lt"/>
+                <a:ea typeface="+mn-ea"/>
+                <a:cs typeface="+mn-cs"/>
+              </a:defRPr>
+            </a:lvl8pPr>
+            <a:lvl9pPr marL="3657600" indent="0" algn="ctr" defTabSz="914400" rtl="0" eaLnBrk="1" latinLnBrk="0" hangingPunct="1">
+              <a:lnSpc>
+                <a:spcPct val="90000"/>
+              </a:lnSpc>
+              <a:spcBef>
+                <a:spcPts val="500"/>
+              </a:spcBef>
+              <a:buFont typeface="Arial" panose="020B0604020202020204" pitchFamily="34" charset="0"/>
+              <a:buNone/>
+              <a:defRPr sz="1600" kern="1200">
+                <a:solidFill>
+                  <a:schemeClr val="tx1"/>
+                </a:solidFill>
+                <a:latin typeface="+mn-lt"/>
+                <a:ea typeface="+mn-ea"/>
+                <a:cs typeface="+mn-cs"/>
+              </a:defRPr>
+            </a:lvl9pPr>
+          </a:lstStyle>
+          <a:p>
+            <a:pPr algn="l"/>
+            <a:r>
+              <a:rPr lang="es-ES" sz="1200" b="0" i="0" dirty="0">
+                <a:solidFill>
+                  <a:srgbClr val="202124"/>
+                </a:solidFill>
+                <a:effectLst/>
+              </a:rPr>
+              <a:t>Continuar con la generación de vouchers</a:t>
+            </a:r>
+          </a:p>
+          <a:p>
+            <a:pPr algn="l"/>
+            <a:r>
+              <a:rPr lang="es-ES" sz="1200" b="0" i="0" dirty="0">
+                <a:solidFill>
+                  <a:srgbClr val="202124"/>
+                </a:solidFill>
+                <a:effectLst/>
+              </a:rPr>
+              <a:t>Facilitar y promover la venta online de productos para personas mayores </a:t>
+            </a:r>
+          </a:p>
+          <a:p>
+            <a:pPr algn="l"/>
+            <a:r>
+              <a:rPr lang="es-ES" sz="1200" b="0" i="0" dirty="0">
+                <a:solidFill>
+                  <a:srgbClr val="202124"/>
+                </a:solidFill>
+                <a:effectLst/>
+              </a:rPr>
+              <a:t>Mejorar el ambiente en sucursales para las ventas presenciales</a:t>
+            </a:r>
+            <a:endParaRPr lang="es-ES" sz="1200" dirty="0"/>
+          </a:p>
+        </p:txBody>
+      </p:sp>
       <p:pic>
         <p:nvPicPr>
-          <p:cNvPr id="8" name="Imagen 7">
-            <a:extLst>
-              <a:ext uri="{FF2B5EF4-FFF2-40B4-BE49-F238E27FC236}">
-                <a16:creationId xmlns:a16="http://schemas.microsoft.com/office/drawing/2014/main" id="{C3871DCE-FB86-E894-6B73-824108C7F457}"/>
+          <p:cNvPr id="9" name="Imagen 8">
+            <a:extLst>
+              <a:ext uri="{FF2B5EF4-FFF2-40B4-BE49-F238E27FC236}">
+                <a16:creationId xmlns:a16="http://schemas.microsoft.com/office/drawing/2014/main" id="{4CEE44F4-FA8A-9DBC-BCE5-F55ED4ABB89E}"/>
               </a:ext>
             </a:extLst>
           </p:cNvPr>
@@ -4973,8 +7972,8 @@
         </p:blipFill>
         <p:spPr>
           <a:xfrm>
-            <a:off x="972554" y="3959882"/>
-            <a:ext cx="4356613" cy="2051469"/>
+            <a:off x="972554" y="1466748"/>
+            <a:ext cx="4150401" cy="2051469"/>
           </a:xfrm>
           <a:prstGeom prst="rect">
             <a:avLst/>
@@ -4983,10 +7982,10 @@
       </p:pic>
       <p:pic>
         <p:nvPicPr>
-          <p:cNvPr id="4" name="Imagen 3">
-            <a:extLst>
-              <a:ext uri="{FF2B5EF4-FFF2-40B4-BE49-F238E27FC236}">
-                <a16:creationId xmlns:a16="http://schemas.microsoft.com/office/drawing/2014/main" id="{48479401-1C00-317F-CCF6-42195E308922}"/>
+          <p:cNvPr id="12" name="Imagen 11">
+            <a:extLst>
+              <a:ext uri="{FF2B5EF4-FFF2-40B4-BE49-F238E27FC236}">
+                <a16:creationId xmlns:a16="http://schemas.microsoft.com/office/drawing/2014/main" id="{AEABB804-BC4D-AE40-0C8B-97C4F9809E53}"/>
               </a:ext>
             </a:extLst>
           </p:cNvPr>
@@ -5003,8 +8002,8 @@
         </p:blipFill>
         <p:spPr>
           <a:xfrm>
-            <a:off x="972554" y="1475958"/>
-            <a:ext cx="3995552" cy="1886225"/>
+            <a:off x="972553" y="4130582"/>
+            <a:ext cx="4150401" cy="2064666"/>
           </a:xfrm>
           <a:prstGeom prst="rect">
             <a:avLst/>
@@ -5013,10 +8012,10 @@
       </p:pic>
       <p:sp>
         <p:nvSpPr>
-          <p:cNvPr id="3" name="Subtítulo 2">
-            <a:extLst>
-              <a:ext uri="{FF2B5EF4-FFF2-40B4-BE49-F238E27FC236}">
-                <a16:creationId xmlns:a16="http://schemas.microsoft.com/office/drawing/2014/main" id="{06F9A7B2-4418-3893-24D6-A04CAE00F413}"/>
+          <p:cNvPr id="13" name="Subtítulo 2">
+            <a:extLst>
+              <a:ext uri="{FF2B5EF4-FFF2-40B4-BE49-F238E27FC236}">
+                <a16:creationId xmlns:a16="http://schemas.microsoft.com/office/drawing/2014/main" id="{0F7EEDC6-1A84-439B-7663-A97C7568C300}"/>
               </a:ext>
             </a:extLst>
           </p:cNvPr>
@@ -5030,24 +8029,42 @@
         <p:spPr>
           <a:xfrm>
             <a:off x="331304" y="342004"/>
-            <a:ext cx="5437838" cy="957407"/>
+            <a:ext cx="5552662" cy="855138"/>
           </a:xfrm>
+          <a:effectLst>
+            <a:outerShdw blurRad="50800" dist="38100" dir="2700000" algn="tl" rotWithShape="0">
+              <a:prstClr val="black">
+                <a:alpha val="40000"/>
+              </a:prstClr>
+            </a:outerShdw>
+          </a:effectLst>
         </p:spPr>
+        <p:style>
+          <a:lnRef idx="2">
+            <a:schemeClr val="dk1"/>
+          </a:lnRef>
+          <a:fillRef idx="1">
+            <a:schemeClr val="lt1"/>
+          </a:fillRef>
+          <a:effectRef idx="0">
+            <a:schemeClr val="dk1"/>
+          </a:effectRef>
+          <a:fontRef idx="minor">
+            <a:schemeClr val="dk1"/>
+          </a:fontRef>
+        </p:style>
         <p:txBody>
           <a:bodyPr/>
           <a:lstStyle/>
           <a:p>
             <a:r>
-              <a:rPr lang="es-ES" dirty="0"/>
-              <a:t>Importancia clave de los </a:t>
-            </a:r>
-            <a:r>
-              <a:rPr lang="es-ES" dirty="0" err="1"/>
-              <a:t>vouchers</a:t>
-            </a:r>
-            <a:r>
-              <a:rPr lang="es-ES" dirty="0"/>
-              <a:t> en estrategias de ventas en línea </a:t>
+              <a:rPr lang="es-ES" sz="1800" b="1" dirty="0">
+                <a:solidFill>
+                  <a:srgbClr val="118DFF"/>
+                </a:solidFill>
+                <a:latin typeface="wf_standard-font"/>
+              </a:rPr>
+              <a:t>EL 90% DE LOS CLIENTES QUE USAN VOUCHERS UTILIZAN EL MÉTODO DE PAGO ONLINE</a:t>
             </a:r>
             <a:endParaRPr lang="es-AR" dirty="0"/>
           </a:p>
@@ -5055,10 +8072,10 @@
       </p:sp>
       <p:sp>
         <p:nvSpPr>
-          <p:cNvPr id="6" name="Subtítulo 2">
-            <a:extLst>
-              <a:ext uri="{FF2B5EF4-FFF2-40B4-BE49-F238E27FC236}">
-                <a16:creationId xmlns:a16="http://schemas.microsoft.com/office/drawing/2014/main" id="{4F9367DA-2376-BA74-25AF-CFB588C5E9FB}"/>
+          <p:cNvPr id="14" name="Subtítulo 2">
+            <a:extLst>
+              <a:ext uri="{FF2B5EF4-FFF2-40B4-BE49-F238E27FC236}">
+                <a16:creationId xmlns:a16="http://schemas.microsoft.com/office/drawing/2014/main" id="{D1180ABE-9C8B-9BD0-320B-8AAB5D632A24}"/>
               </a:ext>
             </a:extLst>
           </p:cNvPr>
@@ -5069,15 +8086,262 @@
         </p:nvSpPr>
         <p:spPr>
           <a:xfrm>
-            <a:off x="6228523" y="1466748"/>
-            <a:ext cx="4990923" cy="1254478"/>
+            <a:off x="2438851" y="3670984"/>
+            <a:ext cx="1217804" cy="306830"/>
           </a:xfrm>
           <a:prstGeom prst="rect">
             <a:avLst/>
           </a:prstGeom>
+          <a:effectLst>
+            <a:outerShdw blurRad="50800" dist="38100" dir="2700000" algn="tl" rotWithShape="0">
+              <a:prstClr val="black">
+                <a:alpha val="40000"/>
+              </a:prstClr>
+            </a:outerShdw>
+          </a:effectLst>
         </p:spPr>
-        <p:txBody>
-          <a:bodyPr vert="horz" lIns="91440" tIns="45720" rIns="91440" bIns="45720" rtlCol="0">
+        <p:style>
+          <a:lnRef idx="2">
+            <a:schemeClr val="dk1"/>
+          </a:lnRef>
+          <a:fillRef idx="1">
+            <a:schemeClr val="lt1"/>
+          </a:fillRef>
+          <a:effectRef idx="0">
+            <a:schemeClr val="dk1"/>
+          </a:effectRef>
+          <a:fontRef idx="minor">
+            <a:schemeClr val="dk1"/>
+          </a:fontRef>
+        </p:style>
+        <p:txBody>
+          <a:bodyPr vert="horz" lIns="91440" tIns="45720" rIns="91440" bIns="45720" rtlCol="0" anchor="ctr">
+            <a:normAutofit fontScale="62500" lnSpcReduction="20000"/>
+          </a:bodyPr>
+          <a:lstStyle>
+            <a:lvl1pPr marL="0" indent="0" algn="ctr" defTabSz="914400" rtl="0" eaLnBrk="1" latinLnBrk="0" hangingPunct="1">
+              <a:lnSpc>
+                <a:spcPct val="90000"/>
+              </a:lnSpc>
+              <a:spcBef>
+                <a:spcPts val="1000"/>
+              </a:spcBef>
+              <a:buFont typeface="Arial" panose="020B0604020202020204" pitchFamily="34" charset="0"/>
+              <a:buNone/>
+              <a:defRPr sz="2400" kern="1200">
+                <a:solidFill>
+                  <a:schemeClr val="dk1"/>
+                </a:solidFill>
+                <a:latin typeface="+mn-lt"/>
+                <a:ea typeface="+mn-ea"/>
+                <a:cs typeface="+mn-cs"/>
+              </a:defRPr>
+            </a:lvl1pPr>
+            <a:lvl2pPr marL="457200" indent="0" algn="ctr" defTabSz="914400" rtl="0" eaLnBrk="1" latinLnBrk="0" hangingPunct="1">
+              <a:lnSpc>
+                <a:spcPct val="90000"/>
+              </a:lnSpc>
+              <a:spcBef>
+                <a:spcPts val="500"/>
+              </a:spcBef>
+              <a:buFont typeface="Arial" panose="020B0604020202020204" pitchFamily="34" charset="0"/>
+              <a:buNone/>
+              <a:defRPr sz="2000" kern="1200">
+                <a:solidFill>
+                  <a:schemeClr val="dk1"/>
+                </a:solidFill>
+                <a:latin typeface="+mn-lt"/>
+                <a:ea typeface="+mn-ea"/>
+                <a:cs typeface="+mn-cs"/>
+              </a:defRPr>
+            </a:lvl2pPr>
+            <a:lvl3pPr marL="914400" indent="0" algn="ctr" defTabSz="914400" rtl="0" eaLnBrk="1" latinLnBrk="0" hangingPunct="1">
+              <a:lnSpc>
+                <a:spcPct val="90000"/>
+              </a:lnSpc>
+              <a:spcBef>
+                <a:spcPts val="500"/>
+              </a:spcBef>
+              <a:buFont typeface="Arial" panose="020B0604020202020204" pitchFamily="34" charset="0"/>
+              <a:buNone/>
+              <a:defRPr sz="1800" kern="1200">
+                <a:solidFill>
+                  <a:schemeClr val="dk1"/>
+                </a:solidFill>
+                <a:latin typeface="+mn-lt"/>
+                <a:ea typeface="+mn-ea"/>
+                <a:cs typeface="+mn-cs"/>
+              </a:defRPr>
+            </a:lvl3pPr>
+            <a:lvl4pPr marL="1371600" indent="0" algn="ctr" defTabSz="914400" rtl="0" eaLnBrk="1" latinLnBrk="0" hangingPunct="1">
+              <a:lnSpc>
+                <a:spcPct val="90000"/>
+              </a:lnSpc>
+              <a:spcBef>
+                <a:spcPts val="500"/>
+              </a:spcBef>
+              <a:buFont typeface="Arial" panose="020B0604020202020204" pitchFamily="34" charset="0"/>
+              <a:buNone/>
+              <a:defRPr sz="1600" kern="1200">
+                <a:solidFill>
+                  <a:schemeClr val="dk1"/>
+                </a:solidFill>
+                <a:latin typeface="+mn-lt"/>
+                <a:ea typeface="+mn-ea"/>
+                <a:cs typeface="+mn-cs"/>
+              </a:defRPr>
+            </a:lvl4pPr>
+            <a:lvl5pPr marL="1828800" indent="0" algn="ctr" defTabSz="914400" rtl="0" eaLnBrk="1" latinLnBrk="0" hangingPunct="1">
+              <a:lnSpc>
+                <a:spcPct val="90000"/>
+              </a:lnSpc>
+              <a:spcBef>
+                <a:spcPts val="500"/>
+              </a:spcBef>
+              <a:buFont typeface="Arial" panose="020B0604020202020204" pitchFamily="34" charset="0"/>
+              <a:buNone/>
+              <a:defRPr sz="1600" kern="1200">
+                <a:solidFill>
+                  <a:schemeClr val="dk1"/>
+                </a:solidFill>
+                <a:latin typeface="+mn-lt"/>
+                <a:ea typeface="+mn-ea"/>
+                <a:cs typeface="+mn-cs"/>
+              </a:defRPr>
+            </a:lvl5pPr>
+            <a:lvl6pPr marL="2286000" indent="0" algn="ctr" defTabSz="914400" rtl="0" eaLnBrk="1" latinLnBrk="0" hangingPunct="1">
+              <a:lnSpc>
+                <a:spcPct val="90000"/>
+              </a:lnSpc>
+              <a:spcBef>
+                <a:spcPts val="500"/>
+              </a:spcBef>
+              <a:buFont typeface="Arial" panose="020B0604020202020204" pitchFamily="34" charset="0"/>
+              <a:buNone/>
+              <a:defRPr sz="1600" kern="1200">
+                <a:solidFill>
+                  <a:schemeClr val="dk1"/>
+                </a:solidFill>
+                <a:latin typeface="+mn-lt"/>
+                <a:ea typeface="+mn-ea"/>
+                <a:cs typeface="+mn-cs"/>
+              </a:defRPr>
+            </a:lvl6pPr>
+            <a:lvl7pPr marL="2743200" indent="0" algn="ctr" defTabSz="914400" rtl="0" eaLnBrk="1" latinLnBrk="0" hangingPunct="1">
+              <a:lnSpc>
+                <a:spcPct val="90000"/>
+              </a:lnSpc>
+              <a:spcBef>
+                <a:spcPts val="500"/>
+              </a:spcBef>
+              <a:buFont typeface="Arial" panose="020B0604020202020204" pitchFamily="34" charset="0"/>
+              <a:buNone/>
+              <a:defRPr sz="1600" kern="1200">
+                <a:solidFill>
+                  <a:schemeClr val="dk1"/>
+                </a:solidFill>
+                <a:latin typeface="+mn-lt"/>
+                <a:ea typeface="+mn-ea"/>
+                <a:cs typeface="+mn-cs"/>
+              </a:defRPr>
+            </a:lvl7pPr>
+            <a:lvl8pPr marL="3200400" indent="0" algn="ctr" defTabSz="914400" rtl="0" eaLnBrk="1" latinLnBrk="0" hangingPunct="1">
+              <a:lnSpc>
+                <a:spcPct val="90000"/>
+              </a:lnSpc>
+              <a:spcBef>
+                <a:spcPts val="500"/>
+              </a:spcBef>
+              <a:buFont typeface="Arial" panose="020B0604020202020204" pitchFamily="34" charset="0"/>
+              <a:buNone/>
+              <a:defRPr sz="1600" kern="1200">
+                <a:solidFill>
+                  <a:schemeClr val="dk1"/>
+                </a:solidFill>
+                <a:latin typeface="+mn-lt"/>
+                <a:ea typeface="+mn-ea"/>
+                <a:cs typeface="+mn-cs"/>
+              </a:defRPr>
+            </a:lvl8pPr>
+            <a:lvl9pPr marL="3657600" indent="0" algn="ctr" defTabSz="914400" rtl="0" eaLnBrk="1" latinLnBrk="0" hangingPunct="1">
+              <a:lnSpc>
+                <a:spcPct val="90000"/>
+              </a:lnSpc>
+              <a:spcBef>
+                <a:spcPts val="500"/>
+              </a:spcBef>
+              <a:buFont typeface="Arial" panose="020B0604020202020204" pitchFamily="34" charset="0"/>
+              <a:buNone/>
+              <a:defRPr sz="1600" kern="1200">
+                <a:solidFill>
+                  <a:schemeClr val="dk1"/>
+                </a:solidFill>
+                <a:latin typeface="+mn-lt"/>
+                <a:ea typeface="+mn-ea"/>
+                <a:cs typeface="+mn-cs"/>
+              </a:defRPr>
+            </a:lvl9pPr>
+          </a:lstStyle>
+          <a:p>
+            <a:r>
+              <a:rPr lang="es-ES" sz="1400" b="1" dirty="0">
+                <a:solidFill>
+                  <a:srgbClr val="118DFF"/>
+                </a:solidFill>
+                <a:latin typeface="wf_standard-font"/>
+              </a:rPr>
+              <a:t>FILTRADO POR ADULTO MAYOR</a:t>
+            </a:r>
+            <a:endParaRPr lang="es-AR" dirty="0"/>
+          </a:p>
+        </p:txBody>
+      </p:sp>
+      <p:sp>
+        <p:nvSpPr>
+          <p:cNvPr id="16" name="Subtítulo 2">
+            <a:extLst>
+              <a:ext uri="{FF2B5EF4-FFF2-40B4-BE49-F238E27FC236}">
+                <a16:creationId xmlns:a16="http://schemas.microsoft.com/office/drawing/2014/main" id="{EB5F75EC-2557-3CB4-EA44-879D18877C12}"/>
+              </a:ext>
+            </a:extLst>
+          </p:cNvPr>
+          <p:cNvSpPr txBox="1">
+            <a:spLocks/>
+          </p:cNvSpPr>
+          <p:nvPr/>
+        </p:nvSpPr>
+        <p:spPr>
+          <a:xfrm>
+            <a:off x="7946641" y="1334030"/>
+            <a:ext cx="1217805" cy="367619"/>
+          </a:xfrm>
+          <a:prstGeom prst="rect">
+            <a:avLst/>
+          </a:prstGeom>
+          <a:effectLst>
+            <a:outerShdw blurRad="50800" dist="38100" dir="2700000" algn="tl" rotWithShape="0">
+              <a:prstClr val="black">
+                <a:alpha val="40000"/>
+              </a:prstClr>
+            </a:outerShdw>
+          </a:effectLst>
+        </p:spPr>
+        <p:style>
+          <a:lnRef idx="2">
+            <a:schemeClr val="dk1"/>
+          </a:lnRef>
+          <a:fillRef idx="1">
+            <a:schemeClr val="lt1"/>
+          </a:fillRef>
+          <a:effectRef idx="0">
+            <a:schemeClr val="dk1"/>
+          </a:effectRef>
+          <a:fontRef idx="minor">
+            <a:schemeClr val="dk1"/>
+          </a:fontRef>
+        </p:style>
+        <p:txBody>
+          <a:bodyPr vert="horz" lIns="91440" tIns="45720" rIns="91440" bIns="45720" rtlCol="0" anchor="ctr">
             <a:normAutofit/>
           </a:bodyPr>
           <a:lstStyle>
@@ -5092,7 +8356,7 @@
               <a:buNone/>
               <a:defRPr sz="2400" kern="1200">
                 <a:solidFill>
-                  <a:schemeClr val="tx1"/>
+                  <a:schemeClr val="dk1"/>
                 </a:solidFill>
                 <a:latin typeface="+mn-lt"/>
                 <a:ea typeface="+mn-ea"/>
@@ -5110,7 +8374,7 @@
               <a:buNone/>
               <a:defRPr sz="2000" kern="1200">
                 <a:solidFill>
-                  <a:schemeClr val="tx1"/>
+                  <a:schemeClr val="dk1"/>
                 </a:solidFill>
                 <a:latin typeface="+mn-lt"/>
                 <a:ea typeface="+mn-ea"/>
@@ -5128,7 +8392,7 @@
               <a:buNone/>
               <a:defRPr sz="1800" kern="1200">
                 <a:solidFill>
-                  <a:schemeClr val="tx1"/>
+                  <a:schemeClr val="dk1"/>
                 </a:solidFill>
                 <a:latin typeface="+mn-lt"/>
                 <a:ea typeface="+mn-ea"/>
@@ -5146,7 +8410,7 @@
               <a:buNone/>
               <a:defRPr sz="1600" kern="1200">
                 <a:solidFill>
-                  <a:schemeClr val="tx1"/>
+                  <a:schemeClr val="dk1"/>
                 </a:solidFill>
                 <a:latin typeface="+mn-lt"/>
                 <a:ea typeface="+mn-ea"/>
@@ -5164,7 +8428,7 @@
               <a:buNone/>
               <a:defRPr sz="1600" kern="1200">
                 <a:solidFill>
-                  <a:schemeClr val="tx1"/>
+                  <a:schemeClr val="dk1"/>
                 </a:solidFill>
                 <a:latin typeface="+mn-lt"/>
                 <a:ea typeface="+mn-ea"/>
@@ -5182,7 +8446,7 @@
               <a:buNone/>
               <a:defRPr sz="1600" kern="1200">
                 <a:solidFill>
-                  <a:schemeClr val="tx1"/>
+                  <a:schemeClr val="dk1"/>
                 </a:solidFill>
                 <a:latin typeface="+mn-lt"/>
                 <a:ea typeface="+mn-ea"/>
@@ -5200,7 +8464,7 @@
               <a:buNone/>
               <a:defRPr sz="1600" kern="1200">
                 <a:solidFill>
-                  <a:schemeClr val="tx1"/>
+                  <a:schemeClr val="dk1"/>
                 </a:solidFill>
                 <a:latin typeface="+mn-lt"/>
                 <a:ea typeface="+mn-ea"/>
@@ -5218,7 +8482,7 @@
               <a:buNone/>
               <a:defRPr sz="1600" kern="1200">
                 <a:solidFill>
-                  <a:schemeClr val="tx1"/>
+                  <a:schemeClr val="dk1"/>
                 </a:solidFill>
                 <a:latin typeface="+mn-lt"/>
                 <a:ea typeface="+mn-ea"/>
@@ -5236,7 +8500,7 @@
               <a:buNone/>
               <a:defRPr sz="1600" kern="1200">
                 <a:solidFill>
-                  <a:schemeClr val="tx1"/>
+                  <a:schemeClr val="dk1"/>
                 </a:solidFill>
                 <a:latin typeface="+mn-lt"/>
                 <a:ea typeface="+mn-ea"/>
@@ -5245,35 +8509,25 @@
             </a:lvl9pPr>
           </a:lstStyle>
           <a:p>
-            <a:pPr algn="l"/>
-            <a:r>
-              <a:rPr lang="es-ES" sz="1200" dirty="0"/>
-              <a:t>+ El </a:t>
-            </a:r>
-            <a:r>
-              <a:rPr lang="es-ES" sz="1200" dirty="0" err="1"/>
-              <a:t>voucher</a:t>
-            </a:r>
-            <a:r>
-              <a:rPr lang="es-ES" sz="1200" dirty="0"/>
-              <a:t> incentiva a comprar de forma online.</a:t>
-            </a:r>
-          </a:p>
-          <a:p>
-            <a:pPr algn="l"/>
-            <a:r>
-              <a:rPr lang="es-ES" sz="1200" dirty="0"/>
-              <a:t>- El rango etario que más utiliza el efectivo es el adulto mayor.</a:t>
-            </a:r>
-          </a:p>
-        </p:txBody>
-      </p:sp>
-      <p:sp>
-        <p:nvSpPr>
-          <p:cNvPr id="10" name="Subtítulo 2">
-            <a:extLst>
-              <a:ext uri="{FF2B5EF4-FFF2-40B4-BE49-F238E27FC236}">
-                <a16:creationId xmlns:a16="http://schemas.microsoft.com/office/drawing/2014/main" id="{35532317-5851-1941-9B71-03F294CB66A3}"/>
+            <a:r>
+              <a:rPr lang="es-ES" sz="1800" b="1" dirty="0">
+                <a:solidFill>
+                  <a:srgbClr val="118DFF"/>
+                </a:solidFill>
+                <a:latin typeface="wf_standard-font"/>
+              </a:rPr>
+              <a:t>INSIGHTS</a:t>
+            </a:r>
+            <a:endParaRPr lang="es-AR" b="1" dirty="0"/>
+          </a:p>
+        </p:txBody>
+      </p:sp>
+      <p:sp>
+        <p:nvSpPr>
+          <p:cNvPr id="17" name="Subtítulo 2">
+            <a:extLst>
+              <a:ext uri="{FF2B5EF4-FFF2-40B4-BE49-F238E27FC236}">
+                <a16:creationId xmlns:a16="http://schemas.microsoft.com/office/drawing/2014/main" id="{E33C118E-EB30-0D46-A32E-52DF6FD87CD3}"/>
               </a:ext>
             </a:extLst>
           </p:cNvPr>
@@ -5284,16 +8538,37 @@
         </p:nvSpPr>
         <p:spPr>
           <a:xfrm>
-            <a:off x="2355789" y="3674891"/>
-            <a:ext cx="2125974" cy="396457"/>
+            <a:off x="7748512" y="3653456"/>
+            <a:ext cx="1614062" cy="367619"/>
           </a:xfrm>
           <a:prstGeom prst="rect">
             <a:avLst/>
           </a:prstGeom>
+          <a:effectLst>
+            <a:outerShdw blurRad="50800" dist="38100" dir="2700000" algn="tl" rotWithShape="0">
+              <a:prstClr val="black">
+                <a:alpha val="40000"/>
+              </a:prstClr>
+            </a:outerShdw>
+          </a:effectLst>
         </p:spPr>
-        <p:txBody>
-          <a:bodyPr vert="horz" lIns="91440" tIns="45720" rIns="91440" bIns="45720" rtlCol="0">
-            <a:normAutofit/>
+        <p:style>
+          <a:lnRef idx="2">
+            <a:schemeClr val="dk1"/>
+          </a:lnRef>
+          <a:fillRef idx="1">
+            <a:schemeClr val="lt1"/>
+          </a:fillRef>
+          <a:effectRef idx="0">
+            <a:schemeClr val="dk1"/>
+          </a:effectRef>
+          <a:fontRef idx="minor">
+            <a:schemeClr val="dk1"/>
+          </a:fontRef>
+        </p:style>
+        <p:txBody>
+          <a:bodyPr vert="horz" lIns="91440" tIns="45720" rIns="91440" bIns="45720" rtlCol="0" anchor="ctr">
+            <a:normAutofit fontScale="85000" lnSpcReduction="10000"/>
           </a:bodyPr>
           <a:lstStyle>
             <a:lvl1pPr marL="0" indent="0" algn="ctr" defTabSz="914400" rtl="0" eaLnBrk="1" latinLnBrk="0" hangingPunct="1">
@@ -5307,7 +8582,7 @@
               <a:buNone/>
               <a:defRPr sz="2400" kern="1200">
                 <a:solidFill>
-                  <a:schemeClr val="tx1"/>
+                  <a:schemeClr val="dk1"/>
                 </a:solidFill>
                 <a:latin typeface="+mn-lt"/>
                 <a:ea typeface="+mn-ea"/>
@@ -5325,7 +8600,7 @@
               <a:buNone/>
               <a:defRPr sz="2000" kern="1200">
                 <a:solidFill>
-                  <a:schemeClr val="tx1"/>
+                  <a:schemeClr val="dk1"/>
                 </a:solidFill>
                 <a:latin typeface="+mn-lt"/>
                 <a:ea typeface="+mn-ea"/>
@@ -5343,7 +8618,7 @@
               <a:buNone/>
               <a:defRPr sz="1800" kern="1200">
                 <a:solidFill>
-                  <a:schemeClr val="tx1"/>
+                  <a:schemeClr val="dk1"/>
                 </a:solidFill>
                 <a:latin typeface="+mn-lt"/>
                 <a:ea typeface="+mn-ea"/>
@@ -5361,7 +8636,7 @@
               <a:buNone/>
               <a:defRPr sz="1600" kern="1200">
                 <a:solidFill>
-                  <a:schemeClr val="tx1"/>
+                  <a:schemeClr val="dk1"/>
                 </a:solidFill>
                 <a:latin typeface="+mn-lt"/>
                 <a:ea typeface="+mn-ea"/>
@@ -5379,7 +8654,7 @@
               <a:buNone/>
               <a:defRPr sz="1600" kern="1200">
                 <a:solidFill>
-                  <a:schemeClr val="tx1"/>
+                  <a:schemeClr val="dk1"/>
                 </a:solidFill>
                 <a:latin typeface="+mn-lt"/>
                 <a:ea typeface="+mn-ea"/>
@@ -5397,7 +8672,7 @@
               <a:buNone/>
               <a:defRPr sz="1600" kern="1200">
                 <a:solidFill>
-                  <a:schemeClr val="tx1"/>
+                  <a:schemeClr val="dk1"/>
                 </a:solidFill>
                 <a:latin typeface="+mn-lt"/>
                 <a:ea typeface="+mn-ea"/>
@@ -5415,7 +8690,7 @@
               <a:buNone/>
               <a:defRPr sz="1600" kern="1200">
                 <a:solidFill>
-                  <a:schemeClr val="tx1"/>
+                  <a:schemeClr val="dk1"/>
                 </a:solidFill>
                 <a:latin typeface="+mn-lt"/>
                 <a:ea typeface="+mn-ea"/>
@@ -5433,7 +8708,7 @@
               <a:buNone/>
               <a:defRPr sz="1600" kern="1200">
                 <a:solidFill>
-                  <a:schemeClr val="tx1"/>
+                  <a:schemeClr val="dk1"/>
                 </a:solidFill>
                 <a:latin typeface="+mn-lt"/>
                 <a:ea typeface="+mn-ea"/>
@@ -5451,7 +8726,7 @@
               <a:buNone/>
               <a:defRPr sz="1600" kern="1200">
                 <a:solidFill>
-                  <a:schemeClr val="tx1"/>
+                  <a:schemeClr val="dk1"/>
                 </a:solidFill>
                 <a:latin typeface="+mn-lt"/>
                 <a:ea typeface="+mn-ea"/>
@@ -5460,262 +8735,236 @@
             </a:lvl9pPr>
           </a:lstStyle>
           <a:p>
-            <a:pPr algn="l"/>
-            <a:r>
-              <a:rPr lang="es-ES" sz="1200" dirty="0"/>
-              <a:t>Filtrado por adulto mayor</a:t>
-            </a:r>
-            <a:endParaRPr lang="es-AR" sz="1200" dirty="0"/>
-          </a:p>
-        </p:txBody>
-      </p:sp>
-      <p:sp>
-        <p:nvSpPr>
-          <p:cNvPr id="15" name="Subtítulo 2">
-            <a:extLst>
-              <a:ext uri="{FF2B5EF4-FFF2-40B4-BE49-F238E27FC236}">
-                <a16:creationId xmlns:a16="http://schemas.microsoft.com/office/drawing/2014/main" id="{D3129597-78B9-CA26-1775-497310F0A012}"/>
-              </a:ext>
-            </a:extLst>
-          </p:cNvPr>
-          <p:cNvSpPr txBox="1">
-            <a:spLocks/>
-          </p:cNvSpPr>
+            <a:r>
+              <a:rPr lang="es-ES" sz="1800" b="1" dirty="0">
+                <a:solidFill>
+                  <a:srgbClr val="118DFF"/>
+                </a:solidFill>
+                <a:latin typeface="wf_standard-font"/>
+              </a:rPr>
+              <a:t>CALL TO ACTION</a:t>
+            </a:r>
+            <a:endParaRPr lang="es-AR" b="1" dirty="0"/>
+          </a:p>
+        </p:txBody>
+      </p:sp>
+      <p:sp>
+        <p:nvSpPr>
+          <p:cNvPr id="21" name="CuadroTexto 20">
+            <a:extLst>
+              <a:ext uri="{FF2B5EF4-FFF2-40B4-BE49-F238E27FC236}">
+                <a16:creationId xmlns:a16="http://schemas.microsoft.com/office/drawing/2014/main" id="{BA9738EC-2E04-1A55-05DE-80B4F8AA2680}"/>
+              </a:ext>
+            </a:extLst>
+          </p:cNvPr>
+          <p:cNvSpPr txBox="1"/>
           <p:nvPr/>
         </p:nvSpPr>
         <p:spPr>
           <a:xfrm>
-            <a:off x="6392955" y="4071348"/>
-            <a:ext cx="4990923" cy="1254478"/>
+            <a:off x="6375909" y="4130582"/>
+            <a:ext cx="300790" cy="307777"/>
           </a:xfrm>
           <a:prstGeom prst="rect">
             <a:avLst/>
           </a:prstGeom>
+          <a:noFill/>
         </p:spPr>
         <p:txBody>
-          <a:bodyPr vert="horz" lIns="91440" tIns="45720" rIns="91440" bIns="45720" rtlCol="0">
-            <a:normAutofit/>
+          <a:bodyPr wrap="square" rtlCol="0">
+            <a:spAutoFit/>
           </a:bodyPr>
-          <a:lstStyle>
-            <a:lvl1pPr marL="0" indent="0" algn="ctr" defTabSz="914400" rtl="0" eaLnBrk="1" latinLnBrk="0" hangingPunct="1">
-              <a:lnSpc>
-                <a:spcPct val="90000"/>
-              </a:lnSpc>
-              <a:spcBef>
-                <a:spcPts val="1000"/>
-              </a:spcBef>
-              <a:buFont typeface="Arial" panose="020B0604020202020204" pitchFamily="34" charset="0"/>
-              <a:buNone/>
-              <a:defRPr sz="2400" kern="1200">
-                <a:solidFill>
-                  <a:schemeClr val="tx1"/>
-                </a:solidFill>
-                <a:latin typeface="+mn-lt"/>
-                <a:ea typeface="+mn-ea"/>
-                <a:cs typeface="+mn-cs"/>
-              </a:defRPr>
-            </a:lvl1pPr>
-            <a:lvl2pPr marL="457200" indent="0" algn="ctr" defTabSz="914400" rtl="0" eaLnBrk="1" latinLnBrk="0" hangingPunct="1">
-              <a:lnSpc>
-                <a:spcPct val="90000"/>
-              </a:lnSpc>
-              <a:spcBef>
-                <a:spcPts val="500"/>
-              </a:spcBef>
-              <a:buFont typeface="Arial" panose="020B0604020202020204" pitchFamily="34" charset="0"/>
-              <a:buNone/>
-              <a:defRPr sz="2000" kern="1200">
-                <a:solidFill>
-                  <a:schemeClr val="tx1"/>
-                </a:solidFill>
-                <a:latin typeface="+mn-lt"/>
-                <a:ea typeface="+mn-ea"/>
-                <a:cs typeface="+mn-cs"/>
-              </a:defRPr>
-            </a:lvl2pPr>
-            <a:lvl3pPr marL="914400" indent="0" algn="ctr" defTabSz="914400" rtl="0" eaLnBrk="1" latinLnBrk="0" hangingPunct="1">
-              <a:lnSpc>
-                <a:spcPct val="90000"/>
-              </a:lnSpc>
-              <a:spcBef>
-                <a:spcPts val="500"/>
-              </a:spcBef>
-              <a:buFont typeface="Arial" panose="020B0604020202020204" pitchFamily="34" charset="0"/>
-              <a:buNone/>
-              <a:defRPr sz="1800" kern="1200">
-                <a:solidFill>
-                  <a:schemeClr val="tx1"/>
-                </a:solidFill>
-                <a:latin typeface="+mn-lt"/>
-                <a:ea typeface="+mn-ea"/>
-                <a:cs typeface="+mn-cs"/>
-              </a:defRPr>
-            </a:lvl3pPr>
-            <a:lvl4pPr marL="1371600" indent="0" algn="ctr" defTabSz="914400" rtl="0" eaLnBrk="1" latinLnBrk="0" hangingPunct="1">
-              <a:lnSpc>
-                <a:spcPct val="90000"/>
-              </a:lnSpc>
-              <a:spcBef>
-                <a:spcPts val="500"/>
-              </a:spcBef>
-              <a:buFont typeface="Arial" panose="020B0604020202020204" pitchFamily="34" charset="0"/>
-              <a:buNone/>
-              <a:defRPr sz="1600" kern="1200">
-                <a:solidFill>
-                  <a:schemeClr val="tx1"/>
-                </a:solidFill>
-                <a:latin typeface="+mn-lt"/>
-                <a:ea typeface="+mn-ea"/>
-                <a:cs typeface="+mn-cs"/>
-              </a:defRPr>
-            </a:lvl4pPr>
-            <a:lvl5pPr marL="1828800" indent="0" algn="ctr" defTabSz="914400" rtl="0" eaLnBrk="1" latinLnBrk="0" hangingPunct="1">
-              <a:lnSpc>
-                <a:spcPct val="90000"/>
-              </a:lnSpc>
-              <a:spcBef>
-                <a:spcPts val="500"/>
-              </a:spcBef>
-              <a:buFont typeface="Arial" panose="020B0604020202020204" pitchFamily="34" charset="0"/>
-              <a:buNone/>
-              <a:defRPr sz="1600" kern="1200">
-                <a:solidFill>
-                  <a:schemeClr val="tx1"/>
-                </a:solidFill>
-                <a:latin typeface="+mn-lt"/>
-                <a:ea typeface="+mn-ea"/>
-                <a:cs typeface="+mn-cs"/>
-              </a:defRPr>
-            </a:lvl5pPr>
-            <a:lvl6pPr marL="2286000" indent="0" algn="ctr" defTabSz="914400" rtl="0" eaLnBrk="1" latinLnBrk="0" hangingPunct="1">
-              <a:lnSpc>
-                <a:spcPct val="90000"/>
-              </a:lnSpc>
-              <a:spcBef>
-                <a:spcPts val="500"/>
-              </a:spcBef>
-              <a:buFont typeface="Arial" panose="020B0604020202020204" pitchFamily="34" charset="0"/>
-              <a:buNone/>
-              <a:defRPr sz="1600" kern="1200">
-                <a:solidFill>
-                  <a:schemeClr val="tx1"/>
-                </a:solidFill>
-                <a:latin typeface="+mn-lt"/>
-                <a:ea typeface="+mn-ea"/>
-                <a:cs typeface="+mn-cs"/>
-              </a:defRPr>
-            </a:lvl6pPr>
-            <a:lvl7pPr marL="2743200" indent="0" algn="ctr" defTabSz="914400" rtl="0" eaLnBrk="1" latinLnBrk="0" hangingPunct="1">
-              <a:lnSpc>
-                <a:spcPct val="90000"/>
-              </a:lnSpc>
-              <a:spcBef>
-                <a:spcPts val="500"/>
-              </a:spcBef>
-              <a:buFont typeface="Arial" panose="020B0604020202020204" pitchFamily="34" charset="0"/>
-              <a:buNone/>
-              <a:defRPr sz="1600" kern="1200">
-                <a:solidFill>
-                  <a:schemeClr val="tx1"/>
-                </a:solidFill>
-                <a:latin typeface="+mn-lt"/>
-                <a:ea typeface="+mn-ea"/>
-                <a:cs typeface="+mn-cs"/>
-              </a:defRPr>
-            </a:lvl7pPr>
-            <a:lvl8pPr marL="3200400" indent="0" algn="ctr" defTabSz="914400" rtl="0" eaLnBrk="1" latinLnBrk="0" hangingPunct="1">
-              <a:lnSpc>
-                <a:spcPct val="90000"/>
-              </a:lnSpc>
-              <a:spcBef>
-                <a:spcPts val="500"/>
-              </a:spcBef>
-              <a:buFont typeface="Arial" panose="020B0604020202020204" pitchFamily="34" charset="0"/>
-              <a:buNone/>
-              <a:defRPr sz="1600" kern="1200">
-                <a:solidFill>
-                  <a:schemeClr val="tx1"/>
-                </a:solidFill>
-                <a:latin typeface="+mn-lt"/>
-                <a:ea typeface="+mn-ea"/>
-                <a:cs typeface="+mn-cs"/>
-              </a:defRPr>
-            </a:lvl8pPr>
-            <a:lvl9pPr marL="3657600" indent="0" algn="ctr" defTabSz="914400" rtl="0" eaLnBrk="1" latinLnBrk="0" hangingPunct="1">
-              <a:lnSpc>
-                <a:spcPct val="90000"/>
-              </a:lnSpc>
-              <a:spcBef>
-                <a:spcPts val="500"/>
-              </a:spcBef>
-              <a:buFont typeface="Arial" panose="020B0604020202020204" pitchFamily="34" charset="0"/>
-              <a:buNone/>
-              <a:defRPr sz="1600" kern="1200">
-                <a:solidFill>
-                  <a:schemeClr val="tx1"/>
-                </a:solidFill>
-                <a:latin typeface="+mn-lt"/>
-                <a:ea typeface="+mn-ea"/>
-                <a:cs typeface="+mn-cs"/>
-              </a:defRPr>
-            </a:lvl9pPr>
-          </a:lstStyle>
-          <a:p>
-            <a:pPr algn="l"/>
-            <a:r>
-              <a:rPr lang="es-ES" sz="1050" b="0" i="0" dirty="0">
-                <a:solidFill>
-                  <a:srgbClr val="202124"/>
-                </a:solidFill>
-                <a:effectLst/>
-                <a:latin typeface="Roboto" panose="020F0502020204030204" pitchFamily="2" charset="0"/>
+          <a:lstStyle/>
+          <a:p>
+            <a:r>
+              <a:rPr lang="es-UY" sz="1400" dirty="0">
+                <a:solidFill>
+                  <a:srgbClr val="118DFF"/>
+                </a:solidFill>
               </a:rPr>
-              <a:t>+ Continuar con la generación de </a:t>
-            </a:r>
-            <a:r>
-              <a:rPr lang="es-ES" sz="1050" b="0" i="0" dirty="0" err="1">
-                <a:solidFill>
-                  <a:srgbClr val="202124"/>
-                </a:solidFill>
-                <a:effectLst/>
-                <a:latin typeface="Roboto" panose="020F0502020204030204" pitchFamily="2" charset="0"/>
+              <a:t>+</a:t>
+            </a:r>
+            <a:endParaRPr lang="es-UY" dirty="0">
+              <a:solidFill>
+                <a:srgbClr val="118DFF"/>
+              </a:solidFill>
+            </a:endParaRPr>
+          </a:p>
+        </p:txBody>
+      </p:sp>
+      <p:sp>
+        <p:nvSpPr>
+          <p:cNvPr id="22" name="CuadroTexto 21">
+            <a:extLst>
+              <a:ext uri="{FF2B5EF4-FFF2-40B4-BE49-F238E27FC236}">
+                <a16:creationId xmlns:a16="http://schemas.microsoft.com/office/drawing/2014/main" id="{49EB73C8-67C9-8F43-6F58-FA7CC388940B}"/>
+              </a:ext>
+            </a:extLst>
+          </p:cNvPr>
+          <p:cNvSpPr txBox="1"/>
+          <p:nvPr/>
+        </p:nvSpPr>
+        <p:spPr>
+          <a:xfrm>
+            <a:off x="6375909" y="1941437"/>
+            <a:ext cx="300790" cy="307777"/>
+          </a:xfrm>
+          <a:prstGeom prst="rect">
+            <a:avLst/>
+          </a:prstGeom>
+          <a:noFill/>
+        </p:spPr>
+        <p:txBody>
+          <a:bodyPr wrap="square" rtlCol="0">
+            <a:spAutoFit/>
+          </a:bodyPr>
+          <a:lstStyle/>
+          <a:p>
+            <a:r>
+              <a:rPr lang="es-UY" sz="1400" dirty="0">
+                <a:solidFill>
+                  <a:srgbClr val="118DFF"/>
+                </a:solidFill>
               </a:rPr>
-              <a:t>vouchers</a:t>
-            </a:r>
-            <a:endParaRPr lang="es-ES" sz="1050" b="0" i="0" dirty="0">
+              <a:t>+</a:t>
+            </a:r>
+            <a:endParaRPr lang="es-UY" dirty="0">
               <a:solidFill>
-                <a:srgbClr val="202124"/>
+                <a:srgbClr val="118DFF"/>
               </a:solidFill>
-              <a:effectLst/>
-              <a:latin typeface="Roboto" panose="020F0502020204030204" pitchFamily="2" charset="0"/>
             </a:endParaRPr>
           </a:p>
-          <a:p>
-            <a:pPr algn="l"/>
-            <a:r>
-              <a:rPr lang="es-ES" sz="1050" b="0" i="0" dirty="0">
-                <a:solidFill>
-                  <a:srgbClr val="202124"/>
-                </a:solidFill>
-                <a:effectLst/>
-                <a:latin typeface="Roboto" panose="020F0502020204030204" pitchFamily="2" charset="0"/>
+        </p:txBody>
+      </p:sp>
+      <p:sp>
+        <p:nvSpPr>
+          <p:cNvPr id="23" name="CuadroTexto 22">
+            <a:extLst>
+              <a:ext uri="{FF2B5EF4-FFF2-40B4-BE49-F238E27FC236}">
+                <a16:creationId xmlns:a16="http://schemas.microsoft.com/office/drawing/2014/main" id="{49D16B71-C4EB-0564-452A-A2F484B307BF}"/>
+              </a:ext>
+            </a:extLst>
+          </p:cNvPr>
+          <p:cNvSpPr txBox="1"/>
+          <p:nvPr/>
+        </p:nvSpPr>
+        <p:spPr>
+          <a:xfrm>
+            <a:off x="6375909" y="2231800"/>
+            <a:ext cx="300790" cy="307777"/>
+          </a:xfrm>
+          <a:prstGeom prst="rect">
+            <a:avLst/>
+          </a:prstGeom>
+          <a:noFill/>
+        </p:spPr>
+        <p:txBody>
+          <a:bodyPr wrap="square" rtlCol="0">
+            <a:spAutoFit/>
+          </a:bodyPr>
+          <a:lstStyle/>
+          <a:p>
+            <a:r>
+              <a:rPr lang="es-UY" sz="1400" dirty="0">
+                <a:solidFill>
+                  <a:srgbClr val="118DFF"/>
+                </a:solidFill>
               </a:rPr>
-              <a:t>+ Facilitar y promover la venta online de productos para personas mayores </a:t>
-            </a:r>
-          </a:p>
-          <a:p>
-            <a:pPr algn="l"/>
-            <a:r>
-              <a:rPr lang="es-ES" sz="1050" b="0" i="0" dirty="0">
-                <a:solidFill>
-                  <a:srgbClr val="202124"/>
-                </a:solidFill>
-                <a:effectLst/>
-                <a:latin typeface="Roboto" panose="020F0502020204030204" pitchFamily="2" charset="0"/>
+              <a:t>-</a:t>
+            </a:r>
+            <a:endParaRPr lang="es-UY" dirty="0">
+              <a:solidFill>
+                <a:srgbClr val="118DFF"/>
+              </a:solidFill>
+            </a:endParaRPr>
+          </a:p>
+        </p:txBody>
+      </p:sp>
+      <p:sp>
+        <p:nvSpPr>
+          <p:cNvPr id="24" name="CuadroTexto 23">
+            <a:extLst>
+              <a:ext uri="{FF2B5EF4-FFF2-40B4-BE49-F238E27FC236}">
+                <a16:creationId xmlns:a16="http://schemas.microsoft.com/office/drawing/2014/main" id="{63919E5B-8ACE-44E0-E13D-126DD2E35588}"/>
+              </a:ext>
+            </a:extLst>
+          </p:cNvPr>
+          <p:cNvSpPr txBox="1"/>
+          <p:nvPr/>
+        </p:nvSpPr>
+        <p:spPr>
+          <a:xfrm>
+            <a:off x="6369066" y="4416483"/>
+            <a:ext cx="300790" cy="307777"/>
+          </a:xfrm>
+          <a:prstGeom prst="rect">
+            <a:avLst/>
+          </a:prstGeom>
+          <a:noFill/>
+        </p:spPr>
+        <p:txBody>
+          <a:bodyPr wrap="square" rtlCol="0">
+            <a:spAutoFit/>
+          </a:bodyPr>
+          <a:lstStyle/>
+          <a:p>
+            <a:r>
+              <a:rPr lang="es-UY" sz="1400" dirty="0">
+                <a:solidFill>
+                  <a:srgbClr val="118DFF"/>
+                </a:solidFill>
               </a:rPr>
-              <a:t>+ Mejorar el ambiente en sucursales para las ventas presenciales</a:t>
-            </a:r>
-            <a:endParaRPr lang="es-ES" sz="1200" dirty="0"/>
+              <a:t>+</a:t>
+            </a:r>
+            <a:endParaRPr lang="es-UY" dirty="0">
+              <a:solidFill>
+                <a:srgbClr val="118DFF"/>
+              </a:solidFill>
+            </a:endParaRPr>
+          </a:p>
+        </p:txBody>
+      </p:sp>
+      <p:sp>
+        <p:nvSpPr>
+          <p:cNvPr id="25" name="CuadroTexto 24">
+            <a:extLst>
+              <a:ext uri="{FF2B5EF4-FFF2-40B4-BE49-F238E27FC236}">
+                <a16:creationId xmlns:a16="http://schemas.microsoft.com/office/drawing/2014/main" id="{CBA32639-0FBE-F78D-E0DD-02E1124556C7}"/>
+              </a:ext>
+            </a:extLst>
+          </p:cNvPr>
+          <p:cNvSpPr txBox="1"/>
+          <p:nvPr/>
+        </p:nvSpPr>
+        <p:spPr>
+          <a:xfrm>
+            <a:off x="6369066" y="4722812"/>
+            <a:ext cx="300790" cy="307777"/>
+          </a:xfrm>
+          <a:prstGeom prst="rect">
+            <a:avLst/>
+          </a:prstGeom>
+          <a:noFill/>
+        </p:spPr>
+        <p:txBody>
+          <a:bodyPr wrap="square" rtlCol="0">
+            <a:spAutoFit/>
+          </a:bodyPr>
+          <a:lstStyle/>
+          <a:p>
+            <a:r>
+              <a:rPr lang="es-UY" sz="1400" dirty="0">
+                <a:solidFill>
+                  <a:srgbClr val="118DFF"/>
+                </a:solidFill>
+              </a:rPr>
+              <a:t>+</a:t>
+            </a:r>
+            <a:endParaRPr lang="es-UY" dirty="0">
+              <a:solidFill>
+                <a:srgbClr val="118DFF"/>
+              </a:solidFill>
+            </a:endParaRPr>
           </a:p>
         </p:txBody>
       </p:sp>
@@ -5723,6 +8972,663 @@
     <p:extLst>
       <p:ext uri="{BB962C8B-B14F-4D97-AF65-F5344CB8AC3E}">
         <p14:creationId xmlns:p14="http://schemas.microsoft.com/office/powerpoint/2010/main" val="1882839515"/>
+      </p:ext>
+    </p:extLst>
+  </p:cSld>
+  <p:clrMapOvr>
+    <a:masterClrMapping/>
+  </p:clrMapOvr>
+</p:sld>
+</file>
+
+<file path=ppt/slides/slide5.xml><?xml version="1.0" encoding="utf-8"?>
+<p:sld xmlns:a="http://schemas.openxmlformats.org/drawingml/2006/main" xmlns:r="http://schemas.openxmlformats.org/officeDocument/2006/relationships" xmlns:p="http://schemas.openxmlformats.org/presentationml/2006/main">
+  <p:cSld>
+    <p:bg>
+      <p:bgPr>
+        <a:solidFill>
+          <a:schemeClr val="bg1"/>
+        </a:solidFill>
+        <a:effectLst/>
+      </p:bgPr>
+    </p:bg>
+    <p:spTree>
+      <p:nvGrpSpPr>
+        <p:cNvPr id="1" name=""/>
+        <p:cNvGrpSpPr/>
+        <p:nvPr/>
+      </p:nvGrpSpPr>
+      <p:grpSpPr>
+        <a:xfrm>
+          <a:off x="0" y="0"/>
+          <a:ext cx="0" cy="0"/>
+          <a:chOff x="0" y="0"/>
+          <a:chExt cx="0" cy="0"/>
+        </a:xfrm>
+      </p:grpSpPr>
+      <p:sp useBgFill="1">
+        <p:nvSpPr>
+          <p:cNvPr id="8" name="Rectangle 7">
+            <a:extLst>
+              <a:ext uri="{FF2B5EF4-FFF2-40B4-BE49-F238E27FC236}">
+                <a16:creationId xmlns:a16="http://schemas.microsoft.com/office/drawing/2014/main" id="{FFD48BC7-DC40-47DE-87EE-9F4B6ECB9ABB}"/>
+              </a:ext>
+              <a:ext uri="{C183D7F6-B498-43B3-948B-1728B52AA6E4}">
+                <adec:decorative xmlns:adec="http://schemas.microsoft.com/office/drawing/2017/decorative" val="1"/>
+              </a:ext>
+            </a:extLst>
+          </p:cNvPr>
+          <p:cNvSpPr>
+            <a:spLocks noGrp="1" noRot="1" noChangeAspect="1" noMove="1" noResize="1" noEditPoints="1" noAdjustHandles="1" noChangeArrowheads="1" noChangeShapeType="1" noTextEdit="1"/>
+          </p:cNvSpPr>
+          <p:nvPr>
+            <p:extLst>
+              <p:ext uri="{386F3935-93C4-4BCD-93E2-E3B085C9AB24}">
+                <p16:designElem xmlns:p16="http://schemas.microsoft.com/office/powerpoint/2015/main" val="1"/>
+              </p:ext>
+            </p:extLst>
+          </p:nvPr>
+        </p:nvSpPr>
+        <p:spPr>
+          <a:xfrm>
+            <a:off x="0" y="0"/>
+            <a:ext cx="12192000" cy="6858000"/>
+          </a:xfrm>
+          <a:prstGeom prst="rect">
+            <a:avLst/>
+          </a:prstGeom>
+          <a:ln>
+            <a:noFill/>
+          </a:ln>
+        </p:spPr>
+        <p:style>
+          <a:lnRef idx="2">
+            <a:schemeClr val="accent1">
+              <a:shade val="50000"/>
+            </a:schemeClr>
+          </a:lnRef>
+          <a:fillRef idx="1">
+            <a:schemeClr val="accent1"/>
+          </a:fillRef>
+          <a:effectRef idx="0">
+            <a:schemeClr val="accent1"/>
+          </a:effectRef>
+          <a:fontRef idx="minor">
+            <a:schemeClr val="lt1"/>
+          </a:fontRef>
+        </p:style>
+        <p:txBody>
+          <a:bodyPr rtlCol="0" anchor="ctr"/>
+          <a:lstStyle/>
+          <a:p>
+            <a:pPr algn="ctr"/>
+            <a:endParaRPr lang="en-US"/>
+          </a:p>
+        </p:txBody>
+      </p:sp>
+      <p:sp useBgFill="1">
+        <p:nvSpPr>
+          <p:cNvPr id="19" name="Freeform: Shape 9">
+            <a:extLst>
+              <a:ext uri="{FF2B5EF4-FFF2-40B4-BE49-F238E27FC236}">
+                <a16:creationId xmlns:a16="http://schemas.microsoft.com/office/drawing/2014/main" id="{E502BBC7-2C76-46F3-BC24-5985BC13DB88}"/>
+              </a:ext>
+              <a:ext uri="{C183D7F6-B498-43B3-948B-1728B52AA6E4}">
+                <adec:decorative xmlns:adec="http://schemas.microsoft.com/office/drawing/2017/decorative" val="1"/>
+              </a:ext>
+            </a:extLst>
+          </p:cNvPr>
+          <p:cNvSpPr>
+            <a:spLocks noGrp="1" noRot="1" noChangeAspect="1" noMove="1" noResize="1" noEditPoints="1" noAdjustHandles="1" noChangeArrowheads="1" noChangeShapeType="1" noTextEdit="1"/>
+          </p:cNvSpPr>
+          <p:nvPr>
+            <p:extLst>
+              <p:ext uri="{386F3935-93C4-4BCD-93E2-E3B085C9AB24}">
+                <p16:designElem xmlns:p16="http://schemas.microsoft.com/office/powerpoint/2015/main" val="1"/>
+              </p:ext>
+            </p:extLst>
+          </p:nvPr>
+        </p:nvSpPr>
+        <p:spPr>
+          <a:xfrm>
+            <a:off x="1114425" y="0"/>
+            <a:ext cx="9963150" cy="6858000"/>
+          </a:xfrm>
+          <a:custGeom>
+            <a:avLst/>
+            <a:gdLst>
+              <a:gd name="connsiteX0" fmla="*/ 1595771 w 9963150"/>
+              <a:gd name="connsiteY0" fmla="*/ 0 h 6858000"/>
+              <a:gd name="connsiteX1" fmla="*/ 8367379 w 9963150"/>
+              <a:gd name="connsiteY1" fmla="*/ 0 h 6858000"/>
+              <a:gd name="connsiteX2" fmla="*/ 8504080 w 9963150"/>
+              <a:gd name="connsiteY2" fmla="*/ 130333 h 6858000"/>
+              <a:gd name="connsiteX3" fmla="*/ 9963150 w 9963150"/>
+              <a:gd name="connsiteY3" fmla="*/ 3652838 h 6858000"/>
+              <a:gd name="connsiteX4" fmla="*/ 8825600 w 9963150"/>
+              <a:gd name="connsiteY4" fmla="*/ 6821583 h 6858000"/>
+              <a:gd name="connsiteX5" fmla="*/ 8794055 w 9963150"/>
+              <a:gd name="connsiteY5" fmla="*/ 6858000 h 6858000"/>
+              <a:gd name="connsiteX6" fmla="*/ 1169096 w 9963150"/>
+              <a:gd name="connsiteY6" fmla="*/ 6858000 h 6858000"/>
+              <a:gd name="connsiteX7" fmla="*/ 1137550 w 9963150"/>
+              <a:gd name="connsiteY7" fmla="*/ 6821583 h 6858000"/>
+              <a:gd name="connsiteX8" fmla="*/ 0 w 9963150"/>
+              <a:gd name="connsiteY8" fmla="*/ 3652838 h 6858000"/>
+              <a:gd name="connsiteX9" fmla="*/ 1459070 w 9963150"/>
+              <a:gd name="connsiteY9" fmla="*/ 130333 h 6858000"/>
+            </a:gdLst>
+            <a:ahLst/>
+            <a:cxnLst>
+              <a:cxn ang="0">
+                <a:pos x="connsiteX0" y="connsiteY0"/>
+              </a:cxn>
+              <a:cxn ang="0">
+                <a:pos x="connsiteX1" y="connsiteY1"/>
+              </a:cxn>
+              <a:cxn ang="0">
+                <a:pos x="connsiteX2" y="connsiteY2"/>
+              </a:cxn>
+              <a:cxn ang="0">
+                <a:pos x="connsiteX3" y="connsiteY3"/>
+              </a:cxn>
+              <a:cxn ang="0">
+                <a:pos x="connsiteX4" y="connsiteY4"/>
+              </a:cxn>
+              <a:cxn ang="0">
+                <a:pos x="connsiteX5" y="connsiteY5"/>
+              </a:cxn>
+              <a:cxn ang="0">
+                <a:pos x="connsiteX6" y="connsiteY6"/>
+              </a:cxn>
+              <a:cxn ang="0">
+                <a:pos x="connsiteX7" y="connsiteY7"/>
+              </a:cxn>
+              <a:cxn ang="0">
+                <a:pos x="connsiteX8" y="connsiteY8"/>
+              </a:cxn>
+              <a:cxn ang="0">
+                <a:pos x="connsiteX9" y="connsiteY9"/>
+              </a:cxn>
+            </a:cxnLst>
+            <a:rect l="l" t="t" r="r" b="b"/>
+            <a:pathLst>
+              <a:path w="9963150" h="6858000">
+                <a:moveTo>
+                  <a:pt x="1595771" y="0"/>
+                </a:moveTo>
+                <a:lnTo>
+                  <a:pt x="8367379" y="0"/>
+                </a:lnTo>
+                <a:lnTo>
+                  <a:pt x="8504080" y="130333"/>
+                </a:lnTo>
+                <a:cubicBezTo>
+                  <a:pt x="9405568" y="1031820"/>
+                  <a:pt x="9963150" y="2277214"/>
+                  <a:pt x="9963150" y="3652838"/>
+                </a:cubicBezTo>
+                <a:cubicBezTo>
+                  <a:pt x="9963150" y="4856509"/>
+                  <a:pt x="9536251" y="5960473"/>
+                  <a:pt x="8825600" y="6821583"/>
+                </a:cubicBezTo>
+                <a:lnTo>
+                  <a:pt x="8794055" y="6858000"/>
+                </a:lnTo>
+                <a:lnTo>
+                  <a:pt x="1169096" y="6858000"/>
+                </a:lnTo>
+                <a:lnTo>
+                  <a:pt x="1137550" y="6821583"/>
+                </a:lnTo>
+                <a:cubicBezTo>
+                  <a:pt x="426899" y="5960473"/>
+                  <a:pt x="0" y="4856509"/>
+                  <a:pt x="0" y="3652838"/>
+                </a:cubicBezTo>
+                <a:cubicBezTo>
+                  <a:pt x="0" y="2277214"/>
+                  <a:pt x="557582" y="1031820"/>
+                  <a:pt x="1459070" y="130333"/>
+                </a:cubicBezTo>
+                <a:close/>
+              </a:path>
+            </a:pathLst>
+          </a:custGeom>
+          <a:ln w="9525">
+            <a:solidFill>
+              <a:srgbClr val="EFEFEF"/>
+            </a:solidFill>
+          </a:ln>
+          <a:effectLst>
+            <a:outerShdw blurRad="139700" sx="102000" sy="102000" algn="ctr" rotWithShape="0">
+              <a:schemeClr val="bg1">
+                <a:lumMod val="85000"/>
+                <a:alpha val="38000"/>
+              </a:schemeClr>
+            </a:outerShdw>
+          </a:effectLst>
+        </p:spPr>
+        <p:style>
+          <a:lnRef idx="2">
+            <a:schemeClr val="accent1">
+              <a:shade val="50000"/>
+            </a:schemeClr>
+          </a:lnRef>
+          <a:fillRef idx="1">
+            <a:schemeClr val="accent1"/>
+          </a:fillRef>
+          <a:effectRef idx="0">
+            <a:schemeClr val="accent1"/>
+          </a:effectRef>
+          <a:fontRef idx="minor">
+            <a:schemeClr val="lt1"/>
+          </a:fontRef>
+        </p:style>
+        <p:txBody>
+          <a:bodyPr wrap="square" rtlCol="0" anchor="ctr">
+            <a:noAutofit/>
+          </a:bodyPr>
+          <a:lstStyle/>
+          <a:p>
+            <a:pPr marL="0" marR="0" lvl="0" indent="0" algn="ctr" defTabSz="914400" rtl="0" eaLnBrk="1" fontAlgn="auto" latinLnBrk="0" hangingPunct="1">
+              <a:lnSpc>
+                <a:spcPct val="100000"/>
+              </a:lnSpc>
+              <a:spcBef>
+                <a:spcPts val="0"/>
+              </a:spcBef>
+              <a:spcAft>
+                <a:spcPts val="0"/>
+              </a:spcAft>
+              <a:buClrTx/>
+              <a:buSzTx/>
+              <a:buFontTx/>
+              <a:buNone/>
+              <a:tabLst/>
+              <a:defRPr/>
+            </a:pPr>
+            <a:endParaRPr kumimoji="0" lang="en-US" sz="1800" b="0" i="0" u="none" strike="noStrike" kern="1200" cap="none" spc="0" normalizeH="0" baseline="0" noProof="0">
+              <a:ln>
+                <a:noFill/>
+              </a:ln>
+              <a:solidFill>
+                <a:prstClr val="white"/>
+              </a:solidFill>
+              <a:effectLst/>
+              <a:uLnTx/>
+              <a:uFillTx/>
+              <a:latin typeface="Calibri" panose="020F0502020204030204"/>
+              <a:ea typeface="+mn-ea"/>
+              <a:cs typeface="+mn-cs"/>
+            </a:endParaRPr>
+          </a:p>
+        </p:txBody>
+      </p:sp>
+      <p:sp useBgFill="1">
+        <p:nvSpPr>
+          <p:cNvPr id="20" name="Freeform: Shape 11">
+            <a:extLst>
+              <a:ext uri="{FF2B5EF4-FFF2-40B4-BE49-F238E27FC236}">
+                <a16:creationId xmlns:a16="http://schemas.microsoft.com/office/drawing/2014/main" id="{C7F28D52-2A5F-4D23-81AE-7CB8B591C7AF}"/>
+              </a:ext>
+              <a:ext uri="{C183D7F6-B498-43B3-948B-1728B52AA6E4}">
+                <adec:decorative xmlns:adec="http://schemas.microsoft.com/office/drawing/2017/decorative" val="1"/>
+              </a:ext>
+            </a:extLst>
+          </p:cNvPr>
+          <p:cNvSpPr>
+            <a:spLocks noGrp="1" noRot="1" noChangeAspect="1" noMove="1" noResize="1" noEditPoints="1" noAdjustHandles="1" noChangeArrowheads="1" noChangeShapeType="1" noTextEdit="1"/>
+          </p:cNvSpPr>
+          <p:nvPr>
+            <p:extLst>
+              <p:ext uri="{386F3935-93C4-4BCD-93E2-E3B085C9AB24}">
+                <p16:designElem xmlns:p16="http://schemas.microsoft.com/office/powerpoint/2015/main" val="1"/>
+              </p:ext>
+            </p:extLst>
+          </p:nvPr>
+        </p:nvSpPr>
+        <p:spPr>
+          <a:xfrm>
+            <a:off x="1121664" y="0"/>
+            <a:ext cx="9948672" cy="6858000"/>
+          </a:xfrm>
+          <a:custGeom>
+            <a:avLst/>
+            <a:gdLst>
+              <a:gd name="connsiteX0" fmla="*/ 1595771 w 9963150"/>
+              <a:gd name="connsiteY0" fmla="*/ 0 h 6858000"/>
+              <a:gd name="connsiteX1" fmla="*/ 8367379 w 9963150"/>
+              <a:gd name="connsiteY1" fmla="*/ 0 h 6858000"/>
+              <a:gd name="connsiteX2" fmla="*/ 8504080 w 9963150"/>
+              <a:gd name="connsiteY2" fmla="*/ 130333 h 6858000"/>
+              <a:gd name="connsiteX3" fmla="*/ 9963150 w 9963150"/>
+              <a:gd name="connsiteY3" fmla="*/ 3652838 h 6858000"/>
+              <a:gd name="connsiteX4" fmla="*/ 8825600 w 9963150"/>
+              <a:gd name="connsiteY4" fmla="*/ 6821583 h 6858000"/>
+              <a:gd name="connsiteX5" fmla="*/ 8794055 w 9963150"/>
+              <a:gd name="connsiteY5" fmla="*/ 6858000 h 6858000"/>
+              <a:gd name="connsiteX6" fmla="*/ 1169096 w 9963150"/>
+              <a:gd name="connsiteY6" fmla="*/ 6858000 h 6858000"/>
+              <a:gd name="connsiteX7" fmla="*/ 1137550 w 9963150"/>
+              <a:gd name="connsiteY7" fmla="*/ 6821583 h 6858000"/>
+              <a:gd name="connsiteX8" fmla="*/ 0 w 9963150"/>
+              <a:gd name="connsiteY8" fmla="*/ 3652838 h 6858000"/>
+              <a:gd name="connsiteX9" fmla="*/ 1459070 w 9963150"/>
+              <a:gd name="connsiteY9" fmla="*/ 130333 h 6858000"/>
+            </a:gdLst>
+            <a:ahLst/>
+            <a:cxnLst>
+              <a:cxn ang="0">
+                <a:pos x="connsiteX0" y="connsiteY0"/>
+              </a:cxn>
+              <a:cxn ang="0">
+                <a:pos x="connsiteX1" y="connsiteY1"/>
+              </a:cxn>
+              <a:cxn ang="0">
+                <a:pos x="connsiteX2" y="connsiteY2"/>
+              </a:cxn>
+              <a:cxn ang="0">
+                <a:pos x="connsiteX3" y="connsiteY3"/>
+              </a:cxn>
+              <a:cxn ang="0">
+                <a:pos x="connsiteX4" y="connsiteY4"/>
+              </a:cxn>
+              <a:cxn ang="0">
+                <a:pos x="connsiteX5" y="connsiteY5"/>
+              </a:cxn>
+              <a:cxn ang="0">
+                <a:pos x="connsiteX6" y="connsiteY6"/>
+              </a:cxn>
+              <a:cxn ang="0">
+                <a:pos x="connsiteX7" y="connsiteY7"/>
+              </a:cxn>
+              <a:cxn ang="0">
+                <a:pos x="connsiteX8" y="connsiteY8"/>
+              </a:cxn>
+              <a:cxn ang="0">
+                <a:pos x="connsiteX9" y="connsiteY9"/>
+              </a:cxn>
+            </a:cxnLst>
+            <a:rect l="l" t="t" r="r" b="b"/>
+            <a:pathLst>
+              <a:path w="9963150" h="6858000">
+                <a:moveTo>
+                  <a:pt x="1595771" y="0"/>
+                </a:moveTo>
+                <a:lnTo>
+                  <a:pt x="8367379" y="0"/>
+                </a:lnTo>
+                <a:lnTo>
+                  <a:pt x="8504080" y="130333"/>
+                </a:lnTo>
+                <a:cubicBezTo>
+                  <a:pt x="9405568" y="1031820"/>
+                  <a:pt x="9963150" y="2277214"/>
+                  <a:pt x="9963150" y="3652838"/>
+                </a:cubicBezTo>
+                <a:cubicBezTo>
+                  <a:pt x="9963150" y="4856509"/>
+                  <a:pt x="9536251" y="5960473"/>
+                  <a:pt x="8825600" y="6821583"/>
+                </a:cubicBezTo>
+                <a:lnTo>
+                  <a:pt x="8794055" y="6858000"/>
+                </a:lnTo>
+                <a:lnTo>
+                  <a:pt x="1169096" y="6858000"/>
+                </a:lnTo>
+                <a:lnTo>
+                  <a:pt x="1137550" y="6821583"/>
+                </a:lnTo>
+                <a:cubicBezTo>
+                  <a:pt x="426899" y="5960473"/>
+                  <a:pt x="0" y="4856509"/>
+                  <a:pt x="0" y="3652838"/>
+                </a:cubicBezTo>
+                <a:cubicBezTo>
+                  <a:pt x="0" y="2277214"/>
+                  <a:pt x="557582" y="1031820"/>
+                  <a:pt x="1459070" y="130333"/>
+                </a:cubicBezTo>
+                <a:close/>
+              </a:path>
+            </a:pathLst>
+          </a:custGeom>
+          <a:ln w="9525">
+            <a:noFill/>
+          </a:ln>
+          <a:effectLst/>
+        </p:spPr>
+        <p:style>
+          <a:lnRef idx="2">
+            <a:schemeClr val="accent1">
+              <a:shade val="50000"/>
+            </a:schemeClr>
+          </a:lnRef>
+          <a:fillRef idx="1">
+            <a:schemeClr val="accent1"/>
+          </a:fillRef>
+          <a:effectRef idx="0">
+            <a:schemeClr val="accent1"/>
+          </a:effectRef>
+          <a:fontRef idx="minor">
+            <a:schemeClr val="lt1"/>
+          </a:fontRef>
+        </p:style>
+        <p:txBody>
+          <a:bodyPr wrap="square" rtlCol="0" anchor="ctr">
+            <a:noAutofit/>
+          </a:bodyPr>
+          <a:lstStyle/>
+          <a:p>
+            <a:pPr marL="0" marR="0" lvl="0" indent="0" algn="ctr" defTabSz="914400" rtl="0" eaLnBrk="1" fontAlgn="auto" latinLnBrk="0" hangingPunct="1">
+              <a:lnSpc>
+                <a:spcPct val="100000"/>
+              </a:lnSpc>
+              <a:spcBef>
+                <a:spcPts val="0"/>
+              </a:spcBef>
+              <a:spcAft>
+                <a:spcPts val="0"/>
+              </a:spcAft>
+              <a:buClrTx/>
+              <a:buSzTx/>
+              <a:buFontTx/>
+              <a:buNone/>
+              <a:tabLst/>
+              <a:defRPr/>
+            </a:pPr>
+            <a:endParaRPr kumimoji="0" lang="en-US" sz="1800" b="0" i="0" u="none" strike="noStrike" kern="1200" cap="none" spc="0" normalizeH="0" baseline="0" noProof="0">
+              <a:ln>
+                <a:noFill/>
+              </a:ln>
+              <a:solidFill>
+                <a:prstClr val="white"/>
+              </a:solidFill>
+              <a:effectLst/>
+              <a:uLnTx/>
+              <a:uFillTx/>
+              <a:latin typeface="Calibri" panose="020F0502020204030204"/>
+              <a:ea typeface="+mn-ea"/>
+              <a:cs typeface="+mn-cs"/>
+            </a:endParaRPr>
+          </a:p>
+        </p:txBody>
+      </p:sp>
+      <p:sp>
+        <p:nvSpPr>
+          <p:cNvPr id="2" name="Título 1">
+            <a:extLst>
+              <a:ext uri="{FF2B5EF4-FFF2-40B4-BE49-F238E27FC236}">
+                <a16:creationId xmlns:a16="http://schemas.microsoft.com/office/drawing/2014/main" id="{231A7E19-A3B6-D984-B5AF-33964032FC38}"/>
+              </a:ext>
+            </a:extLst>
+          </p:cNvPr>
+          <p:cNvSpPr>
+            <a:spLocks noGrp="1"/>
+          </p:cNvSpPr>
+          <p:nvPr>
+            <p:ph type="ctrTitle"/>
+          </p:nvPr>
+        </p:nvSpPr>
+        <p:spPr>
+          <a:xfrm>
+            <a:off x="1524003" y="1999615"/>
+            <a:ext cx="9144000" cy="2764028"/>
+          </a:xfrm>
+        </p:spPr>
+        <p:txBody>
+          <a:bodyPr anchor="ctr">
+            <a:normAutofit/>
+          </a:bodyPr>
+          <a:lstStyle/>
+          <a:p>
+            <a:r>
+              <a:rPr lang="es-UY" sz="7200" dirty="0">
+                <a:latin typeface="wf_standard-font"/>
+              </a:rPr>
+              <a:t>¡GRACIAS!</a:t>
+            </a:r>
+            <a:endParaRPr lang="es-AR" sz="7200" dirty="0">
+              <a:latin typeface="wf_standard-font"/>
+            </a:endParaRPr>
+          </a:p>
+        </p:txBody>
+      </p:sp>
+      <p:sp>
+        <p:nvSpPr>
+          <p:cNvPr id="3" name="Subtítulo 2">
+            <a:extLst>
+              <a:ext uri="{FF2B5EF4-FFF2-40B4-BE49-F238E27FC236}">
+                <a16:creationId xmlns:a16="http://schemas.microsoft.com/office/drawing/2014/main" id="{06F9A7B2-4418-3893-24D6-A04CAE00F413}"/>
+              </a:ext>
+            </a:extLst>
+          </p:cNvPr>
+          <p:cNvSpPr>
+            <a:spLocks noGrp="1"/>
+          </p:cNvSpPr>
+          <p:nvPr>
+            <p:ph type="subTitle" idx="1"/>
+          </p:nvPr>
+        </p:nvSpPr>
+        <p:spPr>
+          <a:xfrm>
+            <a:off x="3828743" y="4920393"/>
+            <a:ext cx="4651936" cy="631825"/>
+          </a:xfrm>
+        </p:spPr>
+        <p:txBody>
+          <a:bodyPr anchor="ctr">
+            <a:normAutofit/>
+          </a:bodyPr>
+          <a:lstStyle/>
+          <a:p>
+            <a:r>
+              <a:rPr lang="es-UY" sz="2800" dirty="0"/>
+              <a:t>Juan Nocetti y Franco Barlocco</a:t>
+            </a:r>
+            <a:endParaRPr lang="es-AR" sz="2800" dirty="0"/>
+          </a:p>
+        </p:txBody>
+      </p:sp>
+      <p:sp>
+        <p:nvSpPr>
+          <p:cNvPr id="21" name="Rectangle 13">
+            <a:extLst>
+              <a:ext uri="{FF2B5EF4-FFF2-40B4-BE49-F238E27FC236}">
+                <a16:creationId xmlns:a16="http://schemas.microsoft.com/office/drawing/2014/main" id="{3629484E-3792-4B3D-89AD-7C8A1ED0E0D4}"/>
+              </a:ext>
+              <a:ext uri="{C183D7F6-B498-43B3-948B-1728B52AA6E4}">
+                <adec:decorative xmlns:adec="http://schemas.microsoft.com/office/drawing/2017/decorative" val="1"/>
+              </a:ext>
+            </a:extLst>
+          </p:cNvPr>
+          <p:cNvSpPr>
+            <a:spLocks noGrp="1" noRot="1" noChangeAspect="1" noMove="1" noResize="1" noEditPoints="1" noAdjustHandles="1" noChangeArrowheads="1" noChangeShapeType="1" noTextEdit="1"/>
+          </p:cNvSpPr>
+          <p:nvPr>
+            <p:extLst>
+              <p:ext uri="{386F3935-93C4-4BCD-93E2-E3B085C9AB24}">
+                <p16:designElem xmlns:p16="http://schemas.microsoft.com/office/powerpoint/2015/main" val="1"/>
+              </p:ext>
+            </p:extLst>
+          </p:nvPr>
+        </p:nvSpPr>
+        <p:spPr>
+          <a:xfrm>
+            <a:off x="3718560" y="5524786"/>
+            <a:ext cx="4754880" cy="27432"/>
+          </a:xfrm>
+          <a:prstGeom prst="rect">
+            <a:avLst/>
+          </a:prstGeom>
+          <a:solidFill>
+            <a:schemeClr val="accent2"/>
+          </a:solidFill>
+          <a:ln>
+            <a:noFill/>
+          </a:ln>
+        </p:spPr>
+        <p:style>
+          <a:lnRef idx="2">
+            <a:schemeClr val="accent1">
+              <a:shade val="50000"/>
+            </a:schemeClr>
+          </a:lnRef>
+          <a:fillRef idx="1">
+            <a:schemeClr val="accent1"/>
+          </a:fillRef>
+          <a:effectRef idx="0">
+            <a:schemeClr val="accent1"/>
+          </a:effectRef>
+          <a:fontRef idx="minor">
+            <a:schemeClr val="lt1"/>
+          </a:fontRef>
+        </p:style>
+        <p:txBody>
+          <a:bodyPr rtlCol="0" anchor="ctr"/>
+          <a:lstStyle/>
+          <a:p>
+            <a:pPr marL="0" marR="0" lvl="0" indent="0" algn="ctr" defTabSz="914400" rtl="0" eaLnBrk="1" fontAlgn="auto" latinLnBrk="0" hangingPunct="1">
+              <a:lnSpc>
+                <a:spcPct val="100000"/>
+              </a:lnSpc>
+              <a:spcBef>
+                <a:spcPts val="0"/>
+              </a:spcBef>
+              <a:spcAft>
+                <a:spcPts val="0"/>
+              </a:spcAft>
+              <a:buClrTx/>
+              <a:buSzTx/>
+              <a:buFontTx/>
+              <a:buNone/>
+              <a:tabLst/>
+              <a:defRPr/>
+            </a:pPr>
+            <a:endParaRPr kumimoji="0" lang="en-US" sz="1800" b="0" i="0" u="none" strike="noStrike" kern="1200" cap="none" spc="0" normalizeH="0" baseline="0" noProof="0">
+              <a:ln>
+                <a:noFill/>
+              </a:ln>
+              <a:solidFill>
+                <a:prstClr val="white"/>
+              </a:solidFill>
+              <a:effectLst/>
+              <a:uLnTx/>
+              <a:uFillTx/>
+              <a:latin typeface="Calibri" panose="020F0502020204030204"/>
+              <a:ea typeface="+mn-ea"/>
+              <a:cs typeface="+mn-cs"/>
+            </a:endParaRPr>
+          </a:p>
+        </p:txBody>
+      </p:sp>
+    </p:spTree>
+    <p:extLst>
+      <p:ext uri="{BB962C8B-B14F-4D97-AF65-F5344CB8AC3E}">
+        <p14:creationId xmlns:p14="http://schemas.microsoft.com/office/powerpoint/2010/main" val="4142659286"/>
       </p:ext>
     </p:extLst>
   </p:cSld>
@@ -6025,4 +9931,299 @@
     </a:ext>
   </a:extLst>
 </a:theme>
+</file>
+
+<file path=ppt/theme/theme2.xml><?xml version="1.0" encoding="utf-8"?>
+<a:theme xmlns:a="http://schemas.openxmlformats.org/drawingml/2006/main" name="Tema de Office">
+  <a:themeElements>
+    <a:clrScheme name="Office">
+      <a:dk1>
+        <a:sysClr val="windowText" lastClr="000000"/>
+      </a:dk1>
+      <a:lt1>
+        <a:sysClr val="window" lastClr="FFFFFF"/>
+      </a:lt1>
+      <a:dk2>
+        <a:srgbClr val="44546A"/>
+      </a:dk2>
+      <a:lt2>
+        <a:srgbClr val="E7E6E6"/>
+      </a:lt2>
+      <a:accent1>
+        <a:srgbClr val="4472C4"/>
+      </a:accent1>
+      <a:accent2>
+        <a:srgbClr val="ED7D31"/>
+      </a:accent2>
+      <a:accent3>
+        <a:srgbClr val="A5A5A5"/>
+      </a:accent3>
+      <a:accent4>
+        <a:srgbClr val="FFC000"/>
+      </a:accent4>
+      <a:accent5>
+        <a:srgbClr val="5B9BD5"/>
+      </a:accent5>
+      <a:accent6>
+        <a:srgbClr val="70AD47"/>
+      </a:accent6>
+      <a:hlink>
+        <a:srgbClr val="0563C1"/>
+      </a:hlink>
+      <a:folHlink>
+        <a:srgbClr val="954F72"/>
+      </a:folHlink>
+    </a:clrScheme>
+    <a:fontScheme name="Office">
+      <a:majorFont>
+        <a:latin typeface="Calibri Light" panose="020F0302020204030204"/>
+        <a:ea typeface=""/>
+        <a:cs typeface=""/>
+        <a:font script="Jpan" typeface="游ゴシック Light"/>
+        <a:font script="Hang" typeface="맑은 고딕"/>
+        <a:font script="Hans" typeface="等线 Light"/>
+        <a:font script="Hant" typeface="新細明體"/>
+        <a:font script="Arab" typeface="Times New Roman"/>
+        <a:font script="Hebr" typeface="Times New Roman"/>
+        <a:font script="Thai" typeface="Angsana New"/>
+        <a:font script="Ethi" typeface="Nyala"/>
+        <a:font script="Beng" typeface="Vrinda"/>
+        <a:font script="Gujr" typeface="Shruti"/>
+        <a:font script="Khmr" typeface="MoolBoran"/>
+        <a:font script="Knda" typeface="Tunga"/>
+        <a:font script="Guru" typeface="Raavi"/>
+        <a:font script="Cans" typeface="Euphemia"/>
+        <a:font script="Cher" typeface="Plantagenet Cherokee"/>
+        <a:font script="Yiii" typeface="Microsoft Yi Baiti"/>
+        <a:font script="Tibt" typeface="Microsoft Himalaya"/>
+        <a:font script="Thaa" typeface="MV Boli"/>
+        <a:font script="Deva" typeface="Mangal"/>
+        <a:font script="Telu" typeface="Gautami"/>
+        <a:font script="Taml" typeface="Latha"/>
+        <a:font script="Syrc" typeface="Estrangelo Edessa"/>
+        <a:font script="Orya" typeface="Kalinga"/>
+        <a:font script="Mlym" typeface="Kartika"/>
+        <a:font script="Laoo" typeface="DokChampa"/>
+        <a:font script="Sinh" typeface="Iskoola Pota"/>
+        <a:font script="Mong" typeface="Mongolian Baiti"/>
+        <a:font script="Viet" typeface="Times New Roman"/>
+        <a:font script="Uigh" typeface="Microsoft Uighur"/>
+        <a:font script="Geor" typeface="Sylfaen"/>
+        <a:font script="Armn" typeface="Arial"/>
+        <a:font script="Bugi" typeface="Leelawadee UI"/>
+        <a:font script="Bopo" typeface="Microsoft JhengHei"/>
+        <a:font script="Java" typeface="Javanese Text"/>
+        <a:font script="Lisu" typeface="Segoe UI"/>
+        <a:font script="Mymr" typeface="Myanmar Text"/>
+        <a:font script="Nkoo" typeface="Ebrima"/>
+        <a:font script="Olck" typeface="Nirmala UI"/>
+        <a:font script="Osma" typeface="Ebrima"/>
+        <a:font script="Phag" typeface="Phagspa"/>
+        <a:font script="Syrn" typeface="Estrangelo Edessa"/>
+        <a:font script="Syrj" typeface="Estrangelo Edessa"/>
+        <a:font script="Syre" typeface="Estrangelo Edessa"/>
+        <a:font script="Sora" typeface="Nirmala UI"/>
+        <a:font script="Tale" typeface="Microsoft Tai Le"/>
+        <a:font script="Talu" typeface="Microsoft New Tai Lue"/>
+        <a:font script="Tfng" typeface="Ebrima"/>
+      </a:majorFont>
+      <a:minorFont>
+        <a:latin typeface="Calibri" panose="020F0502020204030204"/>
+        <a:ea typeface=""/>
+        <a:cs typeface=""/>
+        <a:font script="Jpan" typeface="游ゴシック"/>
+        <a:font script="Hang" typeface="맑은 고딕"/>
+        <a:font script="Hans" typeface="等线"/>
+        <a:font script="Hant" typeface="新細明體"/>
+        <a:font script="Arab" typeface="Arial"/>
+        <a:font script="Hebr" typeface="Arial"/>
+        <a:font script="Thai" typeface="Cordia New"/>
+        <a:font script="Ethi" typeface="Nyala"/>
+        <a:font script="Beng" typeface="Vrinda"/>
+        <a:font script="Gujr" typeface="Shruti"/>
+        <a:font script="Khmr" typeface="DaunPenh"/>
+        <a:font script="Knda" typeface="Tunga"/>
+        <a:font script="Guru" typeface="Raavi"/>
+        <a:font script="Cans" typeface="Euphemia"/>
+        <a:font script="Cher" typeface="Plantagenet Cherokee"/>
+        <a:font script="Yiii" typeface="Microsoft Yi Baiti"/>
+        <a:font script="Tibt" typeface="Microsoft Himalaya"/>
+        <a:font script="Thaa" typeface="MV Boli"/>
+        <a:font script="Deva" typeface="Mangal"/>
+        <a:font script="Telu" typeface="Gautami"/>
+        <a:font script="Taml" typeface="Latha"/>
+        <a:font script="Syrc" typeface="Estrangelo Edessa"/>
+        <a:font script="Orya" typeface="Kalinga"/>
+        <a:font script="Mlym" typeface="Kartika"/>
+        <a:font script="Laoo" typeface="DokChampa"/>
+        <a:font script="Sinh" typeface="Iskoola Pota"/>
+        <a:font script="Mong" typeface="Mongolian Baiti"/>
+        <a:font script="Viet" typeface="Arial"/>
+        <a:font script="Uigh" typeface="Microsoft Uighur"/>
+        <a:font script="Geor" typeface="Sylfaen"/>
+        <a:font script="Armn" typeface="Arial"/>
+        <a:font script="Bugi" typeface="Leelawadee UI"/>
+        <a:font script="Bopo" typeface="Microsoft JhengHei"/>
+        <a:font script="Java" typeface="Javanese Text"/>
+        <a:font script="Lisu" typeface="Segoe UI"/>
+        <a:font script="Mymr" typeface="Myanmar Text"/>
+        <a:font script="Nkoo" typeface="Ebrima"/>
+        <a:font script="Olck" typeface="Nirmala UI"/>
+        <a:font script="Osma" typeface="Ebrima"/>
+        <a:font script="Phag" typeface="Phagspa"/>
+        <a:font script="Syrn" typeface="Estrangelo Edessa"/>
+        <a:font script="Syrj" typeface="Estrangelo Edessa"/>
+        <a:font script="Syre" typeface="Estrangelo Edessa"/>
+        <a:font script="Sora" typeface="Nirmala UI"/>
+        <a:font script="Tale" typeface="Microsoft Tai Le"/>
+        <a:font script="Talu" typeface="Microsoft New Tai Lue"/>
+        <a:font script="Tfng" typeface="Ebrima"/>
+      </a:minorFont>
+    </a:fontScheme>
+    <a:fmtScheme name="Office">
+      <a:fillStyleLst>
+        <a:solidFill>
+          <a:schemeClr val="phClr"/>
+        </a:solidFill>
+        <a:gradFill rotWithShape="1">
+          <a:gsLst>
+            <a:gs pos="0">
+              <a:schemeClr val="phClr">
+                <a:lumMod val="110000"/>
+                <a:satMod val="105000"/>
+                <a:tint val="67000"/>
+              </a:schemeClr>
+            </a:gs>
+            <a:gs pos="50000">
+              <a:schemeClr val="phClr">
+                <a:lumMod val="105000"/>
+                <a:satMod val="103000"/>
+                <a:tint val="73000"/>
+              </a:schemeClr>
+            </a:gs>
+            <a:gs pos="100000">
+              <a:schemeClr val="phClr">
+                <a:lumMod val="105000"/>
+                <a:satMod val="109000"/>
+                <a:tint val="81000"/>
+              </a:schemeClr>
+            </a:gs>
+          </a:gsLst>
+          <a:lin ang="5400000" scaled="0"/>
+        </a:gradFill>
+        <a:gradFill rotWithShape="1">
+          <a:gsLst>
+            <a:gs pos="0">
+              <a:schemeClr val="phClr">
+                <a:satMod val="103000"/>
+                <a:lumMod val="102000"/>
+                <a:tint val="94000"/>
+              </a:schemeClr>
+            </a:gs>
+            <a:gs pos="50000">
+              <a:schemeClr val="phClr">
+                <a:satMod val="110000"/>
+                <a:lumMod val="100000"/>
+                <a:shade val="100000"/>
+              </a:schemeClr>
+            </a:gs>
+            <a:gs pos="100000">
+              <a:schemeClr val="phClr">
+                <a:lumMod val="99000"/>
+                <a:satMod val="120000"/>
+                <a:shade val="78000"/>
+              </a:schemeClr>
+            </a:gs>
+          </a:gsLst>
+          <a:lin ang="5400000" scaled="0"/>
+        </a:gradFill>
+      </a:fillStyleLst>
+      <a:lnStyleLst>
+        <a:ln w="6350" cap="flat" cmpd="sng" algn="ctr">
+          <a:solidFill>
+            <a:schemeClr val="phClr"/>
+          </a:solidFill>
+          <a:prstDash val="solid"/>
+          <a:miter lim="800000"/>
+        </a:ln>
+        <a:ln w="12700" cap="flat" cmpd="sng" algn="ctr">
+          <a:solidFill>
+            <a:schemeClr val="phClr"/>
+          </a:solidFill>
+          <a:prstDash val="solid"/>
+          <a:miter lim="800000"/>
+        </a:ln>
+        <a:ln w="19050" cap="flat" cmpd="sng" algn="ctr">
+          <a:solidFill>
+            <a:schemeClr val="phClr"/>
+          </a:solidFill>
+          <a:prstDash val="solid"/>
+          <a:miter lim="800000"/>
+        </a:ln>
+      </a:lnStyleLst>
+      <a:effectStyleLst>
+        <a:effectStyle>
+          <a:effectLst/>
+        </a:effectStyle>
+        <a:effectStyle>
+          <a:effectLst/>
+        </a:effectStyle>
+        <a:effectStyle>
+          <a:effectLst>
+            <a:outerShdw blurRad="57150" dist="19050" dir="5400000" algn="ctr" rotWithShape="0">
+              <a:srgbClr val="000000">
+                <a:alpha val="63000"/>
+              </a:srgbClr>
+            </a:outerShdw>
+          </a:effectLst>
+        </a:effectStyle>
+      </a:effectStyleLst>
+      <a:bgFillStyleLst>
+        <a:solidFill>
+          <a:schemeClr val="phClr"/>
+        </a:solidFill>
+        <a:solidFill>
+          <a:schemeClr val="phClr">
+            <a:tint val="95000"/>
+            <a:satMod val="170000"/>
+          </a:schemeClr>
+        </a:solidFill>
+        <a:gradFill rotWithShape="1">
+          <a:gsLst>
+            <a:gs pos="0">
+              <a:schemeClr val="phClr">
+                <a:tint val="93000"/>
+                <a:satMod val="150000"/>
+                <a:shade val="98000"/>
+                <a:lumMod val="102000"/>
+              </a:schemeClr>
+            </a:gs>
+            <a:gs pos="50000">
+              <a:schemeClr val="phClr">
+                <a:tint val="98000"/>
+                <a:satMod val="130000"/>
+                <a:shade val="90000"/>
+                <a:lumMod val="103000"/>
+              </a:schemeClr>
+            </a:gs>
+            <a:gs pos="100000">
+              <a:schemeClr val="phClr">
+                <a:shade val="63000"/>
+                <a:satMod val="120000"/>
+              </a:schemeClr>
+            </a:gs>
+          </a:gsLst>
+          <a:lin ang="5400000" scaled="0"/>
+        </a:gradFill>
+      </a:bgFillStyleLst>
+    </a:fmtScheme>
+  </a:themeElements>
+  <a:objectDefaults/>
+  <a:extraClrSchemeLst/>
+  <a:extLst>
+    <a:ext uri="{05A4C25C-085E-4340-85A3-A5531E510DB2}">
+      <thm15:themeFamily xmlns:thm15="http://schemas.microsoft.com/office/thememl/2012/main" name="Office Theme" id="{62F939B6-93AF-4DB8-9C6B-D6C7DFDC589F}" vid="{4A3C46E8-61CC-4603-A589-7422A47A8E4A}"/>
+    </a:ext>
+  </a:extLst>
+</a:theme>
 </file>